--- a/빅데이터 기반 울산페이 사용 분석 보고서_ProjectB.pptx
+++ b/빅데이터 기반 울산페이 사용 분석 보고서_ProjectB.pptx
@@ -171,7 +171,7 @@
           <a:p>
             <a:fld id="{5B2E01BD-9ECC-4C84-9E5B-DE5BD2207F7C}" type="datetimeFigureOut">
               <a:rPr lang="ko-KR" altLang="en-US" smtClean="0"/>
-              <a:t>2020-12-05</a:t>
+              <a:t>2020-12-11</a:t>
             </a:fld>
             <a:endParaRPr lang="ko-KR" altLang="en-US"/>
           </a:p>
@@ -304,7 +304,7 @@
           <a:p>
             <a:fld id="{5B2E01BD-9ECC-4C84-9E5B-DE5BD2207F7C}" type="datetimeFigureOut">
               <a:rPr lang="ko-KR" altLang="en-US" smtClean="0"/>
-              <a:t>2020-12-05</a:t>
+              <a:t>2020-12-11</a:t>
             </a:fld>
             <a:endParaRPr lang="ko-KR" altLang="en-US"/>
           </a:p>
@@ -605,7 +605,7 @@
           <a:p>
             <a:fld id="{5B2E01BD-9ECC-4C84-9E5B-DE5BD2207F7C}" type="datetimeFigureOut">
               <a:rPr lang="ko-KR" altLang="en-US" smtClean="0"/>
-              <a:t>2020-12-05</a:t>
+              <a:t>2020-12-11</a:t>
             </a:fld>
             <a:endParaRPr lang="ko-KR" altLang="en-US"/>
           </a:p>
@@ -1128,7 +1128,7 @@
           <a:p>
             <a:fld id="{5B2E01BD-9ECC-4C84-9E5B-DE5BD2207F7C}" type="datetimeFigureOut">
               <a:rPr lang="ko-KR" altLang="en-US" smtClean="0"/>
-              <a:t>2020-12-05</a:t>
+              <a:t>2020-12-11</a:t>
             </a:fld>
             <a:endParaRPr lang="ko-KR" altLang="en-US"/>
           </a:p>
@@ -1246,7 +1246,7 @@
           <a:p>
             <a:fld id="{5B2E01BD-9ECC-4C84-9E5B-DE5BD2207F7C}" type="datetimeFigureOut">
               <a:rPr lang="ko-KR" altLang="en-US" smtClean="0"/>
-              <a:t>2020-12-05</a:t>
+              <a:t>2020-12-11</a:t>
             </a:fld>
             <a:endParaRPr lang="ko-KR" altLang="en-US"/>
           </a:p>
@@ -3201,10 +3201,69 @@
       </p:grpSpPr>
       <p:sp>
         <p:nvSpPr>
-          <p:cNvPr id="13" name="직사각형 12">
+          <p:cNvPr id="35" name="제목 1"/>
+          <p:cNvSpPr txBox="1">
+            <a:spLocks/>
+          </p:cNvSpPr>
+          <p:nvPr/>
+        </p:nvSpPr>
+        <p:spPr>
+          <a:xfrm>
+            <a:off x="251520" y="243601"/>
+            <a:ext cx="8640960" cy="480131"/>
+          </a:xfrm>
+          <a:prstGeom prst="rect">
+            <a:avLst/>
+          </a:prstGeom>
+        </p:spPr>
+        <p:txBody>
+          <a:bodyPr vert="horz" wrap="square" lIns="91440" tIns="45720" rIns="91440" bIns="45720" rtlCol="0" anchor="ctr">
+            <a:spAutoFit/>
+          </a:bodyPr>
+          <a:lstStyle>
+            <a:lvl1pPr algn="l" defTabSz="914400" rtl="0" eaLnBrk="1" latinLnBrk="1" hangingPunct="1">
+              <a:lnSpc>
+                <a:spcPct val="90000"/>
+              </a:lnSpc>
+              <a:spcBef>
+                <a:spcPct val="0"/>
+              </a:spcBef>
+              <a:buNone/>
+              <a:defRPr sz="2800" b="0" kern="1200">
+                <a:solidFill>
+                  <a:schemeClr val="tx1"/>
+                </a:solidFill>
+                <a:effectLst/>
+                <a:latin typeface="-윤고딕320" panose="020B0600000101010101" charset="-127"/>
+                <a:ea typeface="-윤고딕320" panose="020B0600000101010101" charset="-127"/>
+                <a:cs typeface="+mj-cs"/>
+              </a:defRPr>
+            </a:lvl1pPr>
+          </a:lstStyle>
+          <a:p>
+            <a:r>
+              <a:rPr lang="en-US" altLang="ko-KR" dirty="0">
+                <a:latin typeface="+mn-ea"/>
+                <a:ea typeface="+mn-ea"/>
+              </a:rPr>
+              <a:t>3. </a:t>
+            </a:r>
+            <a:r>
+              <a:rPr lang="ko-KR" altLang="en-US" dirty="0">
+                <a:latin typeface="+mn-ea"/>
+                <a:ea typeface="+mn-ea"/>
+              </a:rPr>
+              <a:t>울산페이 데이터 분석 단계별 설명</a:t>
+            </a:r>
+          </a:p>
+        </p:txBody>
+      </p:sp>
+      <p:sp>
+        <p:nvSpPr>
+          <p:cNvPr id="3" name="사각형: 둥근 모서리 2">
             <a:extLst>
               <a:ext uri="{FF2B5EF4-FFF2-40B4-BE49-F238E27FC236}">
-                <a16:creationId xmlns:a16="http://schemas.microsoft.com/office/drawing/2014/main" id="{8A18650E-587D-4954-9C7A-C60C588F644B}"/>
+                <a16:creationId xmlns:a16="http://schemas.microsoft.com/office/drawing/2014/main" id="{44B1FF70-C47F-4352-8698-63BF5E1453B2}"/>
               </a:ext>
             </a:extLst>
           </p:cNvPr>
@@ -3213,8 +3272,666 @@
         </p:nvSpPr>
         <p:spPr>
           <a:xfrm>
-            <a:off x="832560" y="4210212"/>
-            <a:ext cx="6325222" cy="2136800"/>
+            <a:off x="544513" y="1144746"/>
+            <a:ext cx="5438276" cy="416160"/>
+          </a:xfrm>
+          <a:prstGeom prst="roundRect">
+            <a:avLst>
+              <a:gd name="adj" fmla="val 36422"/>
+            </a:avLst>
+          </a:prstGeom>
+        </p:spPr>
+        <p:style>
+          <a:lnRef idx="2">
+            <a:schemeClr val="accent1">
+              <a:shade val="50000"/>
+            </a:schemeClr>
+          </a:lnRef>
+          <a:fillRef idx="1">
+            <a:schemeClr val="accent1"/>
+          </a:fillRef>
+          <a:effectRef idx="0">
+            <a:schemeClr val="accent1"/>
+          </a:effectRef>
+          <a:fontRef idx="minor">
+            <a:schemeClr val="lt1"/>
+          </a:fontRef>
+        </p:style>
+        <p:txBody>
+          <a:bodyPr rtlCol="0" anchor="ctr"/>
+          <a:lstStyle/>
+          <a:p>
+            <a:pPr algn="ctr"/>
+            <a:r>
+              <a:rPr lang="en-US" altLang="ko-KR" sz="2000" b="1" dirty="0"/>
+              <a:t>(4</a:t>
+            </a:r>
+            <a:r>
+              <a:rPr lang="ko-KR" altLang="en-US" sz="2000" b="1" dirty="0"/>
+              <a:t>단계</a:t>
+            </a:r>
+            <a:r>
+              <a:rPr lang="en-US" altLang="ko-KR" sz="2000" b="1" dirty="0"/>
+              <a:t>) </a:t>
+            </a:r>
+            <a:r>
+              <a:rPr lang="ko-KR" altLang="en-US" sz="2000" b="1" dirty="0"/>
+              <a:t>데이터 분석 및 시각화</a:t>
+            </a:r>
+            <a:r>
+              <a:rPr lang="en-US" altLang="ko-KR" sz="2000" b="1" dirty="0"/>
+              <a:t>, </a:t>
+            </a:r>
+            <a:r>
+              <a:rPr lang="ko-KR" altLang="en-US" sz="2000" b="1" dirty="0"/>
+              <a:t>시사점</a:t>
+            </a:r>
+            <a:r>
+              <a:rPr lang="en-US" altLang="ko-KR" sz="2000" b="1" dirty="0"/>
+              <a:t>(1/6)</a:t>
+            </a:r>
+            <a:endParaRPr lang="ko-KR" altLang="en-US" sz="2000" b="1" dirty="0"/>
+          </a:p>
+        </p:txBody>
+      </p:sp>
+      <p:sp>
+        <p:nvSpPr>
+          <p:cNvPr id="2" name="사각형: 둥근 모서리 1">
+            <a:extLst>
+              <a:ext uri="{FF2B5EF4-FFF2-40B4-BE49-F238E27FC236}">
+                <a16:creationId xmlns:a16="http://schemas.microsoft.com/office/drawing/2014/main" id="{00D8EB94-8409-4E95-AB44-FABAFF0FE391}"/>
+              </a:ext>
+            </a:extLst>
+          </p:cNvPr>
+          <p:cNvSpPr/>
+          <p:nvPr/>
+        </p:nvSpPr>
+        <p:spPr>
+          <a:xfrm>
+            <a:off x="7524205" y="1638755"/>
+            <a:ext cx="1619795" cy="1960656"/>
+          </a:xfrm>
+          <a:prstGeom prst="roundRect">
+            <a:avLst>
+              <a:gd name="adj" fmla="val 5441"/>
+            </a:avLst>
+          </a:prstGeom>
+          <a:solidFill>
+            <a:schemeClr val="bg1">
+              <a:lumMod val="95000"/>
+            </a:schemeClr>
+          </a:solidFill>
+          <a:ln w="28575">
+            <a:noFill/>
+          </a:ln>
+        </p:spPr>
+        <p:style>
+          <a:lnRef idx="2">
+            <a:schemeClr val="accent1">
+              <a:shade val="50000"/>
+            </a:schemeClr>
+          </a:lnRef>
+          <a:fillRef idx="1">
+            <a:schemeClr val="accent1"/>
+          </a:fillRef>
+          <a:effectRef idx="0">
+            <a:schemeClr val="accent1"/>
+          </a:effectRef>
+          <a:fontRef idx="minor">
+            <a:schemeClr val="lt1"/>
+          </a:fontRef>
+        </p:style>
+        <p:txBody>
+          <a:bodyPr rtlCol="0" anchor="t"/>
+          <a:lstStyle/>
+          <a:p>
+            <a:pPr marL="171450" indent="-171450">
+              <a:buFont typeface="Arial" panose="020B0604020202020204" pitchFamily="34" charset="0"/>
+              <a:buChar char="•"/>
+            </a:pPr>
+            <a:endParaRPr lang="en-US" altLang="ko-KR" sz="1100" spc="-60" dirty="0">
+              <a:ln>
+                <a:solidFill>
+                  <a:prstClr val="white">
+                    <a:alpha val="0"/>
+                  </a:prstClr>
+                </a:solidFill>
+              </a:ln>
+              <a:solidFill>
+                <a:schemeClr val="tx2">
+                  <a:lumMod val="75000"/>
+                </a:schemeClr>
+              </a:solidFill>
+              <a:latin typeface="+mj-ea"/>
+              <a:ea typeface="+mj-ea"/>
+            </a:endParaRPr>
+          </a:p>
+          <a:p>
+            <a:pPr marL="171450" indent="-171450">
+              <a:buFont typeface="Arial" panose="020B0604020202020204" pitchFamily="34" charset="0"/>
+              <a:buChar char="•"/>
+            </a:pPr>
+            <a:r>
+              <a:rPr lang="ko-KR" altLang="en-US" sz="1100" spc="-60" dirty="0" err="1" smtClean="0">
+                <a:ln>
+                  <a:solidFill>
+                    <a:prstClr val="white">
+                      <a:alpha val="0"/>
+                    </a:prstClr>
+                  </a:solidFill>
+                </a:ln>
+                <a:solidFill>
+                  <a:schemeClr val="tx2">
+                    <a:lumMod val="75000"/>
+                  </a:schemeClr>
+                </a:solidFill>
+                <a:latin typeface="+mj-ea"/>
+                <a:ea typeface="+mj-ea"/>
+              </a:rPr>
+              <a:t>일자별</a:t>
+            </a:r>
+            <a:r>
+              <a:rPr lang="ko-KR" altLang="en-US" sz="1100" spc="-60" dirty="0" smtClean="0">
+                <a:ln>
+                  <a:solidFill>
+                    <a:prstClr val="white">
+                      <a:alpha val="0"/>
+                    </a:prstClr>
+                  </a:solidFill>
+                </a:ln>
+                <a:solidFill>
+                  <a:schemeClr val="tx2">
+                    <a:lumMod val="75000"/>
+                  </a:schemeClr>
+                </a:solidFill>
+                <a:latin typeface="+mj-ea"/>
+                <a:ea typeface="+mj-ea"/>
+              </a:rPr>
+              <a:t> 거래금액 집계</a:t>
+            </a:r>
+            <a:endParaRPr lang="en-US" altLang="ko-KR" sz="1100" spc="-60" dirty="0" smtClean="0">
+              <a:ln>
+                <a:solidFill>
+                  <a:prstClr val="white">
+                    <a:alpha val="0"/>
+                  </a:prstClr>
+                </a:solidFill>
+              </a:ln>
+              <a:solidFill>
+                <a:schemeClr val="tx2">
+                  <a:lumMod val="75000"/>
+                </a:schemeClr>
+              </a:solidFill>
+              <a:latin typeface="+mj-ea"/>
+              <a:ea typeface="+mj-ea"/>
+            </a:endParaRPr>
+          </a:p>
+          <a:p>
+            <a:pPr marL="171450" indent="-171450">
+              <a:buFont typeface="Arial" panose="020B0604020202020204" pitchFamily="34" charset="0"/>
+              <a:buChar char="•"/>
+            </a:pPr>
+            <a:endParaRPr lang="en-US" altLang="ko-KR" sz="1100" spc="-60" dirty="0" smtClean="0">
+              <a:ln>
+                <a:solidFill>
+                  <a:prstClr val="white">
+                    <a:alpha val="0"/>
+                  </a:prstClr>
+                </a:solidFill>
+              </a:ln>
+              <a:solidFill>
+                <a:schemeClr val="tx2">
+                  <a:lumMod val="75000"/>
+                </a:schemeClr>
+              </a:solidFill>
+              <a:latin typeface="+mj-ea"/>
+              <a:ea typeface="+mj-ea"/>
+            </a:endParaRPr>
+          </a:p>
+          <a:p>
+            <a:pPr marL="171450" indent="-171450">
+              <a:buFont typeface="Arial" panose="020B0604020202020204" pitchFamily="34" charset="0"/>
+              <a:buChar char="•"/>
+            </a:pPr>
+            <a:r>
+              <a:rPr lang="en-US" altLang="ko-KR" sz="1100" spc="-60" dirty="0" err="1" smtClean="0">
+                <a:ln>
+                  <a:solidFill>
+                    <a:prstClr val="white">
+                      <a:alpha val="0"/>
+                    </a:prstClr>
+                  </a:solidFill>
+                </a:ln>
+                <a:solidFill>
+                  <a:schemeClr val="tx2">
+                    <a:lumMod val="75000"/>
+                  </a:schemeClr>
+                </a:solidFill>
+                <a:latin typeface="+mj-ea"/>
+                <a:ea typeface="+mj-ea"/>
+              </a:rPr>
+              <a:t>Groupby</a:t>
+            </a:r>
+            <a:r>
+              <a:rPr lang="en-US" altLang="ko-KR" sz="1100" spc="-60" dirty="0" smtClean="0">
+                <a:ln>
+                  <a:solidFill>
+                    <a:prstClr val="white">
+                      <a:alpha val="0"/>
+                    </a:prstClr>
+                  </a:solidFill>
+                </a:ln>
+                <a:solidFill>
+                  <a:schemeClr val="tx2">
+                    <a:lumMod val="75000"/>
+                  </a:schemeClr>
+                </a:solidFill>
+                <a:latin typeface="+mj-ea"/>
+                <a:ea typeface="+mj-ea"/>
+              </a:rPr>
+              <a:t> </a:t>
+            </a:r>
+            <a:r>
+              <a:rPr lang="ko-KR" altLang="en-US" sz="1100" spc="-60" dirty="0" smtClean="0">
+                <a:ln>
+                  <a:solidFill>
+                    <a:prstClr val="white">
+                      <a:alpha val="0"/>
+                    </a:prstClr>
+                  </a:solidFill>
+                </a:ln>
+                <a:solidFill>
+                  <a:schemeClr val="tx2">
+                    <a:lumMod val="75000"/>
+                  </a:schemeClr>
+                </a:solidFill>
+                <a:latin typeface="+mj-ea"/>
+                <a:ea typeface="+mj-ea"/>
+              </a:rPr>
+              <a:t>함수 사용 </a:t>
+            </a:r>
+            <a:r>
+              <a:rPr lang="ko-KR" altLang="en-US" sz="1100" spc="-60" dirty="0" err="1" smtClean="0">
+                <a:ln>
+                  <a:solidFill>
+                    <a:prstClr val="white">
+                      <a:alpha val="0"/>
+                    </a:prstClr>
+                  </a:solidFill>
+                </a:ln>
+                <a:solidFill>
+                  <a:schemeClr val="tx2">
+                    <a:lumMod val="75000"/>
+                  </a:schemeClr>
+                </a:solidFill>
+                <a:latin typeface="+mj-ea"/>
+                <a:ea typeface="+mj-ea"/>
+              </a:rPr>
+              <a:t>요일별</a:t>
+            </a:r>
+            <a:r>
+              <a:rPr lang="ko-KR" altLang="en-US" sz="1100" spc="-60" dirty="0" smtClean="0">
+                <a:ln>
+                  <a:solidFill>
+                    <a:prstClr val="white">
+                      <a:alpha val="0"/>
+                    </a:prstClr>
+                  </a:solidFill>
+                </a:ln>
+                <a:solidFill>
+                  <a:schemeClr val="tx2">
+                    <a:lumMod val="75000"/>
+                  </a:schemeClr>
+                </a:solidFill>
+                <a:latin typeface="+mj-ea"/>
+                <a:ea typeface="+mj-ea"/>
+              </a:rPr>
+              <a:t> 합계를 구함</a:t>
+            </a:r>
+            <a:r>
+              <a:rPr lang="en-US" altLang="ko-KR" sz="1100" spc="-60" dirty="0" smtClean="0">
+                <a:ln>
+                  <a:solidFill>
+                    <a:prstClr val="white">
+                      <a:alpha val="0"/>
+                    </a:prstClr>
+                  </a:solidFill>
+                </a:ln>
+                <a:solidFill>
+                  <a:schemeClr val="tx2">
+                    <a:lumMod val="75000"/>
+                  </a:schemeClr>
+                </a:solidFill>
+                <a:latin typeface="+mj-ea"/>
+                <a:ea typeface="+mj-ea"/>
+              </a:rPr>
+              <a:t>.</a:t>
+            </a:r>
+          </a:p>
+          <a:p>
+            <a:pPr marL="171450" indent="-171450">
+              <a:buFont typeface="Arial" panose="020B0604020202020204" pitchFamily="34" charset="0"/>
+              <a:buChar char="•"/>
+            </a:pPr>
+            <a:endParaRPr lang="en-US" altLang="ko-KR" sz="1100" spc="-60" dirty="0" smtClean="0">
+              <a:ln>
+                <a:solidFill>
+                  <a:prstClr val="white">
+                    <a:alpha val="0"/>
+                  </a:prstClr>
+                </a:solidFill>
+              </a:ln>
+              <a:solidFill>
+                <a:schemeClr val="tx2">
+                  <a:lumMod val="75000"/>
+                </a:schemeClr>
+              </a:solidFill>
+              <a:latin typeface="+mj-ea"/>
+              <a:ea typeface="+mj-ea"/>
+            </a:endParaRPr>
+          </a:p>
+          <a:p>
+            <a:pPr marL="171450" indent="-171450">
+              <a:buFont typeface="Arial" panose="020B0604020202020204" pitchFamily="34" charset="0"/>
+              <a:buChar char="•"/>
+            </a:pPr>
+            <a:r>
+              <a:rPr lang="en-US" altLang="ko-KR" sz="1100" spc="-60" dirty="0" smtClean="0">
+                <a:ln>
+                  <a:solidFill>
+                    <a:prstClr val="white">
+                      <a:alpha val="0"/>
+                    </a:prstClr>
+                  </a:solidFill>
+                </a:ln>
+                <a:solidFill>
+                  <a:schemeClr val="tx2">
+                    <a:lumMod val="75000"/>
+                  </a:schemeClr>
+                </a:solidFill>
+                <a:latin typeface="+mj-ea"/>
+                <a:ea typeface="+mj-ea"/>
+              </a:rPr>
+              <a:t>X</a:t>
+            </a:r>
+            <a:r>
+              <a:rPr lang="ko-KR" altLang="en-US" sz="1100" spc="-60" dirty="0" smtClean="0">
+                <a:ln>
+                  <a:solidFill>
+                    <a:prstClr val="white">
+                      <a:alpha val="0"/>
+                    </a:prstClr>
+                  </a:solidFill>
+                </a:ln>
+                <a:solidFill>
+                  <a:schemeClr val="tx2">
+                    <a:lumMod val="75000"/>
+                  </a:schemeClr>
+                </a:solidFill>
+                <a:latin typeface="+mj-ea"/>
+                <a:ea typeface="+mj-ea"/>
+              </a:rPr>
+              <a:t>축 </a:t>
+            </a:r>
+            <a:r>
+              <a:rPr lang="en-US" altLang="ko-KR" sz="1100" spc="-60" dirty="0" smtClean="0">
+                <a:ln>
+                  <a:solidFill>
+                    <a:prstClr val="white">
+                      <a:alpha val="0"/>
+                    </a:prstClr>
+                  </a:solidFill>
+                </a:ln>
+                <a:solidFill>
+                  <a:schemeClr val="tx2">
+                    <a:lumMod val="75000"/>
+                  </a:schemeClr>
+                </a:solidFill>
+                <a:latin typeface="+mj-ea"/>
+                <a:ea typeface="+mj-ea"/>
+              </a:rPr>
+              <a:t>: </a:t>
+            </a:r>
+            <a:r>
+              <a:rPr lang="ko-KR" altLang="en-US" sz="1100" spc="-60" dirty="0" err="1" smtClean="0">
+                <a:ln>
+                  <a:solidFill>
+                    <a:prstClr val="white">
+                      <a:alpha val="0"/>
+                    </a:prstClr>
+                  </a:solidFill>
+                </a:ln>
+                <a:solidFill>
+                  <a:schemeClr val="tx2">
+                    <a:lumMod val="75000"/>
+                  </a:schemeClr>
+                </a:solidFill>
+                <a:latin typeface="+mj-ea"/>
+                <a:ea typeface="+mj-ea"/>
+              </a:rPr>
+              <a:t>승인일자</a:t>
+            </a:r>
+            <a:r>
+              <a:rPr lang="en-US" altLang="ko-KR" sz="1100" spc="-60" dirty="0" smtClean="0">
+                <a:ln>
+                  <a:solidFill>
+                    <a:prstClr val="white">
+                      <a:alpha val="0"/>
+                    </a:prstClr>
+                  </a:solidFill>
+                </a:ln>
+                <a:solidFill>
+                  <a:schemeClr val="tx2">
+                    <a:lumMod val="75000"/>
+                  </a:schemeClr>
+                </a:solidFill>
+                <a:latin typeface="+mj-ea"/>
+                <a:ea typeface="+mj-ea"/>
+              </a:rPr>
+              <a:t>. </a:t>
+            </a:r>
+            <a:r>
+              <a:rPr lang="en-US" altLang="ko-KR" sz="1100" spc="-60" dirty="0">
+                <a:ln>
+                  <a:solidFill>
+                    <a:prstClr val="white">
+                      <a:alpha val="0"/>
+                    </a:prstClr>
+                  </a:solidFill>
+                </a:ln>
+                <a:solidFill>
+                  <a:schemeClr val="tx2">
+                    <a:lumMod val="75000"/>
+                  </a:schemeClr>
+                </a:solidFill>
+                <a:latin typeface="+mj-ea"/>
+                <a:ea typeface="+mj-ea"/>
+              </a:rPr>
+              <a:t> </a:t>
+            </a:r>
+            <a:r>
+              <a:rPr lang="en-US" altLang="ko-KR" sz="1100" spc="-60" dirty="0" smtClean="0">
+                <a:ln>
+                  <a:solidFill>
+                    <a:prstClr val="white">
+                      <a:alpha val="0"/>
+                    </a:prstClr>
+                  </a:solidFill>
+                </a:ln>
+                <a:solidFill>
+                  <a:schemeClr val="tx2">
+                    <a:lumMod val="75000"/>
+                  </a:schemeClr>
+                </a:solidFill>
+                <a:latin typeface="+mj-ea"/>
+                <a:ea typeface="+mj-ea"/>
+              </a:rPr>
+              <a:t/>
+            </a:r>
+            <a:br>
+              <a:rPr lang="en-US" altLang="ko-KR" sz="1100" spc="-60" dirty="0" smtClean="0">
+                <a:ln>
+                  <a:solidFill>
+                    <a:prstClr val="white">
+                      <a:alpha val="0"/>
+                    </a:prstClr>
+                  </a:solidFill>
+                </a:ln>
+                <a:solidFill>
+                  <a:schemeClr val="tx2">
+                    <a:lumMod val="75000"/>
+                  </a:schemeClr>
+                </a:solidFill>
+                <a:latin typeface="+mj-ea"/>
+                <a:ea typeface="+mj-ea"/>
+              </a:rPr>
+            </a:br>
+            <a:r>
+              <a:rPr lang="en-US" altLang="ko-KR" sz="1100" spc="-60" dirty="0" err="1" smtClean="0">
+                <a:ln>
+                  <a:solidFill>
+                    <a:prstClr val="white">
+                      <a:alpha val="0"/>
+                    </a:prstClr>
+                  </a:solidFill>
+                </a:ln>
+                <a:solidFill>
+                  <a:schemeClr val="tx2">
+                    <a:lumMod val="75000"/>
+                  </a:schemeClr>
+                </a:solidFill>
+                <a:latin typeface="+mj-ea"/>
+                <a:ea typeface="+mj-ea"/>
+              </a:rPr>
+              <a:t>Y</a:t>
+            </a:r>
+            <a:r>
+              <a:rPr lang="ko-KR" altLang="en-US" sz="1100" spc="-60" dirty="0" smtClean="0">
+                <a:ln>
+                  <a:solidFill>
+                    <a:prstClr val="white">
+                      <a:alpha val="0"/>
+                    </a:prstClr>
+                  </a:solidFill>
+                </a:ln>
+                <a:solidFill>
+                  <a:schemeClr val="tx2">
+                    <a:lumMod val="75000"/>
+                  </a:schemeClr>
+                </a:solidFill>
+                <a:latin typeface="+mj-ea"/>
+                <a:ea typeface="+mj-ea"/>
+              </a:rPr>
+              <a:t>축 </a:t>
+            </a:r>
+            <a:r>
+              <a:rPr lang="en-US" altLang="ko-KR" sz="1100" spc="-60" dirty="0" smtClean="0">
+                <a:ln>
+                  <a:solidFill>
+                    <a:prstClr val="white">
+                      <a:alpha val="0"/>
+                    </a:prstClr>
+                  </a:solidFill>
+                </a:ln>
+                <a:solidFill>
+                  <a:schemeClr val="tx2">
+                    <a:lumMod val="75000"/>
+                  </a:schemeClr>
+                </a:solidFill>
+                <a:latin typeface="+mj-ea"/>
+                <a:ea typeface="+mj-ea"/>
+              </a:rPr>
+              <a:t>: </a:t>
+            </a:r>
+            <a:r>
+              <a:rPr lang="ko-KR" altLang="en-US" sz="1100" spc="-60" dirty="0" smtClean="0">
+                <a:ln>
+                  <a:solidFill>
+                    <a:prstClr val="white">
+                      <a:alpha val="0"/>
+                    </a:prstClr>
+                  </a:solidFill>
+                </a:ln>
+                <a:solidFill>
+                  <a:schemeClr val="tx2">
+                    <a:lumMod val="75000"/>
+                  </a:schemeClr>
+                </a:solidFill>
+                <a:latin typeface="+mj-ea"/>
+                <a:ea typeface="+mj-ea"/>
+              </a:rPr>
+              <a:t>거래금액</a:t>
+            </a:r>
+            <a:endParaRPr lang="en-US" altLang="ko-KR" sz="1100" spc="-60" dirty="0">
+              <a:ln>
+                <a:solidFill>
+                  <a:prstClr val="white">
+                    <a:alpha val="0"/>
+                  </a:prstClr>
+                </a:solidFill>
+              </a:ln>
+              <a:solidFill>
+                <a:schemeClr val="tx2">
+                  <a:lumMod val="75000"/>
+                </a:schemeClr>
+              </a:solidFill>
+              <a:latin typeface="+mj-ea"/>
+              <a:ea typeface="+mj-ea"/>
+            </a:endParaRPr>
+          </a:p>
+        </p:txBody>
+      </p:sp>
+      <p:sp>
+        <p:nvSpPr>
+          <p:cNvPr id="31" name="TextBox 30">
+            <a:extLst>
+              <a:ext uri="{FF2B5EF4-FFF2-40B4-BE49-F238E27FC236}">
+                <a16:creationId xmlns:a16="http://schemas.microsoft.com/office/drawing/2014/main" id="{AA4E3547-C3C5-49D0-B6EF-7AFF7B718EFA}"/>
+              </a:ext>
+            </a:extLst>
+          </p:cNvPr>
+          <p:cNvSpPr txBox="1"/>
+          <p:nvPr/>
+        </p:nvSpPr>
+        <p:spPr>
+          <a:xfrm>
+            <a:off x="7445829" y="1269423"/>
+            <a:ext cx="1160895" cy="369332"/>
+          </a:xfrm>
+          <a:prstGeom prst="rect">
+            <a:avLst/>
+          </a:prstGeom>
+          <a:noFill/>
+        </p:spPr>
+        <p:txBody>
+          <a:bodyPr wrap="none" rtlCol="0">
+            <a:spAutoFit/>
+          </a:bodyPr>
+          <a:lstStyle/>
+          <a:p>
+            <a:r>
+              <a:rPr lang="ko-KR" altLang="en-US" b="1" dirty="0"/>
+              <a:t>분석 과정</a:t>
+            </a:r>
+          </a:p>
+        </p:txBody>
+      </p:sp>
+      <p:sp>
+        <p:nvSpPr>
+          <p:cNvPr id="9" name="직사각형 8">
+            <a:extLst>
+              <a:ext uri="{FF2B5EF4-FFF2-40B4-BE49-F238E27FC236}">
+                <a16:creationId xmlns:a16="http://schemas.microsoft.com/office/drawing/2014/main" id="{5B25AD86-019F-4C45-B8F8-5A59E9B071FC}"/>
+              </a:ext>
+            </a:extLst>
+          </p:cNvPr>
+          <p:cNvSpPr/>
+          <p:nvPr/>
+        </p:nvSpPr>
+        <p:spPr>
+          <a:xfrm>
+            <a:off x="0" y="0"/>
+            <a:ext cx="9144000" cy="913118"/>
           </a:xfrm>
           <a:prstGeom prst="rect">
             <a:avLst/>
@@ -3250,12 +3967,44 @@
           <a:p>
             <a:pPr algn="ctr"/>
             <a:r>
+              <a:rPr lang="en-US" altLang="ko-KR" sz="3600" dirty="0">
+                <a:solidFill>
+                  <a:srgbClr val="FF0000"/>
+                </a:solidFill>
+              </a:rPr>
+              <a:t>&lt;</a:t>
+            </a:r>
+            <a:r>
               <a:rPr lang="ko-KR" altLang="en-US" sz="3600" dirty="0">
                 <a:solidFill>
                   <a:srgbClr val="FF0000"/>
                 </a:solidFill>
               </a:rPr>
-              <a:t>그래프 삽입</a:t>
+              <a:t>승자 일자 기준</a:t>
+            </a:r>
+            <a:r>
+              <a:rPr lang="en-US" altLang="ko-KR" sz="3600" dirty="0">
+                <a:solidFill>
+                  <a:srgbClr val="FF0000"/>
+                </a:solidFill>
+              </a:rPr>
+              <a:t>_</a:t>
+            </a:r>
+            <a:r>
+              <a:rPr lang="ko-KR" altLang="en-US" sz="3600" dirty="0">
+                <a:solidFill>
+                  <a:srgbClr val="FF0000"/>
+                </a:solidFill>
+              </a:rPr>
+              <a:t>박주영</a:t>
+            </a:r>
+            <a:r>
+              <a:rPr lang="en-US" altLang="ko-KR" sz="3600" dirty="0">
+                <a:solidFill>
+                  <a:srgbClr val="FF0000"/>
+                </a:solidFill>
+              </a:rPr>
+              <a:t>&gt;</a:t>
             </a:r>
             <a:endParaRPr lang="ko-KR" altLang="en-US" sz="1200" strike="sngStrike" dirty="0">
               <a:solidFill>
@@ -3265,6 +4014,685 @@
           </a:p>
         </p:txBody>
       </p:sp>
+      <p:sp>
+        <p:nvSpPr>
+          <p:cNvPr id="12" name="텍스트 개체 틀 6">
+            <a:extLst>
+              <a:ext uri="{FF2B5EF4-FFF2-40B4-BE49-F238E27FC236}">
+                <a16:creationId xmlns:a16="http://schemas.microsoft.com/office/drawing/2014/main" id="{D0EDCBAB-5962-4C0F-BC25-2F0336FB4678}"/>
+              </a:ext>
+            </a:extLst>
+          </p:cNvPr>
+          <p:cNvSpPr txBox="1">
+            <a:spLocks/>
+          </p:cNvSpPr>
+          <p:nvPr/>
+        </p:nvSpPr>
+        <p:spPr>
+          <a:xfrm>
+            <a:off x="544513" y="2068942"/>
+            <a:ext cx="6901316" cy="2059141"/>
+          </a:xfrm>
+          <a:prstGeom prst="rect">
+            <a:avLst/>
+          </a:prstGeom>
+        </p:spPr>
+        <p:txBody>
+          <a:bodyPr/>
+          <a:lstStyle>
+            <a:lvl1pPr marL="228600" indent="-228600" algn="l" defTabSz="914400" rtl="0" eaLnBrk="1" latinLnBrk="1" hangingPunct="1">
+              <a:lnSpc>
+                <a:spcPct val="90000"/>
+              </a:lnSpc>
+              <a:spcBef>
+                <a:spcPts val="1000"/>
+              </a:spcBef>
+              <a:buFont typeface="Arial" panose="020B0604020202020204" pitchFamily="34" charset="0"/>
+              <a:buChar char="•"/>
+              <a:defRPr sz="2000" kern="1200">
+                <a:solidFill>
+                  <a:schemeClr val="tx1"/>
+                </a:solidFill>
+                <a:latin typeface="+mn-lt"/>
+                <a:ea typeface="+mn-ea"/>
+                <a:cs typeface="+mn-cs"/>
+              </a:defRPr>
+            </a:lvl1pPr>
+            <a:lvl2pPr marL="685800" indent="-228600" algn="l" defTabSz="914400" rtl="0" eaLnBrk="1" latinLnBrk="1" hangingPunct="1">
+              <a:lnSpc>
+                <a:spcPct val="90000"/>
+              </a:lnSpc>
+              <a:spcBef>
+                <a:spcPts val="500"/>
+              </a:spcBef>
+              <a:buFont typeface="Arial" panose="020B0604020202020204" pitchFamily="34" charset="0"/>
+              <a:buChar char="•"/>
+              <a:defRPr sz="1800" kern="1200">
+                <a:solidFill>
+                  <a:schemeClr val="tx1"/>
+                </a:solidFill>
+                <a:latin typeface="+mn-lt"/>
+                <a:ea typeface="+mn-ea"/>
+                <a:cs typeface="+mn-cs"/>
+              </a:defRPr>
+            </a:lvl2pPr>
+            <a:lvl3pPr marL="1143000" indent="-228600" algn="l" defTabSz="914400" rtl="0" eaLnBrk="1" latinLnBrk="1" hangingPunct="1">
+              <a:lnSpc>
+                <a:spcPct val="90000"/>
+              </a:lnSpc>
+              <a:spcBef>
+                <a:spcPts val="500"/>
+              </a:spcBef>
+              <a:buFont typeface="Arial" panose="020B0604020202020204" pitchFamily="34" charset="0"/>
+              <a:buChar char="•"/>
+              <a:defRPr sz="1600" kern="1200">
+                <a:solidFill>
+                  <a:schemeClr val="tx1"/>
+                </a:solidFill>
+                <a:latin typeface="+mn-lt"/>
+                <a:ea typeface="+mn-ea"/>
+                <a:cs typeface="+mn-cs"/>
+              </a:defRPr>
+            </a:lvl3pPr>
+            <a:lvl4pPr marL="1600200" indent="-228600" algn="l" defTabSz="914400" rtl="0" eaLnBrk="1" latinLnBrk="1" hangingPunct="1">
+              <a:lnSpc>
+                <a:spcPct val="90000"/>
+              </a:lnSpc>
+              <a:spcBef>
+                <a:spcPts val="500"/>
+              </a:spcBef>
+              <a:buFont typeface="Arial" panose="020B0604020202020204" pitchFamily="34" charset="0"/>
+              <a:buChar char="•"/>
+              <a:defRPr sz="1400" kern="1200">
+                <a:solidFill>
+                  <a:schemeClr val="tx1"/>
+                </a:solidFill>
+                <a:latin typeface="+mn-lt"/>
+                <a:ea typeface="+mn-ea"/>
+                <a:cs typeface="+mn-cs"/>
+              </a:defRPr>
+            </a:lvl4pPr>
+            <a:lvl5pPr marL="2057400" indent="-228600" algn="l" defTabSz="914400" rtl="0" eaLnBrk="1" latinLnBrk="1" hangingPunct="1">
+              <a:lnSpc>
+                <a:spcPct val="90000"/>
+              </a:lnSpc>
+              <a:spcBef>
+                <a:spcPts val="500"/>
+              </a:spcBef>
+              <a:buFont typeface="Arial" panose="020B0604020202020204" pitchFamily="34" charset="0"/>
+              <a:buChar char="•"/>
+              <a:defRPr sz="1200" kern="1200">
+                <a:solidFill>
+                  <a:schemeClr val="tx1"/>
+                </a:solidFill>
+                <a:latin typeface="+mn-lt"/>
+                <a:ea typeface="+mn-ea"/>
+                <a:cs typeface="+mn-cs"/>
+              </a:defRPr>
+            </a:lvl5pPr>
+            <a:lvl6pPr marL="2514600" indent="-228600" algn="l" defTabSz="914400" rtl="0" eaLnBrk="1" latinLnBrk="1" hangingPunct="1">
+              <a:lnSpc>
+                <a:spcPct val="90000"/>
+              </a:lnSpc>
+              <a:spcBef>
+                <a:spcPts val="500"/>
+              </a:spcBef>
+              <a:buFont typeface="Arial" panose="020B0604020202020204" pitchFamily="34" charset="0"/>
+              <a:buChar char="•"/>
+              <a:defRPr sz="1800" kern="1200">
+                <a:solidFill>
+                  <a:schemeClr val="tx1"/>
+                </a:solidFill>
+                <a:latin typeface="+mn-lt"/>
+                <a:ea typeface="+mn-ea"/>
+                <a:cs typeface="+mn-cs"/>
+              </a:defRPr>
+            </a:lvl6pPr>
+            <a:lvl7pPr marL="2971800" indent="-228600" algn="l" defTabSz="914400" rtl="0" eaLnBrk="1" latinLnBrk="1" hangingPunct="1">
+              <a:lnSpc>
+                <a:spcPct val="90000"/>
+              </a:lnSpc>
+              <a:spcBef>
+                <a:spcPts val="500"/>
+              </a:spcBef>
+              <a:buFont typeface="Arial" panose="020B0604020202020204" pitchFamily="34" charset="0"/>
+              <a:buChar char="•"/>
+              <a:defRPr sz="1800" kern="1200">
+                <a:solidFill>
+                  <a:schemeClr val="tx1"/>
+                </a:solidFill>
+                <a:latin typeface="+mn-lt"/>
+                <a:ea typeface="+mn-ea"/>
+                <a:cs typeface="+mn-cs"/>
+              </a:defRPr>
+            </a:lvl7pPr>
+            <a:lvl8pPr marL="3429000" indent="-228600" algn="l" defTabSz="914400" rtl="0" eaLnBrk="1" latinLnBrk="1" hangingPunct="1">
+              <a:lnSpc>
+                <a:spcPct val="90000"/>
+              </a:lnSpc>
+              <a:spcBef>
+                <a:spcPts val="500"/>
+              </a:spcBef>
+              <a:buFont typeface="Arial" panose="020B0604020202020204" pitchFamily="34" charset="0"/>
+              <a:buChar char="•"/>
+              <a:defRPr sz="1800" kern="1200">
+                <a:solidFill>
+                  <a:schemeClr val="tx1"/>
+                </a:solidFill>
+                <a:latin typeface="+mn-lt"/>
+                <a:ea typeface="+mn-ea"/>
+                <a:cs typeface="+mn-cs"/>
+              </a:defRPr>
+            </a:lvl8pPr>
+            <a:lvl9pPr marL="3886200" indent="-228600" algn="l" defTabSz="914400" rtl="0" eaLnBrk="1" latinLnBrk="1" hangingPunct="1">
+              <a:lnSpc>
+                <a:spcPct val="90000"/>
+              </a:lnSpc>
+              <a:spcBef>
+                <a:spcPts val="500"/>
+              </a:spcBef>
+              <a:buFont typeface="Arial" panose="020B0604020202020204" pitchFamily="34" charset="0"/>
+              <a:buChar char="•"/>
+              <a:defRPr sz="1800" kern="1200">
+                <a:solidFill>
+                  <a:schemeClr val="tx1"/>
+                </a:solidFill>
+                <a:latin typeface="+mn-lt"/>
+                <a:ea typeface="+mn-ea"/>
+                <a:cs typeface="+mn-cs"/>
+              </a:defRPr>
+            </a:lvl9pPr>
+          </a:lstStyle>
+          <a:p>
+            <a:pPr marL="800100" lvl="1" indent="-342900">
+              <a:spcBef>
+                <a:spcPts val="1000"/>
+              </a:spcBef>
+              <a:buFont typeface="+mj-ea"/>
+              <a:buAutoNum type="circleNumDbPlain"/>
+            </a:pPr>
+            <a:r>
+              <a:rPr lang="ko-KR" altLang="en-US" spc="-60" dirty="0" smtClean="0">
+                <a:ln>
+                  <a:solidFill>
+                    <a:prstClr val="white">
+                      <a:alpha val="0"/>
+                    </a:prstClr>
+                  </a:solidFill>
+                </a:ln>
+                <a:solidFill>
+                  <a:schemeClr val="tx2">
+                    <a:lumMod val="75000"/>
+                  </a:schemeClr>
+                </a:solidFill>
+                <a:latin typeface="+mj-ea"/>
+                <a:ea typeface="+mj-ea"/>
+              </a:rPr>
+              <a:t>거래금액이 가장 높은 날은 </a:t>
+            </a:r>
+            <a:r>
+              <a:rPr lang="en-US" altLang="ko-KR" spc="-60" dirty="0" smtClean="0">
+                <a:ln>
+                  <a:solidFill>
+                    <a:prstClr val="white">
+                      <a:alpha val="0"/>
+                    </a:prstClr>
+                  </a:solidFill>
+                </a:ln>
+                <a:solidFill>
+                  <a:schemeClr val="tx2">
+                    <a:lumMod val="75000"/>
+                  </a:schemeClr>
+                </a:solidFill>
+                <a:latin typeface="+mj-ea"/>
+                <a:ea typeface="+mj-ea"/>
+              </a:rPr>
+              <a:t>1</a:t>
+            </a:r>
+            <a:r>
+              <a:rPr lang="ko-KR" altLang="en-US" spc="-60" dirty="0" smtClean="0">
+                <a:ln>
+                  <a:solidFill>
+                    <a:prstClr val="white">
+                      <a:alpha val="0"/>
+                    </a:prstClr>
+                  </a:solidFill>
+                </a:ln>
+                <a:solidFill>
+                  <a:schemeClr val="tx2">
+                    <a:lumMod val="75000"/>
+                  </a:schemeClr>
+                </a:solidFill>
+                <a:latin typeface="+mj-ea"/>
+                <a:ea typeface="+mj-ea"/>
+              </a:rPr>
+              <a:t>월 </a:t>
+            </a:r>
+            <a:r>
+              <a:rPr lang="en-US" altLang="ko-KR" spc="-60" dirty="0" smtClean="0">
+                <a:ln>
+                  <a:solidFill>
+                    <a:prstClr val="white">
+                      <a:alpha val="0"/>
+                    </a:prstClr>
+                  </a:solidFill>
+                </a:ln>
+                <a:solidFill>
+                  <a:schemeClr val="tx2">
+                    <a:lumMod val="75000"/>
+                  </a:schemeClr>
+                </a:solidFill>
+                <a:latin typeface="+mj-ea"/>
+                <a:ea typeface="+mj-ea"/>
+              </a:rPr>
+              <a:t>23</a:t>
+            </a:r>
+            <a:r>
+              <a:rPr lang="ko-KR" altLang="en-US" spc="-60" dirty="0" smtClean="0">
+                <a:ln>
+                  <a:solidFill>
+                    <a:prstClr val="white">
+                      <a:alpha val="0"/>
+                    </a:prstClr>
+                  </a:solidFill>
+                </a:ln>
+                <a:solidFill>
+                  <a:schemeClr val="tx2">
+                    <a:lumMod val="75000"/>
+                  </a:schemeClr>
+                </a:solidFill>
+                <a:latin typeface="+mj-ea"/>
+                <a:ea typeface="+mj-ea"/>
+              </a:rPr>
+              <a:t>일로 나타났음</a:t>
+            </a:r>
+            <a:endParaRPr lang="en-US" altLang="ko-KR" spc="-60" dirty="0">
+              <a:ln>
+                <a:solidFill>
+                  <a:prstClr val="white">
+                    <a:alpha val="0"/>
+                  </a:prstClr>
+                </a:solidFill>
+              </a:ln>
+              <a:solidFill>
+                <a:schemeClr val="tx2">
+                  <a:lumMod val="75000"/>
+                </a:schemeClr>
+              </a:solidFill>
+              <a:latin typeface="+mj-ea"/>
+              <a:ea typeface="+mj-ea"/>
+            </a:endParaRPr>
+          </a:p>
+          <a:p>
+            <a:pPr marL="800100" lvl="1" indent="-342900">
+              <a:spcBef>
+                <a:spcPts val="1000"/>
+              </a:spcBef>
+              <a:buFont typeface="+mj-ea"/>
+              <a:buAutoNum type="circleNumDbPlain"/>
+            </a:pPr>
+            <a:r>
+              <a:rPr lang="ko-KR" altLang="en-US" spc="-60" dirty="0" smtClean="0">
+                <a:ln>
+                  <a:solidFill>
+                    <a:prstClr val="white">
+                      <a:alpha val="0"/>
+                    </a:prstClr>
+                  </a:solidFill>
+                </a:ln>
+                <a:solidFill>
+                  <a:schemeClr val="tx2">
+                    <a:lumMod val="75000"/>
+                  </a:schemeClr>
+                </a:solidFill>
+                <a:latin typeface="+mj-ea"/>
+                <a:ea typeface="+mj-ea"/>
+              </a:rPr>
+              <a:t>거래금액이 가장 낮은 날은 </a:t>
+            </a:r>
+            <a:r>
+              <a:rPr lang="en-US" altLang="ko-KR" spc="-60" dirty="0" smtClean="0">
+                <a:ln>
+                  <a:solidFill>
+                    <a:prstClr val="white">
+                      <a:alpha val="0"/>
+                    </a:prstClr>
+                  </a:solidFill>
+                </a:ln>
+                <a:solidFill>
+                  <a:schemeClr val="tx2">
+                    <a:lumMod val="75000"/>
+                  </a:schemeClr>
+                </a:solidFill>
+                <a:latin typeface="+mj-ea"/>
+                <a:ea typeface="+mj-ea"/>
+              </a:rPr>
+              <a:t>1</a:t>
+            </a:r>
+            <a:r>
+              <a:rPr lang="ko-KR" altLang="en-US" spc="-60" dirty="0" smtClean="0">
+                <a:ln>
+                  <a:solidFill>
+                    <a:prstClr val="white">
+                      <a:alpha val="0"/>
+                    </a:prstClr>
+                  </a:solidFill>
+                </a:ln>
+                <a:solidFill>
+                  <a:schemeClr val="tx2">
+                    <a:lumMod val="75000"/>
+                  </a:schemeClr>
+                </a:solidFill>
+                <a:latin typeface="+mj-ea"/>
+                <a:ea typeface="+mj-ea"/>
+              </a:rPr>
+              <a:t>월 </a:t>
+            </a:r>
+            <a:r>
+              <a:rPr lang="en-US" altLang="ko-KR" spc="-60" dirty="0" smtClean="0">
+                <a:ln>
+                  <a:solidFill>
+                    <a:prstClr val="white">
+                      <a:alpha val="0"/>
+                    </a:prstClr>
+                  </a:solidFill>
+                </a:ln>
+                <a:solidFill>
+                  <a:schemeClr val="tx2">
+                    <a:lumMod val="75000"/>
+                  </a:schemeClr>
+                </a:solidFill>
+                <a:latin typeface="+mj-ea"/>
+                <a:ea typeface="+mj-ea"/>
+              </a:rPr>
+              <a:t>25</a:t>
+            </a:r>
+            <a:r>
+              <a:rPr lang="ko-KR" altLang="en-US" spc="-60" dirty="0" smtClean="0">
+                <a:ln>
+                  <a:solidFill>
+                    <a:prstClr val="white">
+                      <a:alpha val="0"/>
+                    </a:prstClr>
+                  </a:solidFill>
+                </a:ln>
+                <a:solidFill>
+                  <a:schemeClr val="tx2">
+                    <a:lumMod val="75000"/>
+                  </a:schemeClr>
+                </a:solidFill>
+                <a:latin typeface="+mj-ea"/>
+                <a:ea typeface="+mj-ea"/>
+              </a:rPr>
+              <a:t>일로 나타났음</a:t>
+            </a:r>
+            <a:endParaRPr lang="en-US" altLang="ko-KR" spc="-60" dirty="0" smtClean="0">
+              <a:ln>
+                <a:solidFill>
+                  <a:prstClr val="white">
+                    <a:alpha val="0"/>
+                  </a:prstClr>
+                </a:solidFill>
+              </a:ln>
+              <a:solidFill>
+                <a:schemeClr val="tx2">
+                  <a:lumMod val="75000"/>
+                </a:schemeClr>
+              </a:solidFill>
+              <a:latin typeface="+mj-ea"/>
+              <a:ea typeface="+mj-ea"/>
+            </a:endParaRPr>
+          </a:p>
+          <a:p>
+            <a:pPr marL="800100" lvl="1" indent="-342900">
+              <a:spcBef>
+                <a:spcPts val="1000"/>
+              </a:spcBef>
+              <a:buFont typeface="+mj-ea"/>
+              <a:buAutoNum type="circleNumDbPlain"/>
+            </a:pPr>
+            <a:endParaRPr lang="en-US" altLang="ko-KR" spc="-60" dirty="0">
+              <a:ln>
+                <a:solidFill>
+                  <a:prstClr val="white">
+                    <a:alpha val="0"/>
+                  </a:prstClr>
+                </a:solidFill>
+              </a:ln>
+              <a:solidFill>
+                <a:schemeClr val="tx2">
+                  <a:lumMod val="75000"/>
+                </a:schemeClr>
+              </a:solidFill>
+              <a:latin typeface="+mj-ea"/>
+              <a:ea typeface="+mj-ea"/>
+            </a:endParaRPr>
+          </a:p>
+          <a:p>
+            <a:pPr marL="457200" lvl="1" indent="0">
+              <a:spcBef>
+                <a:spcPts val="1000"/>
+              </a:spcBef>
+              <a:buNone/>
+            </a:pPr>
+            <a:endParaRPr lang="en-US" altLang="ko-KR" spc="-60" dirty="0">
+              <a:ln>
+                <a:solidFill>
+                  <a:prstClr val="white">
+                    <a:alpha val="0"/>
+                  </a:prstClr>
+                </a:solidFill>
+              </a:ln>
+              <a:solidFill>
+                <a:schemeClr val="tx2">
+                  <a:lumMod val="75000"/>
+                </a:schemeClr>
+              </a:solidFill>
+              <a:latin typeface="+mj-ea"/>
+              <a:ea typeface="+mj-ea"/>
+            </a:endParaRPr>
+          </a:p>
+          <a:p>
+            <a:pPr marL="457200" lvl="1" indent="0">
+              <a:spcBef>
+                <a:spcPts val="1000"/>
+              </a:spcBef>
+              <a:buFont typeface="Arial" panose="020B0604020202020204" pitchFamily="34" charset="0"/>
+              <a:buNone/>
+            </a:pPr>
+            <a:endParaRPr lang="en-US" altLang="ko-KR" spc="-60" dirty="0">
+              <a:ln>
+                <a:solidFill>
+                  <a:prstClr val="white">
+                    <a:alpha val="0"/>
+                  </a:prstClr>
+                </a:solidFill>
+              </a:ln>
+              <a:solidFill>
+                <a:schemeClr val="tx2">
+                  <a:lumMod val="75000"/>
+                </a:schemeClr>
+              </a:solidFill>
+              <a:latin typeface="+mj-ea"/>
+              <a:ea typeface="+mj-ea"/>
+            </a:endParaRPr>
+          </a:p>
+        </p:txBody>
+      </p:sp>
+      <p:sp>
+        <p:nvSpPr>
+          <p:cNvPr id="7" name="텍스트 개체 틀 6">
+            <a:extLst>
+              <a:ext uri="{FF2B5EF4-FFF2-40B4-BE49-F238E27FC236}">
+                <a16:creationId xmlns:a16="http://schemas.microsoft.com/office/drawing/2014/main" id="{DEDED96D-CEB5-4616-BE9C-4046A751D563}"/>
+              </a:ext>
+            </a:extLst>
+          </p:cNvPr>
+          <p:cNvSpPr>
+            <a:spLocks noGrp="1"/>
+          </p:cNvSpPr>
+          <p:nvPr>
+            <p:ph type="body" sz="quarter" idx="13"/>
+          </p:nvPr>
+        </p:nvSpPr>
+        <p:spPr>
+          <a:xfrm>
+            <a:off x="544513" y="1668463"/>
+            <a:ext cx="6901316" cy="416161"/>
+          </a:xfrm>
+        </p:spPr>
+        <p:txBody>
+          <a:bodyPr/>
+          <a:lstStyle/>
+          <a:p>
+            <a:pPr marL="171450" indent="-171450">
+              <a:spcBef>
+                <a:spcPts val="1000"/>
+              </a:spcBef>
+              <a:buFont typeface="Arial" panose="020B0604020202020204" pitchFamily="34" charset="0"/>
+              <a:buChar char="•"/>
+            </a:pPr>
+            <a:r>
+              <a:rPr lang="ko-KR" altLang="en-US" sz="2000" spc="-60" dirty="0" err="1">
+                <a:ln>
+                  <a:solidFill>
+                    <a:prstClr val="white">
+                      <a:alpha val="0"/>
+                    </a:prstClr>
+                  </a:solidFill>
+                </a:ln>
+                <a:solidFill>
+                  <a:schemeClr val="tx2">
+                    <a:lumMod val="75000"/>
+                  </a:schemeClr>
+                </a:solidFill>
+                <a:latin typeface="+mj-ea"/>
+                <a:ea typeface="+mj-ea"/>
+              </a:rPr>
+              <a:t>일자별</a:t>
+            </a:r>
+            <a:r>
+              <a:rPr lang="ko-KR" altLang="en-US" sz="2000" spc="-60" dirty="0">
+                <a:ln>
+                  <a:solidFill>
+                    <a:prstClr val="white">
+                      <a:alpha val="0"/>
+                    </a:prstClr>
+                  </a:solidFill>
+                </a:ln>
+                <a:solidFill>
+                  <a:schemeClr val="tx2">
+                    <a:lumMod val="75000"/>
+                  </a:schemeClr>
+                </a:solidFill>
+                <a:latin typeface="+mj-ea"/>
+                <a:ea typeface="+mj-ea"/>
+              </a:rPr>
+              <a:t> 거래금액</a:t>
+            </a:r>
+            <a:endParaRPr lang="en-US" altLang="ko-KR" sz="2000" spc="-60" dirty="0">
+              <a:ln>
+                <a:solidFill>
+                  <a:prstClr val="white">
+                    <a:alpha val="0"/>
+                  </a:prstClr>
+                </a:solidFill>
+              </a:ln>
+              <a:solidFill>
+                <a:schemeClr val="tx2">
+                  <a:lumMod val="75000"/>
+                </a:schemeClr>
+              </a:solidFill>
+              <a:latin typeface="+mj-ea"/>
+              <a:ea typeface="+mj-ea"/>
+            </a:endParaRPr>
+          </a:p>
+          <a:p>
+            <a:pPr marL="457200" lvl="1" indent="0">
+              <a:spcBef>
+                <a:spcPts val="1000"/>
+              </a:spcBef>
+              <a:buNone/>
+            </a:pPr>
+            <a:endParaRPr lang="en-US" altLang="ko-KR" spc="-60" dirty="0">
+              <a:ln>
+                <a:solidFill>
+                  <a:prstClr val="white">
+                    <a:alpha val="0"/>
+                  </a:prstClr>
+                </a:solidFill>
+              </a:ln>
+              <a:solidFill>
+                <a:schemeClr val="tx2">
+                  <a:lumMod val="75000"/>
+                </a:schemeClr>
+              </a:solidFill>
+              <a:latin typeface="+mj-ea"/>
+              <a:ea typeface="+mj-ea"/>
+            </a:endParaRPr>
+          </a:p>
+        </p:txBody>
+      </p:sp>
+      <p:pic>
+        <p:nvPicPr>
+          <p:cNvPr id="4" name="그림 3"/>
+          <p:cNvPicPr>
+            <a:picLocks noChangeAspect="1"/>
+          </p:cNvPicPr>
+          <p:nvPr/>
+        </p:nvPicPr>
+        <p:blipFill>
+          <a:blip r:embed="rId2">
+            <a:extLst>
+              <a:ext uri="{28A0092B-C50C-407E-A947-70E740481C1C}">
+                <a14:useLocalDpi xmlns:a14="http://schemas.microsoft.com/office/drawing/2010/main" val="0"/>
+              </a:ext>
+            </a:extLst>
+          </a:blip>
+          <a:stretch>
+            <a:fillRect/>
+          </a:stretch>
+        </p:blipFill>
+        <p:spPr>
+          <a:xfrm>
+            <a:off x="544513" y="3702973"/>
+            <a:ext cx="8347967" cy="2912283"/>
+          </a:xfrm>
+          <a:prstGeom prst="rect">
+            <a:avLst/>
+          </a:prstGeom>
+        </p:spPr>
+      </p:pic>
+    </p:spTree>
+    <p:extLst>
+      <p:ext uri="{BB962C8B-B14F-4D97-AF65-F5344CB8AC3E}">
+        <p14:creationId xmlns:p14="http://schemas.microsoft.com/office/powerpoint/2010/main" val="2206370899"/>
+      </p:ext>
+    </p:extLst>
+  </p:cSld>
+  <p:clrMapOvr>
+    <a:masterClrMapping/>
+  </p:clrMapOvr>
+</p:sld>
+</file>
+
+<file path=ppt/slides/slide12.xml><?xml version="1.0" encoding="utf-8"?>
+<p:sld xmlns:a="http://schemas.openxmlformats.org/drawingml/2006/main" xmlns:r="http://schemas.openxmlformats.org/officeDocument/2006/relationships" xmlns:p="http://schemas.openxmlformats.org/presentationml/2006/main">
+  <p:cSld>
+    <p:spTree>
+      <p:nvGrpSpPr>
+        <p:cNvPr id="1" name=""/>
+        <p:cNvGrpSpPr/>
+        <p:nvPr/>
+      </p:nvGrpSpPr>
+      <p:grpSpPr>
+        <a:xfrm>
+          <a:off x="0" y="0"/>
+          <a:ext cx="0" cy="0"/>
+          <a:chOff x="0" y="0"/>
+          <a:chExt cx="0" cy="0"/>
+        </a:xfrm>
+      </p:grpSpPr>
       <p:sp>
         <p:nvSpPr>
           <p:cNvPr id="35" name="제목 1"/>
@@ -3564,7 +4992,7 @@
         </p:nvSpPr>
         <p:spPr>
           <a:xfrm>
-            <a:off x="0" y="0"/>
+            <a:off x="-86498" y="2126076"/>
             <a:ext cx="9144000" cy="913118"/>
           </a:xfrm>
           <a:prstGeom prst="rect">
@@ -3601,44 +5029,12 @@
           <a:p>
             <a:pPr algn="ctr"/>
             <a:r>
-              <a:rPr lang="en-US" altLang="ko-KR" sz="3600" dirty="0">
+              <a:rPr lang="ko-KR" altLang="en-US" sz="3600" dirty="0" smtClean="0">
                 <a:solidFill>
                   <a:srgbClr val="FF0000"/>
                 </a:solidFill>
               </a:rPr>
-              <a:t>&lt;</a:t>
-            </a:r>
-            <a:r>
-              <a:rPr lang="ko-KR" altLang="en-US" sz="3600" dirty="0">
-                <a:solidFill>
-                  <a:srgbClr val="FF0000"/>
-                </a:solidFill>
-              </a:rPr>
-              <a:t>승자 일자 기준</a:t>
-            </a:r>
-            <a:r>
-              <a:rPr lang="en-US" altLang="ko-KR" sz="3600" dirty="0">
-                <a:solidFill>
-                  <a:srgbClr val="FF0000"/>
-                </a:solidFill>
-              </a:rPr>
-              <a:t>_</a:t>
-            </a:r>
-            <a:r>
-              <a:rPr lang="ko-KR" altLang="en-US" sz="3600" dirty="0">
-                <a:solidFill>
-                  <a:srgbClr val="FF0000"/>
-                </a:solidFill>
-              </a:rPr>
-              <a:t>박주영</a:t>
-            </a:r>
-            <a:r>
-              <a:rPr lang="en-US" altLang="ko-KR" sz="3600" dirty="0">
-                <a:solidFill>
-                  <a:srgbClr val="FF0000"/>
-                </a:solidFill>
-              </a:rPr>
-              <a:t>&gt;</a:t>
+              <a:t>누적 그래프는 뺄게요</a:t>
             </a:r>
             <a:endParaRPr lang="ko-KR" altLang="en-US" sz="1200" strike="sngStrike" dirty="0">
               <a:solidFill>
@@ -3933,25 +5329,6 @@
               <a:buFont typeface="+mj-ea"/>
               <a:buAutoNum type="circleNumDbPlain"/>
             </a:pPr>
-            <a:r>
-              <a:rPr lang="ko-KR" altLang="en-US" spc="-60" dirty="0" err="1">
-                <a:ln>
-                  <a:solidFill>
-                    <a:prstClr val="white">
-                      <a:alpha val="0"/>
-                    </a:prstClr>
-                  </a:solidFill>
-                </a:ln>
-                <a:solidFill>
-                  <a:schemeClr val="tx2">
-                    <a:lumMod val="75000"/>
-                  </a:schemeClr>
-                </a:solidFill>
-                <a:latin typeface="+mj-ea"/>
-                <a:ea typeface="+mj-ea"/>
-              </a:rPr>
-              <a:t>ㅇ</a:t>
-            </a:r>
             <a:endParaRPr lang="en-US" altLang="ko-KR" spc="-60" dirty="0">
               <a:ln>
                 <a:solidFill>
@@ -4153,7 +5530,45 @@
                 <a:latin typeface="+mj-ea"/>
                 <a:ea typeface="+mj-ea"/>
               </a:rPr>
-              <a:t> 거래금액</a:t>
+              <a:t> </a:t>
+            </a:r>
+            <a:r>
+              <a:rPr lang="ko-KR" altLang="en-US" spc="-60" dirty="0">
+                <a:ln>
+                  <a:solidFill>
+                    <a:prstClr val="white">
+                      <a:alpha val="0"/>
+                    </a:prstClr>
+                  </a:solidFill>
+                </a:ln>
+                <a:solidFill>
+                  <a:schemeClr val="tx2">
+                    <a:lumMod val="75000"/>
+                  </a:schemeClr>
+                </a:solidFill>
+                <a:latin typeface="+mj-ea"/>
+                <a:ea typeface="+mj-ea"/>
+              </a:rPr>
+              <a:t> 누적 거래</a:t>
+            </a:r>
+            <a:r>
+              <a:rPr lang="ko-KR" altLang="en-US" sz="2000" spc="-60" dirty="0">
+                <a:ln>
+                  <a:solidFill>
+                    <a:prstClr val="white">
+                      <a:alpha val="0"/>
+                    </a:prstClr>
+                  </a:solidFill>
+                </a:ln>
+                <a:solidFill>
+                  <a:schemeClr val="tx2">
+                    <a:lumMod val="75000"/>
+                  </a:schemeClr>
+                </a:solidFill>
+                <a:latin typeface="+mj-ea"/>
+                <a:ea typeface="+mj-ea"/>
+              </a:rPr>
+              <a:t>금액</a:t>
             </a:r>
             <a:endParaRPr lang="en-US" altLang="ko-KR" sz="2000" spc="-60" dirty="0">
               <a:ln>
@@ -4201,17 +5616,24 @@
     </p:spTree>
     <p:extLst>
       <p:ext uri="{BB962C8B-B14F-4D97-AF65-F5344CB8AC3E}">
-        <p14:creationId xmlns:p14="http://schemas.microsoft.com/office/powerpoint/2010/main" val="2206370899"/>
+        <p14:creationId xmlns:p14="http://schemas.microsoft.com/office/powerpoint/2010/main" val="2164983965"/>
       </p:ext>
     </p:extLst>
   </p:cSld>
   <p:clrMapOvr>
     <a:masterClrMapping/>
   </p:clrMapOvr>
+  <p:timing>
+    <p:tnLst>
+      <p:par>
+        <p:cTn id="1" dur="indefinite" restart="never" nodeType="tmRoot"/>
+      </p:par>
+    </p:tnLst>
+  </p:timing>
 </p:sld>
 </file>
 
-<file path=ppt/slides/slide12.xml><?xml version="1.0" encoding="utf-8"?>
+<file path=ppt/slides/slide13.xml><?xml version="1.0" encoding="utf-8"?>
 <p:sld xmlns:a="http://schemas.openxmlformats.org/drawingml/2006/main" xmlns:r="http://schemas.openxmlformats.org/officeDocument/2006/relationships" xmlns:p="http://schemas.openxmlformats.org/presentationml/2006/main">
   <p:cSld>
     <p:spTree>
@@ -4228,72 +5650,6 @@
           <a:chExt cx="0" cy="0"/>
         </a:xfrm>
       </p:grpSpPr>
-      <p:sp>
-        <p:nvSpPr>
-          <p:cNvPr id="13" name="직사각형 12">
-            <a:extLst>
-              <a:ext uri="{FF2B5EF4-FFF2-40B4-BE49-F238E27FC236}">
-                <a16:creationId xmlns:a16="http://schemas.microsoft.com/office/drawing/2014/main" id="{8A18650E-587D-4954-9C7A-C60C588F644B}"/>
-              </a:ext>
-            </a:extLst>
-          </p:cNvPr>
-          <p:cNvSpPr/>
-          <p:nvPr/>
-        </p:nvSpPr>
-        <p:spPr>
-          <a:xfrm>
-            <a:off x="832560" y="4210212"/>
-            <a:ext cx="6325222" cy="2136800"/>
-          </a:xfrm>
-          <a:prstGeom prst="rect">
-            <a:avLst/>
-          </a:prstGeom>
-          <a:solidFill>
-            <a:srgbClr val="FFFF00">
-              <a:alpha val="70000"/>
-            </a:srgbClr>
-          </a:solidFill>
-          <a:ln>
-            <a:noFill/>
-          </a:ln>
-        </p:spPr>
-        <p:style>
-          <a:lnRef idx="2">
-            <a:schemeClr val="accent1">
-              <a:shade val="50000"/>
-            </a:schemeClr>
-          </a:lnRef>
-          <a:fillRef idx="1">
-            <a:schemeClr val="accent1"/>
-          </a:fillRef>
-          <a:effectRef idx="0">
-            <a:schemeClr val="accent1"/>
-          </a:effectRef>
-          <a:fontRef idx="minor">
-            <a:schemeClr val="lt1"/>
-          </a:fontRef>
-        </p:style>
-        <p:txBody>
-          <a:bodyPr rtlCol="0" anchor="ctr"/>
-          <a:lstStyle/>
-          <a:p>
-            <a:pPr algn="ctr"/>
-            <a:r>
-              <a:rPr lang="ko-KR" altLang="en-US" sz="3600" dirty="0">
-                <a:solidFill>
-                  <a:srgbClr val="FF0000"/>
-                </a:solidFill>
-              </a:rPr>
-              <a:t>그래프 삽입</a:t>
-            </a:r>
-            <a:endParaRPr lang="ko-KR" altLang="en-US" sz="1200" strike="sngStrike" dirty="0">
-              <a:solidFill>
-                <a:srgbClr val="FF0000"/>
-              </a:solidFill>
-            </a:endParaRPr>
-          </a:p>
-        </p:txBody>
-      </p:sp>
       <p:sp>
         <p:nvSpPr>
           <p:cNvPr id="35" name="제목 1"/>
@@ -4444,7 +5800,7 @@
         <p:spPr>
           <a:xfrm>
             <a:off x="7524205" y="1638755"/>
-            <a:ext cx="1619795" cy="3790406"/>
+            <a:ext cx="1619795" cy="2489328"/>
           </a:xfrm>
           <a:prstGeom prst="roundRect">
             <a:avLst>
@@ -4484,6 +5840,42 @@
               <a:buFont typeface="Arial" panose="020B0604020202020204" pitchFamily="34" charset="0"/>
               <a:buChar char="•"/>
             </a:pPr>
+            <a:r>
+              <a:rPr lang="ko-KR" altLang="en-US" sz="1100" spc="-60" dirty="0" err="1">
+                <a:ln>
+                  <a:solidFill>
+                    <a:prstClr val="white">
+                      <a:alpha val="0"/>
+                    </a:prstClr>
+                  </a:solidFill>
+                </a:ln>
+                <a:solidFill>
+                  <a:schemeClr val="tx2">
+                    <a:lumMod val="75000"/>
+                  </a:schemeClr>
+                </a:solidFill>
+                <a:latin typeface="+mj-ea"/>
+              </a:rPr>
+              <a:t>승인일자별</a:t>
+            </a:r>
+            <a:r>
+              <a:rPr lang="ko-KR" altLang="en-US" sz="1100" spc="-60" dirty="0">
+                <a:ln>
+                  <a:solidFill>
+                    <a:prstClr val="white">
+                      <a:alpha val="0"/>
+                    </a:prstClr>
+                  </a:solidFill>
+                </a:ln>
+                <a:solidFill>
+                  <a:schemeClr val="tx2">
+                    <a:lumMod val="75000"/>
+                  </a:schemeClr>
+                </a:solidFill>
+                <a:latin typeface="+mj-ea"/>
+              </a:rPr>
+              <a:t> 거래금액 집계</a:t>
+            </a:r>
             <a:endParaRPr lang="en-US" altLang="ko-KR" sz="1100" spc="-60" dirty="0">
               <a:ln>
                 <a:solidFill>
@@ -4498,7 +5890,6 @@
                 </a:schemeClr>
               </a:solidFill>
               <a:latin typeface="+mj-ea"/>
-              <a:ea typeface="+mj-ea"/>
             </a:endParaRPr>
           </a:p>
           <a:p>
@@ -4506,25 +5897,6 @@
               <a:buFont typeface="Arial" panose="020B0604020202020204" pitchFamily="34" charset="0"/>
               <a:buChar char="•"/>
             </a:pPr>
-            <a:r>
-              <a:rPr lang="ko-KR" altLang="en-US" sz="1100" spc="-60" dirty="0" err="1">
-                <a:ln>
-                  <a:solidFill>
-                    <a:prstClr val="white">
-                      <a:alpha val="0"/>
-                    </a:prstClr>
-                  </a:solidFill>
-                </a:ln>
-                <a:solidFill>
-                  <a:schemeClr val="tx2">
-                    <a:lumMod val="75000"/>
-                  </a:schemeClr>
-                </a:solidFill>
-                <a:latin typeface="+mj-ea"/>
-                <a:ea typeface="+mj-ea"/>
-              </a:rPr>
-              <a:t>ㅇ</a:t>
-            </a:r>
             <a:endParaRPr lang="en-US" altLang="ko-KR" sz="1100" spc="-60" dirty="0">
               <a:ln>
                 <a:solidFill>
@@ -4539,8 +5911,513 @@
                 </a:schemeClr>
               </a:solidFill>
               <a:latin typeface="+mj-ea"/>
-              <a:ea typeface="+mj-ea"/>
             </a:endParaRPr>
+          </a:p>
+          <a:p>
+            <a:pPr marL="171450" indent="-171450">
+              <a:buFont typeface="Arial" panose="020B0604020202020204" pitchFamily="34" charset="0"/>
+              <a:buChar char="•"/>
+            </a:pPr>
+            <a:r>
+              <a:rPr lang="en-US" altLang="ko-KR" sz="1100" spc="-60" dirty="0" err="1">
+                <a:ln>
+                  <a:solidFill>
+                    <a:prstClr val="white">
+                      <a:alpha val="0"/>
+                    </a:prstClr>
+                  </a:solidFill>
+                </a:ln>
+                <a:solidFill>
+                  <a:schemeClr val="tx2">
+                    <a:lumMod val="75000"/>
+                  </a:schemeClr>
+                </a:solidFill>
+                <a:latin typeface="+mj-ea"/>
+              </a:rPr>
+              <a:t>datetime</a:t>
+            </a:r>
+            <a:r>
+              <a:rPr lang="en-US" altLang="ko-KR" sz="1100" spc="-60" dirty="0">
+                <a:ln>
+                  <a:solidFill>
+                    <a:prstClr val="white">
+                      <a:alpha val="0"/>
+                    </a:prstClr>
+                  </a:solidFill>
+                </a:ln>
+                <a:solidFill>
+                  <a:schemeClr val="tx2">
+                    <a:lumMod val="75000"/>
+                  </a:schemeClr>
+                </a:solidFill>
+                <a:latin typeface="+mj-ea"/>
+              </a:rPr>
+              <a:t> </a:t>
+            </a:r>
+            <a:r>
+              <a:rPr lang="ko-KR" altLang="en-US" sz="1100" spc="-60" dirty="0">
+                <a:ln>
+                  <a:solidFill>
+                    <a:prstClr val="white">
+                      <a:alpha val="0"/>
+                    </a:prstClr>
+                  </a:solidFill>
+                </a:ln>
+                <a:solidFill>
+                  <a:schemeClr val="tx2">
+                    <a:lumMod val="75000"/>
+                  </a:schemeClr>
+                </a:solidFill>
+                <a:latin typeface="+mj-ea"/>
+              </a:rPr>
+              <a:t>함수 활용</a:t>
+            </a:r>
+            <a:r>
+              <a:rPr lang="en-US" altLang="ko-KR" sz="1100" spc="-60" dirty="0" smtClean="0">
+                <a:ln>
+                  <a:solidFill>
+                    <a:prstClr val="white">
+                      <a:alpha val="0"/>
+                    </a:prstClr>
+                  </a:solidFill>
+                </a:ln>
+                <a:solidFill>
+                  <a:schemeClr val="tx2">
+                    <a:lumMod val="75000"/>
+                  </a:schemeClr>
+                </a:solidFill>
+                <a:latin typeface="+mj-ea"/>
+              </a:rPr>
+              <a:t>date/month/weekday</a:t>
+            </a:r>
+            <a:r>
+              <a:rPr lang="ko-KR" altLang="en-US" sz="1100" spc="-60" dirty="0" smtClean="0">
+                <a:ln>
+                  <a:solidFill>
+                    <a:prstClr val="white">
+                      <a:alpha val="0"/>
+                    </a:prstClr>
+                  </a:solidFill>
+                </a:ln>
+                <a:solidFill>
+                  <a:schemeClr val="tx2">
+                    <a:lumMod val="75000"/>
+                  </a:schemeClr>
+                </a:solidFill>
+                <a:latin typeface="+mj-ea"/>
+              </a:rPr>
+              <a:t>로 분류</a:t>
+            </a:r>
+            <a:endParaRPr lang="en-US" altLang="ko-KR" sz="1100" spc="-60" dirty="0">
+              <a:ln>
+                <a:solidFill>
+                  <a:prstClr val="white">
+                    <a:alpha val="0"/>
+                  </a:prstClr>
+                </a:solidFill>
+              </a:ln>
+              <a:solidFill>
+                <a:schemeClr val="tx2">
+                  <a:lumMod val="75000"/>
+                </a:schemeClr>
+              </a:solidFill>
+              <a:latin typeface="+mj-ea"/>
+            </a:endParaRPr>
+          </a:p>
+          <a:p>
+            <a:pPr marL="171450" indent="-171450">
+              <a:buFont typeface="Arial" panose="020B0604020202020204" pitchFamily="34" charset="0"/>
+              <a:buChar char="•"/>
+            </a:pPr>
+            <a:endParaRPr lang="en-US" altLang="ko-KR" sz="1100" spc="-60" dirty="0">
+              <a:ln>
+                <a:solidFill>
+                  <a:prstClr val="white">
+                    <a:alpha val="0"/>
+                  </a:prstClr>
+                </a:solidFill>
+              </a:ln>
+              <a:solidFill>
+                <a:schemeClr val="tx2">
+                  <a:lumMod val="75000"/>
+                </a:schemeClr>
+              </a:solidFill>
+              <a:latin typeface="+mj-ea"/>
+            </a:endParaRPr>
+          </a:p>
+          <a:p>
+            <a:pPr marL="171450" indent="-171450">
+              <a:buFont typeface="Arial" panose="020B0604020202020204" pitchFamily="34" charset="0"/>
+              <a:buChar char="•"/>
+            </a:pPr>
+            <a:r>
+              <a:rPr lang="ko-KR" altLang="en-US" sz="1100" spc="-60" dirty="0" err="1">
+                <a:ln>
+                  <a:solidFill>
+                    <a:prstClr val="white">
+                      <a:alpha val="0"/>
+                    </a:prstClr>
+                  </a:solidFill>
+                </a:ln>
+                <a:solidFill>
+                  <a:schemeClr val="tx2">
+                    <a:lumMod val="75000"/>
+                  </a:schemeClr>
+                </a:solidFill>
+                <a:latin typeface="+mj-ea"/>
+              </a:rPr>
+              <a:t>요일별</a:t>
+            </a:r>
+            <a:r>
+              <a:rPr lang="ko-KR" altLang="en-US" sz="1100" spc="-60" dirty="0">
+                <a:ln>
+                  <a:solidFill>
+                    <a:prstClr val="white">
+                      <a:alpha val="0"/>
+                    </a:prstClr>
+                  </a:solidFill>
+                </a:ln>
+                <a:solidFill>
+                  <a:schemeClr val="tx2">
+                    <a:lumMod val="75000"/>
+                  </a:schemeClr>
+                </a:solidFill>
+                <a:latin typeface="+mj-ea"/>
+              </a:rPr>
+              <a:t> 거래금액에 대해  </a:t>
+            </a:r>
+            <a:r>
+              <a:rPr lang="en-US" altLang="ko-KR" sz="1100" spc="-60" dirty="0" err="1">
+                <a:ln>
+                  <a:solidFill>
+                    <a:prstClr val="white">
+                      <a:alpha val="0"/>
+                    </a:prstClr>
+                  </a:solidFill>
+                </a:ln>
+                <a:solidFill>
+                  <a:schemeClr val="tx2">
+                    <a:lumMod val="75000"/>
+                  </a:schemeClr>
+                </a:solidFill>
+                <a:latin typeface="+mj-ea"/>
+              </a:rPr>
+              <a:t>pllt.figure</a:t>
+            </a:r>
+            <a:r>
+              <a:rPr lang="en-US" altLang="ko-KR" sz="1100" spc="-60" dirty="0">
+                <a:ln>
+                  <a:solidFill>
+                    <a:prstClr val="white">
+                      <a:alpha val="0"/>
+                    </a:prstClr>
+                  </a:solidFill>
+                </a:ln>
+                <a:solidFill>
+                  <a:schemeClr val="tx2">
+                    <a:lumMod val="75000"/>
+                  </a:schemeClr>
+                </a:solidFill>
+                <a:latin typeface="+mj-ea"/>
+              </a:rPr>
+              <a:t> </a:t>
+            </a:r>
+            <a:r>
+              <a:rPr lang="ko-KR" altLang="en-US" sz="1100" spc="-60" dirty="0">
+                <a:ln>
+                  <a:solidFill>
+                    <a:prstClr val="white">
+                      <a:alpha val="0"/>
+                    </a:prstClr>
+                  </a:solidFill>
+                </a:ln>
+                <a:solidFill>
+                  <a:schemeClr val="tx2">
+                    <a:lumMod val="75000"/>
+                  </a:schemeClr>
+                </a:solidFill>
+                <a:latin typeface="+mj-ea"/>
+              </a:rPr>
+              <a:t>활용하여 막대 차트 작성</a:t>
+            </a:r>
+            <a:endParaRPr lang="en-US" altLang="ko-KR" sz="1100" spc="-60" dirty="0">
+              <a:ln>
+                <a:solidFill>
+                  <a:prstClr val="white">
+                    <a:alpha val="0"/>
+                  </a:prstClr>
+                </a:solidFill>
+              </a:ln>
+              <a:solidFill>
+                <a:schemeClr val="tx2">
+                  <a:lumMod val="75000"/>
+                </a:schemeClr>
+              </a:solidFill>
+              <a:latin typeface="+mj-ea"/>
+            </a:endParaRPr>
+          </a:p>
+          <a:p>
+            <a:pPr marL="171450" indent="-171450">
+              <a:buFont typeface="Arial" panose="020B0604020202020204" pitchFamily="34" charset="0"/>
+              <a:buChar char="•"/>
+            </a:pPr>
+            <a:endParaRPr lang="en-US" altLang="ko-KR" sz="1100" spc="-60" dirty="0">
+              <a:ln>
+                <a:solidFill>
+                  <a:prstClr val="white">
+                    <a:alpha val="0"/>
+                  </a:prstClr>
+                </a:solidFill>
+              </a:ln>
+              <a:solidFill>
+                <a:schemeClr val="tx2">
+                  <a:lumMod val="75000"/>
+                </a:schemeClr>
+              </a:solidFill>
+              <a:latin typeface="+mj-ea"/>
+            </a:endParaRPr>
+          </a:p>
+          <a:p>
+            <a:pPr marL="171450" indent="-171450">
+              <a:buFont typeface="Arial" panose="020B0604020202020204" pitchFamily="34" charset="0"/>
+              <a:buChar char="•"/>
+            </a:pPr>
+            <a:r>
+              <a:rPr lang="en-US" altLang="ko-KR" sz="1100" spc="-60" dirty="0">
+                <a:ln>
+                  <a:solidFill>
+                    <a:prstClr val="white">
+                      <a:alpha val="0"/>
+                    </a:prstClr>
+                  </a:solidFill>
+                </a:ln>
+                <a:solidFill>
+                  <a:schemeClr val="tx2">
+                    <a:lumMod val="75000"/>
+                  </a:schemeClr>
+                </a:solidFill>
+                <a:latin typeface="+mj-ea"/>
+              </a:rPr>
+              <a:t>x</a:t>
+            </a:r>
+            <a:r>
+              <a:rPr lang="ko-KR" altLang="en-US" sz="1100" spc="-60" dirty="0">
+                <a:ln>
+                  <a:solidFill>
+                    <a:prstClr val="white">
+                      <a:alpha val="0"/>
+                    </a:prstClr>
+                  </a:solidFill>
+                </a:ln>
+                <a:solidFill>
+                  <a:schemeClr val="tx2">
+                    <a:lumMod val="75000"/>
+                  </a:schemeClr>
+                </a:solidFill>
+                <a:latin typeface="+mj-ea"/>
+              </a:rPr>
+              <a:t>축 </a:t>
+            </a:r>
+            <a:r>
+              <a:rPr lang="en-US" altLang="ko-KR" sz="1100" spc="-60" dirty="0">
+                <a:ln>
+                  <a:solidFill>
+                    <a:prstClr val="white">
+                      <a:alpha val="0"/>
+                    </a:prstClr>
+                  </a:solidFill>
+                </a:ln>
+                <a:solidFill>
+                  <a:schemeClr val="tx2">
+                    <a:lumMod val="75000"/>
+                  </a:schemeClr>
+                </a:solidFill>
+                <a:latin typeface="+mj-ea"/>
+              </a:rPr>
+              <a:t>: weekday(</a:t>
+            </a:r>
+            <a:r>
+              <a:rPr lang="ko-KR" altLang="en-US" sz="1100" spc="-60" dirty="0">
+                <a:ln>
+                  <a:solidFill>
+                    <a:prstClr val="white">
+                      <a:alpha val="0"/>
+                    </a:prstClr>
+                  </a:solidFill>
+                </a:ln>
+                <a:solidFill>
+                  <a:schemeClr val="tx2">
+                    <a:lumMod val="75000"/>
+                  </a:schemeClr>
+                </a:solidFill>
+                <a:latin typeface="+mj-ea"/>
+              </a:rPr>
+              <a:t>요일</a:t>
+            </a:r>
+            <a:r>
+              <a:rPr lang="en-US" altLang="ko-KR" sz="1100" spc="-60" dirty="0">
+                <a:ln>
+                  <a:solidFill>
+                    <a:prstClr val="white">
+                      <a:alpha val="0"/>
+                    </a:prstClr>
+                  </a:solidFill>
+                </a:ln>
+                <a:solidFill>
+                  <a:schemeClr val="tx2">
+                    <a:lumMod val="75000"/>
+                  </a:schemeClr>
+                </a:solidFill>
+                <a:latin typeface="+mj-ea"/>
+              </a:rPr>
+              <a:t>)</a:t>
+            </a:r>
+          </a:p>
+          <a:p>
+            <a:r>
+              <a:rPr lang="en-US" altLang="ko-KR" sz="1100" spc="-60" dirty="0">
+                <a:ln>
+                  <a:solidFill>
+                    <a:prstClr val="white">
+                      <a:alpha val="0"/>
+                    </a:prstClr>
+                  </a:solidFill>
+                </a:ln>
+                <a:solidFill>
+                  <a:schemeClr val="tx2">
+                    <a:lumMod val="75000"/>
+                  </a:schemeClr>
+                </a:solidFill>
+                <a:latin typeface="+mj-ea"/>
+              </a:rPr>
+              <a:t>    </a:t>
+            </a:r>
+            <a:r>
+              <a:rPr lang="en-US" altLang="ko-KR" sz="1100" spc="-60" dirty="0" smtClean="0">
+                <a:ln>
+                  <a:solidFill>
+                    <a:prstClr val="white">
+                      <a:alpha val="0"/>
+                    </a:prstClr>
+                  </a:solidFill>
+                </a:ln>
+                <a:solidFill>
+                  <a:schemeClr val="tx2">
+                    <a:lumMod val="75000"/>
+                  </a:schemeClr>
+                </a:solidFill>
+                <a:latin typeface="+mj-ea"/>
+              </a:rPr>
+              <a:t> </a:t>
+            </a:r>
+            <a:r>
+              <a:rPr lang="en-US" altLang="ko-KR" sz="1100" spc="-60" dirty="0">
+                <a:ln>
+                  <a:solidFill>
+                    <a:prstClr val="white">
+                      <a:alpha val="0"/>
+                    </a:prstClr>
+                  </a:solidFill>
+                </a:ln>
+                <a:solidFill>
+                  <a:schemeClr val="tx2">
+                    <a:lumMod val="75000"/>
+                  </a:schemeClr>
+                </a:solidFill>
+                <a:latin typeface="+mj-ea"/>
+              </a:rPr>
+              <a:t>y</a:t>
+            </a:r>
+            <a:r>
+              <a:rPr lang="ko-KR" altLang="en-US" sz="1100" spc="-60" dirty="0">
+                <a:ln>
+                  <a:solidFill>
+                    <a:prstClr val="white">
+                      <a:alpha val="0"/>
+                    </a:prstClr>
+                  </a:solidFill>
+                </a:ln>
+                <a:solidFill>
+                  <a:schemeClr val="tx2">
+                    <a:lumMod val="75000"/>
+                  </a:schemeClr>
+                </a:solidFill>
+                <a:latin typeface="+mj-ea"/>
+              </a:rPr>
+              <a:t>축 </a:t>
+            </a:r>
+            <a:r>
+              <a:rPr lang="en-US" altLang="ko-KR" sz="1100" spc="-60" dirty="0">
+                <a:ln>
+                  <a:solidFill>
+                    <a:prstClr val="white">
+                      <a:alpha val="0"/>
+                    </a:prstClr>
+                  </a:solidFill>
+                </a:ln>
+                <a:solidFill>
+                  <a:schemeClr val="tx2">
+                    <a:lumMod val="75000"/>
+                  </a:schemeClr>
+                </a:solidFill>
+                <a:latin typeface="+mj-ea"/>
+              </a:rPr>
+              <a:t>: count(</a:t>
+            </a:r>
+            <a:r>
+              <a:rPr lang="ko-KR" altLang="en-US" sz="1100" spc="-60" dirty="0" err="1" smtClean="0">
+                <a:ln>
+                  <a:solidFill>
+                    <a:prstClr val="white">
+                      <a:alpha val="0"/>
+                    </a:prstClr>
+                  </a:solidFill>
+                </a:ln>
+                <a:solidFill>
+                  <a:schemeClr val="tx2">
+                    <a:lumMod val="75000"/>
+                  </a:schemeClr>
+                </a:solidFill>
+                <a:latin typeface="+mj-ea"/>
+              </a:rPr>
+              <a:t>거래금</a:t>
+            </a:r>
+            <a:r>
+              <a:rPr lang="ko-KR" altLang="en-US" sz="1100" spc="-60" dirty="0" smtClean="0">
+                <a:ln>
+                  <a:solidFill>
+                    <a:prstClr val="white">
+                      <a:alpha val="0"/>
+                    </a:prstClr>
+                  </a:solidFill>
+                </a:ln>
+                <a:solidFill>
+                  <a:schemeClr val="tx2">
+                    <a:lumMod val="75000"/>
+                  </a:schemeClr>
+                </a:solidFill>
+                <a:latin typeface="+mj-ea"/>
+              </a:rPr>
+              <a:t>        액</a:t>
+            </a:r>
+            <a:r>
+              <a:rPr lang="en-US" altLang="ko-KR" sz="1100" spc="-60" dirty="0">
+                <a:ln>
+                  <a:solidFill>
+                    <a:prstClr val="white">
+                      <a:alpha val="0"/>
+                    </a:prstClr>
+                  </a:solidFill>
+                </a:ln>
+                <a:solidFill>
+                  <a:schemeClr val="tx2">
+                    <a:lumMod val="75000"/>
+                  </a:schemeClr>
+                </a:solidFill>
+                <a:latin typeface="+mj-ea"/>
+              </a:rPr>
+              <a:t>)</a:t>
+            </a:r>
           </a:p>
         </p:txBody>
       </p:sp>
@@ -4875,23 +6752,744 @@
               <a:buAutoNum type="circleNumDbPlain"/>
             </a:pPr>
             <a:r>
-              <a:rPr lang="ko-KR" altLang="en-US" spc="-60" dirty="0" err="1">
-                <a:ln>
-                  <a:solidFill>
-                    <a:prstClr val="white">
-                      <a:alpha val="0"/>
-                    </a:prstClr>
-                  </a:solidFill>
-                </a:ln>
-                <a:solidFill>
-                  <a:schemeClr val="tx2">
-                    <a:lumMod val="75000"/>
-                  </a:schemeClr>
-                </a:solidFill>
-                <a:latin typeface="+mj-ea"/>
-                <a:ea typeface="+mj-ea"/>
-              </a:rPr>
-              <a:t>ㅇ</a:t>
+              <a:rPr lang="ko-KR" altLang="en-US" spc="-60" dirty="0" err="1" smtClean="0">
+                <a:ln>
+                  <a:solidFill>
+                    <a:prstClr val="white">
+                      <a:alpha val="0"/>
+                    </a:prstClr>
+                  </a:solidFill>
+                </a:ln>
+                <a:solidFill>
+                  <a:schemeClr val="tx2">
+                    <a:lumMod val="75000"/>
+                  </a:schemeClr>
+                </a:solidFill>
+                <a:latin typeface="+mj-ea"/>
+                <a:ea typeface="+mj-ea"/>
+              </a:rPr>
+              <a:t>요일별</a:t>
+            </a:r>
+            <a:r>
+              <a:rPr lang="ko-KR" altLang="en-US" spc="-60" dirty="0" smtClean="0">
+                <a:ln>
+                  <a:solidFill>
+                    <a:prstClr val="white">
+                      <a:alpha val="0"/>
+                    </a:prstClr>
+                  </a:solidFill>
+                </a:ln>
+                <a:solidFill>
+                  <a:schemeClr val="tx2">
+                    <a:lumMod val="75000"/>
+                  </a:schemeClr>
+                </a:solidFill>
+                <a:latin typeface="+mj-ea"/>
+                <a:ea typeface="+mj-ea"/>
+              </a:rPr>
+              <a:t> 거래금액이 가장 높은 요일은 </a:t>
+            </a:r>
+            <a:r>
+              <a:rPr lang="en-US" altLang="ko-KR" spc="-60" dirty="0" smtClean="0">
+                <a:ln>
+                  <a:solidFill>
+                    <a:prstClr val="white">
+                      <a:alpha val="0"/>
+                    </a:prstClr>
+                  </a:solidFill>
+                </a:ln>
+                <a:solidFill>
+                  <a:schemeClr val="tx2">
+                    <a:lumMod val="75000"/>
+                  </a:schemeClr>
+                </a:solidFill>
+                <a:latin typeface="+mj-ea"/>
+                <a:ea typeface="+mj-ea"/>
+              </a:rPr>
+              <a:t>‘</a:t>
+            </a:r>
+            <a:r>
+              <a:rPr lang="ko-KR" altLang="en-US" spc="-60" dirty="0" smtClean="0">
+                <a:ln>
+                  <a:solidFill>
+                    <a:prstClr val="white">
+                      <a:alpha val="0"/>
+                    </a:prstClr>
+                  </a:solidFill>
+                </a:ln>
+                <a:solidFill>
+                  <a:schemeClr val="tx2">
+                    <a:lumMod val="75000"/>
+                  </a:schemeClr>
+                </a:solidFill>
+                <a:latin typeface="+mj-ea"/>
+                <a:ea typeface="+mj-ea"/>
+              </a:rPr>
+              <a:t>토요일</a:t>
+            </a:r>
+            <a:r>
+              <a:rPr lang="en-US" altLang="ko-KR" spc="-60" dirty="0" smtClean="0">
+                <a:ln>
+                  <a:solidFill>
+                    <a:prstClr val="white">
+                      <a:alpha val="0"/>
+                    </a:prstClr>
+                  </a:solidFill>
+                </a:ln>
+                <a:solidFill>
+                  <a:schemeClr val="tx2">
+                    <a:lumMod val="75000"/>
+                  </a:schemeClr>
+                </a:solidFill>
+                <a:latin typeface="+mj-ea"/>
+                <a:ea typeface="+mj-ea"/>
+              </a:rPr>
+              <a:t>’</a:t>
+            </a:r>
+            <a:r>
+              <a:rPr lang="ko-KR" altLang="en-US" spc="-60" dirty="0" smtClean="0">
+                <a:ln>
+                  <a:solidFill>
+                    <a:prstClr val="white">
+                      <a:alpha val="0"/>
+                    </a:prstClr>
+                  </a:solidFill>
+                </a:ln>
+                <a:solidFill>
+                  <a:schemeClr val="tx2">
+                    <a:lumMod val="75000"/>
+                  </a:schemeClr>
+                </a:solidFill>
+                <a:latin typeface="+mj-ea"/>
+                <a:ea typeface="+mj-ea"/>
+              </a:rPr>
+              <a:t>로 나타남</a:t>
+            </a:r>
+            <a:r>
+              <a:rPr lang="en-US" altLang="ko-KR" spc="-60" dirty="0" smtClean="0">
+                <a:ln>
+                  <a:solidFill>
+                    <a:prstClr val="white">
+                      <a:alpha val="0"/>
+                    </a:prstClr>
+                  </a:solidFill>
+                </a:ln>
+                <a:solidFill>
+                  <a:schemeClr val="tx2">
+                    <a:lumMod val="75000"/>
+                  </a:schemeClr>
+                </a:solidFill>
+                <a:latin typeface="+mj-ea"/>
+                <a:ea typeface="+mj-ea"/>
+              </a:rPr>
+              <a:t>.    (</a:t>
+            </a:r>
+            <a:r>
+              <a:rPr lang="ko-KR" altLang="en-US" spc="-60" dirty="0" smtClean="0">
+                <a:ln>
+                  <a:solidFill>
+                    <a:prstClr val="white">
+                      <a:alpha val="0"/>
+                    </a:prstClr>
+                  </a:solidFill>
+                </a:ln>
+                <a:solidFill>
+                  <a:schemeClr val="tx2">
+                    <a:lumMod val="75000"/>
+                  </a:schemeClr>
+                </a:solidFill>
+                <a:latin typeface="+mj-ea"/>
+                <a:ea typeface="+mj-ea"/>
+              </a:rPr>
+              <a:t>약 </a:t>
+            </a:r>
+            <a:r>
+              <a:rPr lang="en-US" altLang="ko-KR" spc="-60" dirty="0" smtClean="0">
+                <a:ln>
+                  <a:solidFill>
+                    <a:prstClr val="white">
+                      <a:alpha val="0"/>
+                    </a:prstClr>
+                  </a:solidFill>
+                </a:ln>
+                <a:solidFill>
+                  <a:schemeClr val="tx2">
+                    <a:lumMod val="75000"/>
+                  </a:schemeClr>
+                </a:solidFill>
+                <a:latin typeface="+mj-ea"/>
+                <a:ea typeface="+mj-ea"/>
+              </a:rPr>
+              <a:t>8</a:t>
+            </a:r>
+            <a:r>
+              <a:rPr lang="ko-KR" altLang="en-US" spc="-60" dirty="0" smtClean="0">
+                <a:ln>
+                  <a:solidFill>
+                    <a:prstClr val="white">
+                      <a:alpha val="0"/>
+                    </a:prstClr>
+                  </a:solidFill>
+                </a:ln>
+                <a:solidFill>
+                  <a:schemeClr val="tx2">
+                    <a:lumMod val="75000"/>
+                  </a:schemeClr>
+                </a:solidFill>
+                <a:latin typeface="+mj-ea"/>
+                <a:ea typeface="+mj-ea"/>
+              </a:rPr>
+              <a:t>억 </a:t>
+            </a:r>
+            <a:r>
+              <a:rPr lang="en-US" altLang="ko-KR" spc="-60" dirty="0" smtClean="0">
+                <a:ln>
+                  <a:solidFill>
+                    <a:prstClr val="white">
+                      <a:alpha val="0"/>
+                    </a:prstClr>
+                  </a:solidFill>
+                </a:ln>
+                <a:solidFill>
+                  <a:schemeClr val="tx2">
+                    <a:lumMod val="75000"/>
+                  </a:schemeClr>
+                </a:solidFill>
+                <a:latin typeface="+mj-ea"/>
+                <a:ea typeface="+mj-ea"/>
+              </a:rPr>
+              <a:t>9</a:t>
+            </a:r>
+            <a:r>
+              <a:rPr lang="ko-KR" altLang="en-US" spc="-60" dirty="0" smtClean="0">
+                <a:ln>
+                  <a:solidFill>
+                    <a:prstClr val="white">
+                      <a:alpha val="0"/>
+                    </a:prstClr>
+                  </a:solidFill>
+                </a:ln>
+                <a:solidFill>
+                  <a:schemeClr val="tx2">
+                    <a:lumMod val="75000"/>
+                  </a:schemeClr>
+                </a:solidFill>
+                <a:latin typeface="+mj-ea"/>
+                <a:ea typeface="+mj-ea"/>
+              </a:rPr>
+              <a:t>천만원</a:t>
+            </a:r>
+            <a:r>
+              <a:rPr lang="en-US" altLang="ko-KR" spc="-60" dirty="0" smtClean="0">
+                <a:ln>
+                  <a:solidFill>
+                    <a:prstClr val="white">
+                      <a:alpha val="0"/>
+                    </a:prstClr>
+                  </a:solidFill>
+                </a:ln>
+                <a:solidFill>
+                  <a:schemeClr val="tx2">
+                    <a:lumMod val="75000"/>
+                  </a:schemeClr>
+                </a:solidFill>
+                <a:latin typeface="+mj-ea"/>
+                <a:ea typeface="+mj-ea"/>
+              </a:rPr>
+              <a:t>)</a:t>
+            </a:r>
+          </a:p>
+          <a:p>
+            <a:pPr marL="800100" lvl="1" indent="-342900">
+              <a:spcBef>
+                <a:spcPts val="1000"/>
+              </a:spcBef>
+              <a:buFont typeface="+mj-ea"/>
+              <a:buAutoNum type="circleNumDbPlain"/>
+            </a:pPr>
+            <a:r>
+              <a:rPr lang="ko-KR" altLang="en-US" spc="-60" dirty="0" err="1" smtClean="0">
+                <a:ln>
+                  <a:solidFill>
+                    <a:prstClr val="white">
+                      <a:alpha val="0"/>
+                    </a:prstClr>
+                  </a:solidFill>
+                </a:ln>
+                <a:solidFill>
+                  <a:schemeClr val="tx2">
+                    <a:lumMod val="75000"/>
+                  </a:schemeClr>
+                </a:solidFill>
+                <a:latin typeface="+mj-ea"/>
+                <a:ea typeface="+mj-ea"/>
+              </a:rPr>
+              <a:t>요일별</a:t>
+            </a:r>
+            <a:r>
+              <a:rPr lang="ko-KR" altLang="en-US" spc="-60" dirty="0" smtClean="0">
+                <a:ln>
+                  <a:solidFill>
+                    <a:prstClr val="white">
+                      <a:alpha val="0"/>
+                    </a:prstClr>
+                  </a:solidFill>
+                </a:ln>
+                <a:solidFill>
+                  <a:schemeClr val="tx2">
+                    <a:lumMod val="75000"/>
+                  </a:schemeClr>
+                </a:solidFill>
+                <a:latin typeface="+mj-ea"/>
+                <a:ea typeface="+mj-ea"/>
+              </a:rPr>
+              <a:t> 거래금액이 가장 낮은 요일은 </a:t>
+            </a:r>
+            <a:r>
+              <a:rPr lang="en-US" altLang="ko-KR" spc="-60" dirty="0" smtClean="0">
+                <a:ln>
+                  <a:solidFill>
+                    <a:prstClr val="white">
+                      <a:alpha val="0"/>
+                    </a:prstClr>
+                  </a:solidFill>
+                </a:ln>
+                <a:solidFill>
+                  <a:schemeClr val="tx2">
+                    <a:lumMod val="75000"/>
+                  </a:schemeClr>
+                </a:solidFill>
+                <a:latin typeface="+mj-ea"/>
+                <a:ea typeface="+mj-ea"/>
+              </a:rPr>
+              <a:t>‘</a:t>
+            </a:r>
+            <a:r>
+              <a:rPr lang="ko-KR" altLang="en-US" spc="-60" dirty="0" smtClean="0">
+                <a:ln>
+                  <a:solidFill>
+                    <a:prstClr val="white">
+                      <a:alpha val="0"/>
+                    </a:prstClr>
+                  </a:solidFill>
+                </a:ln>
+                <a:solidFill>
+                  <a:schemeClr val="tx2">
+                    <a:lumMod val="75000"/>
+                  </a:schemeClr>
+                </a:solidFill>
+                <a:latin typeface="+mj-ea"/>
+                <a:ea typeface="+mj-ea"/>
+              </a:rPr>
+              <a:t>일요일</a:t>
+            </a:r>
+            <a:r>
+              <a:rPr lang="en-US" altLang="ko-KR" spc="-60" dirty="0" smtClean="0">
+                <a:ln>
+                  <a:solidFill>
+                    <a:prstClr val="white">
+                      <a:alpha val="0"/>
+                    </a:prstClr>
+                  </a:solidFill>
+                </a:ln>
+                <a:solidFill>
+                  <a:schemeClr val="tx2">
+                    <a:lumMod val="75000"/>
+                  </a:schemeClr>
+                </a:solidFill>
+                <a:latin typeface="+mj-ea"/>
+                <a:ea typeface="+mj-ea"/>
+              </a:rPr>
+              <a:t>’</a:t>
+            </a:r>
+            <a:r>
+              <a:rPr lang="ko-KR" altLang="en-US" spc="-60" dirty="0" smtClean="0">
+                <a:ln>
+                  <a:solidFill>
+                    <a:prstClr val="white">
+                      <a:alpha val="0"/>
+                    </a:prstClr>
+                  </a:solidFill>
+                </a:ln>
+                <a:solidFill>
+                  <a:schemeClr val="tx2">
+                    <a:lumMod val="75000"/>
+                  </a:schemeClr>
+                </a:solidFill>
+                <a:latin typeface="+mj-ea"/>
+                <a:ea typeface="+mj-ea"/>
+              </a:rPr>
+              <a:t>로 나타남</a:t>
+            </a:r>
+            <a:r>
+              <a:rPr lang="en-US" altLang="ko-KR" spc="-60" dirty="0" smtClean="0">
+                <a:ln>
+                  <a:solidFill>
+                    <a:prstClr val="white">
+                      <a:alpha val="0"/>
+                    </a:prstClr>
+                  </a:solidFill>
+                </a:ln>
+                <a:solidFill>
+                  <a:schemeClr val="tx2">
+                    <a:lumMod val="75000"/>
+                  </a:schemeClr>
+                </a:solidFill>
+                <a:latin typeface="+mj-ea"/>
+                <a:ea typeface="+mj-ea"/>
+              </a:rPr>
+              <a:t>.   (</a:t>
+            </a:r>
+            <a:r>
+              <a:rPr lang="ko-KR" altLang="en-US" spc="-60" dirty="0" smtClean="0">
+                <a:ln>
+                  <a:solidFill>
+                    <a:prstClr val="white">
+                      <a:alpha val="0"/>
+                    </a:prstClr>
+                  </a:solidFill>
+                </a:ln>
+                <a:solidFill>
+                  <a:schemeClr val="tx2">
+                    <a:lumMod val="75000"/>
+                  </a:schemeClr>
+                </a:solidFill>
+                <a:latin typeface="+mj-ea"/>
+                <a:ea typeface="+mj-ea"/>
+              </a:rPr>
+              <a:t>약 </a:t>
+            </a:r>
+            <a:r>
+              <a:rPr lang="en-US" altLang="ko-KR" spc="-60" dirty="0" smtClean="0">
+                <a:ln>
+                  <a:solidFill>
+                    <a:prstClr val="white">
+                      <a:alpha val="0"/>
+                    </a:prstClr>
+                  </a:solidFill>
+                </a:ln>
+                <a:solidFill>
+                  <a:schemeClr val="tx2">
+                    <a:lumMod val="75000"/>
+                  </a:schemeClr>
+                </a:solidFill>
+                <a:latin typeface="+mj-ea"/>
+                <a:ea typeface="+mj-ea"/>
+              </a:rPr>
+              <a:t>6</a:t>
+            </a:r>
+            <a:r>
+              <a:rPr lang="ko-KR" altLang="en-US" spc="-60" dirty="0" smtClean="0">
+                <a:ln>
+                  <a:solidFill>
+                    <a:prstClr val="white">
+                      <a:alpha val="0"/>
+                    </a:prstClr>
+                  </a:solidFill>
+                </a:ln>
+                <a:solidFill>
+                  <a:schemeClr val="tx2">
+                    <a:lumMod val="75000"/>
+                  </a:schemeClr>
+                </a:solidFill>
+                <a:latin typeface="+mj-ea"/>
+                <a:ea typeface="+mj-ea"/>
+              </a:rPr>
+              <a:t>억</a:t>
+            </a:r>
+            <a:r>
+              <a:rPr lang="en-US" altLang="ko-KR" spc="-60" dirty="0" smtClean="0">
+                <a:ln>
+                  <a:solidFill>
+                    <a:prstClr val="white">
+                      <a:alpha val="0"/>
+                    </a:prstClr>
+                  </a:solidFill>
+                </a:ln>
+                <a:solidFill>
+                  <a:schemeClr val="tx2">
+                    <a:lumMod val="75000"/>
+                  </a:schemeClr>
+                </a:solidFill>
+                <a:latin typeface="+mj-ea"/>
+                <a:ea typeface="+mj-ea"/>
+              </a:rPr>
+              <a:t>) </a:t>
+            </a:r>
+          </a:p>
+          <a:p>
+            <a:pPr marL="800100" lvl="1" indent="-342900">
+              <a:spcBef>
+                <a:spcPts val="1000"/>
+              </a:spcBef>
+              <a:buFont typeface="+mj-ea"/>
+              <a:buAutoNum type="circleNumDbPlain"/>
+            </a:pPr>
+            <a:r>
+              <a:rPr lang="ko-KR" altLang="en-US" spc="-60" dirty="0" err="1" smtClean="0">
+                <a:ln>
+                  <a:solidFill>
+                    <a:prstClr val="white">
+                      <a:alpha val="0"/>
+                    </a:prstClr>
+                  </a:solidFill>
+                </a:ln>
+                <a:solidFill>
+                  <a:schemeClr val="tx2">
+                    <a:lumMod val="75000"/>
+                  </a:schemeClr>
+                </a:solidFill>
+                <a:latin typeface="+mj-ea"/>
+                <a:ea typeface="+mj-ea"/>
+              </a:rPr>
+              <a:t>울산페이</a:t>
+            </a:r>
+            <a:r>
+              <a:rPr lang="ko-KR" altLang="en-US" spc="-60" dirty="0" smtClean="0">
+                <a:ln>
+                  <a:solidFill>
+                    <a:prstClr val="white">
+                      <a:alpha val="0"/>
+                    </a:prstClr>
+                  </a:solidFill>
+                </a:ln>
+                <a:solidFill>
+                  <a:schemeClr val="tx2">
+                    <a:lumMod val="75000"/>
+                  </a:schemeClr>
+                </a:solidFill>
+                <a:latin typeface="+mj-ea"/>
+                <a:ea typeface="+mj-ea"/>
+              </a:rPr>
+              <a:t> 거래금액은 목</a:t>
+            </a:r>
+            <a:r>
+              <a:rPr lang="en-US" altLang="ko-KR" spc="-60" dirty="0" smtClean="0">
+                <a:ln>
+                  <a:solidFill>
+                    <a:prstClr val="white">
+                      <a:alpha val="0"/>
+                    </a:prstClr>
+                  </a:solidFill>
+                </a:ln>
+                <a:solidFill>
+                  <a:schemeClr val="tx2">
+                    <a:lumMod val="75000"/>
+                  </a:schemeClr>
+                </a:solidFill>
+                <a:latin typeface="+mj-ea"/>
+                <a:ea typeface="+mj-ea"/>
+              </a:rPr>
+              <a:t>,</a:t>
+            </a:r>
+            <a:r>
+              <a:rPr lang="ko-KR" altLang="en-US" spc="-60" dirty="0" smtClean="0">
+                <a:ln>
+                  <a:solidFill>
+                    <a:prstClr val="white">
+                      <a:alpha val="0"/>
+                    </a:prstClr>
+                  </a:solidFill>
+                </a:ln>
+                <a:solidFill>
+                  <a:schemeClr val="tx2">
+                    <a:lumMod val="75000"/>
+                  </a:schemeClr>
+                </a:solidFill>
+                <a:latin typeface="+mj-ea"/>
+                <a:ea typeface="+mj-ea"/>
+              </a:rPr>
+              <a:t>금</a:t>
+            </a:r>
+            <a:r>
+              <a:rPr lang="en-US" altLang="ko-KR" spc="-60" dirty="0" smtClean="0">
+                <a:ln>
+                  <a:solidFill>
+                    <a:prstClr val="white">
+                      <a:alpha val="0"/>
+                    </a:prstClr>
+                  </a:solidFill>
+                </a:ln>
+                <a:solidFill>
+                  <a:schemeClr val="tx2">
+                    <a:lumMod val="75000"/>
+                  </a:schemeClr>
+                </a:solidFill>
+                <a:latin typeface="+mj-ea"/>
+                <a:ea typeface="+mj-ea"/>
+              </a:rPr>
+              <a:t>,</a:t>
+            </a:r>
+            <a:r>
+              <a:rPr lang="ko-KR" altLang="en-US" spc="-60" dirty="0" smtClean="0">
+                <a:ln>
+                  <a:solidFill>
+                    <a:prstClr val="white">
+                      <a:alpha val="0"/>
+                    </a:prstClr>
+                  </a:solidFill>
+                </a:ln>
+                <a:solidFill>
+                  <a:schemeClr val="tx2">
+                    <a:lumMod val="75000"/>
+                  </a:schemeClr>
+                </a:solidFill>
+                <a:latin typeface="+mj-ea"/>
+                <a:ea typeface="+mj-ea"/>
+              </a:rPr>
+              <a:t>토가 평균적으로 높게 나타남</a:t>
+            </a:r>
+            <a:r>
+              <a:rPr lang="en-US" altLang="ko-KR" spc="-60" dirty="0" smtClean="0">
+                <a:ln>
+                  <a:solidFill>
+                    <a:prstClr val="white">
+                      <a:alpha val="0"/>
+                    </a:prstClr>
+                  </a:solidFill>
+                </a:ln>
+                <a:solidFill>
+                  <a:schemeClr val="tx2">
+                    <a:lumMod val="75000"/>
+                  </a:schemeClr>
+                </a:solidFill>
+                <a:latin typeface="+mj-ea"/>
+                <a:ea typeface="+mj-ea"/>
+              </a:rPr>
+              <a:t>.(</a:t>
+            </a:r>
+            <a:r>
+              <a:rPr lang="ko-KR" altLang="en-US" spc="-60" dirty="0" smtClean="0">
+                <a:ln>
+                  <a:solidFill>
+                    <a:prstClr val="white">
+                      <a:alpha val="0"/>
+                    </a:prstClr>
+                  </a:solidFill>
+                </a:ln>
+                <a:solidFill>
+                  <a:schemeClr val="tx2">
+                    <a:lumMod val="75000"/>
+                  </a:schemeClr>
+                </a:solidFill>
+                <a:latin typeface="+mj-ea"/>
+                <a:ea typeface="+mj-ea"/>
+              </a:rPr>
+              <a:t>약</a:t>
+            </a:r>
+            <a:r>
+              <a:rPr lang="en-US" altLang="ko-KR" spc="-60" dirty="0">
+                <a:ln>
+                  <a:solidFill>
+                    <a:prstClr val="white">
+                      <a:alpha val="0"/>
+                    </a:prstClr>
+                  </a:solidFill>
+                </a:ln>
+                <a:solidFill>
+                  <a:schemeClr val="tx2">
+                    <a:lumMod val="75000"/>
+                  </a:schemeClr>
+                </a:solidFill>
+                <a:latin typeface="+mj-ea"/>
+                <a:ea typeface="+mj-ea"/>
+              </a:rPr>
+              <a:t> </a:t>
+            </a:r>
+            <a:r>
+              <a:rPr lang="en-US" altLang="ko-KR" spc="-60" dirty="0" smtClean="0">
+                <a:ln>
+                  <a:solidFill>
+                    <a:prstClr val="white">
+                      <a:alpha val="0"/>
+                    </a:prstClr>
+                  </a:solidFill>
+                </a:ln>
+                <a:solidFill>
+                  <a:schemeClr val="tx2">
+                    <a:lumMod val="75000"/>
+                  </a:schemeClr>
+                </a:solidFill>
+                <a:latin typeface="+mj-ea"/>
+                <a:ea typeface="+mj-ea"/>
+              </a:rPr>
+              <a:t>8 </a:t>
+            </a:r>
+            <a:r>
+              <a:rPr lang="ko-KR" altLang="en-US" spc="-60" dirty="0" smtClean="0">
+                <a:ln>
+                  <a:solidFill>
+                    <a:prstClr val="white">
+                      <a:alpha val="0"/>
+                    </a:prstClr>
+                  </a:solidFill>
+                </a:ln>
+                <a:solidFill>
+                  <a:schemeClr val="tx2">
+                    <a:lumMod val="75000"/>
+                  </a:schemeClr>
+                </a:solidFill>
+                <a:latin typeface="+mj-ea"/>
+                <a:ea typeface="+mj-ea"/>
+              </a:rPr>
+              <a:t>억 </a:t>
+            </a:r>
+            <a:r>
+              <a:rPr lang="en-US" altLang="ko-KR" spc="-60" dirty="0" smtClean="0">
+                <a:ln>
+                  <a:solidFill>
+                    <a:prstClr val="white">
+                      <a:alpha val="0"/>
+                    </a:prstClr>
+                  </a:solidFill>
+                </a:ln>
+                <a:solidFill>
+                  <a:schemeClr val="tx2">
+                    <a:lumMod val="75000"/>
+                  </a:schemeClr>
+                </a:solidFill>
+                <a:latin typeface="+mj-ea"/>
+                <a:ea typeface="+mj-ea"/>
+              </a:rPr>
+              <a:t>6</a:t>
+            </a:r>
+            <a:r>
+              <a:rPr lang="ko-KR" altLang="en-US" spc="-60" dirty="0" smtClean="0">
+                <a:ln>
+                  <a:solidFill>
+                    <a:prstClr val="white">
+                      <a:alpha val="0"/>
+                    </a:prstClr>
+                  </a:solidFill>
+                </a:ln>
+                <a:solidFill>
+                  <a:schemeClr val="tx2">
+                    <a:lumMod val="75000"/>
+                  </a:schemeClr>
+                </a:solidFill>
+                <a:latin typeface="+mj-ea"/>
+                <a:ea typeface="+mj-ea"/>
+              </a:rPr>
+              <a:t>천만원</a:t>
+            </a:r>
+            <a:r>
+              <a:rPr lang="en-US" altLang="ko-KR" spc="-60" dirty="0" smtClean="0">
+                <a:ln>
+                  <a:solidFill>
+                    <a:prstClr val="white">
+                      <a:alpha val="0"/>
+                    </a:prstClr>
+                  </a:solidFill>
+                </a:ln>
+                <a:solidFill>
+                  <a:schemeClr val="tx2">
+                    <a:lumMod val="75000"/>
+                  </a:schemeClr>
+                </a:solidFill>
+                <a:latin typeface="+mj-ea"/>
+                <a:ea typeface="+mj-ea"/>
+              </a:rPr>
+              <a:t>)</a:t>
             </a:r>
             <a:endParaRPr lang="en-US" altLang="ko-KR" spc="-60" dirty="0">
               <a:ln>
@@ -4918,157 +7516,6 @@
               <a:buFont typeface="+mj-ea"/>
               <a:buAutoNum type="circleNumDbPlain"/>
             </a:pPr>
-            <a:r>
-              <a:rPr lang="ko-KR" altLang="en-US" spc="-60" dirty="0" err="1">
-                <a:ln>
-                  <a:solidFill>
-                    <a:prstClr val="white">
-                      <a:alpha val="0"/>
-                    </a:prstClr>
-                  </a:solidFill>
-                </a:ln>
-                <a:solidFill>
-                  <a:schemeClr val="tx2">
-                    <a:lumMod val="75000"/>
-                  </a:schemeClr>
-                </a:solidFill>
-                <a:latin typeface="+mj-ea"/>
-                <a:ea typeface="+mj-ea"/>
-              </a:rPr>
-              <a:t>ㅇ</a:t>
-            </a:r>
-            <a:endParaRPr lang="en-US" altLang="ko-KR" spc="-60" dirty="0">
-              <a:ln>
-                <a:solidFill>
-                  <a:prstClr val="white">
-                    <a:alpha val="0"/>
-                  </a:prstClr>
-                </a:solidFill>
-              </a:ln>
-              <a:solidFill>
-                <a:schemeClr val="tx2">
-                  <a:lumMod val="75000"/>
-                </a:schemeClr>
-              </a:solidFill>
-              <a:latin typeface="+mj-ea"/>
-              <a:ea typeface="+mj-ea"/>
-            </a:endParaRPr>
-          </a:p>
-          <a:p>
-            <a:pPr marL="800100" lvl="1" indent="-342900">
-              <a:spcBef>
-                <a:spcPts val="1000"/>
-              </a:spcBef>
-              <a:buFont typeface="+mj-ea"/>
-              <a:buAutoNum type="circleNumDbPlain"/>
-            </a:pPr>
-            <a:r>
-              <a:rPr lang="ko-KR" altLang="en-US" spc="-60" dirty="0" err="1">
-                <a:ln>
-                  <a:solidFill>
-                    <a:prstClr val="white">
-                      <a:alpha val="0"/>
-                    </a:prstClr>
-                  </a:solidFill>
-                </a:ln>
-                <a:solidFill>
-                  <a:schemeClr val="tx2">
-                    <a:lumMod val="75000"/>
-                  </a:schemeClr>
-                </a:solidFill>
-                <a:latin typeface="+mj-ea"/>
-                <a:ea typeface="+mj-ea"/>
-              </a:rPr>
-              <a:t>ㅇ</a:t>
-            </a:r>
-            <a:endParaRPr lang="en-US" altLang="ko-KR" spc="-60" dirty="0">
-              <a:ln>
-                <a:solidFill>
-                  <a:prstClr val="white">
-                    <a:alpha val="0"/>
-                  </a:prstClr>
-                </a:solidFill>
-              </a:ln>
-              <a:solidFill>
-                <a:schemeClr val="tx2">
-                  <a:lumMod val="75000"/>
-                </a:schemeClr>
-              </a:solidFill>
-              <a:latin typeface="+mj-ea"/>
-              <a:ea typeface="+mj-ea"/>
-            </a:endParaRPr>
-          </a:p>
-          <a:p>
-            <a:pPr marL="800100" lvl="1" indent="-342900">
-              <a:spcBef>
-                <a:spcPts val="1000"/>
-              </a:spcBef>
-              <a:buFont typeface="+mj-ea"/>
-              <a:buAutoNum type="circleNumDbPlain"/>
-            </a:pPr>
-            <a:r>
-              <a:rPr lang="ko-KR" altLang="en-US" spc="-60" dirty="0" err="1">
-                <a:ln>
-                  <a:solidFill>
-                    <a:prstClr val="white">
-                      <a:alpha val="0"/>
-                    </a:prstClr>
-                  </a:solidFill>
-                </a:ln>
-                <a:solidFill>
-                  <a:schemeClr val="tx2">
-                    <a:lumMod val="75000"/>
-                  </a:schemeClr>
-                </a:solidFill>
-                <a:latin typeface="+mj-ea"/>
-                <a:ea typeface="+mj-ea"/>
-              </a:rPr>
-              <a:t>ㅇ</a:t>
-            </a:r>
-            <a:endParaRPr lang="en-US" altLang="ko-KR" spc="-60" dirty="0">
-              <a:ln>
-                <a:solidFill>
-                  <a:prstClr val="white">
-                    <a:alpha val="0"/>
-                  </a:prstClr>
-                </a:solidFill>
-              </a:ln>
-              <a:solidFill>
-                <a:schemeClr val="tx2">
-                  <a:lumMod val="75000"/>
-                </a:schemeClr>
-              </a:solidFill>
-              <a:latin typeface="+mj-ea"/>
-              <a:ea typeface="+mj-ea"/>
-            </a:endParaRPr>
-          </a:p>
-          <a:p>
-            <a:pPr marL="800100" lvl="1" indent="-342900">
-              <a:spcBef>
-                <a:spcPts val="1000"/>
-              </a:spcBef>
-              <a:buFont typeface="+mj-ea"/>
-              <a:buAutoNum type="circleNumDbPlain"/>
-            </a:pPr>
-            <a:r>
-              <a:rPr lang="ko-KR" altLang="en-US" spc="-60" dirty="0" err="1">
-                <a:ln>
-                  <a:solidFill>
-                    <a:prstClr val="white">
-                      <a:alpha val="0"/>
-                    </a:prstClr>
-                  </a:solidFill>
-                </a:ln>
-                <a:solidFill>
-                  <a:schemeClr val="tx2">
-                    <a:lumMod val="75000"/>
-                  </a:schemeClr>
-                </a:solidFill>
-                <a:latin typeface="+mj-ea"/>
-                <a:ea typeface="+mj-ea"/>
-              </a:rPr>
-              <a:t>ㅇ</a:t>
-            </a:r>
             <a:endParaRPr lang="en-US" altLang="ko-KR" spc="-60" dirty="0">
               <a:ln>
                 <a:solidFill>
@@ -5163,7 +7610,7 @@
                 <a:latin typeface="+mj-ea"/>
                 <a:ea typeface="+mj-ea"/>
               </a:rPr>
-              <a:t>일자별</a:t>
+              <a:t>요일별</a:t>
             </a:r>
             <a:r>
               <a:rPr lang="ko-KR" altLang="en-US" sz="2000" spc="-60" dirty="0">
@@ -5201,7 +7648,7 @@
                 <a:latin typeface="+mj-ea"/>
                 <a:ea typeface="+mj-ea"/>
               </a:rPr>
-              <a:t> 누적 거래</a:t>
+              <a:t>거래</a:t>
             </a:r>
             <a:r>
               <a:rPr lang="ko-KR" altLang="en-US" sz="2000" spc="-60" dirty="0">
@@ -5265,1073 +7712,30 @@
           </a:p>
         </p:txBody>
       </p:sp>
-    </p:spTree>
-    <p:extLst>
-      <p:ext uri="{BB962C8B-B14F-4D97-AF65-F5344CB8AC3E}">
-        <p14:creationId xmlns:p14="http://schemas.microsoft.com/office/powerpoint/2010/main" val="2164983965"/>
-      </p:ext>
-    </p:extLst>
-  </p:cSld>
-  <p:clrMapOvr>
-    <a:masterClrMapping/>
-  </p:clrMapOvr>
-</p:sld>
-</file>
-
-<file path=ppt/slides/slide13.xml><?xml version="1.0" encoding="utf-8"?>
-<p:sld xmlns:a="http://schemas.openxmlformats.org/drawingml/2006/main" xmlns:r="http://schemas.openxmlformats.org/officeDocument/2006/relationships" xmlns:p="http://schemas.openxmlformats.org/presentationml/2006/main">
-  <p:cSld>
-    <p:spTree>
-      <p:nvGrpSpPr>
-        <p:cNvPr id="1" name=""/>
-        <p:cNvGrpSpPr/>
-        <p:nvPr/>
-      </p:nvGrpSpPr>
-      <p:grpSpPr>
-        <a:xfrm>
-          <a:off x="0" y="0"/>
-          <a:ext cx="0" cy="0"/>
-          <a:chOff x="0" y="0"/>
-          <a:chExt cx="0" cy="0"/>
-        </a:xfrm>
-      </p:grpSpPr>
-      <p:sp>
-        <p:nvSpPr>
-          <p:cNvPr id="13" name="직사각형 12">
-            <a:extLst>
-              <a:ext uri="{FF2B5EF4-FFF2-40B4-BE49-F238E27FC236}">
-                <a16:creationId xmlns:a16="http://schemas.microsoft.com/office/drawing/2014/main" id="{8A18650E-587D-4954-9C7A-C60C588F644B}"/>
-              </a:ext>
-            </a:extLst>
-          </p:cNvPr>
-          <p:cNvSpPr/>
+      <p:pic>
+        <p:nvPicPr>
+          <p:cNvPr id="4" name="그림 3"/>
+          <p:cNvPicPr>
+            <a:picLocks noChangeAspect="1"/>
+          </p:cNvPicPr>
           <p:nvPr/>
-        </p:nvSpPr>
+        </p:nvPicPr>
+        <p:blipFill>
+          <a:blip r:embed="rId2"/>
+          <a:stretch>
+            <a:fillRect/>
+          </a:stretch>
+        </p:blipFill>
         <p:spPr>
           <a:xfrm>
-            <a:off x="832560" y="4210212"/>
-            <a:ext cx="6325222" cy="2136800"/>
-          </a:xfrm>
-          <a:prstGeom prst="rect">
-            <a:avLst/>
-          </a:prstGeom>
-          <a:solidFill>
-            <a:srgbClr val="FFFF00">
-              <a:alpha val="70000"/>
-            </a:srgbClr>
-          </a:solidFill>
-          <a:ln>
-            <a:noFill/>
-          </a:ln>
-        </p:spPr>
-        <p:style>
-          <a:lnRef idx="2">
-            <a:schemeClr val="accent1">
-              <a:shade val="50000"/>
-            </a:schemeClr>
-          </a:lnRef>
-          <a:fillRef idx="1">
-            <a:schemeClr val="accent1"/>
-          </a:fillRef>
-          <a:effectRef idx="0">
-            <a:schemeClr val="accent1"/>
-          </a:effectRef>
-          <a:fontRef idx="minor">
-            <a:schemeClr val="lt1"/>
-          </a:fontRef>
-        </p:style>
-        <p:txBody>
-          <a:bodyPr rtlCol="0" anchor="ctr"/>
-          <a:lstStyle/>
-          <a:p>
-            <a:pPr algn="ctr"/>
-            <a:r>
-              <a:rPr lang="ko-KR" altLang="en-US" sz="3600" dirty="0">
-                <a:solidFill>
-                  <a:srgbClr val="FF0000"/>
-                </a:solidFill>
-              </a:rPr>
-              <a:t>그래프 삽입</a:t>
-            </a:r>
-            <a:endParaRPr lang="ko-KR" altLang="en-US" sz="1200" strike="sngStrike" dirty="0">
-              <a:solidFill>
-                <a:srgbClr val="FF0000"/>
-              </a:solidFill>
-            </a:endParaRPr>
-          </a:p>
-        </p:txBody>
-      </p:sp>
-      <p:sp>
-        <p:nvSpPr>
-          <p:cNvPr id="35" name="제목 1"/>
-          <p:cNvSpPr txBox="1">
-            <a:spLocks/>
-          </p:cNvSpPr>
-          <p:nvPr/>
-        </p:nvSpPr>
-        <p:spPr>
-          <a:xfrm>
-            <a:off x="251520" y="243601"/>
-            <a:ext cx="8640960" cy="480131"/>
+            <a:off x="251520" y="4252495"/>
+            <a:ext cx="8521152" cy="2382838"/>
           </a:xfrm>
           <a:prstGeom prst="rect">
             <a:avLst/>
           </a:prstGeom>
         </p:spPr>
-        <p:txBody>
-          <a:bodyPr vert="horz" wrap="square" lIns="91440" tIns="45720" rIns="91440" bIns="45720" rtlCol="0" anchor="ctr">
-            <a:spAutoFit/>
-          </a:bodyPr>
-          <a:lstStyle>
-            <a:lvl1pPr algn="l" defTabSz="914400" rtl="0" eaLnBrk="1" latinLnBrk="1" hangingPunct="1">
-              <a:lnSpc>
-                <a:spcPct val="90000"/>
-              </a:lnSpc>
-              <a:spcBef>
-                <a:spcPct val="0"/>
-              </a:spcBef>
-              <a:buNone/>
-              <a:defRPr sz="2800" b="0" kern="1200">
-                <a:solidFill>
-                  <a:schemeClr val="tx1"/>
-                </a:solidFill>
-                <a:effectLst/>
-                <a:latin typeface="-윤고딕320" panose="020B0600000101010101" charset="-127"/>
-                <a:ea typeface="-윤고딕320" panose="020B0600000101010101" charset="-127"/>
-                <a:cs typeface="+mj-cs"/>
-              </a:defRPr>
-            </a:lvl1pPr>
-          </a:lstStyle>
-          <a:p>
-            <a:r>
-              <a:rPr lang="en-US" altLang="ko-KR" dirty="0">
-                <a:latin typeface="+mn-ea"/>
-                <a:ea typeface="+mn-ea"/>
-              </a:rPr>
-              <a:t>3. </a:t>
-            </a:r>
-            <a:r>
-              <a:rPr lang="ko-KR" altLang="en-US" dirty="0">
-                <a:latin typeface="+mn-ea"/>
-                <a:ea typeface="+mn-ea"/>
-              </a:rPr>
-              <a:t>울산페이 데이터 분석 단계별 설명</a:t>
-            </a:r>
-          </a:p>
-        </p:txBody>
-      </p:sp>
-      <p:sp>
-        <p:nvSpPr>
-          <p:cNvPr id="3" name="사각형: 둥근 모서리 2">
-            <a:extLst>
-              <a:ext uri="{FF2B5EF4-FFF2-40B4-BE49-F238E27FC236}">
-                <a16:creationId xmlns:a16="http://schemas.microsoft.com/office/drawing/2014/main" id="{44B1FF70-C47F-4352-8698-63BF5E1453B2}"/>
-              </a:ext>
-            </a:extLst>
-          </p:cNvPr>
-          <p:cNvSpPr/>
-          <p:nvPr/>
-        </p:nvSpPr>
-        <p:spPr>
-          <a:xfrm>
-            <a:off x="544513" y="1144746"/>
-            <a:ext cx="5438276" cy="416160"/>
-          </a:xfrm>
-          <a:prstGeom prst="roundRect">
-            <a:avLst>
-              <a:gd name="adj" fmla="val 36422"/>
-            </a:avLst>
-          </a:prstGeom>
-        </p:spPr>
-        <p:style>
-          <a:lnRef idx="2">
-            <a:schemeClr val="accent1">
-              <a:shade val="50000"/>
-            </a:schemeClr>
-          </a:lnRef>
-          <a:fillRef idx="1">
-            <a:schemeClr val="accent1"/>
-          </a:fillRef>
-          <a:effectRef idx="0">
-            <a:schemeClr val="accent1"/>
-          </a:effectRef>
-          <a:fontRef idx="minor">
-            <a:schemeClr val="lt1"/>
-          </a:fontRef>
-        </p:style>
-        <p:txBody>
-          <a:bodyPr rtlCol="0" anchor="ctr"/>
-          <a:lstStyle/>
-          <a:p>
-            <a:pPr algn="ctr"/>
-            <a:r>
-              <a:rPr lang="en-US" altLang="ko-KR" sz="2000" b="1" dirty="0"/>
-              <a:t>(4</a:t>
-            </a:r>
-            <a:r>
-              <a:rPr lang="ko-KR" altLang="en-US" sz="2000" b="1" dirty="0"/>
-              <a:t>단계</a:t>
-            </a:r>
-            <a:r>
-              <a:rPr lang="en-US" altLang="ko-KR" sz="2000" b="1" dirty="0"/>
-              <a:t>) </a:t>
-            </a:r>
-            <a:r>
-              <a:rPr lang="ko-KR" altLang="en-US" sz="2000" b="1" dirty="0"/>
-              <a:t>데이터 분석 및 시각화</a:t>
-            </a:r>
-            <a:r>
-              <a:rPr lang="en-US" altLang="ko-KR" sz="2000" b="1" dirty="0"/>
-              <a:t>, </a:t>
-            </a:r>
-            <a:r>
-              <a:rPr lang="ko-KR" altLang="en-US" sz="2000" b="1" dirty="0"/>
-              <a:t>시사점</a:t>
-            </a:r>
-            <a:r>
-              <a:rPr lang="en-US" altLang="ko-KR" sz="2000" b="1" dirty="0"/>
-              <a:t>(1/6)</a:t>
-            </a:r>
-            <a:endParaRPr lang="ko-KR" altLang="en-US" sz="2000" b="1" dirty="0"/>
-          </a:p>
-        </p:txBody>
-      </p:sp>
-      <p:sp>
-        <p:nvSpPr>
-          <p:cNvPr id="2" name="사각형: 둥근 모서리 1">
-            <a:extLst>
-              <a:ext uri="{FF2B5EF4-FFF2-40B4-BE49-F238E27FC236}">
-                <a16:creationId xmlns:a16="http://schemas.microsoft.com/office/drawing/2014/main" id="{00D8EB94-8409-4E95-AB44-FABAFF0FE391}"/>
-              </a:ext>
-            </a:extLst>
-          </p:cNvPr>
-          <p:cNvSpPr/>
-          <p:nvPr/>
-        </p:nvSpPr>
-        <p:spPr>
-          <a:xfrm>
-            <a:off x="7524205" y="1638755"/>
-            <a:ext cx="1619795" cy="3790406"/>
-          </a:xfrm>
-          <a:prstGeom prst="roundRect">
-            <a:avLst>
-              <a:gd name="adj" fmla="val 5441"/>
-            </a:avLst>
-          </a:prstGeom>
-          <a:solidFill>
-            <a:schemeClr val="bg1">
-              <a:lumMod val="95000"/>
-            </a:schemeClr>
-          </a:solidFill>
-          <a:ln w="28575">
-            <a:noFill/>
-          </a:ln>
-        </p:spPr>
-        <p:style>
-          <a:lnRef idx="2">
-            <a:schemeClr val="accent1">
-              <a:shade val="50000"/>
-            </a:schemeClr>
-          </a:lnRef>
-          <a:fillRef idx="1">
-            <a:schemeClr val="accent1"/>
-          </a:fillRef>
-          <a:effectRef idx="0">
-            <a:schemeClr val="accent1"/>
-          </a:effectRef>
-          <a:fontRef idx="minor">
-            <a:schemeClr val="lt1"/>
-          </a:fontRef>
-        </p:style>
-        <p:txBody>
-          <a:bodyPr rtlCol="0" anchor="t"/>
-          <a:lstStyle/>
-          <a:p>
-            <a:pPr marL="171450" indent="-171450">
-              <a:buFont typeface="Arial" panose="020B0604020202020204" pitchFamily="34" charset="0"/>
-              <a:buChar char="•"/>
-            </a:pPr>
-            <a:endParaRPr lang="en-US" altLang="ko-KR" sz="1100" spc="-60" dirty="0">
-              <a:ln>
-                <a:solidFill>
-                  <a:prstClr val="white">
-                    <a:alpha val="0"/>
-                  </a:prstClr>
-                </a:solidFill>
-              </a:ln>
-              <a:solidFill>
-                <a:schemeClr val="tx2">
-                  <a:lumMod val="75000"/>
-                </a:schemeClr>
-              </a:solidFill>
-              <a:latin typeface="+mj-ea"/>
-              <a:ea typeface="+mj-ea"/>
-            </a:endParaRPr>
-          </a:p>
-          <a:p>
-            <a:pPr marL="171450" indent="-171450">
-              <a:buFont typeface="Arial" panose="020B0604020202020204" pitchFamily="34" charset="0"/>
-              <a:buChar char="•"/>
-            </a:pPr>
-            <a:r>
-              <a:rPr lang="ko-KR" altLang="en-US" sz="1100" spc="-60" dirty="0" err="1">
-                <a:ln>
-                  <a:solidFill>
-                    <a:prstClr val="white">
-                      <a:alpha val="0"/>
-                    </a:prstClr>
-                  </a:solidFill>
-                </a:ln>
-                <a:solidFill>
-                  <a:schemeClr val="tx2">
-                    <a:lumMod val="75000"/>
-                  </a:schemeClr>
-                </a:solidFill>
-                <a:latin typeface="+mj-ea"/>
-                <a:ea typeface="+mj-ea"/>
-              </a:rPr>
-              <a:t>ㅇ</a:t>
-            </a:r>
-            <a:endParaRPr lang="en-US" altLang="ko-KR" sz="1100" spc="-60" dirty="0">
-              <a:ln>
-                <a:solidFill>
-                  <a:prstClr val="white">
-                    <a:alpha val="0"/>
-                  </a:prstClr>
-                </a:solidFill>
-              </a:ln>
-              <a:solidFill>
-                <a:schemeClr val="tx2">
-                  <a:lumMod val="75000"/>
-                </a:schemeClr>
-              </a:solidFill>
-              <a:latin typeface="+mj-ea"/>
-              <a:ea typeface="+mj-ea"/>
-            </a:endParaRPr>
-          </a:p>
-        </p:txBody>
-      </p:sp>
-      <p:sp>
-        <p:nvSpPr>
-          <p:cNvPr id="31" name="TextBox 30">
-            <a:extLst>
-              <a:ext uri="{FF2B5EF4-FFF2-40B4-BE49-F238E27FC236}">
-                <a16:creationId xmlns:a16="http://schemas.microsoft.com/office/drawing/2014/main" id="{AA4E3547-C3C5-49D0-B6EF-7AFF7B718EFA}"/>
-              </a:ext>
-            </a:extLst>
-          </p:cNvPr>
-          <p:cNvSpPr txBox="1"/>
-          <p:nvPr/>
-        </p:nvSpPr>
-        <p:spPr>
-          <a:xfrm>
-            <a:off x="7445829" y="1269423"/>
-            <a:ext cx="1160895" cy="369332"/>
-          </a:xfrm>
-          <a:prstGeom prst="rect">
-            <a:avLst/>
-          </a:prstGeom>
-          <a:noFill/>
-        </p:spPr>
-        <p:txBody>
-          <a:bodyPr wrap="none" rtlCol="0">
-            <a:spAutoFit/>
-          </a:bodyPr>
-          <a:lstStyle/>
-          <a:p>
-            <a:r>
-              <a:rPr lang="ko-KR" altLang="en-US" b="1" dirty="0"/>
-              <a:t>분석 과정</a:t>
-            </a:r>
-          </a:p>
-        </p:txBody>
-      </p:sp>
-      <p:sp>
-        <p:nvSpPr>
-          <p:cNvPr id="9" name="직사각형 8">
-            <a:extLst>
-              <a:ext uri="{FF2B5EF4-FFF2-40B4-BE49-F238E27FC236}">
-                <a16:creationId xmlns:a16="http://schemas.microsoft.com/office/drawing/2014/main" id="{5B25AD86-019F-4C45-B8F8-5A59E9B071FC}"/>
-              </a:ext>
-            </a:extLst>
-          </p:cNvPr>
-          <p:cNvSpPr/>
-          <p:nvPr/>
-        </p:nvSpPr>
-        <p:spPr>
-          <a:xfrm>
-            <a:off x="0" y="0"/>
-            <a:ext cx="9144000" cy="913118"/>
-          </a:xfrm>
-          <a:prstGeom prst="rect">
-            <a:avLst/>
-          </a:prstGeom>
-          <a:solidFill>
-            <a:srgbClr val="FFFF00">
-              <a:alpha val="70000"/>
-            </a:srgbClr>
-          </a:solidFill>
-          <a:ln>
-            <a:noFill/>
-          </a:ln>
-        </p:spPr>
-        <p:style>
-          <a:lnRef idx="2">
-            <a:schemeClr val="accent1">
-              <a:shade val="50000"/>
-            </a:schemeClr>
-          </a:lnRef>
-          <a:fillRef idx="1">
-            <a:schemeClr val="accent1"/>
-          </a:fillRef>
-          <a:effectRef idx="0">
-            <a:schemeClr val="accent1"/>
-          </a:effectRef>
-          <a:fontRef idx="minor">
-            <a:schemeClr val="lt1"/>
-          </a:fontRef>
-        </p:style>
-        <p:txBody>
-          <a:bodyPr rtlCol="0" anchor="ctr"/>
-          <a:lstStyle/>
-          <a:p>
-            <a:pPr algn="ctr"/>
-            <a:r>
-              <a:rPr lang="en-US" altLang="ko-KR" sz="3600" dirty="0">
-                <a:solidFill>
-                  <a:srgbClr val="FF0000"/>
-                </a:solidFill>
-              </a:rPr>
-              <a:t>&lt;</a:t>
-            </a:r>
-            <a:r>
-              <a:rPr lang="ko-KR" altLang="en-US" sz="3600" dirty="0">
-                <a:solidFill>
-                  <a:srgbClr val="FF0000"/>
-                </a:solidFill>
-              </a:rPr>
-              <a:t>승자 일자 기준</a:t>
-            </a:r>
-            <a:r>
-              <a:rPr lang="en-US" altLang="ko-KR" sz="3600" dirty="0">
-                <a:solidFill>
-                  <a:srgbClr val="FF0000"/>
-                </a:solidFill>
-              </a:rPr>
-              <a:t>_</a:t>
-            </a:r>
-            <a:r>
-              <a:rPr lang="ko-KR" altLang="en-US" sz="3600" dirty="0">
-                <a:solidFill>
-                  <a:srgbClr val="FF0000"/>
-                </a:solidFill>
-              </a:rPr>
-              <a:t>박주영</a:t>
-            </a:r>
-            <a:r>
-              <a:rPr lang="en-US" altLang="ko-KR" sz="3600" dirty="0">
-                <a:solidFill>
-                  <a:srgbClr val="FF0000"/>
-                </a:solidFill>
-              </a:rPr>
-              <a:t>&gt;</a:t>
-            </a:r>
-            <a:endParaRPr lang="ko-KR" altLang="en-US" sz="1200" strike="sngStrike" dirty="0">
-              <a:solidFill>
-                <a:srgbClr val="FF0000"/>
-              </a:solidFill>
-            </a:endParaRPr>
-          </a:p>
-        </p:txBody>
-      </p:sp>
-      <p:sp>
-        <p:nvSpPr>
-          <p:cNvPr id="12" name="텍스트 개체 틀 6">
-            <a:extLst>
-              <a:ext uri="{FF2B5EF4-FFF2-40B4-BE49-F238E27FC236}">
-                <a16:creationId xmlns:a16="http://schemas.microsoft.com/office/drawing/2014/main" id="{D0EDCBAB-5962-4C0F-BC25-2F0336FB4678}"/>
-              </a:ext>
-            </a:extLst>
-          </p:cNvPr>
-          <p:cNvSpPr txBox="1">
-            <a:spLocks/>
-          </p:cNvSpPr>
-          <p:nvPr/>
-        </p:nvSpPr>
-        <p:spPr>
-          <a:xfrm>
-            <a:off x="544513" y="2068942"/>
-            <a:ext cx="6901316" cy="2059141"/>
-          </a:xfrm>
-          <a:prstGeom prst="rect">
-            <a:avLst/>
-          </a:prstGeom>
-        </p:spPr>
-        <p:txBody>
-          <a:bodyPr/>
-          <a:lstStyle>
-            <a:lvl1pPr marL="228600" indent="-228600" algn="l" defTabSz="914400" rtl="0" eaLnBrk="1" latinLnBrk="1" hangingPunct="1">
-              <a:lnSpc>
-                <a:spcPct val="90000"/>
-              </a:lnSpc>
-              <a:spcBef>
-                <a:spcPts val="1000"/>
-              </a:spcBef>
-              <a:buFont typeface="Arial" panose="020B0604020202020204" pitchFamily="34" charset="0"/>
-              <a:buChar char="•"/>
-              <a:defRPr sz="2000" kern="1200">
-                <a:solidFill>
-                  <a:schemeClr val="tx1"/>
-                </a:solidFill>
-                <a:latin typeface="+mn-lt"/>
-                <a:ea typeface="+mn-ea"/>
-                <a:cs typeface="+mn-cs"/>
-              </a:defRPr>
-            </a:lvl1pPr>
-            <a:lvl2pPr marL="685800" indent="-228600" algn="l" defTabSz="914400" rtl="0" eaLnBrk="1" latinLnBrk="1" hangingPunct="1">
-              <a:lnSpc>
-                <a:spcPct val="90000"/>
-              </a:lnSpc>
-              <a:spcBef>
-                <a:spcPts val="500"/>
-              </a:spcBef>
-              <a:buFont typeface="Arial" panose="020B0604020202020204" pitchFamily="34" charset="0"/>
-              <a:buChar char="•"/>
-              <a:defRPr sz="1800" kern="1200">
-                <a:solidFill>
-                  <a:schemeClr val="tx1"/>
-                </a:solidFill>
-                <a:latin typeface="+mn-lt"/>
-                <a:ea typeface="+mn-ea"/>
-                <a:cs typeface="+mn-cs"/>
-              </a:defRPr>
-            </a:lvl2pPr>
-            <a:lvl3pPr marL="1143000" indent="-228600" algn="l" defTabSz="914400" rtl="0" eaLnBrk="1" latinLnBrk="1" hangingPunct="1">
-              <a:lnSpc>
-                <a:spcPct val="90000"/>
-              </a:lnSpc>
-              <a:spcBef>
-                <a:spcPts val="500"/>
-              </a:spcBef>
-              <a:buFont typeface="Arial" panose="020B0604020202020204" pitchFamily="34" charset="0"/>
-              <a:buChar char="•"/>
-              <a:defRPr sz="1600" kern="1200">
-                <a:solidFill>
-                  <a:schemeClr val="tx1"/>
-                </a:solidFill>
-                <a:latin typeface="+mn-lt"/>
-                <a:ea typeface="+mn-ea"/>
-                <a:cs typeface="+mn-cs"/>
-              </a:defRPr>
-            </a:lvl3pPr>
-            <a:lvl4pPr marL="1600200" indent="-228600" algn="l" defTabSz="914400" rtl="0" eaLnBrk="1" latinLnBrk="1" hangingPunct="1">
-              <a:lnSpc>
-                <a:spcPct val="90000"/>
-              </a:lnSpc>
-              <a:spcBef>
-                <a:spcPts val="500"/>
-              </a:spcBef>
-              <a:buFont typeface="Arial" panose="020B0604020202020204" pitchFamily="34" charset="0"/>
-              <a:buChar char="•"/>
-              <a:defRPr sz="1400" kern="1200">
-                <a:solidFill>
-                  <a:schemeClr val="tx1"/>
-                </a:solidFill>
-                <a:latin typeface="+mn-lt"/>
-                <a:ea typeface="+mn-ea"/>
-                <a:cs typeface="+mn-cs"/>
-              </a:defRPr>
-            </a:lvl4pPr>
-            <a:lvl5pPr marL="2057400" indent="-228600" algn="l" defTabSz="914400" rtl="0" eaLnBrk="1" latinLnBrk="1" hangingPunct="1">
-              <a:lnSpc>
-                <a:spcPct val="90000"/>
-              </a:lnSpc>
-              <a:spcBef>
-                <a:spcPts val="500"/>
-              </a:spcBef>
-              <a:buFont typeface="Arial" panose="020B0604020202020204" pitchFamily="34" charset="0"/>
-              <a:buChar char="•"/>
-              <a:defRPr sz="1200" kern="1200">
-                <a:solidFill>
-                  <a:schemeClr val="tx1"/>
-                </a:solidFill>
-                <a:latin typeface="+mn-lt"/>
-                <a:ea typeface="+mn-ea"/>
-                <a:cs typeface="+mn-cs"/>
-              </a:defRPr>
-            </a:lvl5pPr>
-            <a:lvl6pPr marL="2514600" indent="-228600" algn="l" defTabSz="914400" rtl="0" eaLnBrk="1" latinLnBrk="1" hangingPunct="1">
-              <a:lnSpc>
-                <a:spcPct val="90000"/>
-              </a:lnSpc>
-              <a:spcBef>
-                <a:spcPts val="500"/>
-              </a:spcBef>
-              <a:buFont typeface="Arial" panose="020B0604020202020204" pitchFamily="34" charset="0"/>
-              <a:buChar char="•"/>
-              <a:defRPr sz="1800" kern="1200">
-                <a:solidFill>
-                  <a:schemeClr val="tx1"/>
-                </a:solidFill>
-                <a:latin typeface="+mn-lt"/>
-                <a:ea typeface="+mn-ea"/>
-                <a:cs typeface="+mn-cs"/>
-              </a:defRPr>
-            </a:lvl6pPr>
-            <a:lvl7pPr marL="2971800" indent="-228600" algn="l" defTabSz="914400" rtl="0" eaLnBrk="1" latinLnBrk="1" hangingPunct="1">
-              <a:lnSpc>
-                <a:spcPct val="90000"/>
-              </a:lnSpc>
-              <a:spcBef>
-                <a:spcPts val="500"/>
-              </a:spcBef>
-              <a:buFont typeface="Arial" panose="020B0604020202020204" pitchFamily="34" charset="0"/>
-              <a:buChar char="•"/>
-              <a:defRPr sz="1800" kern="1200">
-                <a:solidFill>
-                  <a:schemeClr val="tx1"/>
-                </a:solidFill>
-                <a:latin typeface="+mn-lt"/>
-                <a:ea typeface="+mn-ea"/>
-                <a:cs typeface="+mn-cs"/>
-              </a:defRPr>
-            </a:lvl7pPr>
-            <a:lvl8pPr marL="3429000" indent="-228600" algn="l" defTabSz="914400" rtl="0" eaLnBrk="1" latinLnBrk="1" hangingPunct="1">
-              <a:lnSpc>
-                <a:spcPct val="90000"/>
-              </a:lnSpc>
-              <a:spcBef>
-                <a:spcPts val="500"/>
-              </a:spcBef>
-              <a:buFont typeface="Arial" panose="020B0604020202020204" pitchFamily="34" charset="0"/>
-              <a:buChar char="•"/>
-              <a:defRPr sz="1800" kern="1200">
-                <a:solidFill>
-                  <a:schemeClr val="tx1"/>
-                </a:solidFill>
-                <a:latin typeface="+mn-lt"/>
-                <a:ea typeface="+mn-ea"/>
-                <a:cs typeface="+mn-cs"/>
-              </a:defRPr>
-            </a:lvl8pPr>
-            <a:lvl9pPr marL="3886200" indent="-228600" algn="l" defTabSz="914400" rtl="0" eaLnBrk="1" latinLnBrk="1" hangingPunct="1">
-              <a:lnSpc>
-                <a:spcPct val="90000"/>
-              </a:lnSpc>
-              <a:spcBef>
-                <a:spcPts val="500"/>
-              </a:spcBef>
-              <a:buFont typeface="Arial" panose="020B0604020202020204" pitchFamily="34" charset="0"/>
-              <a:buChar char="•"/>
-              <a:defRPr sz="1800" kern="1200">
-                <a:solidFill>
-                  <a:schemeClr val="tx1"/>
-                </a:solidFill>
-                <a:latin typeface="+mn-lt"/>
-                <a:ea typeface="+mn-ea"/>
-                <a:cs typeface="+mn-cs"/>
-              </a:defRPr>
-            </a:lvl9pPr>
-          </a:lstStyle>
-          <a:p>
-            <a:pPr marL="800100" lvl="1" indent="-342900">
-              <a:spcBef>
-                <a:spcPts val="1000"/>
-              </a:spcBef>
-              <a:buFont typeface="+mj-ea"/>
-              <a:buAutoNum type="circleNumDbPlain"/>
-            </a:pPr>
-            <a:r>
-              <a:rPr lang="ko-KR" altLang="en-US" spc="-60" dirty="0" err="1">
-                <a:ln>
-                  <a:solidFill>
-                    <a:prstClr val="white">
-                      <a:alpha val="0"/>
-                    </a:prstClr>
-                  </a:solidFill>
-                </a:ln>
-                <a:solidFill>
-                  <a:schemeClr val="tx2">
-                    <a:lumMod val="75000"/>
-                  </a:schemeClr>
-                </a:solidFill>
-                <a:latin typeface="+mj-ea"/>
-                <a:ea typeface="+mj-ea"/>
-              </a:rPr>
-              <a:t>ㅇ</a:t>
-            </a:r>
-            <a:endParaRPr lang="en-US" altLang="ko-KR" spc="-60" dirty="0">
-              <a:ln>
-                <a:solidFill>
-                  <a:prstClr val="white">
-                    <a:alpha val="0"/>
-                  </a:prstClr>
-                </a:solidFill>
-              </a:ln>
-              <a:solidFill>
-                <a:schemeClr val="tx2">
-                  <a:lumMod val="75000"/>
-                </a:schemeClr>
-              </a:solidFill>
-              <a:latin typeface="+mj-ea"/>
-              <a:ea typeface="+mj-ea"/>
-            </a:endParaRPr>
-          </a:p>
-          <a:p>
-            <a:pPr marL="800100" lvl="1" indent="-342900">
-              <a:spcBef>
-                <a:spcPts val="1000"/>
-              </a:spcBef>
-              <a:buFont typeface="+mj-ea"/>
-              <a:buAutoNum type="circleNumDbPlain"/>
-            </a:pPr>
-            <a:r>
-              <a:rPr lang="ko-KR" altLang="en-US" spc="-60" dirty="0" err="1">
-                <a:ln>
-                  <a:solidFill>
-                    <a:prstClr val="white">
-                      <a:alpha val="0"/>
-                    </a:prstClr>
-                  </a:solidFill>
-                </a:ln>
-                <a:solidFill>
-                  <a:schemeClr val="tx2">
-                    <a:lumMod val="75000"/>
-                  </a:schemeClr>
-                </a:solidFill>
-                <a:latin typeface="+mj-ea"/>
-                <a:ea typeface="+mj-ea"/>
-              </a:rPr>
-              <a:t>ㅇ</a:t>
-            </a:r>
-            <a:endParaRPr lang="en-US" altLang="ko-KR" spc="-60" dirty="0">
-              <a:ln>
-                <a:solidFill>
-                  <a:prstClr val="white">
-                    <a:alpha val="0"/>
-                  </a:prstClr>
-                </a:solidFill>
-              </a:ln>
-              <a:solidFill>
-                <a:schemeClr val="tx2">
-                  <a:lumMod val="75000"/>
-                </a:schemeClr>
-              </a:solidFill>
-              <a:latin typeface="+mj-ea"/>
-              <a:ea typeface="+mj-ea"/>
-            </a:endParaRPr>
-          </a:p>
-          <a:p>
-            <a:pPr marL="800100" lvl="1" indent="-342900">
-              <a:spcBef>
-                <a:spcPts val="1000"/>
-              </a:spcBef>
-              <a:buFont typeface="+mj-ea"/>
-              <a:buAutoNum type="circleNumDbPlain"/>
-            </a:pPr>
-            <a:r>
-              <a:rPr lang="ko-KR" altLang="en-US" spc="-60" dirty="0" err="1">
-                <a:ln>
-                  <a:solidFill>
-                    <a:prstClr val="white">
-                      <a:alpha val="0"/>
-                    </a:prstClr>
-                  </a:solidFill>
-                </a:ln>
-                <a:solidFill>
-                  <a:schemeClr val="tx2">
-                    <a:lumMod val="75000"/>
-                  </a:schemeClr>
-                </a:solidFill>
-                <a:latin typeface="+mj-ea"/>
-                <a:ea typeface="+mj-ea"/>
-              </a:rPr>
-              <a:t>ㅇ</a:t>
-            </a:r>
-            <a:endParaRPr lang="en-US" altLang="ko-KR" spc="-60" dirty="0">
-              <a:ln>
-                <a:solidFill>
-                  <a:prstClr val="white">
-                    <a:alpha val="0"/>
-                  </a:prstClr>
-                </a:solidFill>
-              </a:ln>
-              <a:solidFill>
-                <a:schemeClr val="tx2">
-                  <a:lumMod val="75000"/>
-                </a:schemeClr>
-              </a:solidFill>
-              <a:latin typeface="+mj-ea"/>
-              <a:ea typeface="+mj-ea"/>
-            </a:endParaRPr>
-          </a:p>
-          <a:p>
-            <a:pPr marL="800100" lvl="1" indent="-342900">
-              <a:spcBef>
-                <a:spcPts val="1000"/>
-              </a:spcBef>
-              <a:buFont typeface="+mj-ea"/>
-              <a:buAutoNum type="circleNumDbPlain"/>
-            </a:pPr>
-            <a:r>
-              <a:rPr lang="ko-KR" altLang="en-US" spc="-60" dirty="0" err="1">
-                <a:ln>
-                  <a:solidFill>
-                    <a:prstClr val="white">
-                      <a:alpha val="0"/>
-                    </a:prstClr>
-                  </a:solidFill>
-                </a:ln>
-                <a:solidFill>
-                  <a:schemeClr val="tx2">
-                    <a:lumMod val="75000"/>
-                  </a:schemeClr>
-                </a:solidFill>
-                <a:latin typeface="+mj-ea"/>
-                <a:ea typeface="+mj-ea"/>
-              </a:rPr>
-              <a:t>ㅇ</a:t>
-            </a:r>
-            <a:endParaRPr lang="en-US" altLang="ko-KR" spc="-60" dirty="0">
-              <a:ln>
-                <a:solidFill>
-                  <a:prstClr val="white">
-                    <a:alpha val="0"/>
-                  </a:prstClr>
-                </a:solidFill>
-              </a:ln>
-              <a:solidFill>
-                <a:schemeClr val="tx2">
-                  <a:lumMod val="75000"/>
-                </a:schemeClr>
-              </a:solidFill>
-              <a:latin typeface="+mj-ea"/>
-              <a:ea typeface="+mj-ea"/>
-            </a:endParaRPr>
-          </a:p>
-          <a:p>
-            <a:pPr marL="800100" lvl="1" indent="-342900">
-              <a:spcBef>
-                <a:spcPts val="1000"/>
-              </a:spcBef>
-              <a:buFont typeface="+mj-ea"/>
-              <a:buAutoNum type="circleNumDbPlain"/>
-            </a:pPr>
-            <a:r>
-              <a:rPr lang="ko-KR" altLang="en-US" spc="-60" dirty="0" err="1">
-                <a:ln>
-                  <a:solidFill>
-                    <a:prstClr val="white">
-                      <a:alpha val="0"/>
-                    </a:prstClr>
-                  </a:solidFill>
-                </a:ln>
-                <a:solidFill>
-                  <a:schemeClr val="tx2">
-                    <a:lumMod val="75000"/>
-                  </a:schemeClr>
-                </a:solidFill>
-                <a:latin typeface="+mj-ea"/>
-                <a:ea typeface="+mj-ea"/>
-              </a:rPr>
-              <a:t>ㅇ</a:t>
-            </a:r>
-            <a:endParaRPr lang="en-US" altLang="ko-KR" spc="-60" dirty="0">
-              <a:ln>
-                <a:solidFill>
-                  <a:prstClr val="white">
-                    <a:alpha val="0"/>
-                  </a:prstClr>
-                </a:solidFill>
-              </a:ln>
-              <a:solidFill>
-                <a:schemeClr val="tx2">
-                  <a:lumMod val="75000"/>
-                </a:schemeClr>
-              </a:solidFill>
-              <a:latin typeface="+mj-ea"/>
-              <a:ea typeface="+mj-ea"/>
-            </a:endParaRPr>
-          </a:p>
-          <a:p>
-            <a:pPr marL="457200" lvl="1" indent="0">
-              <a:spcBef>
-                <a:spcPts val="1000"/>
-              </a:spcBef>
-              <a:buFont typeface="Arial" panose="020B0604020202020204" pitchFamily="34" charset="0"/>
-              <a:buNone/>
-            </a:pPr>
-            <a:endParaRPr lang="en-US" altLang="ko-KR" spc="-60" dirty="0">
-              <a:ln>
-                <a:solidFill>
-                  <a:prstClr val="white">
-                    <a:alpha val="0"/>
-                  </a:prstClr>
-                </a:solidFill>
-              </a:ln>
-              <a:solidFill>
-                <a:schemeClr val="tx2">
-                  <a:lumMod val="75000"/>
-                </a:schemeClr>
-              </a:solidFill>
-              <a:latin typeface="+mj-ea"/>
-              <a:ea typeface="+mj-ea"/>
-            </a:endParaRPr>
-          </a:p>
-        </p:txBody>
-      </p:sp>
-      <p:sp>
-        <p:nvSpPr>
-          <p:cNvPr id="7" name="텍스트 개체 틀 6">
-            <a:extLst>
-              <a:ext uri="{FF2B5EF4-FFF2-40B4-BE49-F238E27FC236}">
-                <a16:creationId xmlns:a16="http://schemas.microsoft.com/office/drawing/2014/main" id="{DEDED96D-CEB5-4616-BE9C-4046A751D563}"/>
-              </a:ext>
-            </a:extLst>
-          </p:cNvPr>
-          <p:cNvSpPr>
-            <a:spLocks noGrp="1"/>
-          </p:cNvSpPr>
-          <p:nvPr>
-            <p:ph type="body" sz="quarter" idx="13"/>
-          </p:nvPr>
-        </p:nvSpPr>
-        <p:spPr>
-          <a:xfrm>
-            <a:off x="544513" y="1668463"/>
-            <a:ext cx="6901316" cy="416161"/>
-          </a:xfrm>
-        </p:spPr>
-        <p:txBody>
-          <a:bodyPr/>
-          <a:lstStyle/>
-          <a:p>
-            <a:pPr marL="171450" indent="-171450">
-              <a:spcBef>
-                <a:spcPts val="1000"/>
-              </a:spcBef>
-              <a:buFont typeface="Arial" panose="020B0604020202020204" pitchFamily="34" charset="0"/>
-              <a:buChar char="•"/>
-            </a:pPr>
-            <a:r>
-              <a:rPr lang="ko-KR" altLang="en-US" sz="2000" spc="-60" dirty="0" err="1">
-                <a:ln>
-                  <a:solidFill>
-                    <a:prstClr val="white">
-                      <a:alpha val="0"/>
-                    </a:prstClr>
-                  </a:solidFill>
-                </a:ln>
-                <a:solidFill>
-                  <a:schemeClr val="tx2">
-                    <a:lumMod val="75000"/>
-                  </a:schemeClr>
-                </a:solidFill>
-                <a:latin typeface="+mj-ea"/>
-                <a:ea typeface="+mj-ea"/>
-              </a:rPr>
-              <a:t>요일별</a:t>
-            </a:r>
-            <a:r>
-              <a:rPr lang="ko-KR" altLang="en-US" sz="2000" spc="-60" dirty="0">
-                <a:ln>
-                  <a:solidFill>
-                    <a:prstClr val="white">
-                      <a:alpha val="0"/>
-                    </a:prstClr>
-                  </a:solidFill>
-                </a:ln>
-                <a:solidFill>
-                  <a:schemeClr val="tx2">
-                    <a:lumMod val="75000"/>
-                  </a:schemeClr>
-                </a:solidFill>
-                <a:latin typeface="+mj-ea"/>
-                <a:ea typeface="+mj-ea"/>
-              </a:rPr>
-              <a:t> </a:t>
-            </a:r>
-            <a:r>
-              <a:rPr lang="ko-KR" altLang="en-US" spc="-60" dirty="0">
-                <a:ln>
-                  <a:solidFill>
-                    <a:prstClr val="white">
-                      <a:alpha val="0"/>
-                    </a:prstClr>
-                  </a:solidFill>
-                </a:ln>
-                <a:solidFill>
-                  <a:schemeClr val="tx2">
-                    <a:lumMod val="75000"/>
-                  </a:schemeClr>
-                </a:solidFill>
-                <a:latin typeface="+mj-ea"/>
-                <a:ea typeface="+mj-ea"/>
-              </a:rPr>
-              <a:t>거래</a:t>
-            </a:r>
-            <a:r>
-              <a:rPr lang="ko-KR" altLang="en-US" sz="2000" spc="-60" dirty="0">
-                <a:ln>
-                  <a:solidFill>
-                    <a:prstClr val="white">
-                      <a:alpha val="0"/>
-                    </a:prstClr>
-                  </a:solidFill>
-                </a:ln>
-                <a:solidFill>
-                  <a:schemeClr val="tx2">
-                    <a:lumMod val="75000"/>
-                  </a:schemeClr>
-                </a:solidFill>
-                <a:latin typeface="+mj-ea"/>
-                <a:ea typeface="+mj-ea"/>
-              </a:rPr>
-              <a:t>금액</a:t>
-            </a:r>
-            <a:endParaRPr lang="en-US" altLang="ko-KR" sz="2000" spc="-60" dirty="0">
-              <a:ln>
-                <a:solidFill>
-                  <a:prstClr val="white">
-                    <a:alpha val="0"/>
-                  </a:prstClr>
-                </a:solidFill>
-              </a:ln>
-              <a:solidFill>
-                <a:schemeClr val="tx2">
-                  <a:lumMod val="75000"/>
-                </a:schemeClr>
-              </a:solidFill>
-              <a:latin typeface="+mj-ea"/>
-              <a:ea typeface="+mj-ea"/>
-            </a:endParaRPr>
-          </a:p>
-          <a:p>
-            <a:pPr marL="457200" lvl="1" indent="0">
-              <a:spcBef>
-                <a:spcPts val="1000"/>
-              </a:spcBef>
-              <a:buNone/>
-            </a:pPr>
-            <a:endParaRPr lang="en-US" altLang="ko-KR" spc="-60" dirty="0">
-              <a:ln>
-                <a:solidFill>
-                  <a:prstClr val="white">
-                    <a:alpha val="0"/>
-                  </a:prstClr>
-                </a:solidFill>
-              </a:ln>
-              <a:solidFill>
-                <a:schemeClr val="tx2">
-                  <a:lumMod val="75000"/>
-                </a:schemeClr>
-              </a:solidFill>
-              <a:latin typeface="+mj-ea"/>
-              <a:ea typeface="+mj-ea"/>
-            </a:endParaRPr>
-          </a:p>
-        </p:txBody>
-      </p:sp>
+      </p:pic>
     </p:spTree>
     <p:extLst>
       <p:ext uri="{BB962C8B-B14F-4D97-AF65-F5344CB8AC3E}">
@@ -6342,6 +7746,13 @@
   <p:clrMapOvr>
     <a:masterClrMapping/>
   </p:clrMapOvr>
+  <p:timing>
+    <p:tnLst>
+      <p:par>
+        <p:cTn id="1" dur="indefinite" restart="never" nodeType="tmRoot"/>
+      </p:par>
+    </p:tnLst>
+  </p:timing>
 </p:sld>
 </file>
 
@@ -7328,6 +8739,13 @@
   <p:clrMapOvr>
     <a:masterClrMapping/>
   </p:clrMapOvr>
+  <p:timing>
+    <p:tnLst>
+      <p:par>
+        <p:cTn id="1" dur="indefinite" restart="never" nodeType="tmRoot"/>
+      </p:par>
+    </p:tnLst>
+  </p:timing>
 </p:sld>
 </file>
 

--- a/빅데이터 기반 울산페이 사용 분석 보고서_ProjectB.pptx
+++ b/빅데이터 기반 울산페이 사용 분석 보고서_ProjectB.pptx
@@ -2,30 +2,30 @@
 <file path=ppt/presentation.xml><?xml version="1.0" encoding="utf-8"?>
 <p:presentation xmlns:a="http://schemas.openxmlformats.org/drawingml/2006/main" xmlns:r="http://schemas.openxmlformats.org/officeDocument/2006/relationships" xmlns:p="http://schemas.openxmlformats.org/presentationml/2006/main" embedTrueTypeFonts="1" saveSubsetFonts="1">
   <p:sldMasterIdLst>
-    <p:sldMasterId id="2147483660" r:id="rId1"/>
+    <p:sldMasterId id="2147483677" r:id="rId1"/>
   </p:sldMasterIdLst>
   <p:sldIdLst>
-    <p:sldId id="260" r:id="rId2"/>
-    <p:sldId id="297" r:id="rId3"/>
-    <p:sldId id="372" r:id="rId4"/>
-    <p:sldId id="373" r:id="rId5"/>
-    <p:sldId id="374" r:id="rId6"/>
-    <p:sldId id="377" r:id="rId7"/>
-    <p:sldId id="378" r:id="rId8"/>
-    <p:sldId id="387" r:id="rId9"/>
-    <p:sldId id="388" r:id="rId10"/>
-    <p:sldId id="389" r:id="rId11"/>
-    <p:sldId id="384" r:id="rId12"/>
-    <p:sldId id="385" r:id="rId13"/>
-    <p:sldId id="386" r:id="rId14"/>
-    <p:sldId id="390" r:id="rId15"/>
-    <p:sldId id="391" r:id="rId16"/>
-    <p:sldId id="392" r:id="rId17"/>
-    <p:sldId id="393" r:id="rId18"/>
-    <p:sldId id="394" r:id="rId19"/>
-    <p:sldId id="395" r:id="rId20"/>
-    <p:sldId id="396" r:id="rId21"/>
-    <p:sldId id="383" r:id="rId22"/>
+    <p:sldId id="256" r:id="rId2"/>
+    <p:sldId id="257" r:id="rId3"/>
+    <p:sldId id="258" r:id="rId4"/>
+    <p:sldId id="259" r:id="rId5"/>
+    <p:sldId id="260" r:id="rId6"/>
+    <p:sldId id="261" r:id="rId7"/>
+    <p:sldId id="262" r:id="rId8"/>
+    <p:sldId id="263" r:id="rId9"/>
+    <p:sldId id="264" r:id="rId10"/>
+    <p:sldId id="265" r:id="rId11"/>
+    <p:sldId id="266" r:id="rId12"/>
+    <p:sldId id="267" r:id="rId13"/>
+    <p:sldId id="268" r:id="rId14"/>
+    <p:sldId id="269" r:id="rId15"/>
+    <p:sldId id="270" r:id="rId16"/>
+    <p:sldId id="271" r:id="rId17"/>
+    <p:sldId id="272" r:id="rId18"/>
+    <p:sldId id="273" r:id="rId19"/>
+    <p:sldId id="274" r:id="rId20"/>
+    <p:sldId id="275" r:id="rId21"/>
+    <p:sldId id="276" r:id="rId22"/>
   </p:sldIdLst>
   <p:sldSz cx="9144000" cy="6858000" type="screen4x3"/>
   <p:notesSz cx="6807200" cy="9939338"/>
@@ -171,7 +171,7 @@
           <a:p>
             <a:fld id="{5B2E01BD-9ECC-4C84-9E5B-DE5BD2207F7C}" type="datetimeFigureOut">
               <a:rPr lang="ko-KR" altLang="en-US" smtClean="0"/>
-              <a:t>2020-12-11</a:t>
+              <a:t>2020-12-12</a:t>
             </a:fld>
             <a:endParaRPr lang="ko-KR" altLang="en-US"/>
           </a:p>
@@ -304,7 +304,7 @@
           <a:p>
             <a:fld id="{5B2E01BD-9ECC-4C84-9E5B-DE5BD2207F7C}" type="datetimeFigureOut">
               <a:rPr lang="ko-KR" altLang="en-US" smtClean="0"/>
-              <a:t>2020-12-11</a:t>
+              <a:t>2020-12-12</a:t>
             </a:fld>
             <a:endParaRPr lang="ko-KR" altLang="en-US"/>
           </a:p>
@@ -605,7 +605,7 @@
           <a:p>
             <a:fld id="{5B2E01BD-9ECC-4C84-9E5B-DE5BD2207F7C}" type="datetimeFigureOut">
               <a:rPr lang="ko-KR" altLang="en-US" smtClean="0"/>
-              <a:t>2020-12-11</a:t>
+              <a:t>2020-12-12</a:t>
             </a:fld>
             <a:endParaRPr lang="ko-KR" altLang="en-US"/>
           </a:p>
@@ -1128,7 +1128,7 @@
           <a:p>
             <a:fld id="{5B2E01BD-9ECC-4C84-9E5B-DE5BD2207F7C}" type="datetimeFigureOut">
               <a:rPr lang="ko-KR" altLang="en-US" smtClean="0"/>
-              <a:t>2020-12-11</a:t>
+              <a:t>2020-12-12</a:t>
             </a:fld>
             <a:endParaRPr lang="ko-KR" altLang="en-US"/>
           </a:p>
@@ -1246,7 +1246,7 @@
           <a:p>
             <a:fld id="{5B2E01BD-9ECC-4C84-9E5B-DE5BD2207F7C}" type="datetimeFigureOut">
               <a:rPr lang="ko-KR" altLang="en-US" smtClean="0"/>
-              <a:t>2020-12-11</a:t>
+              <a:t>2020-12-12</a:t>
             </a:fld>
             <a:endParaRPr lang="ko-KR" altLang="en-US"/>
           </a:p>
@@ -3201,69 +3201,10 @@
       </p:grpSpPr>
       <p:sp>
         <p:nvSpPr>
-          <p:cNvPr id="35" name="제목 1"/>
-          <p:cNvSpPr txBox="1">
-            <a:spLocks/>
-          </p:cNvSpPr>
-          <p:nvPr/>
-        </p:nvSpPr>
-        <p:spPr>
-          <a:xfrm>
-            <a:off x="251520" y="243601"/>
-            <a:ext cx="8640960" cy="480131"/>
-          </a:xfrm>
-          <a:prstGeom prst="rect">
-            <a:avLst/>
-          </a:prstGeom>
-        </p:spPr>
-        <p:txBody>
-          <a:bodyPr vert="horz" wrap="square" lIns="91440" tIns="45720" rIns="91440" bIns="45720" rtlCol="0" anchor="ctr">
-            <a:spAutoFit/>
-          </a:bodyPr>
-          <a:lstStyle>
-            <a:lvl1pPr algn="l" defTabSz="914400" rtl="0" eaLnBrk="1" latinLnBrk="1" hangingPunct="1">
-              <a:lnSpc>
-                <a:spcPct val="90000"/>
-              </a:lnSpc>
-              <a:spcBef>
-                <a:spcPct val="0"/>
-              </a:spcBef>
-              <a:buNone/>
-              <a:defRPr sz="2800" b="0" kern="1200">
-                <a:solidFill>
-                  <a:schemeClr val="tx1"/>
-                </a:solidFill>
-                <a:effectLst/>
-                <a:latin typeface="-윤고딕320" panose="020B0600000101010101" charset="-127"/>
-                <a:ea typeface="-윤고딕320" panose="020B0600000101010101" charset="-127"/>
-                <a:cs typeface="+mj-cs"/>
-              </a:defRPr>
-            </a:lvl1pPr>
-          </a:lstStyle>
-          <a:p>
-            <a:r>
-              <a:rPr lang="en-US" altLang="ko-KR" dirty="0">
-                <a:latin typeface="+mn-ea"/>
-                <a:ea typeface="+mn-ea"/>
-              </a:rPr>
-              <a:t>3. </a:t>
-            </a:r>
-            <a:r>
-              <a:rPr lang="ko-KR" altLang="en-US" dirty="0">
-                <a:latin typeface="+mn-ea"/>
-                <a:ea typeface="+mn-ea"/>
-              </a:rPr>
-              <a:t>울산페이 데이터 분석 단계별 설명</a:t>
-            </a:r>
-          </a:p>
-        </p:txBody>
-      </p:sp>
-      <p:sp>
-        <p:nvSpPr>
-          <p:cNvPr id="3" name="사각형: 둥근 모서리 2">
+          <p:cNvPr id="13" name="직사각형 12">
             <a:extLst>
               <a:ext uri="{FF2B5EF4-FFF2-40B4-BE49-F238E27FC236}">
-                <a16:creationId xmlns:a16="http://schemas.microsoft.com/office/drawing/2014/main" id="{44B1FF70-C47F-4352-8698-63BF5E1453B2}"/>
+                <a16:creationId xmlns:a16="http://schemas.microsoft.com/office/drawing/2014/main" id="{8A18650E-587D-4954-9C7A-C60C588F644B}"/>
               </a:ext>
             </a:extLst>
           </p:cNvPr>
@@ -3272,666 +3213,8 @@
         </p:nvSpPr>
         <p:spPr>
           <a:xfrm>
-            <a:off x="544513" y="1144746"/>
-            <a:ext cx="5438276" cy="416160"/>
-          </a:xfrm>
-          <a:prstGeom prst="roundRect">
-            <a:avLst>
-              <a:gd name="adj" fmla="val 36422"/>
-            </a:avLst>
-          </a:prstGeom>
-        </p:spPr>
-        <p:style>
-          <a:lnRef idx="2">
-            <a:schemeClr val="accent1">
-              <a:shade val="50000"/>
-            </a:schemeClr>
-          </a:lnRef>
-          <a:fillRef idx="1">
-            <a:schemeClr val="accent1"/>
-          </a:fillRef>
-          <a:effectRef idx="0">
-            <a:schemeClr val="accent1"/>
-          </a:effectRef>
-          <a:fontRef idx="minor">
-            <a:schemeClr val="lt1"/>
-          </a:fontRef>
-        </p:style>
-        <p:txBody>
-          <a:bodyPr rtlCol="0" anchor="ctr"/>
-          <a:lstStyle/>
-          <a:p>
-            <a:pPr algn="ctr"/>
-            <a:r>
-              <a:rPr lang="en-US" altLang="ko-KR" sz="2000" b="1" dirty="0"/>
-              <a:t>(4</a:t>
-            </a:r>
-            <a:r>
-              <a:rPr lang="ko-KR" altLang="en-US" sz="2000" b="1" dirty="0"/>
-              <a:t>단계</a:t>
-            </a:r>
-            <a:r>
-              <a:rPr lang="en-US" altLang="ko-KR" sz="2000" b="1" dirty="0"/>
-              <a:t>) </a:t>
-            </a:r>
-            <a:r>
-              <a:rPr lang="ko-KR" altLang="en-US" sz="2000" b="1" dirty="0"/>
-              <a:t>데이터 분석 및 시각화</a:t>
-            </a:r>
-            <a:r>
-              <a:rPr lang="en-US" altLang="ko-KR" sz="2000" b="1" dirty="0"/>
-              <a:t>, </a:t>
-            </a:r>
-            <a:r>
-              <a:rPr lang="ko-KR" altLang="en-US" sz="2000" b="1" dirty="0"/>
-              <a:t>시사점</a:t>
-            </a:r>
-            <a:r>
-              <a:rPr lang="en-US" altLang="ko-KR" sz="2000" b="1" dirty="0"/>
-              <a:t>(1/6)</a:t>
-            </a:r>
-            <a:endParaRPr lang="ko-KR" altLang="en-US" sz="2000" b="1" dirty="0"/>
-          </a:p>
-        </p:txBody>
-      </p:sp>
-      <p:sp>
-        <p:nvSpPr>
-          <p:cNvPr id="2" name="사각형: 둥근 모서리 1">
-            <a:extLst>
-              <a:ext uri="{FF2B5EF4-FFF2-40B4-BE49-F238E27FC236}">
-                <a16:creationId xmlns:a16="http://schemas.microsoft.com/office/drawing/2014/main" id="{00D8EB94-8409-4E95-AB44-FABAFF0FE391}"/>
-              </a:ext>
-            </a:extLst>
-          </p:cNvPr>
-          <p:cNvSpPr/>
-          <p:nvPr/>
-        </p:nvSpPr>
-        <p:spPr>
-          <a:xfrm>
-            <a:off x="7524205" y="1638755"/>
-            <a:ext cx="1619795" cy="1960656"/>
-          </a:xfrm>
-          <a:prstGeom prst="roundRect">
-            <a:avLst>
-              <a:gd name="adj" fmla="val 5441"/>
-            </a:avLst>
-          </a:prstGeom>
-          <a:solidFill>
-            <a:schemeClr val="bg1">
-              <a:lumMod val="95000"/>
-            </a:schemeClr>
-          </a:solidFill>
-          <a:ln w="28575">
-            <a:noFill/>
-          </a:ln>
-        </p:spPr>
-        <p:style>
-          <a:lnRef idx="2">
-            <a:schemeClr val="accent1">
-              <a:shade val="50000"/>
-            </a:schemeClr>
-          </a:lnRef>
-          <a:fillRef idx="1">
-            <a:schemeClr val="accent1"/>
-          </a:fillRef>
-          <a:effectRef idx="0">
-            <a:schemeClr val="accent1"/>
-          </a:effectRef>
-          <a:fontRef idx="minor">
-            <a:schemeClr val="lt1"/>
-          </a:fontRef>
-        </p:style>
-        <p:txBody>
-          <a:bodyPr rtlCol="0" anchor="t"/>
-          <a:lstStyle/>
-          <a:p>
-            <a:pPr marL="171450" indent="-171450">
-              <a:buFont typeface="Arial" panose="020B0604020202020204" pitchFamily="34" charset="0"/>
-              <a:buChar char="•"/>
-            </a:pPr>
-            <a:endParaRPr lang="en-US" altLang="ko-KR" sz="1100" spc="-60" dirty="0">
-              <a:ln>
-                <a:solidFill>
-                  <a:prstClr val="white">
-                    <a:alpha val="0"/>
-                  </a:prstClr>
-                </a:solidFill>
-              </a:ln>
-              <a:solidFill>
-                <a:schemeClr val="tx2">
-                  <a:lumMod val="75000"/>
-                </a:schemeClr>
-              </a:solidFill>
-              <a:latin typeface="+mj-ea"/>
-              <a:ea typeface="+mj-ea"/>
-            </a:endParaRPr>
-          </a:p>
-          <a:p>
-            <a:pPr marL="171450" indent="-171450">
-              <a:buFont typeface="Arial" panose="020B0604020202020204" pitchFamily="34" charset="0"/>
-              <a:buChar char="•"/>
-            </a:pPr>
-            <a:r>
-              <a:rPr lang="ko-KR" altLang="en-US" sz="1100" spc="-60" dirty="0" err="1" smtClean="0">
-                <a:ln>
-                  <a:solidFill>
-                    <a:prstClr val="white">
-                      <a:alpha val="0"/>
-                    </a:prstClr>
-                  </a:solidFill>
-                </a:ln>
-                <a:solidFill>
-                  <a:schemeClr val="tx2">
-                    <a:lumMod val="75000"/>
-                  </a:schemeClr>
-                </a:solidFill>
-                <a:latin typeface="+mj-ea"/>
-                <a:ea typeface="+mj-ea"/>
-              </a:rPr>
-              <a:t>일자별</a:t>
-            </a:r>
-            <a:r>
-              <a:rPr lang="ko-KR" altLang="en-US" sz="1100" spc="-60" dirty="0" smtClean="0">
-                <a:ln>
-                  <a:solidFill>
-                    <a:prstClr val="white">
-                      <a:alpha val="0"/>
-                    </a:prstClr>
-                  </a:solidFill>
-                </a:ln>
-                <a:solidFill>
-                  <a:schemeClr val="tx2">
-                    <a:lumMod val="75000"/>
-                  </a:schemeClr>
-                </a:solidFill>
-                <a:latin typeface="+mj-ea"/>
-                <a:ea typeface="+mj-ea"/>
-              </a:rPr>
-              <a:t> 거래금액 집계</a:t>
-            </a:r>
-            <a:endParaRPr lang="en-US" altLang="ko-KR" sz="1100" spc="-60" dirty="0" smtClean="0">
-              <a:ln>
-                <a:solidFill>
-                  <a:prstClr val="white">
-                    <a:alpha val="0"/>
-                  </a:prstClr>
-                </a:solidFill>
-              </a:ln>
-              <a:solidFill>
-                <a:schemeClr val="tx2">
-                  <a:lumMod val="75000"/>
-                </a:schemeClr>
-              </a:solidFill>
-              <a:latin typeface="+mj-ea"/>
-              <a:ea typeface="+mj-ea"/>
-            </a:endParaRPr>
-          </a:p>
-          <a:p>
-            <a:pPr marL="171450" indent="-171450">
-              <a:buFont typeface="Arial" panose="020B0604020202020204" pitchFamily="34" charset="0"/>
-              <a:buChar char="•"/>
-            </a:pPr>
-            <a:endParaRPr lang="en-US" altLang="ko-KR" sz="1100" spc="-60" dirty="0" smtClean="0">
-              <a:ln>
-                <a:solidFill>
-                  <a:prstClr val="white">
-                    <a:alpha val="0"/>
-                  </a:prstClr>
-                </a:solidFill>
-              </a:ln>
-              <a:solidFill>
-                <a:schemeClr val="tx2">
-                  <a:lumMod val="75000"/>
-                </a:schemeClr>
-              </a:solidFill>
-              <a:latin typeface="+mj-ea"/>
-              <a:ea typeface="+mj-ea"/>
-            </a:endParaRPr>
-          </a:p>
-          <a:p>
-            <a:pPr marL="171450" indent="-171450">
-              <a:buFont typeface="Arial" panose="020B0604020202020204" pitchFamily="34" charset="0"/>
-              <a:buChar char="•"/>
-            </a:pPr>
-            <a:r>
-              <a:rPr lang="en-US" altLang="ko-KR" sz="1100" spc="-60" dirty="0" err="1" smtClean="0">
-                <a:ln>
-                  <a:solidFill>
-                    <a:prstClr val="white">
-                      <a:alpha val="0"/>
-                    </a:prstClr>
-                  </a:solidFill>
-                </a:ln>
-                <a:solidFill>
-                  <a:schemeClr val="tx2">
-                    <a:lumMod val="75000"/>
-                  </a:schemeClr>
-                </a:solidFill>
-                <a:latin typeface="+mj-ea"/>
-                <a:ea typeface="+mj-ea"/>
-              </a:rPr>
-              <a:t>Groupby</a:t>
-            </a:r>
-            <a:r>
-              <a:rPr lang="en-US" altLang="ko-KR" sz="1100" spc="-60" dirty="0" smtClean="0">
-                <a:ln>
-                  <a:solidFill>
-                    <a:prstClr val="white">
-                      <a:alpha val="0"/>
-                    </a:prstClr>
-                  </a:solidFill>
-                </a:ln>
-                <a:solidFill>
-                  <a:schemeClr val="tx2">
-                    <a:lumMod val="75000"/>
-                  </a:schemeClr>
-                </a:solidFill>
-                <a:latin typeface="+mj-ea"/>
-                <a:ea typeface="+mj-ea"/>
-              </a:rPr>
-              <a:t> </a:t>
-            </a:r>
-            <a:r>
-              <a:rPr lang="ko-KR" altLang="en-US" sz="1100" spc="-60" dirty="0" smtClean="0">
-                <a:ln>
-                  <a:solidFill>
-                    <a:prstClr val="white">
-                      <a:alpha val="0"/>
-                    </a:prstClr>
-                  </a:solidFill>
-                </a:ln>
-                <a:solidFill>
-                  <a:schemeClr val="tx2">
-                    <a:lumMod val="75000"/>
-                  </a:schemeClr>
-                </a:solidFill>
-                <a:latin typeface="+mj-ea"/>
-                <a:ea typeface="+mj-ea"/>
-              </a:rPr>
-              <a:t>함수 사용 </a:t>
-            </a:r>
-            <a:r>
-              <a:rPr lang="ko-KR" altLang="en-US" sz="1100" spc="-60" dirty="0" err="1" smtClean="0">
-                <a:ln>
-                  <a:solidFill>
-                    <a:prstClr val="white">
-                      <a:alpha val="0"/>
-                    </a:prstClr>
-                  </a:solidFill>
-                </a:ln>
-                <a:solidFill>
-                  <a:schemeClr val="tx2">
-                    <a:lumMod val="75000"/>
-                  </a:schemeClr>
-                </a:solidFill>
-                <a:latin typeface="+mj-ea"/>
-                <a:ea typeface="+mj-ea"/>
-              </a:rPr>
-              <a:t>요일별</a:t>
-            </a:r>
-            <a:r>
-              <a:rPr lang="ko-KR" altLang="en-US" sz="1100" spc="-60" dirty="0" smtClean="0">
-                <a:ln>
-                  <a:solidFill>
-                    <a:prstClr val="white">
-                      <a:alpha val="0"/>
-                    </a:prstClr>
-                  </a:solidFill>
-                </a:ln>
-                <a:solidFill>
-                  <a:schemeClr val="tx2">
-                    <a:lumMod val="75000"/>
-                  </a:schemeClr>
-                </a:solidFill>
-                <a:latin typeface="+mj-ea"/>
-                <a:ea typeface="+mj-ea"/>
-              </a:rPr>
-              <a:t> 합계를 구함</a:t>
-            </a:r>
-            <a:r>
-              <a:rPr lang="en-US" altLang="ko-KR" sz="1100" spc="-60" dirty="0" smtClean="0">
-                <a:ln>
-                  <a:solidFill>
-                    <a:prstClr val="white">
-                      <a:alpha val="0"/>
-                    </a:prstClr>
-                  </a:solidFill>
-                </a:ln>
-                <a:solidFill>
-                  <a:schemeClr val="tx2">
-                    <a:lumMod val="75000"/>
-                  </a:schemeClr>
-                </a:solidFill>
-                <a:latin typeface="+mj-ea"/>
-                <a:ea typeface="+mj-ea"/>
-              </a:rPr>
-              <a:t>.</a:t>
-            </a:r>
-          </a:p>
-          <a:p>
-            <a:pPr marL="171450" indent="-171450">
-              <a:buFont typeface="Arial" panose="020B0604020202020204" pitchFamily="34" charset="0"/>
-              <a:buChar char="•"/>
-            </a:pPr>
-            <a:endParaRPr lang="en-US" altLang="ko-KR" sz="1100" spc="-60" dirty="0" smtClean="0">
-              <a:ln>
-                <a:solidFill>
-                  <a:prstClr val="white">
-                    <a:alpha val="0"/>
-                  </a:prstClr>
-                </a:solidFill>
-              </a:ln>
-              <a:solidFill>
-                <a:schemeClr val="tx2">
-                  <a:lumMod val="75000"/>
-                </a:schemeClr>
-              </a:solidFill>
-              <a:latin typeface="+mj-ea"/>
-              <a:ea typeface="+mj-ea"/>
-            </a:endParaRPr>
-          </a:p>
-          <a:p>
-            <a:pPr marL="171450" indent="-171450">
-              <a:buFont typeface="Arial" panose="020B0604020202020204" pitchFamily="34" charset="0"/>
-              <a:buChar char="•"/>
-            </a:pPr>
-            <a:r>
-              <a:rPr lang="en-US" altLang="ko-KR" sz="1100" spc="-60" dirty="0" smtClean="0">
-                <a:ln>
-                  <a:solidFill>
-                    <a:prstClr val="white">
-                      <a:alpha val="0"/>
-                    </a:prstClr>
-                  </a:solidFill>
-                </a:ln>
-                <a:solidFill>
-                  <a:schemeClr val="tx2">
-                    <a:lumMod val="75000"/>
-                  </a:schemeClr>
-                </a:solidFill>
-                <a:latin typeface="+mj-ea"/>
-                <a:ea typeface="+mj-ea"/>
-              </a:rPr>
-              <a:t>X</a:t>
-            </a:r>
-            <a:r>
-              <a:rPr lang="ko-KR" altLang="en-US" sz="1100" spc="-60" dirty="0" smtClean="0">
-                <a:ln>
-                  <a:solidFill>
-                    <a:prstClr val="white">
-                      <a:alpha val="0"/>
-                    </a:prstClr>
-                  </a:solidFill>
-                </a:ln>
-                <a:solidFill>
-                  <a:schemeClr val="tx2">
-                    <a:lumMod val="75000"/>
-                  </a:schemeClr>
-                </a:solidFill>
-                <a:latin typeface="+mj-ea"/>
-                <a:ea typeface="+mj-ea"/>
-              </a:rPr>
-              <a:t>축 </a:t>
-            </a:r>
-            <a:r>
-              <a:rPr lang="en-US" altLang="ko-KR" sz="1100" spc="-60" dirty="0" smtClean="0">
-                <a:ln>
-                  <a:solidFill>
-                    <a:prstClr val="white">
-                      <a:alpha val="0"/>
-                    </a:prstClr>
-                  </a:solidFill>
-                </a:ln>
-                <a:solidFill>
-                  <a:schemeClr val="tx2">
-                    <a:lumMod val="75000"/>
-                  </a:schemeClr>
-                </a:solidFill>
-                <a:latin typeface="+mj-ea"/>
-                <a:ea typeface="+mj-ea"/>
-              </a:rPr>
-              <a:t>: </a:t>
-            </a:r>
-            <a:r>
-              <a:rPr lang="ko-KR" altLang="en-US" sz="1100" spc="-60" dirty="0" err="1" smtClean="0">
-                <a:ln>
-                  <a:solidFill>
-                    <a:prstClr val="white">
-                      <a:alpha val="0"/>
-                    </a:prstClr>
-                  </a:solidFill>
-                </a:ln>
-                <a:solidFill>
-                  <a:schemeClr val="tx2">
-                    <a:lumMod val="75000"/>
-                  </a:schemeClr>
-                </a:solidFill>
-                <a:latin typeface="+mj-ea"/>
-                <a:ea typeface="+mj-ea"/>
-              </a:rPr>
-              <a:t>승인일자</a:t>
-            </a:r>
-            <a:r>
-              <a:rPr lang="en-US" altLang="ko-KR" sz="1100" spc="-60" dirty="0" smtClean="0">
-                <a:ln>
-                  <a:solidFill>
-                    <a:prstClr val="white">
-                      <a:alpha val="0"/>
-                    </a:prstClr>
-                  </a:solidFill>
-                </a:ln>
-                <a:solidFill>
-                  <a:schemeClr val="tx2">
-                    <a:lumMod val="75000"/>
-                  </a:schemeClr>
-                </a:solidFill>
-                <a:latin typeface="+mj-ea"/>
-                <a:ea typeface="+mj-ea"/>
-              </a:rPr>
-              <a:t>. </a:t>
-            </a:r>
-            <a:r>
-              <a:rPr lang="en-US" altLang="ko-KR" sz="1100" spc="-60" dirty="0">
-                <a:ln>
-                  <a:solidFill>
-                    <a:prstClr val="white">
-                      <a:alpha val="0"/>
-                    </a:prstClr>
-                  </a:solidFill>
-                </a:ln>
-                <a:solidFill>
-                  <a:schemeClr val="tx2">
-                    <a:lumMod val="75000"/>
-                  </a:schemeClr>
-                </a:solidFill>
-                <a:latin typeface="+mj-ea"/>
-                <a:ea typeface="+mj-ea"/>
-              </a:rPr>
-              <a:t> </a:t>
-            </a:r>
-            <a:r>
-              <a:rPr lang="en-US" altLang="ko-KR" sz="1100" spc="-60" dirty="0" smtClean="0">
-                <a:ln>
-                  <a:solidFill>
-                    <a:prstClr val="white">
-                      <a:alpha val="0"/>
-                    </a:prstClr>
-                  </a:solidFill>
-                </a:ln>
-                <a:solidFill>
-                  <a:schemeClr val="tx2">
-                    <a:lumMod val="75000"/>
-                  </a:schemeClr>
-                </a:solidFill>
-                <a:latin typeface="+mj-ea"/>
-                <a:ea typeface="+mj-ea"/>
-              </a:rPr>
-              <a:t/>
-            </a:r>
-            <a:br>
-              <a:rPr lang="en-US" altLang="ko-KR" sz="1100" spc="-60" dirty="0" smtClean="0">
-                <a:ln>
-                  <a:solidFill>
-                    <a:prstClr val="white">
-                      <a:alpha val="0"/>
-                    </a:prstClr>
-                  </a:solidFill>
-                </a:ln>
-                <a:solidFill>
-                  <a:schemeClr val="tx2">
-                    <a:lumMod val="75000"/>
-                  </a:schemeClr>
-                </a:solidFill>
-                <a:latin typeface="+mj-ea"/>
-                <a:ea typeface="+mj-ea"/>
-              </a:rPr>
-            </a:br>
-            <a:r>
-              <a:rPr lang="en-US" altLang="ko-KR" sz="1100" spc="-60" dirty="0" err="1" smtClean="0">
-                <a:ln>
-                  <a:solidFill>
-                    <a:prstClr val="white">
-                      <a:alpha val="0"/>
-                    </a:prstClr>
-                  </a:solidFill>
-                </a:ln>
-                <a:solidFill>
-                  <a:schemeClr val="tx2">
-                    <a:lumMod val="75000"/>
-                  </a:schemeClr>
-                </a:solidFill>
-                <a:latin typeface="+mj-ea"/>
-                <a:ea typeface="+mj-ea"/>
-              </a:rPr>
-              <a:t>Y</a:t>
-            </a:r>
-            <a:r>
-              <a:rPr lang="ko-KR" altLang="en-US" sz="1100" spc="-60" dirty="0" smtClean="0">
-                <a:ln>
-                  <a:solidFill>
-                    <a:prstClr val="white">
-                      <a:alpha val="0"/>
-                    </a:prstClr>
-                  </a:solidFill>
-                </a:ln>
-                <a:solidFill>
-                  <a:schemeClr val="tx2">
-                    <a:lumMod val="75000"/>
-                  </a:schemeClr>
-                </a:solidFill>
-                <a:latin typeface="+mj-ea"/>
-                <a:ea typeface="+mj-ea"/>
-              </a:rPr>
-              <a:t>축 </a:t>
-            </a:r>
-            <a:r>
-              <a:rPr lang="en-US" altLang="ko-KR" sz="1100" spc="-60" dirty="0" smtClean="0">
-                <a:ln>
-                  <a:solidFill>
-                    <a:prstClr val="white">
-                      <a:alpha val="0"/>
-                    </a:prstClr>
-                  </a:solidFill>
-                </a:ln>
-                <a:solidFill>
-                  <a:schemeClr val="tx2">
-                    <a:lumMod val="75000"/>
-                  </a:schemeClr>
-                </a:solidFill>
-                <a:latin typeface="+mj-ea"/>
-                <a:ea typeface="+mj-ea"/>
-              </a:rPr>
-              <a:t>: </a:t>
-            </a:r>
-            <a:r>
-              <a:rPr lang="ko-KR" altLang="en-US" sz="1100" spc="-60" dirty="0" smtClean="0">
-                <a:ln>
-                  <a:solidFill>
-                    <a:prstClr val="white">
-                      <a:alpha val="0"/>
-                    </a:prstClr>
-                  </a:solidFill>
-                </a:ln>
-                <a:solidFill>
-                  <a:schemeClr val="tx2">
-                    <a:lumMod val="75000"/>
-                  </a:schemeClr>
-                </a:solidFill>
-                <a:latin typeface="+mj-ea"/>
-                <a:ea typeface="+mj-ea"/>
-              </a:rPr>
-              <a:t>거래금액</a:t>
-            </a:r>
-            <a:endParaRPr lang="en-US" altLang="ko-KR" sz="1100" spc="-60" dirty="0">
-              <a:ln>
-                <a:solidFill>
-                  <a:prstClr val="white">
-                    <a:alpha val="0"/>
-                  </a:prstClr>
-                </a:solidFill>
-              </a:ln>
-              <a:solidFill>
-                <a:schemeClr val="tx2">
-                  <a:lumMod val="75000"/>
-                </a:schemeClr>
-              </a:solidFill>
-              <a:latin typeface="+mj-ea"/>
-              <a:ea typeface="+mj-ea"/>
-            </a:endParaRPr>
-          </a:p>
-        </p:txBody>
-      </p:sp>
-      <p:sp>
-        <p:nvSpPr>
-          <p:cNvPr id="31" name="TextBox 30">
-            <a:extLst>
-              <a:ext uri="{FF2B5EF4-FFF2-40B4-BE49-F238E27FC236}">
-                <a16:creationId xmlns:a16="http://schemas.microsoft.com/office/drawing/2014/main" id="{AA4E3547-C3C5-49D0-B6EF-7AFF7B718EFA}"/>
-              </a:ext>
-            </a:extLst>
-          </p:cNvPr>
-          <p:cNvSpPr txBox="1"/>
-          <p:nvPr/>
-        </p:nvSpPr>
-        <p:spPr>
-          <a:xfrm>
-            <a:off x="7445829" y="1269423"/>
-            <a:ext cx="1160895" cy="369332"/>
-          </a:xfrm>
-          <a:prstGeom prst="rect">
-            <a:avLst/>
-          </a:prstGeom>
-          <a:noFill/>
-        </p:spPr>
-        <p:txBody>
-          <a:bodyPr wrap="none" rtlCol="0">
-            <a:spAutoFit/>
-          </a:bodyPr>
-          <a:lstStyle/>
-          <a:p>
-            <a:r>
-              <a:rPr lang="ko-KR" altLang="en-US" b="1" dirty="0"/>
-              <a:t>분석 과정</a:t>
-            </a:r>
-          </a:p>
-        </p:txBody>
-      </p:sp>
-      <p:sp>
-        <p:nvSpPr>
-          <p:cNvPr id="9" name="직사각형 8">
-            <a:extLst>
-              <a:ext uri="{FF2B5EF4-FFF2-40B4-BE49-F238E27FC236}">
-                <a16:creationId xmlns:a16="http://schemas.microsoft.com/office/drawing/2014/main" id="{5B25AD86-019F-4C45-B8F8-5A59E9B071FC}"/>
-              </a:ext>
-            </a:extLst>
-          </p:cNvPr>
-          <p:cNvSpPr/>
-          <p:nvPr/>
-        </p:nvSpPr>
-        <p:spPr>
-          <a:xfrm>
-            <a:off x="0" y="0"/>
-            <a:ext cx="9144000" cy="913118"/>
+            <a:off x="832560" y="4210212"/>
+            <a:ext cx="6325222" cy="2136800"/>
           </a:xfrm>
           <a:prstGeom prst="rect">
             <a:avLst/>
@@ -3967,44 +3250,12 @@
           <a:p>
             <a:pPr algn="ctr"/>
             <a:r>
-              <a:rPr lang="en-US" altLang="ko-KR" sz="3600" dirty="0">
+              <a:rPr lang="ko-KR" altLang="en-US" sz="3600" dirty="0">
                 <a:solidFill>
                   <a:srgbClr val="FF0000"/>
                 </a:solidFill>
               </a:rPr>
-              <a:t>&lt;</a:t>
-            </a:r>
-            <a:r>
-              <a:rPr lang="ko-KR" altLang="en-US" sz="3600" dirty="0">
-                <a:solidFill>
-                  <a:srgbClr val="FF0000"/>
-                </a:solidFill>
-              </a:rPr>
-              <a:t>승자 일자 기준</a:t>
-            </a:r>
-            <a:r>
-              <a:rPr lang="en-US" altLang="ko-KR" sz="3600" dirty="0">
-                <a:solidFill>
-                  <a:srgbClr val="FF0000"/>
-                </a:solidFill>
-              </a:rPr>
-              <a:t>_</a:t>
-            </a:r>
-            <a:r>
-              <a:rPr lang="ko-KR" altLang="en-US" sz="3600" dirty="0">
-                <a:solidFill>
-                  <a:srgbClr val="FF0000"/>
-                </a:solidFill>
-              </a:rPr>
-              <a:t>박주영</a:t>
-            </a:r>
-            <a:r>
-              <a:rPr lang="en-US" altLang="ko-KR" sz="3600" dirty="0">
-                <a:solidFill>
-                  <a:srgbClr val="FF0000"/>
-                </a:solidFill>
-              </a:rPr>
-              <a:t>&gt;</a:t>
+              <a:t>그래프 삽입</a:t>
             </a:r>
             <a:endParaRPr lang="ko-KR" altLang="en-US" sz="1200" strike="sngStrike" dirty="0">
               <a:solidFill>
@@ -4014,685 +3265,6 @@
           </a:p>
         </p:txBody>
       </p:sp>
-      <p:sp>
-        <p:nvSpPr>
-          <p:cNvPr id="12" name="텍스트 개체 틀 6">
-            <a:extLst>
-              <a:ext uri="{FF2B5EF4-FFF2-40B4-BE49-F238E27FC236}">
-                <a16:creationId xmlns:a16="http://schemas.microsoft.com/office/drawing/2014/main" id="{D0EDCBAB-5962-4C0F-BC25-2F0336FB4678}"/>
-              </a:ext>
-            </a:extLst>
-          </p:cNvPr>
-          <p:cNvSpPr txBox="1">
-            <a:spLocks/>
-          </p:cNvSpPr>
-          <p:nvPr/>
-        </p:nvSpPr>
-        <p:spPr>
-          <a:xfrm>
-            <a:off x="544513" y="2068942"/>
-            <a:ext cx="6901316" cy="2059141"/>
-          </a:xfrm>
-          <a:prstGeom prst="rect">
-            <a:avLst/>
-          </a:prstGeom>
-        </p:spPr>
-        <p:txBody>
-          <a:bodyPr/>
-          <a:lstStyle>
-            <a:lvl1pPr marL="228600" indent="-228600" algn="l" defTabSz="914400" rtl="0" eaLnBrk="1" latinLnBrk="1" hangingPunct="1">
-              <a:lnSpc>
-                <a:spcPct val="90000"/>
-              </a:lnSpc>
-              <a:spcBef>
-                <a:spcPts val="1000"/>
-              </a:spcBef>
-              <a:buFont typeface="Arial" panose="020B0604020202020204" pitchFamily="34" charset="0"/>
-              <a:buChar char="•"/>
-              <a:defRPr sz="2000" kern="1200">
-                <a:solidFill>
-                  <a:schemeClr val="tx1"/>
-                </a:solidFill>
-                <a:latin typeface="+mn-lt"/>
-                <a:ea typeface="+mn-ea"/>
-                <a:cs typeface="+mn-cs"/>
-              </a:defRPr>
-            </a:lvl1pPr>
-            <a:lvl2pPr marL="685800" indent="-228600" algn="l" defTabSz="914400" rtl="0" eaLnBrk="1" latinLnBrk="1" hangingPunct="1">
-              <a:lnSpc>
-                <a:spcPct val="90000"/>
-              </a:lnSpc>
-              <a:spcBef>
-                <a:spcPts val="500"/>
-              </a:spcBef>
-              <a:buFont typeface="Arial" panose="020B0604020202020204" pitchFamily="34" charset="0"/>
-              <a:buChar char="•"/>
-              <a:defRPr sz="1800" kern="1200">
-                <a:solidFill>
-                  <a:schemeClr val="tx1"/>
-                </a:solidFill>
-                <a:latin typeface="+mn-lt"/>
-                <a:ea typeface="+mn-ea"/>
-                <a:cs typeface="+mn-cs"/>
-              </a:defRPr>
-            </a:lvl2pPr>
-            <a:lvl3pPr marL="1143000" indent="-228600" algn="l" defTabSz="914400" rtl="0" eaLnBrk="1" latinLnBrk="1" hangingPunct="1">
-              <a:lnSpc>
-                <a:spcPct val="90000"/>
-              </a:lnSpc>
-              <a:spcBef>
-                <a:spcPts val="500"/>
-              </a:spcBef>
-              <a:buFont typeface="Arial" panose="020B0604020202020204" pitchFamily="34" charset="0"/>
-              <a:buChar char="•"/>
-              <a:defRPr sz="1600" kern="1200">
-                <a:solidFill>
-                  <a:schemeClr val="tx1"/>
-                </a:solidFill>
-                <a:latin typeface="+mn-lt"/>
-                <a:ea typeface="+mn-ea"/>
-                <a:cs typeface="+mn-cs"/>
-              </a:defRPr>
-            </a:lvl3pPr>
-            <a:lvl4pPr marL="1600200" indent="-228600" algn="l" defTabSz="914400" rtl="0" eaLnBrk="1" latinLnBrk="1" hangingPunct="1">
-              <a:lnSpc>
-                <a:spcPct val="90000"/>
-              </a:lnSpc>
-              <a:spcBef>
-                <a:spcPts val="500"/>
-              </a:spcBef>
-              <a:buFont typeface="Arial" panose="020B0604020202020204" pitchFamily="34" charset="0"/>
-              <a:buChar char="•"/>
-              <a:defRPr sz="1400" kern="1200">
-                <a:solidFill>
-                  <a:schemeClr val="tx1"/>
-                </a:solidFill>
-                <a:latin typeface="+mn-lt"/>
-                <a:ea typeface="+mn-ea"/>
-                <a:cs typeface="+mn-cs"/>
-              </a:defRPr>
-            </a:lvl4pPr>
-            <a:lvl5pPr marL="2057400" indent="-228600" algn="l" defTabSz="914400" rtl="0" eaLnBrk="1" latinLnBrk="1" hangingPunct="1">
-              <a:lnSpc>
-                <a:spcPct val="90000"/>
-              </a:lnSpc>
-              <a:spcBef>
-                <a:spcPts val="500"/>
-              </a:spcBef>
-              <a:buFont typeface="Arial" panose="020B0604020202020204" pitchFamily="34" charset="0"/>
-              <a:buChar char="•"/>
-              <a:defRPr sz="1200" kern="1200">
-                <a:solidFill>
-                  <a:schemeClr val="tx1"/>
-                </a:solidFill>
-                <a:latin typeface="+mn-lt"/>
-                <a:ea typeface="+mn-ea"/>
-                <a:cs typeface="+mn-cs"/>
-              </a:defRPr>
-            </a:lvl5pPr>
-            <a:lvl6pPr marL="2514600" indent="-228600" algn="l" defTabSz="914400" rtl="0" eaLnBrk="1" latinLnBrk="1" hangingPunct="1">
-              <a:lnSpc>
-                <a:spcPct val="90000"/>
-              </a:lnSpc>
-              <a:spcBef>
-                <a:spcPts val="500"/>
-              </a:spcBef>
-              <a:buFont typeface="Arial" panose="020B0604020202020204" pitchFamily="34" charset="0"/>
-              <a:buChar char="•"/>
-              <a:defRPr sz="1800" kern="1200">
-                <a:solidFill>
-                  <a:schemeClr val="tx1"/>
-                </a:solidFill>
-                <a:latin typeface="+mn-lt"/>
-                <a:ea typeface="+mn-ea"/>
-                <a:cs typeface="+mn-cs"/>
-              </a:defRPr>
-            </a:lvl6pPr>
-            <a:lvl7pPr marL="2971800" indent="-228600" algn="l" defTabSz="914400" rtl="0" eaLnBrk="1" latinLnBrk="1" hangingPunct="1">
-              <a:lnSpc>
-                <a:spcPct val="90000"/>
-              </a:lnSpc>
-              <a:spcBef>
-                <a:spcPts val="500"/>
-              </a:spcBef>
-              <a:buFont typeface="Arial" panose="020B0604020202020204" pitchFamily="34" charset="0"/>
-              <a:buChar char="•"/>
-              <a:defRPr sz="1800" kern="1200">
-                <a:solidFill>
-                  <a:schemeClr val="tx1"/>
-                </a:solidFill>
-                <a:latin typeface="+mn-lt"/>
-                <a:ea typeface="+mn-ea"/>
-                <a:cs typeface="+mn-cs"/>
-              </a:defRPr>
-            </a:lvl7pPr>
-            <a:lvl8pPr marL="3429000" indent="-228600" algn="l" defTabSz="914400" rtl="0" eaLnBrk="1" latinLnBrk="1" hangingPunct="1">
-              <a:lnSpc>
-                <a:spcPct val="90000"/>
-              </a:lnSpc>
-              <a:spcBef>
-                <a:spcPts val="500"/>
-              </a:spcBef>
-              <a:buFont typeface="Arial" panose="020B0604020202020204" pitchFamily="34" charset="0"/>
-              <a:buChar char="•"/>
-              <a:defRPr sz="1800" kern="1200">
-                <a:solidFill>
-                  <a:schemeClr val="tx1"/>
-                </a:solidFill>
-                <a:latin typeface="+mn-lt"/>
-                <a:ea typeface="+mn-ea"/>
-                <a:cs typeface="+mn-cs"/>
-              </a:defRPr>
-            </a:lvl8pPr>
-            <a:lvl9pPr marL="3886200" indent="-228600" algn="l" defTabSz="914400" rtl="0" eaLnBrk="1" latinLnBrk="1" hangingPunct="1">
-              <a:lnSpc>
-                <a:spcPct val="90000"/>
-              </a:lnSpc>
-              <a:spcBef>
-                <a:spcPts val="500"/>
-              </a:spcBef>
-              <a:buFont typeface="Arial" panose="020B0604020202020204" pitchFamily="34" charset="0"/>
-              <a:buChar char="•"/>
-              <a:defRPr sz="1800" kern="1200">
-                <a:solidFill>
-                  <a:schemeClr val="tx1"/>
-                </a:solidFill>
-                <a:latin typeface="+mn-lt"/>
-                <a:ea typeface="+mn-ea"/>
-                <a:cs typeface="+mn-cs"/>
-              </a:defRPr>
-            </a:lvl9pPr>
-          </a:lstStyle>
-          <a:p>
-            <a:pPr marL="800100" lvl="1" indent="-342900">
-              <a:spcBef>
-                <a:spcPts val="1000"/>
-              </a:spcBef>
-              <a:buFont typeface="+mj-ea"/>
-              <a:buAutoNum type="circleNumDbPlain"/>
-            </a:pPr>
-            <a:r>
-              <a:rPr lang="ko-KR" altLang="en-US" spc="-60" dirty="0" smtClean="0">
-                <a:ln>
-                  <a:solidFill>
-                    <a:prstClr val="white">
-                      <a:alpha val="0"/>
-                    </a:prstClr>
-                  </a:solidFill>
-                </a:ln>
-                <a:solidFill>
-                  <a:schemeClr val="tx2">
-                    <a:lumMod val="75000"/>
-                  </a:schemeClr>
-                </a:solidFill>
-                <a:latin typeface="+mj-ea"/>
-                <a:ea typeface="+mj-ea"/>
-              </a:rPr>
-              <a:t>거래금액이 가장 높은 날은 </a:t>
-            </a:r>
-            <a:r>
-              <a:rPr lang="en-US" altLang="ko-KR" spc="-60" dirty="0" smtClean="0">
-                <a:ln>
-                  <a:solidFill>
-                    <a:prstClr val="white">
-                      <a:alpha val="0"/>
-                    </a:prstClr>
-                  </a:solidFill>
-                </a:ln>
-                <a:solidFill>
-                  <a:schemeClr val="tx2">
-                    <a:lumMod val="75000"/>
-                  </a:schemeClr>
-                </a:solidFill>
-                <a:latin typeface="+mj-ea"/>
-                <a:ea typeface="+mj-ea"/>
-              </a:rPr>
-              <a:t>1</a:t>
-            </a:r>
-            <a:r>
-              <a:rPr lang="ko-KR" altLang="en-US" spc="-60" dirty="0" smtClean="0">
-                <a:ln>
-                  <a:solidFill>
-                    <a:prstClr val="white">
-                      <a:alpha val="0"/>
-                    </a:prstClr>
-                  </a:solidFill>
-                </a:ln>
-                <a:solidFill>
-                  <a:schemeClr val="tx2">
-                    <a:lumMod val="75000"/>
-                  </a:schemeClr>
-                </a:solidFill>
-                <a:latin typeface="+mj-ea"/>
-                <a:ea typeface="+mj-ea"/>
-              </a:rPr>
-              <a:t>월 </a:t>
-            </a:r>
-            <a:r>
-              <a:rPr lang="en-US" altLang="ko-KR" spc="-60" dirty="0" smtClean="0">
-                <a:ln>
-                  <a:solidFill>
-                    <a:prstClr val="white">
-                      <a:alpha val="0"/>
-                    </a:prstClr>
-                  </a:solidFill>
-                </a:ln>
-                <a:solidFill>
-                  <a:schemeClr val="tx2">
-                    <a:lumMod val="75000"/>
-                  </a:schemeClr>
-                </a:solidFill>
-                <a:latin typeface="+mj-ea"/>
-                <a:ea typeface="+mj-ea"/>
-              </a:rPr>
-              <a:t>23</a:t>
-            </a:r>
-            <a:r>
-              <a:rPr lang="ko-KR" altLang="en-US" spc="-60" dirty="0" smtClean="0">
-                <a:ln>
-                  <a:solidFill>
-                    <a:prstClr val="white">
-                      <a:alpha val="0"/>
-                    </a:prstClr>
-                  </a:solidFill>
-                </a:ln>
-                <a:solidFill>
-                  <a:schemeClr val="tx2">
-                    <a:lumMod val="75000"/>
-                  </a:schemeClr>
-                </a:solidFill>
-                <a:latin typeface="+mj-ea"/>
-                <a:ea typeface="+mj-ea"/>
-              </a:rPr>
-              <a:t>일로 나타났음</a:t>
-            </a:r>
-            <a:endParaRPr lang="en-US" altLang="ko-KR" spc="-60" dirty="0">
-              <a:ln>
-                <a:solidFill>
-                  <a:prstClr val="white">
-                    <a:alpha val="0"/>
-                  </a:prstClr>
-                </a:solidFill>
-              </a:ln>
-              <a:solidFill>
-                <a:schemeClr val="tx2">
-                  <a:lumMod val="75000"/>
-                </a:schemeClr>
-              </a:solidFill>
-              <a:latin typeface="+mj-ea"/>
-              <a:ea typeface="+mj-ea"/>
-            </a:endParaRPr>
-          </a:p>
-          <a:p>
-            <a:pPr marL="800100" lvl="1" indent="-342900">
-              <a:spcBef>
-                <a:spcPts val="1000"/>
-              </a:spcBef>
-              <a:buFont typeface="+mj-ea"/>
-              <a:buAutoNum type="circleNumDbPlain"/>
-            </a:pPr>
-            <a:r>
-              <a:rPr lang="ko-KR" altLang="en-US" spc="-60" dirty="0" smtClean="0">
-                <a:ln>
-                  <a:solidFill>
-                    <a:prstClr val="white">
-                      <a:alpha val="0"/>
-                    </a:prstClr>
-                  </a:solidFill>
-                </a:ln>
-                <a:solidFill>
-                  <a:schemeClr val="tx2">
-                    <a:lumMod val="75000"/>
-                  </a:schemeClr>
-                </a:solidFill>
-                <a:latin typeface="+mj-ea"/>
-                <a:ea typeface="+mj-ea"/>
-              </a:rPr>
-              <a:t>거래금액이 가장 낮은 날은 </a:t>
-            </a:r>
-            <a:r>
-              <a:rPr lang="en-US" altLang="ko-KR" spc="-60" dirty="0" smtClean="0">
-                <a:ln>
-                  <a:solidFill>
-                    <a:prstClr val="white">
-                      <a:alpha val="0"/>
-                    </a:prstClr>
-                  </a:solidFill>
-                </a:ln>
-                <a:solidFill>
-                  <a:schemeClr val="tx2">
-                    <a:lumMod val="75000"/>
-                  </a:schemeClr>
-                </a:solidFill>
-                <a:latin typeface="+mj-ea"/>
-                <a:ea typeface="+mj-ea"/>
-              </a:rPr>
-              <a:t>1</a:t>
-            </a:r>
-            <a:r>
-              <a:rPr lang="ko-KR" altLang="en-US" spc="-60" dirty="0" smtClean="0">
-                <a:ln>
-                  <a:solidFill>
-                    <a:prstClr val="white">
-                      <a:alpha val="0"/>
-                    </a:prstClr>
-                  </a:solidFill>
-                </a:ln>
-                <a:solidFill>
-                  <a:schemeClr val="tx2">
-                    <a:lumMod val="75000"/>
-                  </a:schemeClr>
-                </a:solidFill>
-                <a:latin typeface="+mj-ea"/>
-                <a:ea typeface="+mj-ea"/>
-              </a:rPr>
-              <a:t>월 </a:t>
-            </a:r>
-            <a:r>
-              <a:rPr lang="en-US" altLang="ko-KR" spc="-60" dirty="0" smtClean="0">
-                <a:ln>
-                  <a:solidFill>
-                    <a:prstClr val="white">
-                      <a:alpha val="0"/>
-                    </a:prstClr>
-                  </a:solidFill>
-                </a:ln>
-                <a:solidFill>
-                  <a:schemeClr val="tx2">
-                    <a:lumMod val="75000"/>
-                  </a:schemeClr>
-                </a:solidFill>
-                <a:latin typeface="+mj-ea"/>
-                <a:ea typeface="+mj-ea"/>
-              </a:rPr>
-              <a:t>25</a:t>
-            </a:r>
-            <a:r>
-              <a:rPr lang="ko-KR" altLang="en-US" spc="-60" dirty="0" smtClean="0">
-                <a:ln>
-                  <a:solidFill>
-                    <a:prstClr val="white">
-                      <a:alpha val="0"/>
-                    </a:prstClr>
-                  </a:solidFill>
-                </a:ln>
-                <a:solidFill>
-                  <a:schemeClr val="tx2">
-                    <a:lumMod val="75000"/>
-                  </a:schemeClr>
-                </a:solidFill>
-                <a:latin typeface="+mj-ea"/>
-                <a:ea typeface="+mj-ea"/>
-              </a:rPr>
-              <a:t>일로 나타났음</a:t>
-            </a:r>
-            <a:endParaRPr lang="en-US" altLang="ko-KR" spc="-60" dirty="0" smtClean="0">
-              <a:ln>
-                <a:solidFill>
-                  <a:prstClr val="white">
-                    <a:alpha val="0"/>
-                  </a:prstClr>
-                </a:solidFill>
-              </a:ln>
-              <a:solidFill>
-                <a:schemeClr val="tx2">
-                  <a:lumMod val="75000"/>
-                </a:schemeClr>
-              </a:solidFill>
-              <a:latin typeface="+mj-ea"/>
-              <a:ea typeface="+mj-ea"/>
-            </a:endParaRPr>
-          </a:p>
-          <a:p>
-            <a:pPr marL="800100" lvl="1" indent="-342900">
-              <a:spcBef>
-                <a:spcPts val="1000"/>
-              </a:spcBef>
-              <a:buFont typeface="+mj-ea"/>
-              <a:buAutoNum type="circleNumDbPlain"/>
-            </a:pPr>
-            <a:endParaRPr lang="en-US" altLang="ko-KR" spc="-60" dirty="0">
-              <a:ln>
-                <a:solidFill>
-                  <a:prstClr val="white">
-                    <a:alpha val="0"/>
-                  </a:prstClr>
-                </a:solidFill>
-              </a:ln>
-              <a:solidFill>
-                <a:schemeClr val="tx2">
-                  <a:lumMod val="75000"/>
-                </a:schemeClr>
-              </a:solidFill>
-              <a:latin typeface="+mj-ea"/>
-              <a:ea typeface="+mj-ea"/>
-            </a:endParaRPr>
-          </a:p>
-          <a:p>
-            <a:pPr marL="457200" lvl="1" indent="0">
-              <a:spcBef>
-                <a:spcPts val="1000"/>
-              </a:spcBef>
-              <a:buNone/>
-            </a:pPr>
-            <a:endParaRPr lang="en-US" altLang="ko-KR" spc="-60" dirty="0">
-              <a:ln>
-                <a:solidFill>
-                  <a:prstClr val="white">
-                    <a:alpha val="0"/>
-                  </a:prstClr>
-                </a:solidFill>
-              </a:ln>
-              <a:solidFill>
-                <a:schemeClr val="tx2">
-                  <a:lumMod val="75000"/>
-                </a:schemeClr>
-              </a:solidFill>
-              <a:latin typeface="+mj-ea"/>
-              <a:ea typeface="+mj-ea"/>
-            </a:endParaRPr>
-          </a:p>
-          <a:p>
-            <a:pPr marL="457200" lvl="1" indent="0">
-              <a:spcBef>
-                <a:spcPts val="1000"/>
-              </a:spcBef>
-              <a:buFont typeface="Arial" panose="020B0604020202020204" pitchFamily="34" charset="0"/>
-              <a:buNone/>
-            </a:pPr>
-            <a:endParaRPr lang="en-US" altLang="ko-KR" spc="-60" dirty="0">
-              <a:ln>
-                <a:solidFill>
-                  <a:prstClr val="white">
-                    <a:alpha val="0"/>
-                  </a:prstClr>
-                </a:solidFill>
-              </a:ln>
-              <a:solidFill>
-                <a:schemeClr val="tx2">
-                  <a:lumMod val="75000"/>
-                </a:schemeClr>
-              </a:solidFill>
-              <a:latin typeface="+mj-ea"/>
-              <a:ea typeface="+mj-ea"/>
-            </a:endParaRPr>
-          </a:p>
-        </p:txBody>
-      </p:sp>
-      <p:sp>
-        <p:nvSpPr>
-          <p:cNvPr id="7" name="텍스트 개체 틀 6">
-            <a:extLst>
-              <a:ext uri="{FF2B5EF4-FFF2-40B4-BE49-F238E27FC236}">
-                <a16:creationId xmlns:a16="http://schemas.microsoft.com/office/drawing/2014/main" id="{DEDED96D-CEB5-4616-BE9C-4046A751D563}"/>
-              </a:ext>
-            </a:extLst>
-          </p:cNvPr>
-          <p:cNvSpPr>
-            <a:spLocks noGrp="1"/>
-          </p:cNvSpPr>
-          <p:nvPr>
-            <p:ph type="body" sz="quarter" idx="13"/>
-          </p:nvPr>
-        </p:nvSpPr>
-        <p:spPr>
-          <a:xfrm>
-            <a:off x="544513" y="1668463"/>
-            <a:ext cx="6901316" cy="416161"/>
-          </a:xfrm>
-        </p:spPr>
-        <p:txBody>
-          <a:bodyPr/>
-          <a:lstStyle/>
-          <a:p>
-            <a:pPr marL="171450" indent="-171450">
-              <a:spcBef>
-                <a:spcPts val="1000"/>
-              </a:spcBef>
-              <a:buFont typeface="Arial" panose="020B0604020202020204" pitchFamily="34" charset="0"/>
-              <a:buChar char="•"/>
-            </a:pPr>
-            <a:r>
-              <a:rPr lang="ko-KR" altLang="en-US" sz="2000" spc="-60" dirty="0" err="1">
-                <a:ln>
-                  <a:solidFill>
-                    <a:prstClr val="white">
-                      <a:alpha val="0"/>
-                    </a:prstClr>
-                  </a:solidFill>
-                </a:ln>
-                <a:solidFill>
-                  <a:schemeClr val="tx2">
-                    <a:lumMod val="75000"/>
-                  </a:schemeClr>
-                </a:solidFill>
-                <a:latin typeface="+mj-ea"/>
-                <a:ea typeface="+mj-ea"/>
-              </a:rPr>
-              <a:t>일자별</a:t>
-            </a:r>
-            <a:r>
-              <a:rPr lang="ko-KR" altLang="en-US" sz="2000" spc="-60" dirty="0">
-                <a:ln>
-                  <a:solidFill>
-                    <a:prstClr val="white">
-                      <a:alpha val="0"/>
-                    </a:prstClr>
-                  </a:solidFill>
-                </a:ln>
-                <a:solidFill>
-                  <a:schemeClr val="tx2">
-                    <a:lumMod val="75000"/>
-                  </a:schemeClr>
-                </a:solidFill>
-                <a:latin typeface="+mj-ea"/>
-                <a:ea typeface="+mj-ea"/>
-              </a:rPr>
-              <a:t> 거래금액</a:t>
-            </a:r>
-            <a:endParaRPr lang="en-US" altLang="ko-KR" sz="2000" spc="-60" dirty="0">
-              <a:ln>
-                <a:solidFill>
-                  <a:prstClr val="white">
-                    <a:alpha val="0"/>
-                  </a:prstClr>
-                </a:solidFill>
-              </a:ln>
-              <a:solidFill>
-                <a:schemeClr val="tx2">
-                  <a:lumMod val="75000"/>
-                </a:schemeClr>
-              </a:solidFill>
-              <a:latin typeface="+mj-ea"/>
-              <a:ea typeface="+mj-ea"/>
-            </a:endParaRPr>
-          </a:p>
-          <a:p>
-            <a:pPr marL="457200" lvl="1" indent="0">
-              <a:spcBef>
-                <a:spcPts val="1000"/>
-              </a:spcBef>
-              <a:buNone/>
-            </a:pPr>
-            <a:endParaRPr lang="en-US" altLang="ko-KR" spc="-60" dirty="0">
-              <a:ln>
-                <a:solidFill>
-                  <a:prstClr val="white">
-                    <a:alpha val="0"/>
-                  </a:prstClr>
-                </a:solidFill>
-              </a:ln>
-              <a:solidFill>
-                <a:schemeClr val="tx2">
-                  <a:lumMod val="75000"/>
-                </a:schemeClr>
-              </a:solidFill>
-              <a:latin typeface="+mj-ea"/>
-              <a:ea typeface="+mj-ea"/>
-            </a:endParaRPr>
-          </a:p>
-        </p:txBody>
-      </p:sp>
-      <p:pic>
-        <p:nvPicPr>
-          <p:cNvPr id="4" name="그림 3"/>
-          <p:cNvPicPr>
-            <a:picLocks noChangeAspect="1"/>
-          </p:cNvPicPr>
-          <p:nvPr/>
-        </p:nvPicPr>
-        <p:blipFill>
-          <a:blip r:embed="rId2">
-            <a:extLst>
-              <a:ext uri="{28A0092B-C50C-407E-A947-70E740481C1C}">
-                <a14:useLocalDpi xmlns:a14="http://schemas.microsoft.com/office/drawing/2010/main" val="0"/>
-              </a:ext>
-            </a:extLst>
-          </a:blip>
-          <a:stretch>
-            <a:fillRect/>
-          </a:stretch>
-        </p:blipFill>
-        <p:spPr>
-          <a:xfrm>
-            <a:off x="544513" y="3702973"/>
-            <a:ext cx="8347967" cy="2912283"/>
-          </a:xfrm>
-          <a:prstGeom prst="rect">
-            <a:avLst/>
-          </a:prstGeom>
-        </p:spPr>
-      </p:pic>
-    </p:spTree>
-    <p:extLst>
-      <p:ext uri="{BB962C8B-B14F-4D97-AF65-F5344CB8AC3E}">
-        <p14:creationId xmlns:p14="http://schemas.microsoft.com/office/powerpoint/2010/main" val="2206370899"/>
-      </p:ext>
-    </p:extLst>
-  </p:cSld>
-  <p:clrMapOvr>
-    <a:masterClrMapping/>
-  </p:clrMapOvr>
-</p:sld>
-</file>
-
-<file path=ppt/slides/slide12.xml><?xml version="1.0" encoding="utf-8"?>
-<p:sld xmlns:a="http://schemas.openxmlformats.org/drawingml/2006/main" xmlns:r="http://schemas.openxmlformats.org/officeDocument/2006/relationships" xmlns:p="http://schemas.openxmlformats.org/presentationml/2006/main">
-  <p:cSld>
-    <p:spTree>
-      <p:nvGrpSpPr>
-        <p:cNvPr id="1" name=""/>
-        <p:cNvGrpSpPr/>
-        <p:nvPr/>
-      </p:nvGrpSpPr>
-      <p:grpSpPr>
-        <a:xfrm>
-          <a:off x="0" y="0"/>
-          <a:ext cx="0" cy="0"/>
-          <a:chOff x="0" y="0"/>
-          <a:chExt cx="0" cy="0"/>
-        </a:xfrm>
-      </p:grpSpPr>
       <p:sp>
         <p:nvSpPr>
           <p:cNvPr id="35" name="제목 1"/>
@@ -4992,7 +3564,7 @@
         </p:nvSpPr>
         <p:spPr>
           <a:xfrm>
-            <a:off x="-86498" y="2126076"/>
+            <a:off x="0" y="0"/>
             <a:ext cx="9144000" cy="913118"/>
           </a:xfrm>
           <a:prstGeom prst="rect">
@@ -5029,12 +3601,44 @@
           <a:p>
             <a:pPr algn="ctr"/>
             <a:r>
-              <a:rPr lang="ko-KR" altLang="en-US" sz="3600" dirty="0" smtClean="0">
+              <a:rPr lang="en-US" altLang="ko-KR" sz="3600" dirty="0">
                 <a:solidFill>
                   <a:srgbClr val="FF0000"/>
                 </a:solidFill>
               </a:rPr>
-              <a:t>누적 그래프는 뺄게요</a:t>
+              <a:t>&lt;</a:t>
+            </a:r>
+            <a:r>
+              <a:rPr lang="ko-KR" altLang="en-US" sz="3600" dirty="0">
+                <a:solidFill>
+                  <a:srgbClr val="FF0000"/>
+                </a:solidFill>
+              </a:rPr>
+              <a:t>승자 일자 기준</a:t>
+            </a:r>
+            <a:r>
+              <a:rPr lang="en-US" altLang="ko-KR" sz="3600" dirty="0">
+                <a:solidFill>
+                  <a:srgbClr val="FF0000"/>
+                </a:solidFill>
+              </a:rPr>
+              <a:t>_</a:t>
+            </a:r>
+            <a:r>
+              <a:rPr lang="ko-KR" altLang="en-US" sz="3600" dirty="0">
+                <a:solidFill>
+                  <a:srgbClr val="FF0000"/>
+                </a:solidFill>
+              </a:rPr>
+              <a:t>박주영</a:t>
+            </a:r>
+            <a:r>
+              <a:rPr lang="en-US" altLang="ko-KR" sz="3600" dirty="0">
+                <a:solidFill>
+                  <a:srgbClr val="FF0000"/>
+                </a:solidFill>
+              </a:rPr>
+              <a:t>&gt;</a:t>
             </a:r>
             <a:endParaRPr lang="ko-KR" altLang="en-US" sz="1200" strike="sngStrike" dirty="0">
               <a:solidFill>
@@ -5329,6 +3933,25 @@
               <a:buFont typeface="+mj-ea"/>
               <a:buAutoNum type="circleNumDbPlain"/>
             </a:pPr>
+            <a:r>
+              <a:rPr lang="ko-KR" altLang="en-US" spc="-60" dirty="0" err="1">
+                <a:ln>
+                  <a:solidFill>
+                    <a:prstClr val="white">
+                      <a:alpha val="0"/>
+                    </a:prstClr>
+                  </a:solidFill>
+                </a:ln>
+                <a:solidFill>
+                  <a:schemeClr val="tx2">
+                    <a:lumMod val="75000"/>
+                  </a:schemeClr>
+                </a:solidFill>
+                <a:latin typeface="+mj-ea"/>
+                <a:ea typeface="+mj-ea"/>
+              </a:rPr>
+              <a:t>ㅇ</a:t>
+            </a:r>
             <a:endParaRPr lang="en-US" altLang="ko-KR" spc="-60" dirty="0">
               <a:ln>
                 <a:solidFill>
@@ -5530,45 +4153,7 @@
                 <a:latin typeface="+mj-ea"/>
                 <a:ea typeface="+mj-ea"/>
               </a:rPr>
-              <a:t> </a:t>
-            </a:r>
-            <a:r>
-              <a:rPr lang="ko-KR" altLang="en-US" spc="-60" dirty="0">
-                <a:ln>
-                  <a:solidFill>
-                    <a:prstClr val="white">
-                      <a:alpha val="0"/>
-                    </a:prstClr>
-                  </a:solidFill>
-                </a:ln>
-                <a:solidFill>
-                  <a:schemeClr val="tx2">
-                    <a:lumMod val="75000"/>
-                  </a:schemeClr>
-                </a:solidFill>
-                <a:latin typeface="+mj-ea"/>
-                <a:ea typeface="+mj-ea"/>
-              </a:rPr>
-              <a:t> 누적 거래</a:t>
-            </a:r>
-            <a:r>
-              <a:rPr lang="ko-KR" altLang="en-US" sz="2000" spc="-60" dirty="0">
-                <a:ln>
-                  <a:solidFill>
-                    <a:prstClr val="white">
-                      <a:alpha val="0"/>
-                    </a:prstClr>
-                  </a:solidFill>
-                </a:ln>
-                <a:solidFill>
-                  <a:schemeClr val="tx2">
-                    <a:lumMod val="75000"/>
-                  </a:schemeClr>
-                </a:solidFill>
-                <a:latin typeface="+mj-ea"/>
-                <a:ea typeface="+mj-ea"/>
-              </a:rPr>
-              <a:t>금액</a:t>
+              <a:t> 거래금액</a:t>
             </a:r>
             <a:endParaRPr lang="en-US" altLang="ko-KR" sz="2000" spc="-60" dirty="0">
               <a:ln>
@@ -5616,24 +4201,17 @@
     </p:spTree>
     <p:extLst>
       <p:ext uri="{BB962C8B-B14F-4D97-AF65-F5344CB8AC3E}">
-        <p14:creationId xmlns:p14="http://schemas.microsoft.com/office/powerpoint/2010/main" val="2164983965"/>
+        <p14:creationId xmlns:p14="http://schemas.microsoft.com/office/powerpoint/2010/main" val="2206370899"/>
       </p:ext>
     </p:extLst>
   </p:cSld>
   <p:clrMapOvr>
     <a:masterClrMapping/>
   </p:clrMapOvr>
-  <p:timing>
-    <p:tnLst>
-      <p:par>
-        <p:cTn id="1" dur="indefinite" restart="never" nodeType="tmRoot"/>
-      </p:par>
-    </p:tnLst>
-  </p:timing>
 </p:sld>
 </file>
 
-<file path=ppt/slides/slide13.xml><?xml version="1.0" encoding="utf-8"?>
+<file path=ppt/slides/slide12.xml><?xml version="1.0" encoding="utf-8"?>
 <p:sld xmlns:a="http://schemas.openxmlformats.org/drawingml/2006/main" xmlns:r="http://schemas.openxmlformats.org/officeDocument/2006/relationships" xmlns:p="http://schemas.openxmlformats.org/presentationml/2006/main">
   <p:cSld>
     <p:spTree>
@@ -5650,6 +4228,72 @@
           <a:chExt cx="0" cy="0"/>
         </a:xfrm>
       </p:grpSpPr>
+      <p:sp>
+        <p:nvSpPr>
+          <p:cNvPr id="13" name="직사각형 12">
+            <a:extLst>
+              <a:ext uri="{FF2B5EF4-FFF2-40B4-BE49-F238E27FC236}">
+                <a16:creationId xmlns:a16="http://schemas.microsoft.com/office/drawing/2014/main" id="{8A18650E-587D-4954-9C7A-C60C588F644B}"/>
+              </a:ext>
+            </a:extLst>
+          </p:cNvPr>
+          <p:cNvSpPr/>
+          <p:nvPr/>
+        </p:nvSpPr>
+        <p:spPr>
+          <a:xfrm>
+            <a:off x="832560" y="4210212"/>
+            <a:ext cx="6325222" cy="2136800"/>
+          </a:xfrm>
+          <a:prstGeom prst="rect">
+            <a:avLst/>
+          </a:prstGeom>
+          <a:solidFill>
+            <a:srgbClr val="FFFF00">
+              <a:alpha val="70000"/>
+            </a:srgbClr>
+          </a:solidFill>
+          <a:ln>
+            <a:noFill/>
+          </a:ln>
+        </p:spPr>
+        <p:style>
+          <a:lnRef idx="2">
+            <a:schemeClr val="accent1">
+              <a:shade val="50000"/>
+            </a:schemeClr>
+          </a:lnRef>
+          <a:fillRef idx="1">
+            <a:schemeClr val="accent1"/>
+          </a:fillRef>
+          <a:effectRef idx="0">
+            <a:schemeClr val="accent1"/>
+          </a:effectRef>
+          <a:fontRef idx="minor">
+            <a:schemeClr val="lt1"/>
+          </a:fontRef>
+        </p:style>
+        <p:txBody>
+          <a:bodyPr rtlCol="0" anchor="ctr"/>
+          <a:lstStyle/>
+          <a:p>
+            <a:pPr algn="ctr"/>
+            <a:r>
+              <a:rPr lang="ko-KR" altLang="en-US" sz="3600" dirty="0">
+                <a:solidFill>
+                  <a:srgbClr val="FF0000"/>
+                </a:solidFill>
+              </a:rPr>
+              <a:t>그래프 삽입</a:t>
+            </a:r>
+            <a:endParaRPr lang="ko-KR" altLang="en-US" sz="1200" strike="sngStrike" dirty="0">
+              <a:solidFill>
+                <a:srgbClr val="FF0000"/>
+              </a:solidFill>
+            </a:endParaRPr>
+          </a:p>
+        </p:txBody>
+      </p:sp>
       <p:sp>
         <p:nvSpPr>
           <p:cNvPr id="35" name="제목 1"/>
@@ -5800,7 +4444,7 @@
         <p:spPr>
           <a:xfrm>
             <a:off x="7524205" y="1638755"/>
-            <a:ext cx="1619795" cy="2489328"/>
+            <a:ext cx="1619795" cy="3790406"/>
           </a:xfrm>
           <a:prstGeom prst="roundRect">
             <a:avLst>
@@ -5840,42 +4484,6 @@
               <a:buFont typeface="Arial" panose="020B0604020202020204" pitchFamily="34" charset="0"/>
               <a:buChar char="•"/>
             </a:pPr>
-            <a:r>
-              <a:rPr lang="ko-KR" altLang="en-US" sz="1100" spc="-60" dirty="0" err="1">
-                <a:ln>
-                  <a:solidFill>
-                    <a:prstClr val="white">
-                      <a:alpha val="0"/>
-                    </a:prstClr>
-                  </a:solidFill>
-                </a:ln>
-                <a:solidFill>
-                  <a:schemeClr val="tx2">
-                    <a:lumMod val="75000"/>
-                  </a:schemeClr>
-                </a:solidFill>
-                <a:latin typeface="+mj-ea"/>
-              </a:rPr>
-              <a:t>승인일자별</a:t>
-            </a:r>
-            <a:r>
-              <a:rPr lang="ko-KR" altLang="en-US" sz="1100" spc="-60" dirty="0">
-                <a:ln>
-                  <a:solidFill>
-                    <a:prstClr val="white">
-                      <a:alpha val="0"/>
-                    </a:prstClr>
-                  </a:solidFill>
-                </a:ln>
-                <a:solidFill>
-                  <a:schemeClr val="tx2">
-                    <a:lumMod val="75000"/>
-                  </a:schemeClr>
-                </a:solidFill>
-                <a:latin typeface="+mj-ea"/>
-              </a:rPr>
-              <a:t> 거래금액 집계</a:t>
-            </a:r>
             <a:endParaRPr lang="en-US" altLang="ko-KR" sz="1100" spc="-60" dirty="0">
               <a:ln>
                 <a:solidFill>
@@ -5890,6 +4498,7 @@
                 </a:schemeClr>
               </a:solidFill>
               <a:latin typeface="+mj-ea"/>
+              <a:ea typeface="+mj-ea"/>
             </a:endParaRPr>
           </a:p>
           <a:p>
@@ -5897,6 +4506,25 @@
               <a:buFont typeface="Arial" panose="020B0604020202020204" pitchFamily="34" charset="0"/>
               <a:buChar char="•"/>
             </a:pPr>
+            <a:r>
+              <a:rPr lang="ko-KR" altLang="en-US" sz="1100" spc="-60" dirty="0" err="1">
+                <a:ln>
+                  <a:solidFill>
+                    <a:prstClr val="white">
+                      <a:alpha val="0"/>
+                    </a:prstClr>
+                  </a:solidFill>
+                </a:ln>
+                <a:solidFill>
+                  <a:schemeClr val="tx2">
+                    <a:lumMod val="75000"/>
+                  </a:schemeClr>
+                </a:solidFill>
+                <a:latin typeface="+mj-ea"/>
+                <a:ea typeface="+mj-ea"/>
+              </a:rPr>
+              <a:t>ㅇ</a:t>
+            </a:r>
             <a:endParaRPr lang="en-US" altLang="ko-KR" sz="1100" spc="-60" dirty="0">
               <a:ln>
                 <a:solidFill>
@@ -5911,513 +4539,8 @@
                 </a:schemeClr>
               </a:solidFill>
               <a:latin typeface="+mj-ea"/>
+              <a:ea typeface="+mj-ea"/>
             </a:endParaRPr>
-          </a:p>
-          <a:p>
-            <a:pPr marL="171450" indent="-171450">
-              <a:buFont typeface="Arial" panose="020B0604020202020204" pitchFamily="34" charset="0"/>
-              <a:buChar char="•"/>
-            </a:pPr>
-            <a:r>
-              <a:rPr lang="en-US" altLang="ko-KR" sz="1100" spc="-60" dirty="0" err="1">
-                <a:ln>
-                  <a:solidFill>
-                    <a:prstClr val="white">
-                      <a:alpha val="0"/>
-                    </a:prstClr>
-                  </a:solidFill>
-                </a:ln>
-                <a:solidFill>
-                  <a:schemeClr val="tx2">
-                    <a:lumMod val="75000"/>
-                  </a:schemeClr>
-                </a:solidFill>
-                <a:latin typeface="+mj-ea"/>
-              </a:rPr>
-              <a:t>datetime</a:t>
-            </a:r>
-            <a:r>
-              <a:rPr lang="en-US" altLang="ko-KR" sz="1100" spc="-60" dirty="0">
-                <a:ln>
-                  <a:solidFill>
-                    <a:prstClr val="white">
-                      <a:alpha val="0"/>
-                    </a:prstClr>
-                  </a:solidFill>
-                </a:ln>
-                <a:solidFill>
-                  <a:schemeClr val="tx2">
-                    <a:lumMod val="75000"/>
-                  </a:schemeClr>
-                </a:solidFill>
-                <a:latin typeface="+mj-ea"/>
-              </a:rPr>
-              <a:t> </a:t>
-            </a:r>
-            <a:r>
-              <a:rPr lang="ko-KR" altLang="en-US" sz="1100" spc="-60" dirty="0">
-                <a:ln>
-                  <a:solidFill>
-                    <a:prstClr val="white">
-                      <a:alpha val="0"/>
-                    </a:prstClr>
-                  </a:solidFill>
-                </a:ln>
-                <a:solidFill>
-                  <a:schemeClr val="tx2">
-                    <a:lumMod val="75000"/>
-                  </a:schemeClr>
-                </a:solidFill>
-                <a:latin typeface="+mj-ea"/>
-              </a:rPr>
-              <a:t>함수 활용</a:t>
-            </a:r>
-            <a:r>
-              <a:rPr lang="en-US" altLang="ko-KR" sz="1100" spc="-60" dirty="0" smtClean="0">
-                <a:ln>
-                  <a:solidFill>
-                    <a:prstClr val="white">
-                      <a:alpha val="0"/>
-                    </a:prstClr>
-                  </a:solidFill>
-                </a:ln>
-                <a:solidFill>
-                  <a:schemeClr val="tx2">
-                    <a:lumMod val="75000"/>
-                  </a:schemeClr>
-                </a:solidFill>
-                <a:latin typeface="+mj-ea"/>
-              </a:rPr>
-              <a:t>date/month/weekday</a:t>
-            </a:r>
-            <a:r>
-              <a:rPr lang="ko-KR" altLang="en-US" sz="1100" spc="-60" dirty="0" smtClean="0">
-                <a:ln>
-                  <a:solidFill>
-                    <a:prstClr val="white">
-                      <a:alpha val="0"/>
-                    </a:prstClr>
-                  </a:solidFill>
-                </a:ln>
-                <a:solidFill>
-                  <a:schemeClr val="tx2">
-                    <a:lumMod val="75000"/>
-                  </a:schemeClr>
-                </a:solidFill>
-                <a:latin typeface="+mj-ea"/>
-              </a:rPr>
-              <a:t>로 분류</a:t>
-            </a:r>
-            <a:endParaRPr lang="en-US" altLang="ko-KR" sz="1100" spc="-60" dirty="0">
-              <a:ln>
-                <a:solidFill>
-                  <a:prstClr val="white">
-                    <a:alpha val="0"/>
-                  </a:prstClr>
-                </a:solidFill>
-              </a:ln>
-              <a:solidFill>
-                <a:schemeClr val="tx2">
-                  <a:lumMod val="75000"/>
-                </a:schemeClr>
-              </a:solidFill>
-              <a:latin typeface="+mj-ea"/>
-            </a:endParaRPr>
-          </a:p>
-          <a:p>
-            <a:pPr marL="171450" indent="-171450">
-              <a:buFont typeface="Arial" panose="020B0604020202020204" pitchFamily="34" charset="0"/>
-              <a:buChar char="•"/>
-            </a:pPr>
-            <a:endParaRPr lang="en-US" altLang="ko-KR" sz="1100" spc="-60" dirty="0">
-              <a:ln>
-                <a:solidFill>
-                  <a:prstClr val="white">
-                    <a:alpha val="0"/>
-                  </a:prstClr>
-                </a:solidFill>
-              </a:ln>
-              <a:solidFill>
-                <a:schemeClr val="tx2">
-                  <a:lumMod val="75000"/>
-                </a:schemeClr>
-              </a:solidFill>
-              <a:latin typeface="+mj-ea"/>
-            </a:endParaRPr>
-          </a:p>
-          <a:p>
-            <a:pPr marL="171450" indent="-171450">
-              <a:buFont typeface="Arial" panose="020B0604020202020204" pitchFamily="34" charset="0"/>
-              <a:buChar char="•"/>
-            </a:pPr>
-            <a:r>
-              <a:rPr lang="ko-KR" altLang="en-US" sz="1100" spc="-60" dirty="0" err="1">
-                <a:ln>
-                  <a:solidFill>
-                    <a:prstClr val="white">
-                      <a:alpha val="0"/>
-                    </a:prstClr>
-                  </a:solidFill>
-                </a:ln>
-                <a:solidFill>
-                  <a:schemeClr val="tx2">
-                    <a:lumMod val="75000"/>
-                  </a:schemeClr>
-                </a:solidFill>
-                <a:latin typeface="+mj-ea"/>
-              </a:rPr>
-              <a:t>요일별</a:t>
-            </a:r>
-            <a:r>
-              <a:rPr lang="ko-KR" altLang="en-US" sz="1100" spc="-60" dirty="0">
-                <a:ln>
-                  <a:solidFill>
-                    <a:prstClr val="white">
-                      <a:alpha val="0"/>
-                    </a:prstClr>
-                  </a:solidFill>
-                </a:ln>
-                <a:solidFill>
-                  <a:schemeClr val="tx2">
-                    <a:lumMod val="75000"/>
-                  </a:schemeClr>
-                </a:solidFill>
-                <a:latin typeface="+mj-ea"/>
-              </a:rPr>
-              <a:t> 거래금액에 대해  </a:t>
-            </a:r>
-            <a:r>
-              <a:rPr lang="en-US" altLang="ko-KR" sz="1100" spc="-60" dirty="0" err="1">
-                <a:ln>
-                  <a:solidFill>
-                    <a:prstClr val="white">
-                      <a:alpha val="0"/>
-                    </a:prstClr>
-                  </a:solidFill>
-                </a:ln>
-                <a:solidFill>
-                  <a:schemeClr val="tx2">
-                    <a:lumMod val="75000"/>
-                  </a:schemeClr>
-                </a:solidFill>
-                <a:latin typeface="+mj-ea"/>
-              </a:rPr>
-              <a:t>pllt.figure</a:t>
-            </a:r>
-            <a:r>
-              <a:rPr lang="en-US" altLang="ko-KR" sz="1100" spc="-60" dirty="0">
-                <a:ln>
-                  <a:solidFill>
-                    <a:prstClr val="white">
-                      <a:alpha val="0"/>
-                    </a:prstClr>
-                  </a:solidFill>
-                </a:ln>
-                <a:solidFill>
-                  <a:schemeClr val="tx2">
-                    <a:lumMod val="75000"/>
-                  </a:schemeClr>
-                </a:solidFill>
-                <a:latin typeface="+mj-ea"/>
-              </a:rPr>
-              <a:t> </a:t>
-            </a:r>
-            <a:r>
-              <a:rPr lang="ko-KR" altLang="en-US" sz="1100" spc="-60" dirty="0">
-                <a:ln>
-                  <a:solidFill>
-                    <a:prstClr val="white">
-                      <a:alpha val="0"/>
-                    </a:prstClr>
-                  </a:solidFill>
-                </a:ln>
-                <a:solidFill>
-                  <a:schemeClr val="tx2">
-                    <a:lumMod val="75000"/>
-                  </a:schemeClr>
-                </a:solidFill>
-                <a:latin typeface="+mj-ea"/>
-              </a:rPr>
-              <a:t>활용하여 막대 차트 작성</a:t>
-            </a:r>
-            <a:endParaRPr lang="en-US" altLang="ko-KR" sz="1100" spc="-60" dirty="0">
-              <a:ln>
-                <a:solidFill>
-                  <a:prstClr val="white">
-                    <a:alpha val="0"/>
-                  </a:prstClr>
-                </a:solidFill>
-              </a:ln>
-              <a:solidFill>
-                <a:schemeClr val="tx2">
-                  <a:lumMod val="75000"/>
-                </a:schemeClr>
-              </a:solidFill>
-              <a:latin typeface="+mj-ea"/>
-            </a:endParaRPr>
-          </a:p>
-          <a:p>
-            <a:pPr marL="171450" indent="-171450">
-              <a:buFont typeface="Arial" panose="020B0604020202020204" pitchFamily="34" charset="0"/>
-              <a:buChar char="•"/>
-            </a:pPr>
-            <a:endParaRPr lang="en-US" altLang="ko-KR" sz="1100" spc="-60" dirty="0">
-              <a:ln>
-                <a:solidFill>
-                  <a:prstClr val="white">
-                    <a:alpha val="0"/>
-                  </a:prstClr>
-                </a:solidFill>
-              </a:ln>
-              <a:solidFill>
-                <a:schemeClr val="tx2">
-                  <a:lumMod val="75000"/>
-                </a:schemeClr>
-              </a:solidFill>
-              <a:latin typeface="+mj-ea"/>
-            </a:endParaRPr>
-          </a:p>
-          <a:p>
-            <a:pPr marL="171450" indent="-171450">
-              <a:buFont typeface="Arial" panose="020B0604020202020204" pitchFamily="34" charset="0"/>
-              <a:buChar char="•"/>
-            </a:pPr>
-            <a:r>
-              <a:rPr lang="en-US" altLang="ko-KR" sz="1100" spc="-60" dirty="0">
-                <a:ln>
-                  <a:solidFill>
-                    <a:prstClr val="white">
-                      <a:alpha val="0"/>
-                    </a:prstClr>
-                  </a:solidFill>
-                </a:ln>
-                <a:solidFill>
-                  <a:schemeClr val="tx2">
-                    <a:lumMod val="75000"/>
-                  </a:schemeClr>
-                </a:solidFill>
-                <a:latin typeface="+mj-ea"/>
-              </a:rPr>
-              <a:t>x</a:t>
-            </a:r>
-            <a:r>
-              <a:rPr lang="ko-KR" altLang="en-US" sz="1100" spc="-60" dirty="0">
-                <a:ln>
-                  <a:solidFill>
-                    <a:prstClr val="white">
-                      <a:alpha val="0"/>
-                    </a:prstClr>
-                  </a:solidFill>
-                </a:ln>
-                <a:solidFill>
-                  <a:schemeClr val="tx2">
-                    <a:lumMod val="75000"/>
-                  </a:schemeClr>
-                </a:solidFill>
-                <a:latin typeface="+mj-ea"/>
-              </a:rPr>
-              <a:t>축 </a:t>
-            </a:r>
-            <a:r>
-              <a:rPr lang="en-US" altLang="ko-KR" sz="1100" spc="-60" dirty="0">
-                <a:ln>
-                  <a:solidFill>
-                    <a:prstClr val="white">
-                      <a:alpha val="0"/>
-                    </a:prstClr>
-                  </a:solidFill>
-                </a:ln>
-                <a:solidFill>
-                  <a:schemeClr val="tx2">
-                    <a:lumMod val="75000"/>
-                  </a:schemeClr>
-                </a:solidFill>
-                <a:latin typeface="+mj-ea"/>
-              </a:rPr>
-              <a:t>: weekday(</a:t>
-            </a:r>
-            <a:r>
-              <a:rPr lang="ko-KR" altLang="en-US" sz="1100" spc="-60" dirty="0">
-                <a:ln>
-                  <a:solidFill>
-                    <a:prstClr val="white">
-                      <a:alpha val="0"/>
-                    </a:prstClr>
-                  </a:solidFill>
-                </a:ln>
-                <a:solidFill>
-                  <a:schemeClr val="tx2">
-                    <a:lumMod val="75000"/>
-                  </a:schemeClr>
-                </a:solidFill>
-                <a:latin typeface="+mj-ea"/>
-              </a:rPr>
-              <a:t>요일</a:t>
-            </a:r>
-            <a:r>
-              <a:rPr lang="en-US" altLang="ko-KR" sz="1100" spc="-60" dirty="0">
-                <a:ln>
-                  <a:solidFill>
-                    <a:prstClr val="white">
-                      <a:alpha val="0"/>
-                    </a:prstClr>
-                  </a:solidFill>
-                </a:ln>
-                <a:solidFill>
-                  <a:schemeClr val="tx2">
-                    <a:lumMod val="75000"/>
-                  </a:schemeClr>
-                </a:solidFill>
-                <a:latin typeface="+mj-ea"/>
-              </a:rPr>
-              <a:t>)</a:t>
-            </a:r>
-          </a:p>
-          <a:p>
-            <a:r>
-              <a:rPr lang="en-US" altLang="ko-KR" sz="1100" spc="-60" dirty="0">
-                <a:ln>
-                  <a:solidFill>
-                    <a:prstClr val="white">
-                      <a:alpha val="0"/>
-                    </a:prstClr>
-                  </a:solidFill>
-                </a:ln>
-                <a:solidFill>
-                  <a:schemeClr val="tx2">
-                    <a:lumMod val="75000"/>
-                  </a:schemeClr>
-                </a:solidFill>
-                <a:latin typeface="+mj-ea"/>
-              </a:rPr>
-              <a:t>    </a:t>
-            </a:r>
-            <a:r>
-              <a:rPr lang="en-US" altLang="ko-KR" sz="1100" spc="-60" dirty="0" smtClean="0">
-                <a:ln>
-                  <a:solidFill>
-                    <a:prstClr val="white">
-                      <a:alpha val="0"/>
-                    </a:prstClr>
-                  </a:solidFill>
-                </a:ln>
-                <a:solidFill>
-                  <a:schemeClr val="tx2">
-                    <a:lumMod val="75000"/>
-                  </a:schemeClr>
-                </a:solidFill>
-                <a:latin typeface="+mj-ea"/>
-              </a:rPr>
-              <a:t> </a:t>
-            </a:r>
-            <a:r>
-              <a:rPr lang="en-US" altLang="ko-KR" sz="1100" spc="-60" dirty="0">
-                <a:ln>
-                  <a:solidFill>
-                    <a:prstClr val="white">
-                      <a:alpha val="0"/>
-                    </a:prstClr>
-                  </a:solidFill>
-                </a:ln>
-                <a:solidFill>
-                  <a:schemeClr val="tx2">
-                    <a:lumMod val="75000"/>
-                  </a:schemeClr>
-                </a:solidFill>
-                <a:latin typeface="+mj-ea"/>
-              </a:rPr>
-              <a:t>y</a:t>
-            </a:r>
-            <a:r>
-              <a:rPr lang="ko-KR" altLang="en-US" sz="1100" spc="-60" dirty="0">
-                <a:ln>
-                  <a:solidFill>
-                    <a:prstClr val="white">
-                      <a:alpha val="0"/>
-                    </a:prstClr>
-                  </a:solidFill>
-                </a:ln>
-                <a:solidFill>
-                  <a:schemeClr val="tx2">
-                    <a:lumMod val="75000"/>
-                  </a:schemeClr>
-                </a:solidFill>
-                <a:latin typeface="+mj-ea"/>
-              </a:rPr>
-              <a:t>축 </a:t>
-            </a:r>
-            <a:r>
-              <a:rPr lang="en-US" altLang="ko-KR" sz="1100" spc="-60" dirty="0">
-                <a:ln>
-                  <a:solidFill>
-                    <a:prstClr val="white">
-                      <a:alpha val="0"/>
-                    </a:prstClr>
-                  </a:solidFill>
-                </a:ln>
-                <a:solidFill>
-                  <a:schemeClr val="tx2">
-                    <a:lumMod val="75000"/>
-                  </a:schemeClr>
-                </a:solidFill>
-                <a:latin typeface="+mj-ea"/>
-              </a:rPr>
-              <a:t>: count(</a:t>
-            </a:r>
-            <a:r>
-              <a:rPr lang="ko-KR" altLang="en-US" sz="1100" spc="-60" dirty="0" err="1" smtClean="0">
-                <a:ln>
-                  <a:solidFill>
-                    <a:prstClr val="white">
-                      <a:alpha val="0"/>
-                    </a:prstClr>
-                  </a:solidFill>
-                </a:ln>
-                <a:solidFill>
-                  <a:schemeClr val="tx2">
-                    <a:lumMod val="75000"/>
-                  </a:schemeClr>
-                </a:solidFill>
-                <a:latin typeface="+mj-ea"/>
-              </a:rPr>
-              <a:t>거래금</a:t>
-            </a:r>
-            <a:r>
-              <a:rPr lang="ko-KR" altLang="en-US" sz="1100" spc="-60" dirty="0" smtClean="0">
-                <a:ln>
-                  <a:solidFill>
-                    <a:prstClr val="white">
-                      <a:alpha val="0"/>
-                    </a:prstClr>
-                  </a:solidFill>
-                </a:ln>
-                <a:solidFill>
-                  <a:schemeClr val="tx2">
-                    <a:lumMod val="75000"/>
-                  </a:schemeClr>
-                </a:solidFill>
-                <a:latin typeface="+mj-ea"/>
-              </a:rPr>
-              <a:t>        액</a:t>
-            </a:r>
-            <a:r>
-              <a:rPr lang="en-US" altLang="ko-KR" sz="1100" spc="-60" dirty="0">
-                <a:ln>
-                  <a:solidFill>
-                    <a:prstClr val="white">
-                      <a:alpha val="0"/>
-                    </a:prstClr>
-                  </a:solidFill>
-                </a:ln>
-                <a:solidFill>
-                  <a:schemeClr val="tx2">
-                    <a:lumMod val="75000"/>
-                  </a:schemeClr>
-                </a:solidFill>
-                <a:latin typeface="+mj-ea"/>
-              </a:rPr>
-              <a:t>)</a:t>
-            </a:r>
           </a:p>
         </p:txBody>
       </p:sp>
@@ -6752,7 +4875,7 @@
               <a:buAutoNum type="circleNumDbPlain"/>
             </a:pPr>
             <a:r>
-              <a:rPr lang="ko-KR" altLang="en-US" spc="-60" dirty="0" err="1" smtClean="0">
+              <a:rPr lang="ko-KR" altLang="en-US" spc="-60" dirty="0" err="1">
                 <a:ln>
                   <a:solidFill>
                     <a:prstClr val="white">
@@ -6768,728 +4891,7 @@
                 <a:latin typeface="+mj-ea"/>
                 <a:ea typeface="+mj-ea"/>
               </a:rPr>
-              <a:t>요일별</a:t>
-            </a:r>
-            <a:r>
-              <a:rPr lang="ko-KR" altLang="en-US" spc="-60" dirty="0" smtClean="0">
-                <a:ln>
-                  <a:solidFill>
-                    <a:prstClr val="white">
-                      <a:alpha val="0"/>
-                    </a:prstClr>
-                  </a:solidFill>
-                </a:ln>
-                <a:solidFill>
-                  <a:schemeClr val="tx2">
-                    <a:lumMod val="75000"/>
-                  </a:schemeClr>
-                </a:solidFill>
-                <a:latin typeface="+mj-ea"/>
-                <a:ea typeface="+mj-ea"/>
-              </a:rPr>
-              <a:t> 거래금액이 가장 높은 요일은 </a:t>
-            </a:r>
-            <a:r>
-              <a:rPr lang="en-US" altLang="ko-KR" spc="-60" dirty="0" smtClean="0">
-                <a:ln>
-                  <a:solidFill>
-                    <a:prstClr val="white">
-                      <a:alpha val="0"/>
-                    </a:prstClr>
-                  </a:solidFill>
-                </a:ln>
-                <a:solidFill>
-                  <a:schemeClr val="tx2">
-                    <a:lumMod val="75000"/>
-                  </a:schemeClr>
-                </a:solidFill>
-                <a:latin typeface="+mj-ea"/>
-                <a:ea typeface="+mj-ea"/>
-              </a:rPr>
-              <a:t>‘</a:t>
-            </a:r>
-            <a:r>
-              <a:rPr lang="ko-KR" altLang="en-US" spc="-60" dirty="0" smtClean="0">
-                <a:ln>
-                  <a:solidFill>
-                    <a:prstClr val="white">
-                      <a:alpha val="0"/>
-                    </a:prstClr>
-                  </a:solidFill>
-                </a:ln>
-                <a:solidFill>
-                  <a:schemeClr val="tx2">
-                    <a:lumMod val="75000"/>
-                  </a:schemeClr>
-                </a:solidFill>
-                <a:latin typeface="+mj-ea"/>
-                <a:ea typeface="+mj-ea"/>
-              </a:rPr>
-              <a:t>토요일</a:t>
-            </a:r>
-            <a:r>
-              <a:rPr lang="en-US" altLang="ko-KR" spc="-60" dirty="0" smtClean="0">
-                <a:ln>
-                  <a:solidFill>
-                    <a:prstClr val="white">
-                      <a:alpha val="0"/>
-                    </a:prstClr>
-                  </a:solidFill>
-                </a:ln>
-                <a:solidFill>
-                  <a:schemeClr val="tx2">
-                    <a:lumMod val="75000"/>
-                  </a:schemeClr>
-                </a:solidFill>
-                <a:latin typeface="+mj-ea"/>
-                <a:ea typeface="+mj-ea"/>
-              </a:rPr>
-              <a:t>’</a:t>
-            </a:r>
-            <a:r>
-              <a:rPr lang="ko-KR" altLang="en-US" spc="-60" dirty="0" smtClean="0">
-                <a:ln>
-                  <a:solidFill>
-                    <a:prstClr val="white">
-                      <a:alpha val="0"/>
-                    </a:prstClr>
-                  </a:solidFill>
-                </a:ln>
-                <a:solidFill>
-                  <a:schemeClr val="tx2">
-                    <a:lumMod val="75000"/>
-                  </a:schemeClr>
-                </a:solidFill>
-                <a:latin typeface="+mj-ea"/>
-                <a:ea typeface="+mj-ea"/>
-              </a:rPr>
-              <a:t>로 나타남</a:t>
-            </a:r>
-            <a:r>
-              <a:rPr lang="en-US" altLang="ko-KR" spc="-60" dirty="0" smtClean="0">
-                <a:ln>
-                  <a:solidFill>
-                    <a:prstClr val="white">
-                      <a:alpha val="0"/>
-                    </a:prstClr>
-                  </a:solidFill>
-                </a:ln>
-                <a:solidFill>
-                  <a:schemeClr val="tx2">
-                    <a:lumMod val="75000"/>
-                  </a:schemeClr>
-                </a:solidFill>
-                <a:latin typeface="+mj-ea"/>
-                <a:ea typeface="+mj-ea"/>
-              </a:rPr>
-              <a:t>.    (</a:t>
-            </a:r>
-            <a:r>
-              <a:rPr lang="ko-KR" altLang="en-US" spc="-60" dirty="0" smtClean="0">
-                <a:ln>
-                  <a:solidFill>
-                    <a:prstClr val="white">
-                      <a:alpha val="0"/>
-                    </a:prstClr>
-                  </a:solidFill>
-                </a:ln>
-                <a:solidFill>
-                  <a:schemeClr val="tx2">
-                    <a:lumMod val="75000"/>
-                  </a:schemeClr>
-                </a:solidFill>
-                <a:latin typeface="+mj-ea"/>
-                <a:ea typeface="+mj-ea"/>
-              </a:rPr>
-              <a:t>약 </a:t>
-            </a:r>
-            <a:r>
-              <a:rPr lang="en-US" altLang="ko-KR" spc="-60" dirty="0" smtClean="0">
-                <a:ln>
-                  <a:solidFill>
-                    <a:prstClr val="white">
-                      <a:alpha val="0"/>
-                    </a:prstClr>
-                  </a:solidFill>
-                </a:ln>
-                <a:solidFill>
-                  <a:schemeClr val="tx2">
-                    <a:lumMod val="75000"/>
-                  </a:schemeClr>
-                </a:solidFill>
-                <a:latin typeface="+mj-ea"/>
-                <a:ea typeface="+mj-ea"/>
-              </a:rPr>
-              <a:t>8</a:t>
-            </a:r>
-            <a:r>
-              <a:rPr lang="ko-KR" altLang="en-US" spc="-60" dirty="0" smtClean="0">
-                <a:ln>
-                  <a:solidFill>
-                    <a:prstClr val="white">
-                      <a:alpha val="0"/>
-                    </a:prstClr>
-                  </a:solidFill>
-                </a:ln>
-                <a:solidFill>
-                  <a:schemeClr val="tx2">
-                    <a:lumMod val="75000"/>
-                  </a:schemeClr>
-                </a:solidFill>
-                <a:latin typeface="+mj-ea"/>
-                <a:ea typeface="+mj-ea"/>
-              </a:rPr>
-              <a:t>억 </a:t>
-            </a:r>
-            <a:r>
-              <a:rPr lang="en-US" altLang="ko-KR" spc="-60" dirty="0" smtClean="0">
-                <a:ln>
-                  <a:solidFill>
-                    <a:prstClr val="white">
-                      <a:alpha val="0"/>
-                    </a:prstClr>
-                  </a:solidFill>
-                </a:ln>
-                <a:solidFill>
-                  <a:schemeClr val="tx2">
-                    <a:lumMod val="75000"/>
-                  </a:schemeClr>
-                </a:solidFill>
-                <a:latin typeface="+mj-ea"/>
-                <a:ea typeface="+mj-ea"/>
-              </a:rPr>
-              <a:t>9</a:t>
-            </a:r>
-            <a:r>
-              <a:rPr lang="ko-KR" altLang="en-US" spc="-60" dirty="0" smtClean="0">
-                <a:ln>
-                  <a:solidFill>
-                    <a:prstClr val="white">
-                      <a:alpha val="0"/>
-                    </a:prstClr>
-                  </a:solidFill>
-                </a:ln>
-                <a:solidFill>
-                  <a:schemeClr val="tx2">
-                    <a:lumMod val="75000"/>
-                  </a:schemeClr>
-                </a:solidFill>
-                <a:latin typeface="+mj-ea"/>
-                <a:ea typeface="+mj-ea"/>
-              </a:rPr>
-              <a:t>천만원</a:t>
-            </a:r>
-            <a:r>
-              <a:rPr lang="en-US" altLang="ko-KR" spc="-60" dirty="0" smtClean="0">
-                <a:ln>
-                  <a:solidFill>
-                    <a:prstClr val="white">
-                      <a:alpha val="0"/>
-                    </a:prstClr>
-                  </a:solidFill>
-                </a:ln>
-                <a:solidFill>
-                  <a:schemeClr val="tx2">
-                    <a:lumMod val="75000"/>
-                  </a:schemeClr>
-                </a:solidFill>
-                <a:latin typeface="+mj-ea"/>
-                <a:ea typeface="+mj-ea"/>
-              </a:rPr>
-              <a:t>)</a:t>
-            </a:r>
-          </a:p>
-          <a:p>
-            <a:pPr marL="800100" lvl="1" indent="-342900">
-              <a:spcBef>
-                <a:spcPts val="1000"/>
-              </a:spcBef>
-              <a:buFont typeface="+mj-ea"/>
-              <a:buAutoNum type="circleNumDbPlain"/>
-            </a:pPr>
-            <a:r>
-              <a:rPr lang="ko-KR" altLang="en-US" spc="-60" dirty="0" err="1" smtClean="0">
-                <a:ln>
-                  <a:solidFill>
-                    <a:prstClr val="white">
-                      <a:alpha val="0"/>
-                    </a:prstClr>
-                  </a:solidFill>
-                </a:ln>
-                <a:solidFill>
-                  <a:schemeClr val="tx2">
-                    <a:lumMod val="75000"/>
-                  </a:schemeClr>
-                </a:solidFill>
-                <a:latin typeface="+mj-ea"/>
-                <a:ea typeface="+mj-ea"/>
-              </a:rPr>
-              <a:t>요일별</a:t>
-            </a:r>
-            <a:r>
-              <a:rPr lang="ko-KR" altLang="en-US" spc="-60" dirty="0" smtClean="0">
-                <a:ln>
-                  <a:solidFill>
-                    <a:prstClr val="white">
-                      <a:alpha val="0"/>
-                    </a:prstClr>
-                  </a:solidFill>
-                </a:ln>
-                <a:solidFill>
-                  <a:schemeClr val="tx2">
-                    <a:lumMod val="75000"/>
-                  </a:schemeClr>
-                </a:solidFill>
-                <a:latin typeface="+mj-ea"/>
-                <a:ea typeface="+mj-ea"/>
-              </a:rPr>
-              <a:t> 거래금액이 가장 낮은 요일은 </a:t>
-            </a:r>
-            <a:r>
-              <a:rPr lang="en-US" altLang="ko-KR" spc="-60" dirty="0" smtClean="0">
-                <a:ln>
-                  <a:solidFill>
-                    <a:prstClr val="white">
-                      <a:alpha val="0"/>
-                    </a:prstClr>
-                  </a:solidFill>
-                </a:ln>
-                <a:solidFill>
-                  <a:schemeClr val="tx2">
-                    <a:lumMod val="75000"/>
-                  </a:schemeClr>
-                </a:solidFill>
-                <a:latin typeface="+mj-ea"/>
-                <a:ea typeface="+mj-ea"/>
-              </a:rPr>
-              <a:t>‘</a:t>
-            </a:r>
-            <a:r>
-              <a:rPr lang="ko-KR" altLang="en-US" spc="-60" dirty="0" smtClean="0">
-                <a:ln>
-                  <a:solidFill>
-                    <a:prstClr val="white">
-                      <a:alpha val="0"/>
-                    </a:prstClr>
-                  </a:solidFill>
-                </a:ln>
-                <a:solidFill>
-                  <a:schemeClr val="tx2">
-                    <a:lumMod val="75000"/>
-                  </a:schemeClr>
-                </a:solidFill>
-                <a:latin typeface="+mj-ea"/>
-                <a:ea typeface="+mj-ea"/>
-              </a:rPr>
-              <a:t>일요일</a:t>
-            </a:r>
-            <a:r>
-              <a:rPr lang="en-US" altLang="ko-KR" spc="-60" dirty="0" smtClean="0">
-                <a:ln>
-                  <a:solidFill>
-                    <a:prstClr val="white">
-                      <a:alpha val="0"/>
-                    </a:prstClr>
-                  </a:solidFill>
-                </a:ln>
-                <a:solidFill>
-                  <a:schemeClr val="tx2">
-                    <a:lumMod val="75000"/>
-                  </a:schemeClr>
-                </a:solidFill>
-                <a:latin typeface="+mj-ea"/>
-                <a:ea typeface="+mj-ea"/>
-              </a:rPr>
-              <a:t>’</a:t>
-            </a:r>
-            <a:r>
-              <a:rPr lang="ko-KR" altLang="en-US" spc="-60" dirty="0" smtClean="0">
-                <a:ln>
-                  <a:solidFill>
-                    <a:prstClr val="white">
-                      <a:alpha val="0"/>
-                    </a:prstClr>
-                  </a:solidFill>
-                </a:ln>
-                <a:solidFill>
-                  <a:schemeClr val="tx2">
-                    <a:lumMod val="75000"/>
-                  </a:schemeClr>
-                </a:solidFill>
-                <a:latin typeface="+mj-ea"/>
-                <a:ea typeface="+mj-ea"/>
-              </a:rPr>
-              <a:t>로 나타남</a:t>
-            </a:r>
-            <a:r>
-              <a:rPr lang="en-US" altLang="ko-KR" spc="-60" dirty="0" smtClean="0">
-                <a:ln>
-                  <a:solidFill>
-                    <a:prstClr val="white">
-                      <a:alpha val="0"/>
-                    </a:prstClr>
-                  </a:solidFill>
-                </a:ln>
-                <a:solidFill>
-                  <a:schemeClr val="tx2">
-                    <a:lumMod val="75000"/>
-                  </a:schemeClr>
-                </a:solidFill>
-                <a:latin typeface="+mj-ea"/>
-                <a:ea typeface="+mj-ea"/>
-              </a:rPr>
-              <a:t>.   (</a:t>
-            </a:r>
-            <a:r>
-              <a:rPr lang="ko-KR" altLang="en-US" spc="-60" dirty="0" smtClean="0">
-                <a:ln>
-                  <a:solidFill>
-                    <a:prstClr val="white">
-                      <a:alpha val="0"/>
-                    </a:prstClr>
-                  </a:solidFill>
-                </a:ln>
-                <a:solidFill>
-                  <a:schemeClr val="tx2">
-                    <a:lumMod val="75000"/>
-                  </a:schemeClr>
-                </a:solidFill>
-                <a:latin typeface="+mj-ea"/>
-                <a:ea typeface="+mj-ea"/>
-              </a:rPr>
-              <a:t>약 </a:t>
-            </a:r>
-            <a:r>
-              <a:rPr lang="en-US" altLang="ko-KR" spc="-60" dirty="0" smtClean="0">
-                <a:ln>
-                  <a:solidFill>
-                    <a:prstClr val="white">
-                      <a:alpha val="0"/>
-                    </a:prstClr>
-                  </a:solidFill>
-                </a:ln>
-                <a:solidFill>
-                  <a:schemeClr val="tx2">
-                    <a:lumMod val="75000"/>
-                  </a:schemeClr>
-                </a:solidFill>
-                <a:latin typeface="+mj-ea"/>
-                <a:ea typeface="+mj-ea"/>
-              </a:rPr>
-              <a:t>6</a:t>
-            </a:r>
-            <a:r>
-              <a:rPr lang="ko-KR" altLang="en-US" spc="-60" dirty="0" smtClean="0">
-                <a:ln>
-                  <a:solidFill>
-                    <a:prstClr val="white">
-                      <a:alpha val="0"/>
-                    </a:prstClr>
-                  </a:solidFill>
-                </a:ln>
-                <a:solidFill>
-                  <a:schemeClr val="tx2">
-                    <a:lumMod val="75000"/>
-                  </a:schemeClr>
-                </a:solidFill>
-                <a:latin typeface="+mj-ea"/>
-                <a:ea typeface="+mj-ea"/>
-              </a:rPr>
-              <a:t>억</a:t>
-            </a:r>
-            <a:r>
-              <a:rPr lang="en-US" altLang="ko-KR" spc="-60" dirty="0" smtClean="0">
-                <a:ln>
-                  <a:solidFill>
-                    <a:prstClr val="white">
-                      <a:alpha val="0"/>
-                    </a:prstClr>
-                  </a:solidFill>
-                </a:ln>
-                <a:solidFill>
-                  <a:schemeClr val="tx2">
-                    <a:lumMod val="75000"/>
-                  </a:schemeClr>
-                </a:solidFill>
-                <a:latin typeface="+mj-ea"/>
-                <a:ea typeface="+mj-ea"/>
-              </a:rPr>
-              <a:t>) </a:t>
-            </a:r>
-          </a:p>
-          <a:p>
-            <a:pPr marL="800100" lvl="1" indent="-342900">
-              <a:spcBef>
-                <a:spcPts val="1000"/>
-              </a:spcBef>
-              <a:buFont typeface="+mj-ea"/>
-              <a:buAutoNum type="circleNumDbPlain"/>
-            </a:pPr>
-            <a:r>
-              <a:rPr lang="ko-KR" altLang="en-US" spc="-60" dirty="0" err="1" smtClean="0">
-                <a:ln>
-                  <a:solidFill>
-                    <a:prstClr val="white">
-                      <a:alpha val="0"/>
-                    </a:prstClr>
-                  </a:solidFill>
-                </a:ln>
-                <a:solidFill>
-                  <a:schemeClr val="tx2">
-                    <a:lumMod val="75000"/>
-                  </a:schemeClr>
-                </a:solidFill>
-                <a:latin typeface="+mj-ea"/>
-                <a:ea typeface="+mj-ea"/>
-              </a:rPr>
-              <a:t>울산페이</a:t>
-            </a:r>
-            <a:r>
-              <a:rPr lang="ko-KR" altLang="en-US" spc="-60" dirty="0" smtClean="0">
-                <a:ln>
-                  <a:solidFill>
-                    <a:prstClr val="white">
-                      <a:alpha val="0"/>
-                    </a:prstClr>
-                  </a:solidFill>
-                </a:ln>
-                <a:solidFill>
-                  <a:schemeClr val="tx2">
-                    <a:lumMod val="75000"/>
-                  </a:schemeClr>
-                </a:solidFill>
-                <a:latin typeface="+mj-ea"/>
-                <a:ea typeface="+mj-ea"/>
-              </a:rPr>
-              <a:t> 거래금액은 목</a:t>
-            </a:r>
-            <a:r>
-              <a:rPr lang="en-US" altLang="ko-KR" spc="-60" dirty="0" smtClean="0">
-                <a:ln>
-                  <a:solidFill>
-                    <a:prstClr val="white">
-                      <a:alpha val="0"/>
-                    </a:prstClr>
-                  </a:solidFill>
-                </a:ln>
-                <a:solidFill>
-                  <a:schemeClr val="tx2">
-                    <a:lumMod val="75000"/>
-                  </a:schemeClr>
-                </a:solidFill>
-                <a:latin typeface="+mj-ea"/>
-                <a:ea typeface="+mj-ea"/>
-              </a:rPr>
-              <a:t>,</a:t>
-            </a:r>
-            <a:r>
-              <a:rPr lang="ko-KR" altLang="en-US" spc="-60" dirty="0" smtClean="0">
-                <a:ln>
-                  <a:solidFill>
-                    <a:prstClr val="white">
-                      <a:alpha val="0"/>
-                    </a:prstClr>
-                  </a:solidFill>
-                </a:ln>
-                <a:solidFill>
-                  <a:schemeClr val="tx2">
-                    <a:lumMod val="75000"/>
-                  </a:schemeClr>
-                </a:solidFill>
-                <a:latin typeface="+mj-ea"/>
-                <a:ea typeface="+mj-ea"/>
-              </a:rPr>
-              <a:t>금</a:t>
-            </a:r>
-            <a:r>
-              <a:rPr lang="en-US" altLang="ko-KR" spc="-60" dirty="0" smtClean="0">
-                <a:ln>
-                  <a:solidFill>
-                    <a:prstClr val="white">
-                      <a:alpha val="0"/>
-                    </a:prstClr>
-                  </a:solidFill>
-                </a:ln>
-                <a:solidFill>
-                  <a:schemeClr val="tx2">
-                    <a:lumMod val="75000"/>
-                  </a:schemeClr>
-                </a:solidFill>
-                <a:latin typeface="+mj-ea"/>
-                <a:ea typeface="+mj-ea"/>
-              </a:rPr>
-              <a:t>,</a:t>
-            </a:r>
-            <a:r>
-              <a:rPr lang="ko-KR" altLang="en-US" spc="-60" dirty="0" smtClean="0">
-                <a:ln>
-                  <a:solidFill>
-                    <a:prstClr val="white">
-                      <a:alpha val="0"/>
-                    </a:prstClr>
-                  </a:solidFill>
-                </a:ln>
-                <a:solidFill>
-                  <a:schemeClr val="tx2">
-                    <a:lumMod val="75000"/>
-                  </a:schemeClr>
-                </a:solidFill>
-                <a:latin typeface="+mj-ea"/>
-                <a:ea typeface="+mj-ea"/>
-              </a:rPr>
-              <a:t>토가 평균적으로 높게 나타남</a:t>
-            </a:r>
-            <a:r>
-              <a:rPr lang="en-US" altLang="ko-KR" spc="-60" dirty="0" smtClean="0">
-                <a:ln>
-                  <a:solidFill>
-                    <a:prstClr val="white">
-                      <a:alpha val="0"/>
-                    </a:prstClr>
-                  </a:solidFill>
-                </a:ln>
-                <a:solidFill>
-                  <a:schemeClr val="tx2">
-                    <a:lumMod val="75000"/>
-                  </a:schemeClr>
-                </a:solidFill>
-                <a:latin typeface="+mj-ea"/>
-                <a:ea typeface="+mj-ea"/>
-              </a:rPr>
-              <a:t>.(</a:t>
-            </a:r>
-            <a:r>
-              <a:rPr lang="ko-KR" altLang="en-US" spc="-60" dirty="0" smtClean="0">
-                <a:ln>
-                  <a:solidFill>
-                    <a:prstClr val="white">
-                      <a:alpha val="0"/>
-                    </a:prstClr>
-                  </a:solidFill>
-                </a:ln>
-                <a:solidFill>
-                  <a:schemeClr val="tx2">
-                    <a:lumMod val="75000"/>
-                  </a:schemeClr>
-                </a:solidFill>
-                <a:latin typeface="+mj-ea"/>
-                <a:ea typeface="+mj-ea"/>
-              </a:rPr>
-              <a:t>약</a:t>
-            </a:r>
-            <a:r>
-              <a:rPr lang="en-US" altLang="ko-KR" spc="-60" dirty="0">
-                <a:ln>
-                  <a:solidFill>
-                    <a:prstClr val="white">
-                      <a:alpha val="0"/>
-                    </a:prstClr>
-                  </a:solidFill>
-                </a:ln>
-                <a:solidFill>
-                  <a:schemeClr val="tx2">
-                    <a:lumMod val="75000"/>
-                  </a:schemeClr>
-                </a:solidFill>
-                <a:latin typeface="+mj-ea"/>
-                <a:ea typeface="+mj-ea"/>
-              </a:rPr>
-              <a:t> </a:t>
-            </a:r>
-            <a:r>
-              <a:rPr lang="en-US" altLang="ko-KR" spc="-60" dirty="0" smtClean="0">
-                <a:ln>
-                  <a:solidFill>
-                    <a:prstClr val="white">
-                      <a:alpha val="0"/>
-                    </a:prstClr>
-                  </a:solidFill>
-                </a:ln>
-                <a:solidFill>
-                  <a:schemeClr val="tx2">
-                    <a:lumMod val="75000"/>
-                  </a:schemeClr>
-                </a:solidFill>
-                <a:latin typeface="+mj-ea"/>
-                <a:ea typeface="+mj-ea"/>
-              </a:rPr>
-              <a:t>8 </a:t>
-            </a:r>
-            <a:r>
-              <a:rPr lang="ko-KR" altLang="en-US" spc="-60" dirty="0" smtClean="0">
-                <a:ln>
-                  <a:solidFill>
-                    <a:prstClr val="white">
-                      <a:alpha val="0"/>
-                    </a:prstClr>
-                  </a:solidFill>
-                </a:ln>
-                <a:solidFill>
-                  <a:schemeClr val="tx2">
-                    <a:lumMod val="75000"/>
-                  </a:schemeClr>
-                </a:solidFill>
-                <a:latin typeface="+mj-ea"/>
-                <a:ea typeface="+mj-ea"/>
-              </a:rPr>
-              <a:t>억 </a:t>
-            </a:r>
-            <a:r>
-              <a:rPr lang="en-US" altLang="ko-KR" spc="-60" dirty="0" smtClean="0">
-                <a:ln>
-                  <a:solidFill>
-                    <a:prstClr val="white">
-                      <a:alpha val="0"/>
-                    </a:prstClr>
-                  </a:solidFill>
-                </a:ln>
-                <a:solidFill>
-                  <a:schemeClr val="tx2">
-                    <a:lumMod val="75000"/>
-                  </a:schemeClr>
-                </a:solidFill>
-                <a:latin typeface="+mj-ea"/>
-                <a:ea typeface="+mj-ea"/>
-              </a:rPr>
-              <a:t>6</a:t>
-            </a:r>
-            <a:r>
-              <a:rPr lang="ko-KR" altLang="en-US" spc="-60" dirty="0" smtClean="0">
-                <a:ln>
-                  <a:solidFill>
-                    <a:prstClr val="white">
-                      <a:alpha val="0"/>
-                    </a:prstClr>
-                  </a:solidFill>
-                </a:ln>
-                <a:solidFill>
-                  <a:schemeClr val="tx2">
-                    <a:lumMod val="75000"/>
-                  </a:schemeClr>
-                </a:solidFill>
-                <a:latin typeface="+mj-ea"/>
-                <a:ea typeface="+mj-ea"/>
-              </a:rPr>
-              <a:t>천만원</a:t>
-            </a:r>
-            <a:r>
-              <a:rPr lang="en-US" altLang="ko-KR" spc="-60" dirty="0" smtClean="0">
-                <a:ln>
-                  <a:solidFill>
-                    <a:prstClr val="white">
-                      <a:alpha val="0"/>
-                    </a:prstClr>
-                  </a:solidFill>
-                </a:ln>
-                <a:solidFill>
-                  <a:schemeClr val="tx2">
-                    <a:lumMod val="75000"/>
-                  </a:schemeClr>
-                </a:solidFill>
-                <a:latin typeface="+mj-ea"/>
-                <a:ea typeface="+mj-ea"/>
-              </a:rPr>
-              <a:t>)</a:t>
+              <a:t>ㅇ</a:t>
             </a:r>
             <a:endParaRPr lang="en-US" altLang="ko-KR" spc="-60" dirty="0">
               <a:ln>
@@ -7516,6 +4918,157 @@
               <a:buFont typeface="+mj-ea"/>
               <a:buAutoNum type="circleNumDbPlain"/>
             </a:pPr>
+            <a:r>
+              <a:rPr lang="ko-KR" altLang="en-US" spc="-60" dirty="0" err="1">
+                <a:ln>
+                  <a:solidFill>
+                    <a:prstClr val="white">
+                      <a:alpha val="0"/>
+                    </a:prstClr>
+                  </a:solidFill>
+                </a:ln>
+                <a:solidFill>
+                  <a:schemeClr val="tx2">
+                    <a:lumMod val="75000"/>
+                  </a:schemeClr>
+                </a:solidFill>
+                <a:latin typeface="+mj-ea"/>
+                <a:ea typeface="+mj-ea"/>
+              </a:rPr>
+              <a:t>ㅇ</a:t>
+            </a:r>
+            <a:endParaRPr lang="en-US" altLang="ko-KR" spc="-60" dirty="0">
+              <a:ln>
+                <a:solidFill>
+                  <a:prstClr val="white">
+                    <a:alpha val="0"/>
+                  </a:prstClr>
+                </a:solidFill>
+              </a:ln>
+              <a:solidFill>
+                <a:schemeClr val="tx2">
+                  <a:lumMod val="75000"/>
+                </a:schemeClr>
+              </a:solidFill>
+              <a:latin typeface="+mj-ea"/>
+              <a:ea typeface="+mj-ea"/>
+            </a:endParaRPr>
+          </a:p>
+          <a:p>
+            <a:pPr marL="800100" lvl="1" indent="-342900">
+              <a:spcBef>
+                <a:spcPts val="1000"/>
+              </a:spcBef>
+              <a:buFont typeface="+mj-ea"/>
+              <a:buAutoNum type="circleNumDbPlain"/>
+            </a:pPr>
+            <a:r>
+              <a:rPr lang="ko-KR" altLang="en-US" spc="-60" dirty="0" err="1">
+                <a:ln>
+                  <a:solidFill>
+                    <a:prstClr val="white">
+                      <a:alpha val="0"/>
+                    </a:prstClr>
+                  </a:solidFill>
+                </a:ln>
+                <a:solidFill>
+                  <a:schemeClr val="tx2">
+                    <a:lumMod val="75000"/>
+                  </a:schemeClr>
+                </a:solidFill>
+                <a:latin typeface="+mj-ea"/>
+                <a:ea typeface="+mj-ea"/>
+              </a:rPr>
+              <a:t>ㅇ</a:t>
+            </a:r>
+            <a:endParaRPr lang="en-US" altLang="ko-KR" spc="-60" dirty="0">
+              <a:ln>
+                <a:solidFill>
+                  <a:prstClr val="white">
+                    <a:alpha val="0"/>
+                  </a:prstClr>
+                </a:solidFill>
+              </a:ln>
+              <a:solidFill>
+                <a:schemeClr val="tx2">
+                  <a:lumMod val="75000"/>
+                </a:schemeClr>
+              </a:solidFill>
+              <a:latin typeface="+mj-ea"/>
+              <a:ea typeface="+mj-ea"/>
+            </a:endParaRPr>
+          </a:p>
+          <a:p>
+            <a:pPr marL="800100" lvl="1" indent="-342900">
+              <a:spcBef>
+                <a:spcPts val="1000"/>
+              </a:spcBef>
+              <a:buFont typeface="+mj-ea"/>
+              <a:buAutoNum type="circleNumDbPlain"/>
+            </a:pPr>
+            <a:r>
+              <a:rPr lang="ko-KR" altLang="en-US" spc="-60" dirty="0" err="1">
+                <a:ln>
+                  <a:solidFill>
+                    <a:prstClr val="white">
+                      <a:alpha val="0"/>
+                    </a:prstClr>
+                  </a:solidFill>
+                </a:ln>
+                <a:solidFill>
+                  <a:schemeClr val="tx2">
+                    <a:lumMod val="75000"/>
+                  </a:schemeClr>
+                </a:solidFill>
+                <a:latin typeface="+mj-ea"/>
+                <a:ea typeface="+mj-ea"/>
+              </a:rPr>
+              <a:t>ㅇ</a:t>
+            </a:r>
+            <a:endParaRPr lang="en-US" altLang="ko-KR" spc="-60" dirty="0">
+              <a:ln>
+                <a:solidFill>
+                  <a:prstClr val="white">
+                    <a:alpha val="0"/>
+                  </a:prstClr>
+                </a:solidFill>
+              </a:ln>
+              <a:solidFill>
+                <a:schemeClr val="tx2">
+                  <a:lumMod val="75000"/>
+                </a:schemeClr>
+              </a:solidFill>
+              <a:latin typeface="+mj-ea"/>
+              <a:ea typeface="+mj-ea"/>
+            </a:endParaRPr>
+          </a:p>
+          <a:p>
+            <a:pPr marL="800100" lvl="1" indent="-342900">
+              <a:spcBef>
+                <a:spcPts val="1000"/>
+              </a:spcBef>
+              <a:buFont typeface="+mj-ea"/>
+              <a:buAutoNum type="circleNumDbPlain"/>
+            </a:pPr>
+            <a:r>
+              <a:rPr lang="ko-KR" altLang="en-US" spc="-60" dirty="0" err="1">
+                <a:ln>
+                  <a:solidFill>
+                    <a:prstClr val="white">
+                      <a:alpha val="0"/>
+                    </a:prstClr>
+                  </a:solidFill>
+                </a:ln>
+                <a:solidFill>
+                  <a:schemeClr val="tx2">
+                    <a:lumMod val="75000"/>
+                  </a:schemeClr>
+                </a:solidFill>
+                <a:latin typeface="+mj-ea"/>
+                <a:ea typeface="+mj-ea"/>
+              </a:rPr>
+              <a:t>ㅇ</a:t>
+            </a:r>
             <a:endParaRPr lang="en-US" altLang="ko-KR" spc="-60" dirty="0">
               <a:ln>
                 <a:solidFill>
@@ -7610,7 +5163,7 @@
                 <a:latin typeface="+mj-ea"/>
                 <a:ea typeface="+mj-ea"/>
               </a:rPr>
-              <a:t>요일별</a:t>
+              <a:t>일자별</a:t>
             </a:r>
             <a:r>
               <a:rPr lang="ko-KR" altLang="en-US" sz="2000" spc="-60" dirty="0">
@@ -7648,7 +5201,7 @@
                 <a:latin typeface="+mj-ea"/>
                 <a:ea typeface="+mj-ea"/>
               </a:rPr>
-              <a:t>거래</a:t>
+              <a:t> 누적 거래</a:t>
             </a:r>
             <a:r>
               <a:rPr lang="ko-KR" altLang="en-US" sz="2000" spc="-60" dirty="0">
@@ -7712,30 +5265,1073 @@
           </a:p>
         </p:txBody>
       </p:sp>
-      <p:pic>
-        <p:nvPicPr>
-          <p:cNvPr id="4" name="그림 3"/>
-          <p:cNvPicPr>
-            <a:picLocks noChangeAspect="1"/>
-          </p:cNvPicPr>
+    </p:spTree>
+    <p:extLst>
+      <p:ext uri="{BB962C8B-B14F-4D97-AF65-F5344CB8AC3E}">
+        <p14:creationId xmlns:p14="http://schemas.microsoft.com/office/powerpoint/2010/main" val="2164983965"/>
+      </p:ext>
+    </p:extLst>
+  </p:cSld>
+  <p:clrMapOvr>
+    <a:masterClrMapping/>
+  </p:clrMapOvr>
+</p:sld>
+</file>
+
+<file path=ppt/slides/slide13.xml><?xml version="1.0" encoding="utf-8"?>
+<p:sld xmlns:a="http://schemas.openxmlformats.org/drawingml/2006/main" xmlns:r="http://schemas.openxmlformats.org/officeDocument/2006/relationships" xmlns:p="http://schemas.openxmlformats.org/presentationml/2006/main">
+  <p:cSld>
+    <p:spTree>
+      <p:nvGrpSpPr>
+        <p:cNvPr id="1" name=""/>
+        <p:cNvGrpSpPr/>
+        <p:nvPr/>
+      </p:nvGrpSpPr>
+      <p:grpSpPr>
+        <a:xfrm>
+          <a:off x="0" y="0"/>
+          <a:ext cx="0" cy="0"/>
+          <a:chOff x="0" y="0"/>
+          <a:chExt cx="0" cy="0"/>
+        </a:xfrm>
+      </p:grpSpPr>
+      <p:sp>
+        <p:nvSpPr>
+          <p:cNvPr id="13" name="직사각형 12">
+            <a:extLst>
+              <a:ext uri="{FF2B5EF4-FFF2-40B4-BE49-F238E27FC236}">
+                <a16:creationId xmlns:a16="http://schemas.microsoft.com/office/drawing/2014/main" id="{8A18650E-587D-4954-9C7A-C60C588F644B}"/>
+              </a:ext>
+            </a:extLst>
+          </p:cNvPr>
+          <p:cNvSpPr/>
           <p:nvPr/>
-        </p:nvPicPr>
-        <p:blipFill>
-          <a:blip r:embed="rId2"/>
-          <a:stretch>
-            <a:fillRect/>
-          </a:stretch>
-        </p:blipFill>
+        </p:nvSpPr>
         <p:spPr>
           <a:xfrm>
-            <a:off x="251520" y="4252495"/>
-            <a:ext cx="8521152" cy="2382838"/>
+            <a:off x="832560" y="4210212"/>
+            <a:ext cx="6325222" cy="2136800"/>
+          </a:xfrm>
+          <a:prstGeom prst="rect">
+            <a:avLst/>
+          </a:prstGeom>
+          <a:solidFill>
+            <a:srgbClr val="FFFF00">
+              <a:alpha val="70000"/>
+            </a:srgbClr>
+          </a:solidFill>
+          <a:ln>
+            <a:noFill/>
+          </a:ln>
+        </p:spPr>
+        <p:style>
+          <a:lnRef idx="2">
+            <a:schemeClr val="accent1">
+              <a:shade val="50000"/>
+            </a:schemeClr>
+          </a:lnRef>
+          <a:fillRef idx="1">
+            <a:schemeClr val="accent1"/>
+          </a:fillRef>
+          <a:effectRef idx="0">
+            <a:schemeClr val="accent1"/>
+          </a:effectRef>
+          <a:fontRef idx="minor">
+            <a:schemeClr val="lt1"/>
+          </a:fontRef>
+        </p:style>
+        <p:txBody>
+          <a:bodyPr rtlCol="0" anchor="ctr"/>
+          <a:lstStyle/>
+          <a:p>
+            <a:pPr algn="ctr"/>
+            <a:r>
+              <a:rPr lang="ko-KR" altLang="en-US" sz="3600" dirty="0">
+                <a:solidFill>
+                  <a:srgbClr val="FF0000"/>
+                </a:solidFill>
+              </a:rPr>
+              <a:t>그래프 삽입</a:t>
+            </a:r>
+            <a:endParaRPr lang="ko-KR" altLang="en-US" sz="1200" strike="sngStrike" dirty="0">
+              <a:solidFill>
+                <a:srgbClr val="FF0000"/>
+              </a:solidFill>
+            </a:endParaRPr>
+          </a:p>
+        </p:txBody>
+      </p:sp>
+      <p:sp>
+        <p:nvSpPr>
+          <p:cNvPr id="35" name="제목 1"/>
+          <p:cNvSpPr txBox="1">
+            <a:spLocks/>
+          </p:cNvSpPr>
+          <p:nvPr/>
+        </p:nvSpPr>
+        <p:spPr>
+          <a:xfrm>
+            <a:off x="251520" y="243601"/>
+            <a:ext cx="8640960" cy="480131"/>
           </a:xfrm>
           <a:prstGeom prst="rect">
             <a:avLst/>
           </a:prstGeom>
         </p:spPr>
-      </p:pic>
+        <p:txBody>
+          <a:bodyPr vert="horz" wrap="square" lIns="91440" tIns="45720" rIns="91440" bIns="45720" rtlCol="0" anchor="ctr">
+            <a:spAutoFit/>
+          </a:bodyPr>
+          <a:lstStyle>
+            <a:lvl1pPr algn="l" defTabSz="914400" rtl="0" eaLnBrk="1" latinLnBrk="1" hangingPunct="1">
+              <a:lnSpc>
+                <a:spcPct val="90000"/>
+              </a:lnSpc>
+              <a:spcBef>
+                <a:spcPct val="0"/>
+              </a:spcBef>
+              <a:buNone/>
+              <a:defRPr sz="2800" b="0" kern="1200">
+                <a:solidFill>
+                  <a:schemeClr val="tx1"/>
+                </a:solidFill>
+                <a:effectLst/>
+                <a:latin typeface="-윤고딕320" panose="020B0600000101010101" charset="-127"/>
+                <a:ea typeface="-윤고딕320" panose="020B0600000101010101" charset="-127"/>
+                <a:cs typeface="+mj-cs"/>
+              </a:defRPr>
+            </a:lvl1pPr>
+          </a:lstStyle>
+          <a:p>
+            <a:r>
+              <a:rPr lang="en-US" altLang="ko-KR" dirty="0">
+                <a:latin typeface="+mn-ea"/>
+                <a:ea typeface="+mn-ea"/>
+              </a:rPr>
+              <a:t>3. </a:t>
+            </a:r>
+            <a:r>
+              <a:rPr lang="ko-KR" altLang="en-US" dirty="0">
+                <a:latin typeface="+mn-ea"/>
+                <a:ea typeface="+mn-ea"/>
+              </a:rPr>
+              <a:t>울산페이 데이터 분석 단계별 설명</a:t>
+            </a:r>
+          </a:p>
+        </p:txBody>
+      </p:sp>
+      <p:sp>
+        <p:nvSpPr>
+          <p:cNvPr id="3" name="사각형: 둥근 모서리 2">
+            <a:extLst>
+              <a:ext uri="{FF2B5EF4-FFF2-40B4-BE49-F238E27FC236}">
+                <a16:creationId xmlns:a16="http://schemas.microsoft.com/office/drawing/2014/main" id="{44B1FF70-C47F-4352-8698-63BF5E1453B2}"/>
+              </a:ext>
+            </a:extLst>
+          </p:cNvPr>
+          <p:cNvSpPr/>
+          <p:nvPr/>
+        </p:nvSpPr>
+        <p:spPr>
+          <a:xfrm>
+            <a:off x="544513" y="1144746"/>
+            <a:ext cx="5438276" cy="416160"/>
+          </a:xfrm>
+          <a:prstGeom prst="roundRect">
+            <a:avLst>
+              <a:gd name="adj" fmla="val 36422"/>
+            </a:avLst>
+          </a:prstGeom>
+        </p:spPr>
+        <p:style>
+          <a:lnRef idx="2">
+            <a:schemeClr val="accent1">
+              <a:shade val="50000"/>
+            </a:schemeClr>
+          </a:lnRef>
+          <a:fillRef idx="1">
+            <a:schemeClr val="accent1"/>
+          </a:fillRef>
+          <a:effectRef idx="0">
+            <a:schemeClr val="accent1"/>
+          </a:effectRef>
+          <a:fontRef idx="minor">
+            <a:schemeClr val="lt1"/>
+          </a:fontRef>
+        </p:style>
+        <p:txBody>
+          <a:bodyPr rtlCol="0" anchor="ctr"/>
+          <a:lstStyle/>
+          <a:p>
+            <a:pPr algn="ctr"/>
+            <a:r>
+              <a:rPr lang="en-US" altLang="ko-KR" sz="2000" b="1" dirty="0"/>
+              <a:t>(4</a:t>
+            </a:r>
+            <a:r>
+              <a:rPr lang="ko-KR" altLang="en-US" sz="2000" b="1" dirty="0"/>
+              <a:t>단계</a:t>
+            </a:r>
+            <a:r>
+              <a:rPr lang="en-US" altLang="ko-KR" sz="2000" b="1" dirty="0"/>
+              <a:t>) </a:t>
+            </a:r>
+            <a:r>
+              <a:rPr lang="ko-KR" altLang="en-US" sz="2000" b="1" dirty="0"/>
+              <a:t>데이터 분석 및 시각화</a:t>
+            </a:r>
+            <a:r>
+              <a:rPr lang="en-US" altLang="ko-KR" sz="2000" b="1" dirty="0"/>
+              <a:t>, </a:t>
+            </a:r>
+            <a:r>
+              <a:rPr lang="ko-KR" altLang="en-US" sz="2000" b="1" dirty="0"/>
+              <a:t>시사점</a:t>
+            </a:r>
+            <a:r>
+              <a:rPr lang="en-US" altLang="ko-KR" sz="2000" b="1" dirty="0"/>
+              <a:t>(1/6)</a:t>
+            </a:r>
+            <a:endParaRPr lang="ko-KR" altLang="en-US" sz="2000" b="1" dirty="0"/>
+          </a:p>
+        </p:txBody>
+      </p:sp>
+      <p:sp>
+        <p:nvSpPr>
+          <p:cNvPr id="2" name="사각형: 둥근 모서리 1">
+            <a:extLst>
+              <a:ext uri="{FF2B5EF4-FFF2-40B4-BE49-F238E27FC236}">
+                <a16:creationId xmlns:a16="http://schemas.microsoft.com/office/drawing/2014/main" id="{00D8EB94-8409-4E95-AB44-FABAFF0FE391}"/>
+              </a:ext>
+            </a:extLst>
+          </p:cNvPr>
+          <p:cNvSpPr/>
+          <p:nvPr/>
+        </p:nvSpPr>
+        <p:spPr>
+          <a:xfrm>
+            <a:off x="7524205" y="1638755"/>
+            <a:ext cx="1619795" cy="3790406"/>
+          </a:xfrm>
+          <a:prstGeom prst="roundRect">
+            <a:avLst>
+              <a:gd name="adj" fmla="val 5441"/>
+            </a:avLst>
+          </a:prstGeom>
+          <a:solidFill>
+            <a:schemeClr val="bg1">
+              <a:lumMod val="95000"/>
+            </a:schemeClr>
+          </a:solidFill>
+          <a:ln w="28575">
+            <a:noFill/>
+          </a:ln>
+        </p:spPr>
+        <p:style>
+          <a:lnRef idx="2">
+            <a:schemeClr val="accent1">
+              <a:shade val="50000"/>
+            </a:schemeClr>
+          </a:lnRef>
+          <a:fillRef idx="1">
+            <a:schemeClr val="accent1"/>
+          </a:fillRef>
+          <a:effectRef idx="0">
+            <a:schemeClr val="accent1"/>
+          </a:effectRef>
+          <a:fontRef idx="minor">
+            <a:schemeClr val="lt1"/>
+          </a:fontRef>
+        </p:style>
+        <p:txBody>
+          <a:bodyPr rtlCol="0" anchor="t"/>
+          <a:lstStyle/>
+          <a:p>
+            <a:pPr marL="171450" indent="-171450">
+              <a:buFont typeface="Arial" panose="020B0604020202020204" pitchFamily="34" charset="0"/>
+              <a:buChar char="•"/>
+            </a:pPr>
+            <a:endParaRPr lang="en-US" altLang="ko-KR" sz="1100" spc="-60" dirty="0">
+              <a:ln>
+                <a:solidFill>
+                  <a:prstClr val="white">
+                    <a:alpha val="0"/>
+                  </a:prstClr>
+                </a:solidFill>
+              </a:ln>
+              <a:solidFill>
+                <a:schemeClr val="tx2">
+                  <a:lumMod val="75000"/>
+                </a:schemeClr>
+              </a:solidFill>
+              <a:latin typeface="+mj-ea"/>
+              <a:ea typeface="+mj-ea"/>
+            </a:endParaRPr>
+          </a:p>
+          <a:p>
+            <a:pPr marL="171450" indent="-171450">
+              <a:buFont typeface="Arial" panose="020B0604020202020204" pitchFamily="34" charset="0"/>
+              <a:buChar char="•"/>
+            </a:pPr>
+            <a:r>
+              <a:rPr lang="ko-KR" altLang="en-US" sz="1100" spc="-60" dirty="0" err="1">
+                <a:ln>
+                  <a:solidFill>
+                    <a:prstClr val="white">
+                      <a:alpha val="0"/>
+                    </a:prstClr>
+                  </a:solidFill>
+                </a:ln>
+                <a:solidFill>
+                  <a:schemeClr val="tx2">
+                    <a:lumMod val="75000"/>
+                  </a:schemeClr>
+                </a:solidFill>
+                <a:latin typeface="+mj-ea"/>
+                <a:ea typeface="+mj-ea"/>
+              </a:rPr>
+              <a:t>ㅇ</a:t>
+            </a:r>
+            <a:endParaRPr lang="en-US" altLang="ko-KR" sz="1100" spc="-60" dirty="0">
+              <a:ln>
+                <a:solidFill>
+                  <a:prstClr val="white">
+                    <a:alpha val="0"/>
+                  </a:prstClr>
+                </a:solidFill>
+              </a:ln>
+              <a:solidFill>
+                <a:schemeClr val="tx2">
+                  <a:lumMod val="75000"/>
+                </a:schemeClr>
+              </a:solidFill>
+              <a:latin typeface="+mj-ea"/>
+              <a:ea typeface="+mj-ea"/>
+            </a:endParaRPr>
+          </a:p>
+        </p:txBody>
+      </p:sp>
+      <p:sp>
+        <p:nvSpPr>
+          <p:cNvPr id="31" name="TextBox 30">
+            <a:extLst>
+              <a:ext uri="{FF2B5EF4-FFF2-40B4-BE49-F238E27FC236}">
+                <a16:creationId xmlns:a16="http://schemas.microsoft.com/office/drawing/2014/main" id="{AA4E3547-C3C5-49D0-B6EF-7AFF7B718EFA}"/>
+              </a:ext>
+            </a:extLst>
+          </p:cNvPr>
+          <p:cNvSpPr txBox="1"/>
+          <p:nvPr/>
+        </p:nvSpPr>
+        <p:spPr>
+          <a:xfrm>
+            <a:off x="7445829" y="1269423"/>
+            <a:ext cx="1160895" cy="369332"/>
+          </a:xfrm>
+          <a:prstGeom prst="rect">
+            <a:avLst/>
+          </a:prstGeom>
+          <a:noFill/>
+        </p:spPr>
+        <p:txBody>
+          <a:bodyPr wrap="none" rtlCol="0">
+            <a:spAutoFit/>
+          </a:bodyPr>
+          <a:lstStyle/>
+          <a:p>
+            <a:r>
+              <a:rPr lang="ko-KR" altLang="en-US" b="1" dirty="0"/>
+              <a:t>분석 과정</a:t>
+            </a:r>
+          </a:p>
+        </p:txBody>
+      </p:sp>
+      <p:sp>
+        <p:nvSpPr>
+          <p:cNvPr id="9" name="직사각형 8">
+            <a:extLst>
+              <a:ext uri="{FF2B5EF4-FFF2-40B4-BE49-F238E27FC236}">
+                <a16:creationId xmlns:a16="http://schemas.microsoft.com/office/drawing/2014/main" id="{5B25AD86-019F-4C45-B8F8-5A59E9B071FC}"/>
+              </a:ext>
+            </a:extLst>
+          </p:cNvPr>
+          <p:cNvSpPr/>
+          <p:nvPr/>
+        </p:nvSpPr>
+        <p:spPr>
+          <a:xfrm>
+            <a:off x="0" y="0"/>
+            <a:ext cx="9144000" cy="913118"/>
+          </a:xfrm>
+          <a:prstGeom prst="rect">
+            <a:avLst/>
+          </a:prstGeom>
+          <a:solidFill>
+            <a:srgbClr val="FFFF00">
+              <a:alpha val="70000"/>
+            </a:srgbClr>
+          </a:solidFill>
+          <a:ln>
+            <a:noFill/>
+          </a:ln>
+        </p:spPr>
+        <p:style>
+          <a:lnRef idx="2">
+            <a:schemeClr val="accent1">
+              <a:shade val="50000"/>
+            </a:schemeClr>
+          </a:lnRef>
+          <a:fillRef idx="1">
+            <a:schemeClr val="accent1"/>
+          </a:fillRef>
+          <a:effectRef idx="0">
+            <a:schemeClr val="accent1"/>
+          </a:effectRef>
+          <a:fontRef idx="minor">
+            <a:schemeClr val="lt1"/>
+          </a:fontRef>
+        </p:style>
+        <p:txBody>
+          <a:bodyPr rtlCol="0" anchor="ctr"/>
+          <a:lstStyle/>
+          <a:p>
+            <a:pPr algn="ctr"/>
+            <a:r>
+              <a:rPr lang="en-US" altLang="ko-KR" sz="3600" dirty="0">
+                <a:solidFill>
+                  <a:srgbClr val="FF0000"/>
+                </a:solidFill>
+              </a:rPr>
+              <a:t>&lt;</a:t>
+            </a:r>
+            <a:r>
+              <a:rPr lang="ko-KR" altLang="en-US" sz="3600" dirty="0">
+                <a:solidFill>
+                  <a:srgbClr val="FF0000"/>
+                </a:solidFill>
+              </a:rPr>
+              <a:t>승자 일자 기준</a:t>
+            </a:r>
+            <a:r>
+              <a:rPr lang="en-US" altLang="ko-KR" sz="3600" dirty="0">
+                <a:solidFill>
+                  <a:srgbClr val="FF0000"/>
+                </a:solidFill>
+              </a:rPr>
+              <a:t>_</a:t>
+            </a:r>
+            <a:r>
+              <a:rPr lang="ko-KR" altLang="en-US" sz="3600" dirty="0">
+                <a:solidFill>
+                  <a:srgbClr val="FF0000"/>
+                </a:solidFill>
+              </a:rPr>
+              <a:t>박주영</a:t>
+            </a:r>
+            <a:r>
+              <a:rPr lang="en-US" altLang="ko-KR" sz="3600" dirty="0">
+                <a:solidFill>
+                  <a:srgbClr val="FF0000"/>
+                </a:solidFill>
+              </a:rPr>
+              <a:t>&gt;</a:t>
+            </a:r>
+            <a:endParaRPr lang="ko-KR" altLang="en-US" sz="1200" strike="sngStrike" dirty="0">
+              <a:solidFill>
+                <a:srgbClr val="FF0000"/>
+              </a:solidFill>
+            </a:endParaRPr>
+          </a:p>
+        </p:txBody>
+      </p:sp>
+      <p:sp>
+        <p:nvSpPr>
+          <p:cNvPr id="12" name="텍스트 개체 틀 6">
+            <a:extLst>
+              <a:ext uri="{FF2B5EF4-FFF2-40B4-BE49-F238E27FC236}">
+                <a16:creationId xmlns:a16="http://schemas.microsoft.com/office/drawing/2014/main" id="{D0EDCBAB-5962-4C0F-BC25-2F0336FB4678}"/>
+              </a:ext>
+            </a:extLst>
+          </p:cNvPr>
+          <p:cNvSpPr txBox="1">
+            <a:spLocks/>
+          </p:cNvSpPr>
+          <p:nvPr/>
+        </p:nvSpPr>
+        <p:spPr>
+          <a:xfrm>
+            <a:off x="544513" y="2068942"/>
+            <a:ext cx="6901316" cy="2059141"/>
+          </a:xfrm>
+          <a:prstGeom prst="rect">
+            <a:avLst/>
+          </a:prstGeom>
+        </p:spPr>
+        <p:txBody>
+          <a:bodyPr/>
+          <a:lstStyle>
+            <a:lvl1pPr marL="228600" indent="-228600" algn="l" defTabSz="914400" rtl="0" eaLnBrk="1" latinLnBrk="1" hangingPunct="1">
+              <a:lnSpc>
+                <a:spcPct val="90000"/>
+              </a:lnSpc>
+              <a:spcBef>
+                <a:spcPts val="1000"/>
+              </a:spcBef>
+              <a:buFont typeface="Arial" panose="020B0604020202020204" pitchFamily="34" charset="0"/>
+              <a:buChar char="•"/>
+              <a:defRPr sz="2000" kern="1200">
+                <a:solidFill>
+                  <a:schemeClr val="tx1"/>
+                </a:solidFill>
+                <a:latin typeface="+mn-lt"/>
+                <a:ea typeface="+mn-ea"/>
+                <a:cs typeface="+mn-cs"/>
+              </a:defRPr>
+            </a:lvl1pPr>
+            <a:lvl2pPr marL="685800" indent="-228600" algn="l" defTabSz="914400" rtl="0" eaLnBrk="1" latinLnBrk="1" hangingPunct="1">
+              <a:lnSpc>
+                <a:spcPct val="90000"/>
+              </a:lnSpc>
+              <a:spcBef>
+                <a:spcPts val="500"/>
+              </a:spcBef>
+              <a:buFont typeface="Arial" panose="020B0604020202020204" pitchFamily="34" charset="0"/>
+              <a:buChar char="•"/>
+              <a:defRPr sz="1800" kern="1200">
+                <a:solidFill>
+                  <a:schemeClr val="tx1"/>
+                </a:solidFill>
+                <a:latin typeface="+mn-lt"/>
+                <a:ea typeface="+mn-ea"/>
+                <a:cs typeface="+mn-cs"/>
+              </a:defRPr>
+            </a:lvl2pPr>
+            <a:lvl3pPr marL="1143000" indent="-228600" algn="l" defTabSz="914400" rtl="0" eaLnBrk="1" latinLnBrk="1" hangingPunct="1">
+              <a:lnSpc>
+                <a:spcPct val="90000"/>
+              </a:lnSpc>
+              <a:spcBef>
+                <a:spcPts val="500"/>
+              </a:spcBef>
+              <a:buFont typeface="Arial" panose="020B0604020202020204" pitchFamily="34" charset="0"/>
+              <a:buChar char="•"/>
+              <a:defRPr sz="1600" kern="1200">
+                <a:solidFill>
+                  <a:schemeClr val="tx1"/>
+                </a:solidFill>
+                <a:latin typeface="+mn-lt"/>
+                <a:ea typeface="+mn-ea"/>
+                <a:cs typeface="+mn-cs"/>
+              </a:defRPr>
+            </a:lvl3pPr>
+            <a:lvl4pPr marL="1600200" indent="-228600" algn="l" defTabSz="914400" rtl="0" eaLnBrk="1" latinLnBrk="1" hangingPunct="1">
+              <a:lnSpc>
+                <a:spcPct val="90000"/>
+              </a:lnSpc>
+              <a:spcBef>
+                <a:spcPts val="500"/>
+              </a:spcBef>
+              <a:buFont typeface="Arial" panose="020B0604020202020204" pitchFamily="34" charset="0"/>
+              <a:buChar char="•"/>
+              <a:defRPr sz="1400" kern="1200">
+                <a:solidFill>
+                  <a:schemeClr val="tx1"/>
+                </a:solidFill>
+                <a:latin typeface="+mn-lt"/>
+                <a:ea typeface="+mn-ea"/>
+                <a:cs typeface="+mn-cs"/>
+              </a:defRPr>
+            </a:lvl4pPr>
+            <a:lvl5pPr marL="2057400" indent="-228600" algn="l" defTabSz="914400" rtl="0" eaLnBrk="1" latinLnBrk="1" hangingPunct="1">
+              <a:lnSpc>
+                <a:spcPct val="90000"/>
+              </a:lnSpc>
+              <a:spcBef>
+                <a:spcPts val="500"/>
+              </a:spcBef>
+              <a:buFont typeface="Arial" panose="020B0604020202020204" pitchFamily="34" charset="0"/>
+              <a:buChar char="•"/>
+              <a:defRPr sz="1200" kern="1200">
+                <a:solidFill>
+                  <a:schemeClr val="tx1"/>
+                </a:solidFill>
+                <a:latin typeface="+mn-lt"/>
+                <a:ea typeface="+mn-ea"/>
+                <a:cs typeface="+mn-cs"/>
+              </a:defRPr>
+            </a:lvl5pPr>
+            <a:lvl6pPr marL="2514600" indent="-228600" algn="l" defTabSz="914400" rtl="0" eaLnBrk="1" latinLnBrk="1" hangingPunct="1">
+              <a:lnSpc>
+                <a:spcPct val="90000"/>
+              </a:lnSpc>
+              <a:spcBef>
+                <a:spcPts val="500"/>
+              </a:spcBef>
+              <a:buFont typeface="Arial" panose="020B0604020202020204" pitchFamily="34" charset="0"/>
+              <a:buChar char="•"/>
+              <a:defRPr sz="1800" kern="1200">
+                <a:solidFill>
+                  <a:schemeClr val="tx1"/>
+                </a:solidFill>
+                <a:latin typeface="+mn-lt"/>
+                <a:ea typeface="+mn-ea"/>
+                <a:cs typeface="+mn-cs"/>
+              </a:defRPr>
+            </a:lvl6pPr>
+            <a:lvl7pPr marL="2971800" indent="-228600" algn="l" defTabSz="914400" rtl="0" eaLnBrk="1" latinLnBrk="1" hangingPunct="1">
+              <a:lnSpc>
+                <a:spcPct val="90000"/>
+              </a:lnSpc>
+              <a:spcBef>
+                <a:spcPts val="500"/>
+              </a:spcBef>
+              <a:buFont typeface="Arial" panose="020B0604020202020204" pitchFamily="34" charset="0"/>
+              <a:buChar char="•"/>
+              <a:defRPr sz="1800" kern="1200">
+                <a:solidFill>
+                  <a:schemeClr val="tx1"/>
+                </a:solidFill>
+                <a:latin typeface="+mn-lt"/>
+                <a:ea typeface="+mn-ea"/>
+                <a:cs typeface="+mn-cs"/>
+              </a:defRPr>
+            </a:lvl7pPr>
+            <a:lvl8pPr marL="3429000" indent="-228600" algn="l" defTabSz="914400" rtl="0" eaLnBrk="1" latinLnBrk="1" hangingPunct="1">
+              <a:lnSpc>
+                <a:spcPct val="90000"/>
+              </a:lnSpc>
+              <a:spcBef>
+                <a:spcPts val="500"/>
+              </a:spcBef>
+              <a:buFont typeface="Arial" panose="020B0604020202020204" pitchFamily="34" charset="0"/>
+              <a:buChar char="•"/>
+              <a:defRPr sz="1800" kern="1200">
+                <a:solidFill>
+                  <a:schemeClr val="tx1"/>
+                </a:solidFill>
+                <a:latin typeface="+mn-lt"/>
+                <a:ea typeface="+mn-ea"/>
+                <a:cs typeface="+mn-cs"/>
+              </a:defRPr>
+            </a:lvl8pPr>
+            <a:lvl9pPr marL="3886200" indent="-228600" algn="l" defTabSz="914400" rtl="0" eaLnBrk="1" latinLnBrk="1" hangingPunct="1">
+              <a:lnSpc>
+                <a:spcPct val="90000"/>
+              </a:lnSpc>
+              <a:spcBef>
+                <a:spcPts val="500"/>
+              </a:spcBef>
+              <a:buFont typeface="Arial" panose="020B0604020202020204" pitchFamily="34" charset="0"/>
+              <a:buChar char="•"/>
+              <a:defRPr sz="1800" kern="1200">
+                <a:solidFill>
+                  <a:schemeClr val="tx1"/>
+                </a:solidFill>
+                <a:latin typeface="+mn-lt"/>
+                <a:ea typeface="+mn-ea"/>
+                <a:cs typeface="+mn-cs"/>
+              </a:defRPr>
+            </a:lvl9pPr>
+          </a:lstStyle>
+          <a:p>
+            <a:pPr marL="800100" lvl="1" indent="-342900">
+              <a:spcBef>
+                <a:spcPts val="1000"/>
+              </a:spcBef>
+              <a:buFont typeface="+mj-ea"/>
+              <a:buAutoNum type="circleNumDbPlain"/>
+            </a:pPr>
+            <a:r>
+              <a:rPr lang="ko-KR" altLang="en-US" spc="-60" dirty="0" err="1">
+                <a:ln>
+                  <a:solidFill>
+                    <a:prstClr val="white">
+                      <a:alpha val="0"/>
+                    </a:prstClr>
+                  </a:solidFill>
+                </a:ln>
+                <a:solidFill>
+                  <a:schemeClr val="tx2">
+                    <a:lumMod val="75000"/>
+                  </a:schemeClr>
+                </a:solidFill>
+                <a:latin typeface="+mj-ea"/>
+                <a:ea typeface="+mj-ea"/>
+              </a:rPr>
+              <a:t>ㅇ</a:t>
+            </a:r>
+            <a:endParaRPr lang="en-US" altLang="ko-KR" spc="-60" dirty="0">
+              <a:ln>
+                <a:solidFill>
+                  <a:prstClr val="white">
+                    <a:alpha val="0"/>
+                  </a:prstClr>
+                </a:solidFill>
+              </a:ln>
+              <a:solidFill>
+                <a:schemeClr val="tx2">
+                  <a:lumMod val="75000"/>
+                </a:schemeClr>
+              </a:solidFill>
+              <a:latin typeface="+mj-ea"/>
+              <a:ea typeface="+mj-ea"/>
+            </a:endParaRPr>
+          </a:p>
+          <a:p>
+            <a:pPr marL="800100" lvl="1" indent="-342900">
+              <a:spcBef>
+                <a:spcPts val="1000"/>
+              </a:spcBef>
+              <a:buFont typeface="+mj-ea"/>
+              <a:buAutoNum type="circleNumDbPlain"/>
+            </a:pPr>
+            <a:r>
+              <a:rPr lang="ko-KR" altLang="en-US" spc="-60" dirty="0" err="1">
+                <a:ln>
+                  <a:solidFill>
+                    <a:prstClr val="white">
+                      <a:alpha val="0"/>
+                    </a:prstClr>
+                  </a:solidFill>
+                </a:ln>
+                <a:solidFill>
+                  <a:schemeClr val="tx2">
+                    <a:lumMod val="75000"/>
+                  </a:schemeClr>
+                </a:solidFill>
+                <a:latin typeface="+mj-ea"/>
+                <a:ea typeface="+mj-ea"/>
+              </a:rPr>
+              <a:t>ㅇ</a:t>
+            </a:r>
+            <a:endParaRPr lang="en-US" altLang="ko-KR" spc="-60" dirty="0">
+              <a:ln>
+                <a:solidFill>
+                  <a:prstClr val="white">
+                    <a:alpha val="0"/>
+                  </a:prstClr>
+                </a:solidFill>
+              </a:ln>
+              <a:solidFill>
+                <a:schemeClr val="tx2">
+                  <a:lumMod val="75000"/>
+                </a:schemeClr>
+              </a:solidFill>
+              <a:latin typeface="+mj-ea"/>
+              <a:ea typeface="+mj-ea"/>
+            </a:endParaRPr>
+          </a:p>
+          <a:p>
+            <a:pPr marL="800100" lvl="1" indent="-342900">
+              <a:spcBef>
+                <a:spcPts val="1000"/>
+              </a:spcBef>
+              <a:buFont typeface="+mj-ea"/>
+              <a:buAutoNum type="circleNumDbPlain"/>
+            </a:pPr>
+            <a:r>
+              <a:rPr lang="ko-KR" altLang="en-US" spc="-60" dirty="0" err="1">
+                <a:ln>
+                  <a:solidFill>
+                    <a:prstClr val="white">
+                      <a:alpha val="0"/>
+                    </a:prstClr>
+                  </a:solidFill>
+                </a:ln>
+                <a:solidFill>
+                  <a:schemeClr val="tx2">
+                    <a:lumMod val="75000"/>
+                  </a:schemeClr>
+                </a:solidFill>
+                <a:latin typeface="+mj-ea"/>
+                <a:ea typeface="+mj-ea"/>
+              </a:rPr>
+              <a:t>ㅇ</a:t>
+            </a:r>
+            <a:endParaRPr lang="en-US" altLang="ko-KR" spc="-60" dirty="0">
+              <a:ln>
+                <a:solidFill>
+                  <a:prstClr val="white">
+                    <a:alpha val="0"/>
+                  </a:prstClr>
+                </a:solidFill>
+              </a:ln>
+              <a:solidFill>
+                <a:schemeClr val="tx2">
+                  <a:lumMod val="75000"/>
+                </a:schemeClr>
+              </a:solidFill>
+              <a:latin typeface="+mj-ea"/>
+              <a:ea typeface="+mj-ea"/>
+            </a:endParaRPr>
+          </a:p>
+          <a:p>
+            <a:pPr marL="800100" lvl="1" indent="-342900">
+              <a:spcBef>
+                <a:spcPts val="1000"/>
+              </a:spcBef>
+              <a:buFont typeface="+mj-ea"/>
+              <a:buAutoNum type="circleNumDbPlain"/>
+            </a:pPr>
+            <a:r>
+              <a:rPr lang="ko-KR" altLang="en-US" spc="-60" dirty="0" err="1">
+                <a:ln>
+                  <a:solidFill>
+                    <a:prstClr val="white">
+                      <a:alpha val="0"/>
+                    </a:prstClr>
+                  </a:solidFill>
+                </a:ln>
+                <a:solidFill>
+                  <a:schemeClr val="tx2">
+                    <a:lumMod val="75000"/>
+                  </a:schemeClr>
+                </a:solidFill>
+                <a:latin typeface="+mj-ea"/>
+                <a:ea typeface="+mj-ea"/>
+              </a:rPr>
+              <a:t>ㅇ</a:t>
+            </a:r>
+            <a:endParaRPr lang="en-US" altLang="ko-KR" spc="-60" dirty="0">
+              <a:ln>
+                <a:solidFill>
+                  <a:prstClr val="white">
+                    <a:alpha val="0"/>
+                  </a:prstClr>
+                </a:solidFill>
+              </a:ln>
+              <a:solidFill>
+                <a:schemeClr val="tx2">
+                  <a:lumMod val="75000"/>
+                </a:schemeClr>
+              </a:solidFill>
+              <a:latin typeface="+mj-ea"/>
+              <a:ea typeface="+mj-ea"/>
+            </a:endParaRPr>
+          </a:p>
+          <a:p>
+            <a:pPr marL="800100" lvl="1" indent="-342900">
+              <a:spcBef>
+                <a:spcPts val="1000"/>
+              </a:spcBef>
+              <a:buFont typeface="+mj-ea"/>
+              <a:buAutoNum type="circleNumDbPlain"/>
+            </a:pPr>
+            <a:r>
+              <a:rPr lang="ko-KR" altLang="en-US" spc="-60" dirty="0" err="1">
+                <a:ln>
+                  <a:solidFill>
+                    <a:prstClr val="white">
+                      <a:alpha val="0"/>
+                    </a:prstClr>
+                  </a:solidFill>
+                </a:ln>
+                <a:solidFill>
+                  <a:schemeClr val="tx2">
+                    <a:lumMod val="75000"/>
+                  </a:schemeClr>
+                </a:solidFill>
+                <a:latin typeface="+mj-ea"/>
+                <a:ea typeface="+mj-ea"/>
+              </a:rPr>
+              <a:t>ㅇ</a:t>
+            </a:r>
+            <a:endParaRPr lang="en-US" altLang="ko-KR" spc="-60" dirty="0">
+              <a:ln>
+                <a:solidFill>
+                  <a:prstClr val="white">
+                    <a:alpha val="0"/>
+                  </a:prstClr>
+                </a:solidFill>
+              </a:ln>
+              <a:solidFill>
+                <a:schemeClr val="tx2">
+                  <a:lumMod val="75000"/>
+                </a:schemeClr>
+              </a:solidFill>
+              <a:latin typeface="+mj-ea"/>
+              <a:ea typeface="+mj-ea"/>
+            </a:endParaRPr>
+          </a:p>
+          <a:p>
+            <a:pPr marL="457200" lvl="1" indent="0">
+              <a:spcBef>
+                <a:spcPts val="1000"/>
+              </a:spcBef>
+              <a:buFont typeface="Arial" panose="020B0604020202020204" pitchFamily="34" charset="0"/>
+              <a:buNone/>
+            </a:pPr>
+            <a:endParaRPr lang="en-US" altLang="ko-KR" spc="-60" dirty="0">
+              <a:ln>
+                <a:solidFill>
+                  <a:prstClr val="white">
+                    <a:alpha val="0"/>
+                  </a:prstClr>
+                </a:solidFill>
+              </a:ln>
+              <a:solidFill>
+                <a:schemeClr val="tx2">
+                  <a:lumMod val="75000"/>
+                </a:schemeClr>
+              </a:solidFill>
+              <a:latin typeface="+mj-ea"/>
+              <a:ea typeface="+mj-ea"/>
+            </a:endParaRPr>
+          </a:p>
+        </p:txBody>
+      </p:sp>
+      <p:sp>
+        <p:nvSpPr>
+          <p:cNvPr id="7" name="텍스트 개체 틀 6">
+            <a:extLst>
+              <a:ext uri="{FF2B5EF4-FFF2-40B4-BE49-F238E27FC236}">
+                <a16:creationId xmlns:a16="http://schemas.microsoft.com/office/drawing/2014/main" id="{DEDED96D-CEB5-4616-BE9C-4046A751D563}"/>
+              </a:ext>
+            </a:extLst>
+          </p:cNvPr>
+          <p:cNvSpPr>
+            <a:spLocks noGrp="1"/>
+          </p:cNvSpPr>
+          <p:nvPr>
+            <p:ph type="body" sz="quarter" idx="13"/>
+          </p:nvPr>
+        </p:nvSpPr>
+        <p:spPr>
+          <a:xfrm>
+            <a:off x="544513" y="1668463"/>
+            <a:ext cx="6901316" cy="416161"/>
+          </a:xfrm>
+        </p:spPr>
+        <p:txBody>
+          <a:bodyPr/>
+          <a:lstStyle/>
+          <a:p>
+            <a:pPr marL="171450" indent="-171450">
+              <a:spcBef>
+                <a:spcPts val="1000"/>
+              </a:spcBef>
+              <a:buFont typeface="Arial" panose="020B0604020202020204" pitchFamily="34" charset="0"/>
+              <a:buChar char="•"/>
+            </a:pPr>
+            <a:r>
+              <a:rPr lang="ko-KR" altLang="en-US" sz="2000" spc="-60" dirty="0" err="1">
+                <a:ln>
+                  <a:solidFill>
+                    <a:prstClr val="white">
+                      <a:alpha val="0"/>
+                    </a:prstClr>
+                  </a:solidFill>
+                </a:ln>
+                <a:solidFill>
+                  <a:schemeClr val="tx2">
+                    <a:lumMod val="75000"/>
+                  </a:schemeClr>
+                </a:solidFill>
+                <a:latin typeface="+mj-ea"/>
+                <a:ea typeface="+mj-ea"/>
+              </a:rPr>
+              <a:t>요일별</a:t>
+            </a:r>
+            <a:r>
+              <a:rPr lang="ko-KR" altLang="en-US" sz="2000" spc="-60" dirty="0">
+                <a:ln>
+                  <a:solidFill>
+                    <a:prstClr val="white">
+                      <a:alpha val="0"/>
+                    </a:prstClr>
+                  </a:solidFill>
+                </a:ln>
+                <a:solidFill>
+                  <a:schemeClr val="tx2">
+                    <a:lumMod val="75000"/>
+                  </a:schemeClr>
+                </a:solidFill>
+                <a:latin typeface="+mj-ea"/>
+                <a:ea typeface="+mj-ea"/>
+              </a:rPr>
+              <a:t> </a:t>
+            </a:r>
+            <a:r>
+              <a:rPr lang="ko-KR" altLang="en-US" spc="-60" dirty="0">
+                <a:ln>
+                  <a:solidFill>
+                    <a:prstClr val="white">
+                      <a:alpha val="0"/>
+                    </a:prstClr>
+                  </a:solidFill>
+                </a:ln>
+                <a:solidFill>
+                  <a:schemeClr val="tx2">
+                    <a:lumMod val="75000"/>
+                  </a:schemeClr>
+                </a:solidFill>
+                <a:latin typeface="+mj-ea"/>
+                <a:ea typeface="+mj-ea"/>
+              </a:rPr>
+              <a:t>거래</a:t>
+            </a:r>
+            <a:r>
+              <a:rPr lang="ko-KR" altLang="en-US" sz="2000" spc="-60" dirty="0">
+                <a:ln>
+                  <a:solidFill>
+                    <a:prstClr val="white">
+                      <a:alpha val="0"/>
+                    </a:prstClr>
+                  </a:solidFill>
+                </a:ln>
+                <a:solidFill>
+                  <a:schemeClr val="tx2">
+                    <a:lumMod val="75000"/>
+                  </a:schemeClr>
+                </a:solidFill>
+                <a:latin typeface="+mj-ea"/>
+                <a:ea typeface="+mj-ea"/>
+              </a:rPr>
+              <a:t>금액</a:t>
+            </a:r>
+            <a:endParaRPr lang="en-US" altLang="ko-KR" sz="2000" spc="-60" dirty="0">
+              <a:ln>
+                <a:solidFill>
+                  <a:prstClr val="white">
+                    <a:alpha val="0"/>
+                  </a:prstClr>
+                </a:solidFill>
+              </a:ln>
+              <a:solidFill>
+                <a:schemeClr val="tx2">
+                  <a:lumMod val="75000"/>
+                </a:schemeClr>
+              </a:solidFill>
+              <a:latin typeface="+mj-ea"/>
+              <a:ea typeface="+mj-ea"/>
+            </a:endParaRPr>
+          </a:p>
+          <a:p>
+            <a:pPr marL="457200" lvl="1" indent="0">
+              <a:spcBef>
+                <a:spcPts val="1000"/>
+              </a:spcBef>
+              <a:buNone/>
+            </a:pPr>
+            <a:endParaRPr lang="en-US" altLang="ko-KR" spc="-60" dirty="0">
+              <a:ln>
+                <a:solidFill>
+                  <a:prstClr val="white">
+                    <a:alpha val="0"/>
+                  </a:prstClr>
+                </a:solidFill>
+              </a:ln>
+              <a:solidFill>
+                <a:schemeClr val="tx2">
+                  <a:lumMod val="75000"/>
+                </a:schemeClr>
+              </a:solidFill>
+              <a:latin typeface="+mj-ea"/>
+              <a:ea typeface="+mj-ea"/>
+            </a:endParaRPr>
+          </a:p>
+        </p:txBody>
+      </p:sp>
     </p:spTree>
     <p:extLst>
       <p:ext uri="{BB962C8B-B14F-4D97-AF65-F5344CB8AC3E}">
@@ -7746,13 +6342,6 @@
   <p:clrMapOvr>
     <a:masterClrMapping/>
   </p:clrMapOvr>
-  <p:timing>
-    <p:tnLst>
-      <p:par>
-        <p:cTn id="1" dur="indefinite" restart="never" nodeType="tmRoot"/>
-      </p:par>
-    </p:tnLst>
-  </p:timing>
 </p:sld>
 </file>
 
@@ -8739,13 +7328,6 @@
   <p:clrMapOvr>
     <a:masterClrMapping/>
   </p:clrMapOvr>
-  <p:timing>
-    <p:tnLst>
-      <p:par>
-        <p:cTn id="1" dur="indefinite" restart="never" nodeType="tmRoot"/>
-      </p:par>
-    </p:tnLst>
-  </p:timing>
 </p:sld>
 </file>
 
@@ -10758,11 +9340,19 @@
           <a:prstGeom prst="rect">
             <a:avLst/>
           </a:prstGeom>
-          <a:solidFill>
-            <a:srgbClr val="FFFF00">
-              <a:alpha val="70000"/>
-            </a:srgbClr>
-          </a:solidFill>
+          <a:blipFill dpi="0" rotWithShape="1">
+            <a:blip r:embed="rId2">
+              <a:extLst>
+                <a:ext uri="{28A0092B-C50C-407E-A947-70E740481C1C}">
+                  <a14:useLocalDpi xmlns:a14="http://schemas.microsoft.com/office/drawing/2010/main" val="0"/>
+                </a:ext>
+              </a:extLst>
+            </a:blip>
+            <a:srcRect/>
+            <a:stretch>
+              <a:fillRect/>
+            </a:stretch>
+          </a:blipFill>
           <a:ln>
             <a:noFill/>
           </a:ln>
@@ -10788,14 +9378,6 @@
           <a:lstStyle/>
           <a:p>
             <a:pPr algn="ctr"/>
-            <a:r>
-              <a:rPr lang="ko-KR" altLang="en-US" sz="3600" dirty="0">
-                <a:solidFill>
-                  <a:srgbClr val="FF0000"/>
-                </a:solidFill>
-              </a:rPr>
-              <a:t>그래프 삽입</a:t>
-            </a:r>
             <a:endParaRPr lang="ko-KR" altLang="en-US" sz="1200" strike="sngStrike" dirty="0">
               <a:solidFill>
                 <a:srgbClr val="FF0000"/>
@@ -11017,23 +9599,22 @@
               <a:buChar char="•"/>
             </a:pPr>
             <a:r>
-              <a:rPr lang="ko-KR" altLang="en-US" sz="1100" spc="-60" dirty="0" err="1">
-                <a:ln>
-                  <a:solidFill>
-                    <a:prstClr val="white">
-                      <a:alpha val="0"/>
-                    </a:prstClr>
-                  </a:solidFill>
-                </a:ln>
-                <a:solidFill>
-                  <a:schemeClr val="tx2">
-                    <a:lumMod val="75000"/>
-                  </a:schemeClr>
-                </a:solidFill>
-                <a:latin typeface="+mj-ea"/>
-                <a:ea typeface="+mj-ea"/>
-              </a:rPr>
-              <a:t>ㅇ</a:t>
+              <a:rPr lang="ko-KR" altLang="en-US" sz="1100" spc="-60" dirty="0">
+                <a:ln>
+                  <a:solidFill>
+                    <a:prstClr val="white">
+                      <a:alpha val="0"/>
+                    </a:prstClr>
+                  </a:solidFill>
+                </a:ln>
+                <a:solidFill>
+                  <a:schemeClr val="tx2">
+                    <a:lumMod val="75000"/>
+                  </a:schemeClr>
+                </a:solidFill>
+                <a:latin typeface="+mj-ea"/>
+              </a:rPr>
+              <a:t>남녀별 거래금액 집계</a:t>
             </a:r>
             <a:endParaRPr lang="en-US" altLang="ko-KR" sz="1100" spc="-60" dirty="0">
               <a:ln>
@@ -11049,7 +9630,326 @@
                 </a:schemeClr>
               </a:solidFill>
               <a:latin typeface="+mj-ea"/>
-              <a:ea typeface="+mj-ea"/>
+            </a:endParaRPr>
+          </a:p>
+          <a:p>
+            <a:pPr marL="171450" indent="-171450">
+              <a:buFont typeface="Arial" panose="020B0604020202020204" pitchFamily="34" charset="0"/>
+              <a:buChar char="•"/>
+            </a:pPr>
+            <a:endParaRPr lang="en-US" altLang="ko-KR" sz="1100" spc="-60" dirty="0">
+              <a:ln>
+                <a:solidFill>
+                  <a:prstClr val="white">
+                    <a:alpha val="0"/>
+                  </a:prstClr>
+                </a:solidFill>
+              </a:ln>
+              <a:solidFill>
+                <a:schemeClr val="tx2">
+                  <a:lumMod val="75000"/>
+                </a:schemeClr>
+              </a:solidFill>
+              <a:latin typeface="+mj-ea"/>
+            </a:endParaRPr>
+          </a:p>
+          <a:p>
+            <a:pPr marL="171450" indent="-171450">
+              <a:buFont typeface="Arial" panose="020B0604020202020204" pitchFamily="34" charset="0"/>
+              <a:buChar char="•"/>
+            </a:pPr>
+            <a:r>
+              <a:rPr lang="en-US" altLang="ko-KR" sz="1100" spc="-60" dirty="0" err="1">
+                <a:ln>
+                  <a:solidFill>
+                    <a:prstClr val="white">
+                      <a:alpha val="0"/>
+                    </a:prstClr>
+                  </a:solidFill>
+                </a:ln>
+                <a:solidFill>
+                  <a:schemeClr val="tx2">
+                    <a:lumMod val="75000"/>
+                  </a:schemeClr>
+                </a:solidFill>
+                <a:latin typeface="+mj-ea"/>
+              </a:rPr>
+              <a:t>Groupby</a:t>
+            </a:r>
+            <a:r>
+              <a:rPr lang="en-US" altLang="ko-KR" sz="1100" spc="-60" dirty="0">
+                <a:ln>
+                  <a:solidFill>
+                    <a:prstClr val="white">
+                      <a:alpha val="0"/>
+                    </a:prstClr>
+                  </a:solidFill>
+                </a:ln>
+                <a:solidFill>
+                  <a:schemeClr val="tx2">
+                    <a:lumMod val="75000"/>
+                  </a:schemeClr>
+                </a:solidFill>
+                <a:latin typeface="+mj-ea"/>
+              </a:rPr>
+              <a:t> </a:t>
+            </a:r>
+            <a:r>
+              <a:rPr lang="ko-KR" altLang="en-US" sz="1100" spc="-60" dirty="0">
+                <a:ln>
+                  <a:solidFill>
+                    <a:prstClr val="white">
+                      <a:alpha val="0"/>
+                    </a:prstClr>
+                  </a:solidFill>
+                </a:ln>
+                <a:solidFill>
+                  <a:schemeClr val="tx2">
+                    <a:lumMod val="75000"/>
+                  </a:schemeClr>
+                </a:solidFill>
+                <a:latin typeface="+mj-ea"/>
+              </a:rPr>
+              <a:t>함수 사용해 거래금액  합계를 구함</a:t>
+            </a:r>
+            <a:r>
+              <a:rPr lang="en-US" altLang="ko-KR" sz="1100" spc="-60" dirty="0">
+                <a:ln>
+                  <a:solidFill>
+                    <a:prstClr val="white">
+                      <a:alpha val="0"/>
+                    </a:prstClr>
+                  </a:solidFill>
+                </a:ln>
+                <a:solidFill>
+                  <a:schemeClr val="tx2">
+                    <a:lumMod val="75000"/>
+                  </a:schemeClr>
+                </a:solidFill>
+                <a:latin typeface="+mj-ea"/>
+              </a:rPr>
+              <a:t>.</a:t>
+            </a:r>
+          </a:p>
+          <a:p>
+            <a:pPr marL="171450" indent="-171450">
+              <a:buFont typeface="Arial" panose="020B0604020202020204" pitchFamily="34" charset="0"/>
+              <a:buChar char="•"/>
+            </a:pPr>
+            <a:endParaRPr lang="en-US" altLang="ko-KR" sz="1100" spc="-60" dirty="0">
+              <a:ln>
+                <a:solidFill>
+                  <a:prstClr val="white">
+                    <a:alpha val="0"/>
+                  </a:prstClr>
+                </a:solidFill>
+              </a:ln>
+              <a:solidFill>
+                <a:schemeClr val="tx2">
+                  <a:lumMod val="75000"/>
+                </a:schemeClr>
+              </a:solidFill>
+              <a:latin typeface="+mj-ea"/>
+            </a:endParaRPr>
+          </a:p>
+          <a:p>
+            <a:pPr marL="171450" indent="-171450">
+              <a:buFont typeface="Arial" panose="020B0604020202020204" pitchFamily="34" charset="0"/>
+              <a:buChar char="•"/>
+            </a:pPr>
+            <a:r>
+              <a:rPr lang="en-US" altLang="ko-KR" sz="1100" spc="-60" dirty="0">
+                <a:ln>
+                  <a:solidFill>
+                    <a:prstClr val="white">
+                      <a:alpha val="0"/>
+                    </a:prstClr>
+                  </a:solidFill>
+                </a:ln>
+                <a:solidFill>
+                  <a:schemeClr val="tx2">
+                    <a:lumMod val="75000"/>
+                  </a:schemeClr>
+                </a:solidFill>
+                <a:latin typeface="+mj-ea"/>
+              </a:rPr>
+              <a:t>X</a:t>
+            </a:r>
+            <a:r>
+              <a:rPr lang="ko-KR" altLang="en-US" sz="1100" spc="-60" dirty="0">
+                <a:ln>
+                  <a:solidFill>
+                    <a:prstClr val="white">
+                      <a:alpha val="0"/>
+                    </a:prstClr>
+                  </a:solidFill>
+                </a:ln>
+                <a:solidFill>
+                  <a:schemeClr val="tx2">
+                    <a:lumMod val="75000"/>
+                  </a:schemeClr>
+                </a:solidFill>
+                <a:latin typeface="+mj-ea"/>
+              </a:rPr>
+              <a:t>축 </a:t>
+            </a:r>
+            <a:r>
+              <a:rPr lang="en-US" altLang="ko-KR" sz="1100" spc="-60" dirty="0">
+                <a:ln>
+                  <a:solidFill>
+                    <a:prstClr val="white">
+                      <a:alpha val="0"/>
+                    </a:prstClr>
+                  </a:solidFill>
+                </a:ln>
+                <a:solidFill>
+                  <a:schemeClr val="tx2">
+                    <a:lumMod val="75000"/>
+                  </a:schemeClr>
+                </a:solidFill>
+                <a:latin typeface="+mj-ea"/>
+              </a:rPr>
+              <a:t>: </a:t>
+            </a:r>
+            <a:r>
+              <a:rPr lang="ko-KR" altLang="en-US" sz="1100" spc="-60" dirty="0">
+                <a:ln>
+                  <a:solidFill>
+                    <a:prstClr val="white">
+                      <a:alpha val="0"/>
+                    </a:prstClr>
+                  </a:solidFill>
+                </a:ln>
+                <a:solidFill>
+                  <a:schemeClr val="tx2">
+                    <a:lumMod val="75000"/>
+                  </a:schemeClr>
+                </a:solidFill>
+                <a:latin typeface="+mj-ea"/>
+              </a:rPr>
+              <a:t>성별</a:t>
+            </a:r>
+            <a:r>
+              <a:rPr lang="en-US" altLang="ko-KR" sz="1100" spc="-60" dirty="0">
+                <a:ln>
+                  <a:solidFill>
+                    <a:prstClr val="white">
+                      <a:alpha val="0"/>
+                    </a:prstClr>
+                  </a:solidFill>
+                </a:ln>
+                <a:solidFill>
+                  <a:schemeClr val="tx2">
+                    <a:lumMod val="75000"/>
+                  </a:schemeClr>
+                </a:solidFill>
+                <a:latin typeface="+mj-ea"/>
+              </a:rPr>
+              <a:t>  </a:t>
+            </a:r>
+            <a:br>
+              <a:rPr lang="en-US" altLang="ko-KR" sz="1100" spc="-60" dirty="0">
+                <a:ln>
+                  <a:solidFill>
+                    <a:prstClr val="white">
+                      <a:alpha val="0"/>
+                    </a:prstClr>
+                  </a:solidFill>
+                </a:ln>
+                <a:solidFill>
+                  <a:schemeClr val="tx2">
+                    <a:lumMod val="75000"/>
+                  </a:schemeClr>
+                </a:solidFill>
+                <a:latin typeface="+mj-ea"/>
+              </a:rPr>
+            </a:br>
+            <a:r>
+              <a:rPr lang="en-US" altLang="ko-KR" sz="1100" spc="-60" dirty="0">
+                <a:ln>
+                  <a:solidFill>
+                    <a:prstClr val="white">
+                      <a:alpha val="0"/>
+                    </a:prstClr>
+                  </a:solidFill>
+                </a:ln>
+                <a:solidFill>
+                  <a:schemeClr val="tx2">
+                    <a:lumMod val="75000"/>
+                  </a:schemeClr>
+                </a:solidFill>
+                <a:latin typeface="+mj-ea"/>
+              </a:rPr>
+              <a:t>Y</a:t>
+            </a:r>
+            <a:r>
+              <a:rPr lang="ko-KR" altLang="en-US" sz="1100" spc="-60" dirty="0">
+                <a:ln>
+                  <a:solidFill>
+                    <a:prstClr val="white">
+                      <a:alpha val="0"/>
+                    </a:prstClr>
+                  </a:solidFill>
+                </a:ln>
+                <a:solidFill>
+                  <a:schemeClr val="tx2">
+                    <a:lumMod val="75000"/>
+                  </a:schemeClr>
+                </a:solidFill>
+                <a:latin typeface="+mj-ea"/>
+              </a:rPr>
+              <a:t>축 </a:t>
+            </a:r>
+            <a:r>
+              <a:rPr lang="en-US" altLang="ko-KR" sz="1100" spc="-60" dirty="0">
+                <a:ln>
+                  <a:solidFill>
+                    <a:prstClr val="white">
+                      <a:alpha val="0"/>
+                    </a:prstClr>
+                  </a:solidFill>
+                </a:ln>
+                <a:solidFill>
+                  <a:schemeClr val="tx2">
+                    <a:lumMod val="75000"/>
+                  </a:schemeClr>
+                </a:solidFill>
+                <a:latin typeface="+mj-ea"/>
+              </a:rPr>
+              <a:t>: </a:t>
+            </a:r>
+            <a:r>
+              <a:rPr lang="ko-KR" altLang="en-US" sz="1100" spc="-60" dirty="0">
+                <a:ln>
+                  <a:solidFill>
+                    <a:prstClr val="white">
+                      <a:alpha val="0"/>
+                    </a:prstClr>
+                  </a:solidFill>
+                </a:ln>
+                <a:solidFill>
+                  <a:schemeClr val="tx2">
+                    <a:lumMod val="75000"/>
+                  </a:schemeClr>
+                </a:solidFill>
+                <a:latin typeface="+mj-ea"/>
+              </a:rPr>
+              <a:t>거래금액</a:t>
+            </a:r>
+            <a:endParaRPr lang="en-US" altLang="ko-KR" sz="1100" spc="-60" dirty="0">
+              <a:ln>
+                <a:solidFill>
+                  <a:prstClr val="white">
+                    <a:alpha val="0"/>
+                  </a:prstClr>
+                </a:solidFill>
+              </a:ln>
+              <a:solidFill>
+                <a:schemeClr val="tx2">
+                  <a:lumMod val="75000"/>
+                </a:schemeClr>
+              </a:solidFill>
+              <a:latin typeface="+mj-ea"/>
             </a:endParaRPr>
           </a:p>
         </p:txBody>
@@ -11385,7 +10285,7 @@
               <a:buAutoNum type="circleNumDbPlain"/>
             </a:pPr>
             <a:r>
-              <a:rPr lang="ko-KR" altLang="en-US" spc="-60" dirty="0" err="1">
+              <a:rPr lang="ko-KR" altLang="en-US" spc="-60" dirty="0">
                 <a:ln>
                   <a:solidFill>
                     <a:prstClr val="white">
@@ -11401,7 +10301,45 @@
                 <a:latin typeface="+mj-ea"/>
                 <a:ea typeface="+mj-ea"/>
               </a:rPr>
-              <a:t>ㅇ</a:t>
+              <a:t>여성 거래금액 약 </a:t>
+            </a:r>
+            <a:r>
+              <a:rPr lang="en-US" altLang="ko-KR" spc="-60" dirty="0">
+                <a:ln>
+                  <a:solidFill>
+                    <a:prstClr val="white">
+                      <a:alpha val="0"/>
+                    </a:prstClr>
+                  </a:solidFill>
+                </a:ln>
+                <a:solidFill>
+                  <a:schemeClr val="tx2">
+                    <a:lumMod val="75000"/>
+                  </a:schemeClr>
+                </a:solidFill>
+                <a:latin typeface="+mj-ea"/>
+                <a:ea typeface="+mj-ea"/>
+              </a:rPr>
+              <a:t>30</a:t>
+            </a:r>
+            <a:r>
+              <a:rPr lang="ko-KR" altLang="en-US" spc="-60" dirty="0">
+                <a:ln>
+                  <a:solidFill>
+                    <a:prstClr val="white">
+                      <a:alpha val="0"/>
+                    </a:prstClr>
+                  </a:solidFill>
+                </a:ln>
+                <a:solidFill>
+                  <a:schemeClr val="tx2">
+                    <a:lumMod val="75000"/>
+                  </a:schemeClr>
+                </a:solidFill>
+                <a:latin typeface="+mj-ea"/>
+                <a:ea typeface="+mj-ea"/>
+              </a:rPr>
+              <a:t>억원</a:t>
             </a:r>
             <a:endParaRPr lang="en-US" altLang="ko-KR" spc="-60" dirty="0">
               <a:ln>
@@ -11429,7 +10367,7 @@
               <a:buAutoNum type="circleNumDbPlain"/>
             </a:pPr>
             <a:r>
-              <a:rPr lang="ko-KR" altLang="en-US" spc="-60" dirty="0" err="1">
+              <a:rPr lang="ko-KR" altLang="en-US" spc="-60" dirty="0">
                 <a:ln>
                   <a:solidFill>
                     <a:prstClr val="white">
@@ -11445,7 +10383,45 @@
                 <a:latin typeface="+mj-ea"/>
                 <a:ea typeface="+mj-ea"/>
               </a:rPr>
-              <a:t>ㅇ</a:t>
+              <a:t>남성 거래금액 약 </a:t>
+            </a:r>
+            <a:r>
+              <a:rPr lang="en-US" altLang="ko-KR" spc="-60" dirty="0">
+                <a:ln>
+                  <a:solidFill>
+                    <a:prstClr val="white">
+                      <a:alpha val="0"/>
+                    </a:prstClr>
+                  </a:solidFill>
+                </a:ln>
+                <a:solidFill>
+                  <a:schemeClr val="tx2">
+                    <a:lumMod val="75000"/>
+                  </a:schemeClr>
+                </a:solidFill>
+                <a:latin typeface="+mj-ea"/>
+                <a:ea typeface="+mj-ea"/>
+              </a:rPr>
+              <a:t>23</a:t>
+            </a:r>
+            <a:r>
+              <a:rPr lang="ko-KR" altLang="en-US" spc="-60" dirty="0">
+                <a:ln>
+                  <a:solidFill>
+                    <a:prstClr val="white">
+                      <a:alpha val="0"/>
+                    </a:prstClr>
+                  </a:solidFill>
+                </a:ln>
+                <a:solidFill>
+                  <a:schemeClr val="tx2">
+                    <a:lumMod val="75000"/>
+                  </a:schemeClr>
+                </a:solidFill>
+                <a:latin typeface="+mj-ea"/>
+                <a:ea typeface="+mj-ea"/>
+              </a:rPr>
+              <a:t>억원</a:t>
             </a:r>
             <a:endParaRPr lang="en-US" altLang="ko-KR" spc="-60" dirty="0">
               <a:ln>
@@ -11473,111 +10449,94 @@
               <a:buAutoNum type="circleNumDbPlain"/>
             </a:pPr>
             <a:r>
-              <a:rPr lang="ko-KR" altLang="en-US" spc="-60" dirty="0" err="1">
-                <a:ln>
-                  <a:solidFill>
-                    <a:prstClr val="white">
-                      <a:alpha val="0"/>
-                    </a:prstClr>
-                  </a:solidFill>
-                </a:ln>
-                <a:solidFill>
-                  <a:schemeClr val="tx2">
-                    <a:lumMod val="75000"/>
-                  </a:schemeClr>
-                </a:solidFill>
-                <a:latin typeface="+mj-ea"/>
-                <a:ea typeface="+mj-ea"/>
-              </a:rPr>
-              <a:t>ㅇ</a:t>
-            </a:r>
-            <a:endParaRPr lang="en-US" altLang="ko-KR" spc="-60" dirty="0">
-              <a:ln>
-                <a:solidFill>
-                  <a:prstClr val="white">
-                    <a:alpha val="0"/>
-                  </a:prstClr>
-                </a:solidFill>
-              </a:ln>
-              <a:solidFill>
-                <a:schemeClr val="tx2">
-                  <a:lumMod val="75000"/>
-                </a:schemeClr>
-              </a:solidFill>
-              <a:latin typeface="+mj-ea"/>
-              <a:ea typeface="+mj-ea"/>
-            </a:endParaRPr>
-          </a:p>
-          <a:p>
-            <a:pPr marL="800100" lvl="1" indent="-342900">
-              <a:spcBef>
-                <a:spcPts val="1000"/>
-              </a:spcBef>
-              <a:buFont typeface="+mj-ea"/>
-              <a:buAutoNum type="circleNumDbPlain"/>
-            </a:pPr>
-            <a:r>
-              <a:rPr lang="ko-KR" altLang="en-US" spc="-60" dirty="0" err="1">
-                <a:ln>
-                  <a:solidFill>
-                    <a:prstClr val="white">
-                      <a:alpha val="0"/>
-                    </a:prstClr>
-                  </a:solidFill>
-                </a:ln>
-                <a:solidFill>
-                  <a:schemeClr val="tx2">
-                    <a:lumMod val="75000"/>
-                  </a:schemeClr>
-                </a:solidFill>
-                <a:latin typeface="+mj-ea"/>
-                <a:ea typeface="+mj-ea"/>
-              </a:rPr>
-              <a:t>ㅇ</a:t>
-            </a:r>
-            <a:endParaRPr lang="en-US" altLang="ko-KR" spc="-60" dirty="0">
-              <a:ln>
-                <a:solidFill>
-                  <a:prstClr val="white">
-                    <a:alpha val="0"/>
-                  </a:prstClr>
-                </a:solidFill>
-              </a:ln>
-              <a:solidFill>
-                <a:schemeClr val="tx2">
-                  <a:lumMod val="75000"/>
-                </a:schemeClr>
-              </a:solidFill>
-              <a:latin typeface="+mj-ea"/>
-              <a:ea typeface="+mj-ea"/>
-            </a:endParaRPr>
-          </a:p>
-          <a:p>
-            <a:pPr marL="800100" lvl="1" indent="-342900">
-              <a:spcBef>
-                <a:spcPts val="1000"/>
-              </a:spcBef>
-              <a:buFont typeface="+mj-ea"/>
-              <a:buAutoNum type="circleNumDbPlain"/>
-            </a:pPr>
-            <a:r>
-              <a:rPr lang="ko-KR" altLang="en-US" spc="-60" dirty="0" err="1">
-                <a:ln>
-                  <a:solidFill>
-                    <a:prstClr val="white">
-                      <a:alpha val="0"/>
-                    </a:prstClr>
-                  </a:solidFill>
-                </a:ln>
-                <a:solidFill>
-                  <a:schemeClr val="tx2">
-                    <a:lumMod val="75000"/>
-                  </a:schemeClr>
-                </a:solidFill>
-                <a:latin typeface="+mj-ea"/>
-                <a:ea typeface="+mj-ea"/>
-              </a:rPr>
-              <a:t>ㅇ</a:t>
+              <a:rPr lang="ko-KR" altLang="en-US" spc="-60" dirty="0">
+                <a:ln>
+                  <a:solidFill>
+                    <a:prstClr val="white">
+                      <a:alpha val="0"/>
+                    </a:prstClr>
+                  </a:solidFill>
+                </a:ln>
+                <a:solidFill>
+                  <a:schemeClr val="tx2">
+                    <a:lumMod val="75000"/>
+                  </a:schemeClr>
+                </a:solidFill>
+                <a:latin typeface="+mj-ea"/>
+              </a:rPr>
+              <a:t>여성이 약 </a:t>
+            </a:r>
+            <a:r>
+              <a:rPr lang="en-US" altLang="ko-KR" spc="-60" dirty="0">
+                <a:ln>
+                  <a:solidFill>
+                    <a:prstClr val="white">
+                      <a:alpha val="0"/>
+                    </a:prstClr>
+                  </a:solidFill>
+                </a:ln>
+                <a:solidFill>
+                  <a:schemeClr val="tx2">
+                    <a:lumMod val="75000"/>
+                  </a:schemeClr>
+                </a:solidFill>
+                <a:latin typeface="+mj-ea"/>
+              </a:rPr>
+              <a:t>30</a:t>
+            </a:r>
+            <a:r>
+              <a:rPr lang="ko-KR" altLang="en-US" spc="-60" dirty="0">
+                <a:ln>
+                  <a:solidFill>
+                    <a:prstClr val="white">
+                      <a:alpha val="0"/>
+                    </a:prstClr>
+                  </a:solidFill>
+                </a:ln>
+                <a:solidFill>
+                  <a:schemeClr val="tx2">
+                    <a:lumMod val="75000"/>
+                  </a:schemeClr>
+                </a:solidFill>
+                <a:latin typeface="+mj-ea"/>
+              </a:rPr>
+              <a:t>억원으로 남성보다 </a:t>
+            </a:r>
+            <a:r>
+              <a:rPr lang="en-US" altLang="ko-KR" spc="-60" dirty="0">
+                <a:ln>
+                  <a:solidFill>
+                    <a:prstClr val="white">
+                      <a:alpha val="0"/>
+                    </a:prstClr>
+                  </a:solidFill>
+                </a:ln>
+                <a:solidFill>
+                  <a:schemeClr val="tx2">
+                    <a:lumMod val="75000"/>
+                  </a:schemeClr>
+                </a:solidFill>
+                <a:latin typeface="+mj-ea"/>
+              </a:rPr>
+              <a:t>30% </a:t>
+            </a:r>
+            <a:r>
+              <a:rPr lang="ko-KR" altLang="en-US" spc="-60" dirty="0">
+                <a:ln>
+                  <a:solidFill>
+                    <a:prstClr val="white">
+                      <a:alpha val="0"/>
+                    </a:prstClr>
+                  </a:solidFill>
+                </a:ln>
+                <a:solidFill>
+                  <a:schemeClr val="tx2">
+                    <a:lumMod val="75000"/>
+                  </a:schemeClr>
+                </a:solidFill>
+                <a:latin typeface="+mj-ea"/>
+              </a:rPr>
+              <a:t>더 많이 사용</a:t>
             </a:r>
             <a:endParaRPr lang="en-US" altLang="ko-KR" spc="-60" dirty="0">
               <a:ln>
@@ -11744,11 +10703,19 @@
           <a:prstGeom prst="rect">
             <a:avLst/>
           </a:prstGeom>
-          <a:solidFill>
-            <a:srgbClr val="FFFF00">
-              <a:alpha val="70000"/>
-            </a:srgbClr>
-          </a:solidFill>
+          <a:blipFill dpi="0" rotWithShape="1">
+            <a:blip r:embed="rId2">
+              <a:extLst>
+                <a:ext uri="{28A0092B-C50C-407E-A947-70E740481C1C}">
+                  <a14:useLocalDpi xmlns:a14="http://schemas.microsoft.com/office/drawing/2010/main" val="0"/>
+                </a:ext>
+              </a:extLst>
+            </a:blip>
+            <a:srcRect/>
+            <a:stretch>
+              <a:fillRect/>
+            </a:stretch>
+          </a:blipFill>
           <a:ln>
             <a:noFill/>
           </a:ln>
@@ -11774,14 +10741,6 @@
           <a:lstStyle/>
           <a:p>
             <a:pPr algn="ctr"/>
-            <a:r>
-              <a:rPr lang="ko-KR" altLang="en-US" sz="3600" dirty="0">
-                <a:solidFill>
-                  <a:srgbClr val="FF0000"/>
-                </a:solidFill>
-              </a:rPr>
-              <a:t>그래프 삽입</a:t>
-            </a:r>
             <a:endParaRPr lang="ko-KR" altLang="en-US" sz="1200" strike="sngStrike" dirty="0">
               <a:solidFill>
                 <a:srgbClr val="FF0000"/>
@@ -12003,24 +10962,424 @@
               <a:buChar char="•"/>
             </a:pPr>
             <a:r>
-              <a:rPr lang="ko-KR" altLang="en-US" sz="1100" spc="-60" dirty="0" err="1">
-                <a:ln>
-                  <a:solidFill>
-                    <a:prstClr val="white">
-                      <a:alpha val="0"/>
-                    </a:prstClr>
-                  </a:solidFill>
-                </a:ln>
-                <a:solidFill>
-                  <a:schemeClr val="tx2">
-                    <a:lumMod val="75000"/>
-                  </a:schemeClr>
-                </a:solidFill>
-                <a:latin typeface="+mj-ea"/>
-                <a:ea typeface="+mj-ea"/>
-              </a:rPr>
-              <a:t>ㅇ</a:t>
-            </a:r>
+              <a:rPr lang="ko-KR" altLang="en-US" sz="1100" spc="-60" dirty="0">
+                <a:ln>
+                  <a:solidFill>
+                    <a:prstClr val="white">
+                      <a:alpha val="0"/>
+                    </a:prstClr>
+                  </a:solidFill>
+                </a:ln>
+                <a:solidFill>
+                  <a:schemeClr val="tx2">
+                    <a:lumMod val="75000"/>
+                  </a:schemeClr>
+                </a:solidFill>
+                <a:latin typeface="+mj-ea"/>
+              </a:rPr>
+              <a:t>카테고리별 거래금액 집계</a:t>
+            </a:r>
+            <a:endParaRPr lang="en-US" altLang="ko-KR" sz="1100" spc="-60" dirty="0">
+              <a:ln>
+                <a:solidFill>
+                  <a:prstClr val="white">
+                    <a:alpha val="0"/>
+                  </a:prstClr>
+                </a:solidFill>
+              </a:ln>
+              <a:solidFill>
+                <a:schemeClr val="tx2">
+                  <a:lumMod val="75000"/>
+                </a:schemeClr>
+              </a:solidFill>
+              <a:latin typeface="+mj-ea"/>
+            </a:endParaRPr>
+          </a:p>
+          <a:p>
+            <a:pPr marL="171450" indent="-171450">
+              <a:buFont typeface="Arial" panose="020B0604020202020204" pitchFamily="34" charset="0"/>
+              <a:buChar char="•"/>
+            </a:pPr>
+            <a:endParaRPr lang="en-US" altLang="ko-KR" sz="1100" spc="-60" dirty="0">
+              <a:ln>
+                <a:solidFill>
+                  <a:prstClr val="white">
+                    <a:alpha val="0"/>
+                  </a:prstClr>
+                </a:solidFill>
+              </a:ln>
+              <a:solidFill>
+                <a:schemeClr val="tx2">
+                  <a:lumMod val="75000"/>
+                </a:schemeClr>
+              </a:solidFill>
+              <a:latin typeface="+mj-ea"/>
+            </a:endParaRPr>
+          </a:p>
+          <a:p>
+            <a:pPr marL="171450" indent="-171450">
+              <a:buFont typeface="Arial" panose="020B0604020202020204" pitchFamily="34" charset="0"/>
+              <a:buChar char="•"/>
+            </a:pPr>
+            <a:r>
+              <a:rPr lang="en-US" altLang="ko-KR" sz="1100" spc="-60" dirty="0" err="1">
+                <a:ln>
+                  <a:solidFill>
+                    <a:prstClr val="white">
+                      <a:alpha val="0"/>
+                    </a:prstClr>
+                  </a:solidFill>
+                </a:ln>
+                <a:solidFill>
+                  <a:schemeClr val="tx2">
+                    <a:lumMod val="75000"/>
+                  </a:schemeClr>
+                </a:solidFill>
+                <a:latin typeface="+mj-ea"/>
+              </a:rPr>
+              <a:t>Groupby</a:t>
+            </a:r>
+            <a:r>
+              <a:rPr lang="en-US" altLang="ko-KR" sz="1100" spc="-60" dirty="0">
+                <a:ln>
+                  <a:solidFill>
+                    <a:prstClr val="white">
+                      <a:alpha val="0"/>
+                    </a:prstClr>
+                  </a:solidFill>
+                </a:ln>
+                <a:solidFill>
+                  <a:schemeClr val="tx2">
+                    <a:lumMod val="75000"/>
+                  </a:schemeClr>
+                </a:solidFill>
+                <a:latin typeface="+mj-ea"/>
+              </a:rPr>
+              <a:t> </a:t>
+            </a:r>
+            <a:r>
+              <a:rPr lang="ko-KR" altLang="en-US" sz="1100" spc="-60" dirty="0">
+                <a:ln>
+                  <a:solidFill>
+                    <a:prstClr val="white">
+                      <a:alpha val="0"/>
+                    </a:prstClr>
+                  </a:solidFill>
+                </a:ln>
+                <a:solidFill>
+                  <a:schemeClr val="tx2">
+                    <a:lumMod val="75000"/>
+                  </a:schemeClr>
+                </a:solidFill>
+                <a:latin typeface="+mj-ea"/>
+              </a:rPr>
+              <a:t>함수 사용해 거래금액  합계를 구함</a:t>
+            </a:r>
+            <a:r>
+              <a:rPr lang="en-US" altLang="ko-KR" sz="1100" spc="-60" dirty="0">
+                <a:ln>
+                  <a:solidFill>
+                    <a:prstClr val="white">
+                      <a:alpha val="0"/>
+                    </a:prstClr>
+                  </a:solidFill>
+                </a:ln>
+                <a:solidFill>
+                  <a:schemeClr val="tx2">
+                    <a:lumMod val="75000"/>
+                  </a:schemeClr>
+                </a:solidFill>
+                <a:latin typeface="+mj-ea"/>
+              </a:rPr>
+              <a:t>.</a:t>
+            </a:r>
+          </a:p>
+          <a:p>
+            <a:pPr marL="171450" indent="-171450">
+              <a:buFont typeface="Arial" panose="020B0604020202020204" pitchFamily="34" charset="0"/>
+              <a:buChar char="•"/>
+            </a:pPr>
+            <a:endParaRPr lang="en-US" altLang="ko-KR" sz="1100" spc="-60" dirty="0">
+              <a:ln>
+                <a:solidFill>
+                  <a:prstClr val="white">
+                    <a:alpha val="0"/>
+                  </a:prstClr>
+                </a:solidFill>
+              </a:ln>
+              <a:solidFill>
+                <a:schemeClr val="tx2">
+                  <a:lumMod val="75000"/>
+                </a:schemeClr>
+              </a:solidFill>
+              <a:latin typeface="+mj-ea"/>
+            </a:endParaRPr>
+          </a:p>
+          <a:p>
+            <a:pPr marL="171450" indent="-171450">
+              <a:buFont typeface="Arial" panose="020B0604020202020204" pitchFamily="34" charset="0"/>
+              <a:buChar char="•"/>
+            </a:pPr>
+            <a:r>
+              <a:rPr lang="ko-KR" altLang="en-US" sz="1100" spc="-60" dirty="0">
+                <a:ln>
+                  <a:solidFill>
+                    <a:prstClr val="white">
+                      <a:alpha val="0"/>
+                    </a:prstClr>
+                  </a:solidFill>
+                </a:ln>
+                <a:solidFill>
+                  <a:schemeClr val="tx2">
+                    <a:lumMod val="75000"/>
+                  </a:schemeClr>
+                </a:solidFill>
+                <a:latin typeface="+mj-ea"/>
+              </a:rPr>
+              <a:t>거래금액이 큰 순서로 정렬</a:t>
+            </a:r>
+            <a:endParaRPr lang="en-US" altLang="ko-KR" sz="1100" spc="-60" dirty="0">
+              <a:ln>
+                <a:solidFill>
+                  <a:prstClr val="white">
+                    <a:alpha val="0"/>
+                  </a:prstClr>
+                </a:solidFill>
+              </a:ln>
+              <a:solidFill>
+                <a:schemeClr val="tx2">
+                  <a:lumMod val="75000"/>
+                </a:schemeClr>
+              </a:solidFill>
+              <a:latin typeface="+mj-ea"/>
+            </a:endParaRPr>
+          </a:p>
+          <a:p>
+            <a:pPr marL="171450" indent="-171450">
+              <a:buFont typeface="Arial" panose="020B0604020202020204" pitchFamily="34" charset="0"/>
+              <a:buChar char="•"/>
+            </a:pPr>
+            <a:endParaRPr lang="en-US" altLang="ko-KR" sz="1100" spc="-60" dirty="0">
+              <a:ln>
+                <a:solidFill>
+                  <a:prstClr val="white">
+                    <a:alpha val="0"/>
+                  </a:prstClr>
+                </a:solidFill>
+              </a:ln>
+              <a:solidFill>
+                <a:schemeClr val="tx2">
+                  <a:lumMod val="75000"/>
+                </a:schemeClr>
+              </a:solidFill>
+              <a:latin typeface="+mj-ea"/>
+            </a:endParaRPr>
+          </a:p>
+          <a:p>
+            <a:pPr marL="171450" indent="-171450">
+              <a:buFont typeface="Arial" panose="020B0604020202020204" pitchFamily="34" charset="0"/>
+              <a:buChar char="•"/>
+            </a:pPr>
+            <a:r>
+              <a:rPr lang="en-US" altLang="ko-KR" sz="1100" spc="-60" dirty="0">
+                <a:ln>
+                  <a:solidFill>
+                    <a:prstClr val="white">
+                      <a:alpha val="0"/>
+                    </a:prstClr>
+                  </a:solidFill>
+                </a:ln>
+                <a:solidFill>
+                  <a:schemeClr val="tx2">
+                    <a:lumMod val="75000"/>
+                  </a:schemeClr>
+                </a:solidFill>
+                <a:latin typeface="+mj-ea"/>
+              </a:rPr>
+              <a:t>X</a:t>
+            </a:r>
+            <a:r>
+              <a:rPr lang="ko-KR" altLang="en-US" sz="1100" spc="-60" dirty="0">
+                <a:ln>
+                  <a:solidFill>
+                    <a:prstClr val="white">
+                      <a:alpha val="0"/>
+                    </a:prstClr>
+                  </a:solidFill>
+                </a:ln>
+                <a:solidFill>
+                  <a:schemeClr val="tx2">
+                    <a:lumMod val="75000"/>
+                  </a:schemeClr>
+                </a:solidFill>
+                <a:latin typeface="+mj-ea"/>
+              </a:rPr>
+              <a:t>축 </a:t>
+            </a:r>
+            <a:r>
+              <a:rPr lang="en-US" altLang="ko-KR" sz="1100" spc="-60" dirty="0">
+                <a:ln>
+                  <a:solidFill>
+                    <a:prstClr val="white">
+                      <a:alpha val="0"/>
+                    </a:prstClr>
+                  </a:solidFill>
+                </a:ln>
+                <a:solidFill>
+                  <a:schemeClr val="tx2">
+                    <a:lumMod val="75000"/>
+                  </a:schemeClr>
+                </a:solidFill>
+                <a:latin typeface="+mj-ea"/>
+              </a:rPr>
+              <a:t>: </a:t>
+            </a:r>
+            <a:r>
+              <a:rPr lang="ko-KR" altLang="en-US" sz="1100" spc="-60" dirty="0">
+                <a:ln>
+                  <a:solidFill>
+                    <a:prstClr val="white">
+                      <a:alpha val="0"/>
+                    </a:prstClr>
+                  </a:solidFill>
+                </a:ln>
+                <a:solidFill>
+                  <a:schemeClr val="tx2">
+                    <a:lumMod val="75000"/>
+                  </a:schemeClr>
+                </a:solidFill>
+                <a:latin typeface="+mj-ea"/>
+              </a:rPr>
+              <a:t>카테고리</a:t>
+            </a:r>
+            <a:r>
+              <a:rPr lang="en-US" altLang="ko-KR" sz="1100" spc="-60" dirty="0">
+                <a:ln>
+                  <a:solidFill>
+                    <a:prstClr val="white">
+                      <a:alpha val="0"/>
+                    </a:prstClr>
+                  </a:solidFill>
+                </a:ln>
+                <a:solidFill>
+                  <a:schemeClr val="tx2">
+                    <a:lumMod val="75000"/>
+                  </a:schemeClr>
+                </a:solidFill>
+                <a:latin typeface="+mj-ea"/>
+              </a:rPr>
+              <a:t>  </a:t>
+            </a:r>
+            <a:br>
+              <a:rPr lang="en-US" altLang="ko-KR" sz="1100" spc="-60" dirty="0">
+                <a:ln>
+                  <a:solidFill>
+                    <a:prstClr val="white">
+                      <a:alpha val="0"/>
+                    </a:prstClr>
+                  </a:solidFill>
+                </a:ln>
+                <a:solidFill>
+                  <a:schemeClr val="tx2">
+                    <a:lumMod val="75000"/>
+                  </a:schemeClr>
+                </a:solidFill>
+                <a:latin typeface="+mj-ea"/>
+              </a:rPr>
+            </a:br>
+            <a:r>
+              <a:rPr lang="en-US" altLang="ko-KR" sz="1100" spc="-60" dirty="0">
+                <a:ln>
+                  <a:solidFill>
+                    <a:prstClr val="white">
+                      <a:alpha val="0"/>
+                    </a:prstClr>
+                  </a:solidFill>
+                </a:ln>
+                <a:solidFill>
+                  <a:schemeClr val="tx2">
+                    <a:lumMod val="75000"/>
+                  </a:schemeClr>
+                </a:solidFill>
+                <a:latin typeface="+mj-ea"/>
+              </a:rPr>
+              <a:t>Y</a:t>
+            </a:r>
+            <a:r>
+              <a:rPr lang="ko-KR" altLang="en-US" sz="1100" spc="-60" dirty="0">
+                <a:ln>
+                  <a:solidFill>
+                    <a:prstClr val="white">
+                      <a:alpha val="0"/>
+                    </a:prstClr>
+                  </a:solidFill>
+                </a:ln>
+                <a:solidFill>
+                  <a:schemeClr val="tx2">
+                    <a:lumMod val="75000"/>
+                  </a:schemeClr>
+                </a:solidFill>
+                <a:latin typeface="+mj-ea"/>
+              </a:rPr>
+              <a:t>축 </a:t>
+            </a:r>
+            <a:r>
+              <a:rPr lang="en-US" altLang="ko-KR" sz="1100" spc="-60" dirty="0">
+                <a:ln>
+                  <a:solidFill>
+                    <a:prstClr val="white">
+                      <a:alpha val="0"/>
+                    </a:prstClr>
+                  </a:solidFill>
+                </a:ln>
+                <a:solidFill>
+                  <a:schemeClr val="tx2">
+                    <a:lumMod val="75000"/>
+                  </a:schemeClr>
+                </a:solidFill>
+                <a:latin typeface="+mj-ea"/>
+              </a:rPr>
+              <a:t>: </a:t>
+            </a:r>
+            <a:r>
+              <a:rPr lang="ko-KR" altLang="en-US" sz="1100" spc="-60" dirty="0">
+                <a:ln>
+                  <a:solidFill>
+                    <a:prstClr val="white">
+                      <a:alpha val="0"/>
+                    </a:prstClr>
+                  </a:solidFill>
+                </a:ln>
+                <a:solidFill>
+                  <a:schemeClr val="tx2">
+                    <a:lumMod val="75000"/>
+                  </a:schemeClr>
+                </a:solidFill>
+                <a:latin typeface="+mj-ea"/>
+              </a:rPr>
+              <a:t>거래금액</a:t>
+            </a:r>
+            <a:endParaRPr lang="en-US" altLang="ko-KR" sz="1100" spc="-60" dirty="0">
+              <a:ln>
+                <a:solidFill>
+                  <a:prstClr val="white">
+                    <a:alpha val="0"/>
+                  </a:prstClr>
+                </a:solidFill>
+              </a:ln>
+              <a:solidFill>
+                <a:schemeClr val="tx2">
+                  <a:lumMod val="75000"/>
+                </a:schemeClr>
+              </a:solidFill>
+              <a:latin typeface="+mj-ea"/>
+            </a:endParaRPr>
+          </a:p>
+          <a:p>
+            <a:pPr marL="171450" indent="-171450">
+              <a:buFont typeface="Arial" panose="020B0604020202020204" pitchFamily="34" charset="0"/>
+              <a:buChar char="•"/>
+            </a:pPr>
             <a:endParaRPr lang="en-US" altLang="ko-KR" sz="1100" spc="-60" dirty="0">
               <a:ln>
                 <a:solidFill>
@@ -12371,7 +11730,7 @@
               <a:buAutoNum type="circleNumDbPlain"/>
             </a:pPr>
             <a:r>
-              <a:rPr lang="ko-KR" altLang="en-US" spc="-60" dirty="0" err="1">
+              <a:rPr lang="ko-KR" altLang="en-US" spc="-60" dirty="0">
                 <a:ln>
                   <a:solidFill>
                     <a:prstClr val="white">
@@ -12387,7 +11746,83 @@
                 <a:latin typeface="+mj-ea"/>
                 <a:ea typeface="+mj-ea"/>
               </a:rPr>
-              <a:t>ㅇ</a:t>
+              <a:t>음식점이 약 </a:t>
+            </a:r>
+            <a:r>
+              <a:rPr lang="en-US" altLang="ko-KR" spc="-60" dirty="0">
+                <a:ln>
+                  <a:solidFill>
+                    <a:prstClr val="white">
+                      <a:alpha val="0"/>
+                    </a:prstClr>
+                  </a:solidFill>
+                </a:ln>
+                <a:solidFill>
+                  <a:schemeClr val="tx2">
+                    <a:lumMod val="75000"/>
+                  </a:schemeClr>
+                </a:solidFill>
+                <a:latin typeface="+mj-ea"/>
+                <a:ea typeface="+mj-ea"/>
+              </a:rPr>
+              <a:t>14</a:t>
+            </a:r>
+            <a:r>
+              <a:rPr lang="ko-KR" altLang="en-US" spc="-60" dirty="0">
+                <a:ln>
+                  <a:solidFill>
+                    <a:prstClr val="white">
+                      <a:alpha val="0"/>
+                    </a:prstClr>
+                  </a:solidFill>
+                </a:ln>
+                <a:solidFill>
+                  <a:schemeClr val="tx2">
+                    <a:lumMod val="75000"/>
+                  </a:schemeClr>
+                </a:solidFill>
+                <a:latin typeface="+mj-ea"/>
+                <a:ea typeface="+mj-ea"/>
+              </a:rPr>
+              <a:t>억원으로 전체금액의 </a:t>
+            </a:r>
+            <a:r>
+              <a:rPr lang="en-US" altLang="ko-KR" spc="-60" dirty="0">
+                <a:ln>
+                  <a:solidFill>
+                    <a:prstClr val="white">
+                      <a:alpha val="0"/>
+                    </a:prstClr>
+                  </a:solidFill>
+                </a:ln>
+                <a:solidFill>
+                  <a:schemeClr val="tx2">
+                    <a:lumMod val="75000"/>
+                  </a:schemeClr>
+                </a:solidFill>
+                <a:latin typeface="+mj-ea"/>
+                <a:ea typeface="+mj-ea"/>
+              </a:rPr>
+              <a:t>27%</a:t>
+            </a:r>
+            <a:r>
+              <a:rPr lang="ko-KR" altLang="en-US" spc="-60" dirty="0">
+                <a:ln>
+                  <a:solidFill>
+                    <a:prstClr val="white">
+                      <a:alpha val="0"/>
+                    </a:prstClr>
+                  </a:solidFill>
+                </a:ln>
+                <a:solidFill>
+                  <a:schemeClr val="tx2">
+                    <a:lumMod val="75000"/>
+                  </a:schemeClr>
+                </a:solidFill>
+                <a:latin typeface="+mj-ea"/>
+                <a:ea typeface="+mj-ea"/>
+              </a:rPr>
+              <a:t>를 차지함</a:t>
             </a:r>
             <a:endParaRPr lang="en-US" altLang="ko-KR" spc="-60" dirty="0">
               <a:ln>
@@ -12415,7 +11850,7 @@
               <a:buAutoNum type="circleNumDbPlain"/>
             </a:pPr>
             <a:r>
-              <a:rPr lang="ko-KR" altLang="en-US" spc="-60" dirty="0" err="1">
+              <a:rPr lang="ko-KR" altLang="en-US" spc="-60" dirty="0">
                 <a:ln>
                   <a:solidFill>
                     <a:prstClr val="white">
@@ -12431,35 +11866,10 @@
                 <a:latin typeface="+mj-ea"/>
                 <a:ea typeface="+mj-ea"/>
               </a:rPr>
-              <a:t>ㅇ</a:t>
-            </a:r>
-            <a:endParaRPr lang="en-US" altLang="ko-KR" spc="-60" dirty="0">
-              <a:ln>
-                <a:solidFill>
-                  <a:prstClr val="white">
-                    <a:alpha val="0"/>
-                  </a:prstClr>
-                </a:solidFill>
-              </a:ln>
-              <a:solidFill>
-                <a:schemeClr val="tx2">
-                  <a:lumMod val="75000"/>
-                </a:schemeClr>
-              </a:solidFill>
-              <a:latin typeface="+mj-ea"/>
-              <a:ea typeface="+mj-ea"/>
-            </a:endParaRPr>
-          </a:p>
-          <a:p>
-            <a:pPr marL="800100" lvl="1" indent="-342900">
-              <a:spcBef>
-                <a:spcPts val="1000"/>
-              </a:spcBef>
-              <a:buFont typeface="+mj-ea"/>
-              <a:buAutoNum type="circleNumDbPlain"/>
-            </a:pPr>
-            <a:r>
-              <a:rPr lang="ko-KR" altLang="en-US" spc="-60" dirty="0" err="1">
+              <a:t>가전</a:t>
+            </a:r>
+            <a:r>
+              <a:rPr lang="en-US" altLang="ko-KR" spc="-60" dirty="0">
                 <a:ln>
                   <a:solidFill>
                     <a:prstClr val="white">
@@ -12475,35 +11885,10 @@
                 <a:latin typeface="+mj-ea"/>
                 <a:ea typeface="+mj-ea"/>
               </a:rPr>
-              <a:t>ㅇ</a:t>
-            </a:r>
-            <a:endParaRPr lang="en-US" altLang="ko-KR" spc="-60" dirty="0">
-              <a:ln>
-                <a:solidFill>
-                  <a:prstClr val="white">
-                    <a:alpha val="0"/>
-                  </a:prstClr>
-                </a:solidFill>
-              </a:ln>
-              <a:solidFill>
-                <a:schemeClr val="tx2">
-                  <a:lumMod val="75000"/>
-                </a:schemeClr>
-              </a:solidFill>
-              <a:latin typeface="+mj-ea"/>
-              <a:ea typeface="+mj-ea"/>
-            </a:endParaRPr>
-          </a:p>
-          <a:p>
-            <a:pPr marL="800100" lvl="1" indent="-342900">
-              <a:spcBef>
-                <a:spcPts val="1000"/>
-              </a:spcBef>
-              <a:buFont typeface="+mj-ea"/>
-              <a:buAutoNum type="circleNumDbPlain"/>
-            </a:pPr>
-            <a:r>
-              <a:rPr lang="ko-KR" altLang="en-US" spc="-60" dirty="0" err="1">
+              <a:t>/</a:t>
+            </a:r>
+            <a:r>
+              <a:rPr lang="ko-KR" altLang="en-US" spc="-60" dirty="0">
                 <a:ln>
                   <a:solidFill>
                     <a:prstClr val="white">
@@ -12519,35 +11904,10 @@
                 <a:latin typeface="+mj-ea"/>
                 <a:ea typeface="+mj-ea"/>
               </a:rPr>
-              <a:t>ㅇ</a:t>
-            </a:r>
-            <a:endParaRPr lang="en-US" altLang="ko-KR" spc="-60" dirty="0">
-              <a:ln>
-                <a:solidFill>
-                  <a:prstClr val="white">
-                    <a:alpha val="0"/>
-                  </a:prstClr>
-                </a:solidFill>
-              </a:ln>
-              <a:solidFill>
-                <a:schemeClr val="tx2">
-                  <a:lumMod val="75000"/>
-                </a:schemeClr>
-              </a:solidFill>
-              <a:latin typeface="+mj-ea"/>
-              <a:ea typeface="+mj-ea"/>
-            </a:endParaRPr>
-          </a:p>
-          <a:p>
-            <a:pPr marL="800100" lvl="1" indent="-342900">
-              <a:spcBef>
-                <a:spcPts val="1000"/>
-              </a:spcBef>
-              <a:buFont typeface="+mj-ea"/>
-              <a:buAutoNum type="circleNumDbPlain"/>
-            </a:pPr>
-            <a:r>
-              <a:rPr lang="ko-KR" altLang="en-US" spc="-60" dirty="0" err="1">
+              <a:t>통신이 </a:t>
+            </a:r>
+            <a:r>
+              <a:rPr lang="en-US" altLang="ko-KR" spc="-60" dirty="0">
                 <a:ln>
                   <a:solidFill>
                     <a:prstClr val="white">
@@ -12563,7 +11923,26 @@
                 <a:latin typeface="+mj-ea"/>
                 <a:ea typeface="+mj-ea"/>
               </a:rPr>
-              <a:t>ㅇ</a:t>
+              <a:t>340</a:t>
+            </a:r>
+            <a:r>
+              <a:rPr lang="ko-KR" altLang="en-US" spc="-60" dirty="0">
+                <a:ln>
+                  <a:solidFill>
+                    <a:prstClr val="white">
+                      <a:alpha val="0"/>
+                    </a:prstClr>
+                  </a:solidFill>
+                </a:ln>
+                <a:solidFill>
+                  <a:schemeClr val="tx2">
+                    <a:lumMod val="75000"/>
+                  </a:schemeClr>
+                </a:solidFill>
+                <a:latin typeface="+mj-ea"/>
+                <a:ea typeface="+mj-ea"/>
+              </a:rPr>
+              <a:t>만원으로 가장 적게 사용됨</a:t>
             </a:r>
             <a:endParaRPr lang="en-US" altLang="ko-KR" spc="-60" dirty="0">
               <a:ln>
@@ -13699,22 +13078,20 @@
       <p:sp>
         <p:nvSpPr>
           <p:cNvPr id="35" name="제목 1"/>
-          <p:cNvSpPr txBox="1">
-            <a:spLocks/>
-          </p:cNvSpPr>
+          <p:cNvSpPr txBox="1"/>
           <p:nvPr/>
         </p:nvSpPr>
         <p:spPr>
           <a:xfrm>
-            <a:off x="251520" y="243601"/>
-            <a:ext cx="8640960" cy="480131"/>
+            <a:off x="251520" y="249555"/>
+            <a:ext cx="8640960" cy="474177"/>
           </a:xfrm>
           <a:prstGeom prst="rect">
             <a:avLst/>
           </a:prstGeom>
         </p:spPr>
         <p:txBody>
-          <a:bodyPr vert="horz" wrap="square" lIns="91440" tIns="45720" rIns="91440" bIns="45720" rtlCol="0" anchor="ctr">
+          <a:bodyPr vert="horz" wrap="square" lIns="91440" tIns="45720" rIns="91440" bIns="45720" anchor="ctr">
             <a:spAutoFit/>
           </a:bodyPr>
           <a:lstStyle>
@@ -13731,22 +13108,25 @@
                   <a:schemeClr val="tx1"/>
                 </a:solidFill>
                 <a:effectLst/>
-                <a:latin typeface="-윤고딕320" panose="020B0600000101010101" charset="-127"/>
-                <a:ea typeface="-윤고딕320" panose="020B0600000101010101" charset="-127"/>
+                <a:latin typeface="-윤고딕320"/>
+                <a:ea typeface="-윤고딕320"/>
                 <a:cs typeface="+mj-cs"/>
               </a:defRPr>
             </a:lvl1pPr>
           </a:lstStyle>
           <a:p>
-            <a:r>
-              <a:rPr lang="en-US" altLang="ko-KR" dirty="0">
+            <a:pPr lvl="0">
+              <a:defRPr/>
+            </a:pPr>
+            <a:r>
+              <a:rPr lang="en-US" altLang="ko-KR">
                 <a:latin typeface="+mn-ea"/>
                 <a:ea typeface="+mn-ea"/>
               </a:rPr>
               <a:t>1. </a:t>
             </a:r>
             <a:r>
-              <a:rPr lang="ko-KR" altLang="en-US" dirty="0">
+              <a:rPr lang="ko-KR" altLang="en-US">
                 <a:latin typeface="+mn-ea"/>
                 <a:ea typeface="+mn-ea"/>
               </a:rPr>
@@ -13757,13 +13137,7 @@
       </p:sp>
       <p:sp>
         <p:nvSpPr>
-          <p:cNvPr id="6" name="텍스트 개체 틀 10">
-            <a:extLst>
-              <a:ext uri="{FF2B5EF4-FFF2-40B4-BE49-F238E27FC236}">
-                <a16:creationId xmlns:a16="http://schemas.microsoft.com/office/drawing/2014/main" id="{568BCBEE-28D7-4CE0-AD45-18A4F53C5BE5}"/>
-              </a:ext>
-            </a:extLst>
-          </p:cNvPr>
+          <p:cNvPr id="6" name="텍스트 개체 틀 10"/>
           <p:cNvSpPr>
             <a:spLocks noGrp="1"/>
           </p:cNvSpPr>
@@ -13781,24 +13155,26 @@
           <a:bodyPr/>
           <a:lstStyle/>
           <a:p>
-            <a:pPr marL="177800" indent="-177800"/>
+            <a:pPr marL="177800" indent="-177800">
+              <a:defRPr/>
+            </a:pPr>
             <a:r>
               <a:rPr lang="ko-KR" altLang="en-US" dirty="0">
                 <a:latin typeface="+mn-ea"/>
               </a:rPr>
-              <a:t>블로그 게시글 수와 관광객 수의 상관 분석을 통해 데이터 기반의 관광객 현황을 객관적으로 파악하고</a:t>
+              <a:t>울산페이를 사용함으로써 지역경제의 활성화를 도모하고 울산 지역 소상공인들에게 소득공제 혜택을 줄 수 있다</a:t>
             </a:r>
             <a:r>
               <a:rPr lang="en-US" altLang="ko-KR" dirty="0">
                 <a:latin typeface="+mn-ea"/>
               </a:rPr>
-              <a:t>, </a:t>
+              <a:t>.</a:t>
             </a:r>
             <a:r>
               <a:rPr lang="ko-KR" altLang="en-US" dirty="0">
                 <a:latin typeface="+mn-ea"/>
               </a:rPr>
-              <a:t>블로그 내용을 분석하여</a:t>
+              <a:t> 따라서 많이 사용되는 업종분야 및 여러 항목을 분석함으로써 울산페이의 활성화 및 개선 방향에</a:t>
             </a:r>
             <a:r>
               <a:rPr lang="en-US" altLang="ko-KR" dirty="0">
@@ -13810,38 +13186,28 @@
               <a:rPr lang="ko-KR" altLang="en-US" dirty="0">
                 <a:latin typeface="+mn-ea"/>
               </a:rPr>
-              <a:t>지역별 관광 활성화를 위한 맞춤형 관광정책 수립 지원</a:t>
+              <a:t>대해 제시할 수 있다</a:t>
             </a:r>
             <a:r>
               <a:rPr lang="en-US" altLang="ko-KR" dirty="0">
                 <a:latin typeface="+mn-ea"/>
               </a:rPr>
-              <a:t> </a:t>
-            </a:r>
-            <a:r>
-              <a:rPr lang="ko-KR" altLang="en-US" dirty="0">
-                <a:latin typeface="+mn-ea"/>
-              </a:rPr>
-              <a:t>필요</a:t>
-            </a:r>
+              <a:t>.</a:t>
+            </a:r>
+          </a:p>
+          <a:p>
+            <a:pPr marL="0" indent="0">
+              <a:buNone/>
+              <a:defRPr/>
+            </a:pPr>
             <a:endParaRPr lang="en-US" altLang="ko-KR" dirty="0">
               <a:latin typeface="+mn-ea"/>
             </a:endParaRPr>
           </a:p>
           <a:p>
-            <a:pPr marL="177800" indent="-177800"/>
-            <a:endParaRPr lang="en-US" altLang="ko-KR" dirty="0">
-              <a:latin typeface="+mn-ea"/>
-            </a:endParaRPr>
-          </a:p>
-          <a:p>
-            <a:pPr marL="177800" indent="-177800"/>
-            <a:endParaRPr lang="en-US" altLang="ko-KR" dirty="0">
-              <a:latin typeface="+mn-ea"/>
-            </a:endParaRPr>
-          </a:p>
-          <a:p>
-            <a:pPr marL="177800" indent="-177800"/>
+            <a:pPr marL="177800" indent="-177800">
+              <a:defRPr/>
+            </a:pPr>
             <a:r>
               <a:rPr lang="ko-KR" altLang="en-US" dirty="0">
                 <a:latin typeface="+mn-ea"/>
@@ -13856,13 +13222,7 @@
       </p:sp>
       <p:sp>
         <p:nvSpPr>
-          <p:cNvPr id="7" name="사각형: 둥근 모서리 6">
-            <a:extLst>
-              <a:ext uri="{FF2B5EF4-FFF2-40B4-BE49-F238E27FC236}">
-                <a16:creationId xmlns:a16="http://schemas.microsoft.com/office/drawing/2014/main" id="{A2226F8C-BB8B-43B1-99EE-4CBADFF97D42}"/>
-              </a:ext>
-            </a:extLst>
-          </p:cNvPr>
+          <p:cNvPr id="7" name="사각형: 둥근 모서리 6"/>
           <p:cNvSpPr/>
           <p:nvPr/>
         </p:nvSpPr>
@@ -13894,12 +13254,14 @@
           </a:fontRef>
         </p:style>
         <p:txBody>
-          <a:bodyPr rtlCol="0" anchor="ctr"/>
+          <a:bodyPr anchor="ctr"/>
           <a:lstStyle/>
           <a:p>
-            <a:pPr algn="ctr"/>
-            <a:r>
-              <a:rPr lang="ko-KR" altLang="en-US" sz="2000" b="1" dirty="0"/>
+            <a:pPr algn="ctr">
+              <a:defRPr/>
+            </a:pPr>
+            <a:r>
+              <a:rPr lang="ko-KR" altLang="en-US" sz="2000" b="1"/>
               <a:t>분석 배경</a:t>
             </a:r>
           </a:p>
@@ -13907,13 +13269,7 @@
       </p:sp>
       <p:sp>
         <p:nvSpPr>
-          <p:cNvPr id="9" name="사각형: 둥근 모서리 8">
-            <a:extLst>
-              <a:ext uri="{FF2B5EF4-FFF2-40B4-BE49-F238E27FC236}">
-                <a16:creationId xmlns:a16="http://schemas.microsoft.com/office/drawing/2014/main" id="{9AAE6DA0-6348-4DC4-8E34-4C090184E3C7}"/>
-              </a:ext>
-            </a:extLst>
-          </p:cNvPr>
+          <p:cNvPr id="9" name="사각형: 둥근 모서리 8"/>
           <p:cNvSpPr/>
           <p:nvPr/>
         </p:nvSpPr>
@@ -13945,88 +13301,32 @@
           </a:fontRef>
         </p:style>
         <p:txBody>
-          <a:bodyPr rtlCol="0" anchor="ctr"/>
+          <a:bodyPr anchor="ctr"/>
           <a:lstStyle/>
           <a:p>
-            <a:pPr algn="ctr"/>
-            <a:r>
-              <a:rPr lang="ko-KR" altLang="en-US" sz="2000" b="1" dirty="0"/>
+            <a:pPr algn="ctr">
+              <a:defRPr/>
+            </a:pPr>
+            <a:r>
+              <a:rPr lang="ko-KR" altLang="en-US" sz="2000" b="1"/>
               <a:t>분석 목적</a:t>
-            </a:r>
-          </a:p>
-        </p:txBody>
-      </p:sp>
-      <p:sp>
-        <p:nvSpPr>
-          <p:cNvPr id="2" name="직사각형 1">
-            <a:extLst>
-              <a:ext uri="{FF2B5EF4-FFF2-40B4-BE49-F238E27FC236}">
-                <a16:creationId xmlns:a16="http://schemas.microsoft.com/office/drawing/2014/main" id="{AFA67A62-F862-457A-AF40-C02357380C45}"/>
-              </a:ext>
-            </a:extLst>
-          </p:cNvPr>
-          <p:cNvSpPr/>
-          <p:nvPr/>
-        </p:nvSpPr>
-        <p:spPr>
-          <a:xfrm>
-            <a:off x="788894" y="1668463"/>
-            <a:ext cx="7810593" cy="922337"/>
-          </a:xfrm>
-          <a:prstGeom prst="rect">
-            <a:avLst/>
-          </a:prstGeom>
-          <a:solidFill>
-            <a:srgbClr val="FFFF00">
-              <a:alpha val="70000"/>
-            </a:srgbClr>
-          </a:solidFill>
-          <a:ln>
-            <a:noFill/>
-          </a:ln>
-        </p:spPr>
-        <p:style>
-          <a:lnRef idx="2">
-            <a:schemeClr val="accent1">
-              <a:shade val="50000"/>
-            </a:schemeClr>
-          </a:lnRef>
-          <a:fillRef idx="1">
-            <a:schemeClr val="accent1"/>
-          </a:fillRef>
-          <a:effectRef idx="0">
-            <a:schemeClr val="accent1"/>
-          </a:effectRef>
-          <a:fontRef idx="minor">
-            <a:schemeClr val="lt1"/>
-          </a:fontRef>
-        </p:style>
-        <p:txBody>
-          <a:bodyPr rtlCol="0" anchor="ctr"/>
-          <a:lstStyle/>
-          <a:p>
-            <a:pPr algn="ctr"/>
-            <a:r>
-              <a:rPr lang="ko-KR" altLang="en-US" sz="3600" dirty="0">
-                <a:solidFill>
-                  <a:srgbClr val="FF0000"/>
-                </a:solidFill>
-              </a:rPr>
-              <a:t>팀장님 작성</a:t>
             </a:r>
           </a:p>
         </p:txBody>
       </p:sp>
     </p:spTree>
-    <p:extLst>
-      <p:ext uri="{BB962C8B-B14F-4D97-AF65-F5344CB8AC3E}">
-        <p14:creationId xmlns:p14="http://schemas.microsoft.com/office/powerpoint/2010/main" val="1870250819"/>
-      </p:ext>
-    </p:extLst>
   </p:cSld>
   <p:clrMapOvr>
     <a:masterClrMapping/>
   </p:clrMapOvr>
+  <mc:AlternateContent xmlns:mc="http://schemas.openxmlformats.org/markup-compatibility/2006" xmlns:p14="http://schemas.microsoft.com/office/powerpoint/2010/main">
+    <mc:Choice Requires="p14">
+      <p:transition/>
+    </mc:Choice>
+    <mc:Fallback xmlns:dsp="http://schemas.microsoft.com/office/drawing/2008/diagram" xmlns:dgm="http://schemas.openxmlformats.org/drawingml/2006/diagram" xmlns:c="http://schemas.openxmlformats.org/drawingml/2006/chart" xmlns="">
+      <p:transition/>
+    </mc:Fallback>
+  </mc:AlternateContent>
 </p:sld>
 </file>
 
@@ -24246,21 +23546,21 @@
             <a:schemeClr val="phClr"/>
           </a:solidFill>
           <a:prstDash val="solid"/>
-          <a:miter lim="800000"/>
+          <a:miter/>
         </a:ln>
         <a:ln w="12700" cap="flat" cmpd="sng" algn="ctr">
           <a:solidFill>
             <a:schemeClr val="phClr"/>
           </a:solidFill>
           <a:prstDash val="solid"/>
-          <a:miter lim="800000"/>
+          <a:miter/>
         </a:ln>
         <a:ln w="19050" cap="flat" cmpd="sng" algn="ctr">
           <a:solidFill>
             <a:schemeClr val="phClr"/>
           </a:solidFill>
           <a:prstDash val="solid"/>
-          <a:miter lim="800000"/>
+          <a:miter/>
         </a:ln>
       </a:lnStyleLst>
       <a:effectStyleLst>
@@ -24322,10 +23622,5 @@
   </a:themeElements>
   <a:objectDefaults/>
   <a:extraClrSchemeLst/>
-  <a:extLst>
-    <a:ext uri="{05A4C25C-085E-4340-85A3-A5531E510DB2}">
-      <thm15:themeFamily xmlns:thm15="http://schemas.microsoft.com/office/thememl/2012/main" name="Office Theme" id="{62F939B6-93AF-4DB8-9C6B-D6C7DFDC589F}" vid="{4A3C46E8-61CC-4603-A589-7422A47A8E4A}"/>
-    </a:ext>
-  </a:extLst>
 </a:theme>
 </file>
--- a/빅데이터 기반 울산페이 사용 분석 보고서_ProjectB.pptx
+++ b/빅데이터 기반 울산페이 사용 분석 보고서_ProjectB.pptx
@@ -19,27 +19,19 @@
     <p:sldId id="384" r:id="rId13"/>
     <p:sldId id="385" r:id="rId14"/>
     <p:sldId id="386" r:id="rId15"/>
-    <p:sldId id="390" r:id="rId16"/>
-    <p:sldId id="391" r:id="rId17"/>
-    <p:sldId id="392" r:id="rId18"/>
-    <p:sldId id="393" r:id="rId19"/>
-    <p:sldId id="394" r:id="rId20"/>
-    <p:sldId id="395" r:id="rId21"/>
-    <p:sldId id="396" r:id="rId22"/>
-    <p:sldId id="383" r:id="rId23"/>
+    <p:sldId id="398" r:id="rId16"/>
+    <p:sldId id="399" r:id="rId17"/>
+    <p:sldId id="390" r:id="rId18"/>
+    <p:sldId id="391" r:id="rId19"/>
+    <p:sldId id="392" r:id="rId20"/>
+    <p:sldId id="393" r:id="rId21"/>
+    <p:sldId id="394" r:id="rId22"/>
+    <p:sldId id="395" r:id="rId23"/>
+    <p:sldId id="396" r:id="rId24"/>
+    <p:sldId id="383" r:id="rId25"/>
   </p:sldIdLst>
   <p:sldSz cx="9144000" cy="6858000" type="screen4x3"/>
   <p:notesSz cx="6807200" cy="9939338"/>
-  <p:embeddedFontLst>
-    <p:embeddedFont>
-      <p:font typeface="KoPub돋움체 Light" panose="02020603020101020101" pitchFamily="18" charset="-127"/>
-      <p:regular r:id="rId24"/>
-    </p:embeddedFont>
-    <p:embeddedFont>
-      <p:font typeface="KoPub돋움체 Bold" panose="02020603020101020101" pitchFamily="18" charset="-127"/>
-      <p:regular r:id="rId25"/>
-    </p:embeddedFont>
-  </p:embeddedFontLst>
   <p:defaultTextStyle>
     <a:defPPr>
       <a:defRPr lang="ko-KR"/>
@@ -8920,72 +8912,6 @@
       </p:grpSpPr>
       <p:sp>
         <p:nvSpPr>
-          <p:cNvPr id="13" name="직사각형 12">
-            <a:extLst>
-              <a:ext uri="{FF2B5EF4-FFF2-40B4-BE49-F238E27FC236}">
-                <a16:creationId xmlns:a16="http://schemas.microsoft.com/office/drawing/2014/main" id="{8A18650E-587D-4954-9C7A-C60C588F644B}"/>
-              </a:ext>
-            </a:extLst>
-          </p:cNvPr>
-          <p:cNvSpPr/>
-          <p:nvPr/>
-        </p:nvSpPr>
-        <p:spPr>
-          <a:xfrm>
-            <a:off x="832560" y="4210212"/>
-            <a:ext cx="6325222" cy="2136800"/>
-          </a:xfrm>
-          <a:prstGeom prst="rect">
-            <a:avLst/>
-          </a:prstGeom>
-          <a:solidFill>
-            <a:srgbClr val="FFFF00">
-              <a:alpha val="70000"/>
-            </a:srgbClr>
-          </a:solidFill>
-          <a:ln>
-            <a:noFill/>
-          </a:ln>
-        </p:spPr>
-        <p:style>
-          <a:lnRef idx="2">
-            <a:schemeClr val="accent1">
-              <a:shade val="50000"/>
-            </a:schemeClr>
-          </a:lnRef>
-          <a:fillRef idx="1">
-            <a:schemeClr val="accent1"/>
-          </a:fillRef>
-          <a:effectRef idx="0">
-            <a:schemeClr val="accent1"/>
-          </a:effectRef>
-          <a:fontRef idx="minor">
-            <a:schemeClr val="lt1"/>
-          </a:fontRef>
-        </p:style>
-        <p:txBody>
-          <a:bodyPr rtlCol="0" anchor="ctr"/>
-          <a:lstStyle/>
-          <a:p>
-            <a:pPr algn="ctr"/>
-            <a:r>
-              <a:rPr lang="ko-KR" altLang="en-US" sz="3600" dirty="0">
-                <a:solidFill>
-                  <a:srgbClr val="FF0000"/>
-                </a:solidFill>
-              </a:rPr>
-              <a:t>그래프 삽입</a:t>
-            </a:r>
-            <a:endParaRPr lang="ko-KR" altLang="en-US" sz="1200" strike="sngStrike" dirty="0">
-              <a:solidFill>
-                <a:srgbClr val="FF0000"/>
-              </a:solidFill>
-            </a:endParaRPr>
-          </a:p>
-        </p:txBody>
-      </p:sp>
-      <p:sp>
-        <p:nvSpPr>
           <p:cNvPr id="35" name="제목 1"/>
           <p:cNvSpPr txBox="1">
             <a:spLocks/>
@@ -9134,7 +9060,7 @@
         <p:spPr>
           <a:xfrm>
             <a:off x="7524205" y="1638755"/>
-            <a:ext cx="1619795" cy="3790406"/>
+            <a:ext cx="1619795" cy="2613740"/>
           </a:xfrm>
           <a:prstGeom prst="roundRect">
             <a:avLst>
@@ -9174,6 +9100,42 @@
               <a:buFont typeface="Arial" panose="020B0604020202020204" pitchFamily="34" charset="0"/>
               <a:buChar char="•"/>
             </a:pPr>
+            <a:r>
+              <a:rPr lang="ko-KR" altLang="en-US" sz="1100" spc="-60" dirty="0" err="1">
+                <a:ln>
+                  <a:solidFill>
+                    <a:prstClr val="white">
+                      <a:alpha val="0"/>
+                    </a:prstClr>
+                  </a:solidFill>
+                </a:ln>
+                <a:solidFill>
+                  <a:schemeClr val="tx2">
+                    <a:lumMod val="75000"/>
+                  </a:schemeClr>
+                </a:solidFill>
+                <a:latin typeface="+mj-ea"/>
+              </a:rPr>
+              <a:t>승인일자별</a:t>
+            </a:r>
+            <a:r>
+              <a:rPr lang="ko-KR" altLang="en-US" sz="1100" spc="-60" dirty="0">
+                <a:ln>
+                  <a:solidFill>
+                    <a:prstClr val="white">
+                      <a:alpha val="0"/>
+                    </a:prstClr>
+                  </a:solidFill>
+                </a:ln>
+                <a:solidFill>
+                  <a:schemeClr val="tx2">
+                    <a:lumMod val="75000"/>
+                  </a:schemeClr>
+                </a:solidFill>
+                <a:latin typeface="+mj-ea"/>
+              </a:rPr>
+              <a:t> 거래금액 집계</a:t>
+            </a:r>
             <a:endParaRPr lang="en-US" altLang="ko-KR" sz="1100" spc="-60" dirty="0">
               <a:ln>
                 <a:solidFill>
@@ -9188,7 +9150,6 @@
                 </a:schemeClr>
               </a:solidFill>
               <a:latin typeface="+mj-ea"/>
-              <a:ea typeface="+mj-ea"/>
             </a:endParaRPr>
           </a:p>
           <a:p>
@@ -9196,25 +9157,6 @@
               <a:buFont typeface="Arial" panose="020B0604020202020204" pitchFamily="34" charset="0"/>
               <a:buChar char="•"/>
             </a:pPr>
-            <a:r>
-              <a:rPr lang="ko-KR" altLang="en-US" sz="1100" spc="-60" dirty="0" err="1">
-                <a:ln>
-                  <a:solidFill>
-                    <a:prstClr val="white">
-                      <a:alpha val="0"/>
-                    </a:prstClr>
-                  </a:solidFill>
-                </a:ln>
-                <a:solidFill>
-                  <a:schemeClr val="tx2">
-                    <a:lumMod val="75000"/>
-                  </a:schemeClr>
-                </a:solidFill>
-                <a:latin typeface="+mj-ea"/>
-                <a:ea typeface="+mj-ea"/>
-              </a:rPr>
-              <a:t>ㅇ</a:t>
-            </a:r>
             <a:endParaRPr lang="en-US" altLang="ko-KR" sz="1100" spc="-60" dirty="0">
               <a:ln>
                 <a:solidFill>
@@ -9229,7 +9171,621 @@
                 </a:schemeClr>
               </a:solidFill>
               <a:latin typeface="+mj-ea"/>
-              <a:ea typeface="+mj-ea"/>
+            </a:endParaRPr>
+          </a:p>
+          <a:p>
+            <a:pPr marL="171450" indent="-171450">
+              <a:buFont typeface="Arial" panose="020B0604020202020204" pitchFamily="34" charset="0"/>
+              <a:buChar char="•"/>
+            </a:pPr>
+            <a:r>
+              <a:rPr lang="en-US" altLang="ko-KR" sz="1100" spc="-60" dirty="0" err="1">
+                <a:ln>
+                  <a:solidFill>
+                    <a:prstClr val="white">
+                      <a:alpha val="0"/>
+                    </a:prstClr>
+                  </a:solidFill>
+                </a:ln>
+                <a:solidFill>
+                  <a:schemeClr val="tx2">
+                    <a:lumMod val="75000"/>
+                  </a:schemeClr>
+                </a:solidFill>
+                <a:latin typeface="+mj-ea"/>
+              </a:rPr>
+              <a:t>datetime</a:t>
+            </a:r>
+            <a:r>
+              <a:rPr lang="en-US" altLang="ko-KR" sz="1100" spc="-60" dirty="0">
+                <a:ln>
+                  <a:solidFill>
+                    <a:prstClr val="white">
+                      <a:alpha val="0"/>
+                    </a:prstClr>
+                  </a:solidFill>
+                </a:ln>
+                <a:solidFill>
+                  <a:schemeClr val="tx2">
+                    <a:lumMod val="75000"/>
+                  </a:schemeClr>
+                </a:solidFill>
+                <a:latin typeface="+mj-ea"/>
+              </a:rPr>
+              <a:t> </a:t>
+            </a:r>
+            <a:r>
+              <a:rPr lang="ko-KR" altLang="en-US" sz="1100" spc="-60" dirty="0">
+                <a:ln>
+                  <a:solidFill>
+                    <a:prstClr val="white">
+                      <a:alpha val="0"/>
+                    </a:prstClr>
+                  </a:solidFill>
+                </a:ln>
+                <a:solidFill>
+                  <a:schemeClr val="tx2">
+                    <a:lumMod val="75000"/>
+                  </a:schemeClr>
+                </a:solidFill>
+                <a:latin typeface="+mj-ea"/>
+              </a:rPr>
+              <a:t>함수 활용</a:t>
+            </a:r>
+            <a:r>
+              <a:rPr lang="en-US" altLang="ko-KR" sz="1100" spc="-60" dirty="0" smtClean="0">
+                <a:ln>
+                  <a:solidFill>
+                    <a:prstClr val="white">
+                      <a:alpha val="0"/>
+                    </a:prstClr>
+                  </a:solidFill>
+                </a:ln>
+                <a:solidFill>
+                  <a:schemeClr val="tx2">
+                    <a:lumMod val="75000"/>
+                  </a:schemeClr>
+                </a:solidFill>
+                <a:latin typeface="+mj-ea"/>
+              </a:rPr>
+              <a:t>date/month/day</a:t>
+            </a:r>
+            <a:r>
+              <a:rPr lang="ko-KR" altLang="en-US" sz="1100" spc="-60" dirty="0" smtClean="0">
+                <a:ln>
+                  <a:solidFill>
+                    <a:prstClr val="white">
+                      <a:alpha val="0"/>
+                    </a:prstClr>
+                  </a:solidFill>
+                </a:ln>
+                <a:solidFill>
+                  <a:schemeClr val="tx2">
+                    <a:lumMod val="75000"/>
+                  </a:schemeClr>
+                </a:solidFill>
+                <a:latin typeface="+mj-ea"/>
+              </a:rPr>
+              <a:t>로 </a:t>
+            </a:r>
+            <a:r>
+              <a:rPr lang="ko-KR" altLang="en-US" sz="1100" spc="-60" dirty="0" smtClean="0">
+                <a:ln>
+                  <a:solidFill>
+                    <a:prstClr val="white">
+                      <a:alpha val="0"/>
+                    </a:prstClr>
+                  </a:solidFill>
+                </a:ln>
+                <a:solidFill>
+                  <a:schemeClr val="tx2">
+                    <a:lumMod val="75000"/>
+                  </a:schemeClr>
+                </a:solidFill>
+                <a:latin typeface="+mj-ea"/>
+              </a:rPr>
+              <a:t>분류</a:t>
+            </a:r>
+            <a:endParaRPr lang="en-US" altLang="ko-KR" sz="1100" spc="-60" dirty="0">
+              <a:ln>
+                <a:solidFill>
+                  <a:prstClr val="white">
+                    <a:alpha val="0"/>
+                  </a:prstClr>
+                </a:solidFill>
+              </a:ln>
+              <a:solidFill>
+                <a:schemeClr val="tx2">
+                  <a:lumMod val="75000"/>
+                </a:schemeClr>
+              </a:solidFill>
+              <a:latin typeface="+mj-ea"/>
+            </a:endParaRPr>
+          </a:p>
+          <a:p>
+            <a:pPr marL="171450" indent="-171450">
+              <a:buFont typeface="Arial" panose="020B0604020202020204" pitchFamily="34" charset="0"/>
+              <a:buChar char="•"/>
+            </a:pPr>
+            <a:endParaRPr lang="en-US" altLang="ko-KR" sz="1100" spc="-60" dirty="0">
+              <a:ln>
+                <a:solidFill>
+                  <a:prstClr val="white">
+                    <a:alpha val="0"/>
+                  </a:prstClr>
+                </a:solidFill>
+              </a:ln>
+              <a:solidFill>
+                <a:schemeClr val="tx2">
+                  <a:lumMod val="75000"/>
+                </a:schemeClr>
+              </a:solidFill>
+              <a:latin typeface="+mj-ea"/>
+            </a:endParaRPr>
+          </a:p>
+          <a:p>
+            <a:pPr marL="171450" indent="-171450">
+              <a:buFont typeface="Arial" panose="020B0604020202020204" pitchFamily="34" charset="0"/>
+              <a:buChar char="•"/>
+            </a:pPr>
+            <a:r>
+              <a:rPr lang="ko-KR" altLang="en-US" sz="1100" spc="-60" dirty="0" smtClean="0">
+                <a:ln>
+                  <a:solidFill>
+                    <a:prstClr val="white">
+                      <a:alpha val="0"/>
+                    </a:prstClr>
+                  </a:solidFill>
+                </a:ln>
+                <a:solidFill>
+                  <a:schemeClr val="tx2">
+                    <a:lumMod val="75000"/>
+                  </a:schemeClr>
+                </a:solidFill>
+                <a:latin typeface="+mj-ea"/>
+              </a:rPr>
+              <a:t>월 </a:t>
+            </a:r>
+            <a:r>
+              <a:rPr lang="en-US" altLang="ko-KR" sz="1100" spc="-60" dirty="0" smtClean="0">
+                <a:ln>
+                  <a:solidFill>
+                    <a:prstClr val="white">
+                      <a:alpha val="0"/>
+                    </a:prstClr>
+                  </a:solidFill>
+                </a:ln>
+                <a:solidFill>
+                  <a:schemeClr val="tx2">
+                    <a:lumMod val="75000"/>
+                  </a:schemeClr>
+                </a:solidFill>
+                <a:latin typeface="+mj-ea"/>
+              </a:rPr>
+              <a:t>/ </a:t>
+            </a:r>
+            <a:r>
+              <a:rPr lang="ko-KR" altLang="en-US" sz="1100" spc="-60" dirty="0" smtClean="0">
+                <a:ln>
+                  <a:solidFill>
+                    <a:prstClr val="white">
+                      <a:alpha val="0"/>
+                    </a:prstClr>
+                  </a:solidFill>
+                </a:ln>
+                <a:solidFill>
+                  <a:schemeClr val="tx2">
+                    <a:lumMod val="75000"/>
+                  </a:schemeClr>
+                </a:solidFill>
+                <a:latin typeface="+mj-ea"/>
+              </a:rPr>
+              <a:t>주 를 기준으로 데이터 분류 및</a:t>
+            </a:r>
+            <a:r>
+              <a:rPr lang="ko-KR" altLang="en-US" sz="1100" spc="-60" dirty="0" smtClean="0">
+                <a:ln>
+                  <a:solidFill>
+                    <a:prstClr val="white">
+                      <a:alpha val="0"/>
+                    </a:prstClr>
+                  </a:solidFill>
+                </a:ln>
+                <a:solidFill>
+                  <a:schemeClr val="tx2">
+                    <a:lumMod val="75000"/>
+                  </a:schemeClr>
+                </a:solidFill>
+                <a:latin typeface="+mj-ea"/>
+              </a:rPr>
+              <a:t>  </a:t>
+            </a:r>
+            <a:r>
+              <a:rPr lang="en-US" altLang="ko-KR" sz="1100" spc="-60" dirty="0" err="1" smtClean="0">
+                <a:ln>
+                  <a:solidFill>
+                    <a:prstClr val="white">
+                      <a:alpha val="0"/>
+                    </a:prstClr>
+                  </a:solidFill>
+                </a:ln>
+                <a:solidFill>
+                  <a:schemeClr val="tx2">
+                    <a:lumMod val="75000"/>
+                  </a:schemeClr>
+                </a:solidFill>
+                <a:latin typeface="+mj-ea"/>
+              </a:rPr>
+              <a:t>plt.bar</a:t>
+            </a:r>
+            <a:r>
+              <a:rPr lang="en-US" altLang="ko-KR" sz="1100" spc="-60" dirty="0" smtClean="0">
+                <a:ln>
+                  <a:solidFill>
+                    <a:prstClr val="white">
+                      <a:alpha val="0"/>
+                    </a:prstClr>
+                  </a:solidFill>
+                </a:ln>
+                <a:solidFill>
+                  <a:schemeClr val="tx2">
+                    <a:lumMod val="75000"/>
+                  </a:schemeClr>
+                </a:solidFill>
+                <a:latin typeface="+mj-ea"/>
+              </a:rPr>
+              <a:t> </a:t>
+            </a:r>
+            <a:r>
+              <a:rPr lang="ko-KR" altLang="en-US" sz="1100" spc="-60" dirty="0" smtClean="0">
+                <a:ln>
+                  <a:solidFill>
+                    <a:prstClr val="white">
+                      <a:alpha val="0"/>
+                    </a:prstClr>
+                  </a:solidFill>
+                </a:ln>
+                <a:solidFill>
+                  <a:schemeClr val="tx2">
+                    <a:lumMod val="75000"/>
+                  </a:schemeClr>
+                </a:solidFill>
+                <a:latin typeface="+mj-ea"/>
+              </a:rPr>
+              <a:t>활용하여 </a:t>
+            </a:r>
+            <a:r>
+              <a:rPr lang="ko-KR" altLang="en-US" sz="1100" spc="-60" dirty="0">
+                <a:ln>
+                  <a:solidFill>
+                    <a:prstClr val="white">
+                      <a:alpha val="0"/>
+                    </a:prstClr>
+                  </a:solidFill>
+                </a:ln>
+                <a:solidFill>
+                  <a:schemeClr val="tx2">
+                    <a:lumMod val="75000"/>
+                  </a:schemeClr>
+                </a:solidFill>
+                <a:latin typeface="+mj-ea"/>
+              </a:rPr>
+              <a:t>막대 차트 작성</a:t>
+            </a:r>
+            <a:endParaRPr lang="en-US" altLang="ko-KR" sz="1100" spc="-60" dirty="0">
+              <a:ln>
+                <a:solidFill>
+                  <a:prstClr val="white">
+                    <a:alpha val="0"/>
+                  </a:prstClr>
+                </a:solidFill>
+              </a:ln>
+              <a:solidFill>
+                <a:schemeClr val="tx2">
+                  <a:lumMod val="75000"/>
+                </a:schemeClr>
+              </a:solidFill>
+              <a:latin typeface="+mj-ea"/>
+            </a:endParaRPr>
+          </a:p>
+          <a:p>
+            <a:pPr marL="171450" indent="-171450">
+              <a:buFont typeface="Arial" panose="020B0604020202020204" pitchFamily="34" charset="0"/>
+              <a:buChar char="•"/>
+            </a:pPr>
+            <a:endParaRPr lang="en-US" altLang="ko-KR" sz="1100" spc="-60" dirty="0">
+              <a:ln>
+                <a:solidFill>
+                  <a:prstClr val="white">
+                    <a:alpha val="0"/>
+                  </a:prstClr>
+                </a:solidFill>
+              </a:ln>
+              <a:solidFill>
+                <a:schemeClr val="tx2">
+                  <a:lumMod val="75000"/>
+                </a:schemeClr>
+              </a:solidFill>
+              <a:latin typeface="+mj-ea"/>
+            </a:endParaRPr>
+          </a:p>
+          <a:p>
+            <a:pPr marL="171450" indent="-171450">
+              <a:buFont typeface="Arial" panose="020B0604020202020204" pitchFamily="34" charset="0"/>
+              <a:buChar char="•"/>
+            </a:pPr>
+            <a:r>
+              <a:rPr lang="en-US" altLang="ko-KR" sz="1100" spc="-60" dirty="0">
+                <a:ln>
+                  <a:solidFill>
+                    <a:prstClr val="white">
+                      <a:alpha val="0"/>
+                    </a:prstClr>
+                  </a:solidFill>
+                </a:ln>
+                <a:solidFill>
+                  <a:schemeClr val="tx2">
+                    <a:lumMod val="75000"/>
+                  </a:schemeClr>
+                </a:solidFill>
+                <a:latin typeface="+mj-ea"/>
+              </a:rPr>
+              <a:t>x</a:t>
+            </a:r>
+            <a:r>
+              <a:rPr lang="ko-KR" altLang="en-US" sz="1100" spc="-60" dirty="0">
+                <a:ln>
+                  <a:solidFill>
+                    <a:prstClr val="white">
+                      <a:alpha val="0"/>
+                    </a:prstClr>
+                  </a:solidFill>
+                </a:ln>
+                <a:solidFill>
+                  <a:schemeClr val="tx2">
+                    <a:lumMod val="75000"/>
+                  </a:schemeClr>
+                </a:solidFill>
+                <a:latin typeface="+mj-ea"/>
+              </a:rPr>
+              <a:t>축 </a:t>
+            </a:r>
+            <a:r>
+              <a:rPr lang="en-US" altLang="ko-KR" sz="1100" spc="-60" dirty="0">
+                <a:ln>
+                  <a:solidFill>
+                    <a:prstClr val="white">
+                      <a:alpha val="0"/>
+                    </a:prstClr>
+                  </a:solidFill>
+                </a:ln>
+                <a:solidFill>
+                  <a:schemeClr val="tx2">
+                    <a:lumMod val="75000"/>
+                  </a:schemeClr>
+                </a:solidFill>
+                <a:latin typeface="+mj-ea"/>
+              </a:rPr>
+              <a:t>: </a:t>
+            </a:r>
+            <a:r>
+              <a:rPr lang="en-US" altLang="ko-KR" sz="1100" spc="-60" dirty="0" smtClean="0">
+                <a:ln>
+                  <a:solidFill>
+                    <a:prstClr val="white">
+                      <a:alpha val="0"/>
+                    </a:prstClr>
+                  </a:solidFill>
+                </a:ln>
+                <a:solidFill>
+                  <a:schemeClr val="tx2">
+                    <a:lumMod val="75000"/>
+                  </a:schemeClr>
+                </a:solidFill>
+                <a:latin typeface="+mj-ea"/>
+              </a:rPr>
+              <a:t>week (</a:t>
+            </a:r>
+            <a:r>
+              <a:rPr lang="ko-KR" altLang="en-US" sz="1100" spc="-60" dirty="0" smtClean="0">
+                <a:ln>
+                  <a:solidFill>
+                    <a:prstClr val="white">
+                      <a:alpha val="0"/>
+                    </a:prstClr>
+                  </a:solidFill>
+                </a:ln>
+                <a:solidFill>
+                  <a:schemeClr val="tx2">
+                    <a:lumMod val="75000"/>
+                  </a:schemeClr>
+                </a:solidFill>
+                <a:latin typeface="+mj-ea"/>
+              </a:rPr>
+              <a:t>주차</a:t>
+            </a:r>
+            <a:r>
+              <a:rPr lang="en-US" altLang="ko-KR" sz="1100" spc="-60" dirty="0" smtClean="0">
+                <a:ln>
+                  <a:solidFill>
+                    <a:prstClr val="white">
+                      <a:alpha val="0"/>
+                    </a:prstClr>
+                  </a:solidFill>
+                </a:ln>
+                <a:solidFill>
+                  <a:schemeClr val="tx2">
+                    <a:lumMod val="75000"/>
+                  </a:schemeClr>
+                </a:solidFill>
+                <a:latin typeface="+mj-ea"/>
+              </a:rPr>
+              <a:t>)</a:t>
+            </a:r>
+          </a:p>
+          <a:p>
+            <a:pPr marL="171450" indent="-171450">
+              <a:buFont typeface="Arial" panose="020B0604020202020204" pitchFamily="34" charset="0"/>
+              <a:buChar char="•"/>
+            </a:pPr>
+            <a:r>
+              <a:rPr lang="en-US" altLang="ko-KR" sz="1100" spc="-60" dirty="0" smtClean="0">
+                <a:ln>
+                  <a:solidFill>
+                    <a:prstClr val="white">
+                      <a:alpha val="0"/>
+                    </a:prstClr>
+                  </a:solidFill>
+                </a:ln>
+                <a:solidFill>
+                  <a:schemeClr val="tx2">
+                    <a:lumMod val="75000"/>
+                  </a:schemeClr>
+                </a:solidFill>
+                <a:latin typeface="+mj-ea"/>
+              </a:rPr>
+              <a:t>y</a:t>
+            </a:r>
+            <a:r>
+              <a:rPr lang="ko-KR" altLang="en-US" sz="1100" spc="-60" dirty="0">
+                <a:ln>
+                  <a:solidFill>
+                    <a:prstClr val="white">
+                      <a:alpha val="0"/>
+                    </a:prstClr>
+                  </a:solidFill>
+                </a:ln>
+                <a:solidFill>
+                  <a:schemeClr val="tx2">
+                    <a:lumMod val="75000"/>
+                  </a:schemeClr>
+                </a:solidFill>
+                <a:latin typeface="+mj-ea"/>
+              </a:rPr>
+              <a:t>축 </a:t>
+            </a:r>
+            <a:r>
+              <a:rPr lang="en-US" altLang="ko-KR" sz="1100" spc="-60" dirty="0">
+                <a:ln>
+                  <a:solidFill>
+                    <a:prstClr val="white">
+                      <a:alpha val="0"/>
+                    </a:prstClr>
+                  </a:solidFill>
+                </a:ln>
+                <a:solidFill>
+                  <a:schemeClr val="tx2">
+                    <a:lumMod val="75000"/>
+                  </a:schemeClr>
+                </a:solidFill>
+                <a:latin typeface="+mj-ea"/>
+              </a:rPr>
+              <a:t>: </a:t>
+            </a:r>
+            <a:r>
+              <a:rPr lang="ko-KR" altLang="en-US" sz="1100" spc="-60" dirty="0" smtClean="0">
+                <a:ln>
+                  <a:solidFill>
+                    <a:prstClr val="white">
+                      <a:alpha val="0"/>
+                    </a:prstClr>
+                  </a:solidFill>
+                </a:ln>
+                <a:solidFill>
+                  <a:schemeClr val="tx2">
+                    <a:lumMod val="75000"/>
+                  </a:schemeClr>
+                </a:solidFill>
+                <a:latin typeface="+mj-ea"/>
+              </a:rPr>
+              <a:t>누적 거래</a:t>
+            </a:r>
+            <a:r>
+              <a:rPr lang="ko-KR" altLang="en-US" sz="1100" spc="-60" dirty="0" smtClean="0">
+                <a:ln>
+                  <a:solidFill>
+                    <a:prstClr val="white">
+                      <a:alpha val="0"/>
+                    </a:prstClr>
+                  </a:solidFill>
+                </a:ln>
+                <a:solidFill>
+                  <a:schemeClr val="tx2">
+                    <a:lumMod val="75000"/>
+                  </a:schemeClr>
+                </a:solidFill>
+                <a:latin typeface="+mj-ea"/>
+              </a:rPr>
+              <a:t>금액 </a:t>
+            </a:r>
+            <a:r>
+              <a:rPr lang="en-US" altLang="ko-KR" sz="1100" spc="-60" dirty="0" smtClean="0">
+                <a:ln>
+                  <a:solidFill>
+                    <a:prstClr val="white">
+                      <a:alpha val="0"/>
+                    </a:prstClr>
+                  </a:solidFill>
+                </a:ln>
+                <a:solidFill>
+                  <a:schemeClr val="tx2">
+                    <a:lumMod val="75000"/>
+                  </a:schemeClr>
+                </a:solidFill>
+                <a:latin typeface="+mj-ea"/>
+              </a:rPr>
+              <a:t>(</a:t>
+            </a:r>
+            <a:r>
+              <a:rPr lang="ko-KR" altLang="en-US" sz="1100" spc="-60" dirty="0" smtClean="0">
+                <a:ln>
+                  <a:solidFill>
+                    <a:prstClr val="white">
+                      <a:alpha val="0"/>
+                    </a:prstClr>
+                  </a:solidFill>
+                </a:ln>
+                <a:solidFill>
+                  <a:schemeClr val="tx2">
+                    <a:lumMod val="75000"/>
+                  </a:schemeClr>
+                </a:solidFill>
+                <a:latin typeface="+mj-ea"/>
+              </a:rPr>
+              <a:t>억원</a:t>
+            </a:r>
+            <a:r>
+              <a:rPr lang="en-US" altLang="ko-KR" sz="1100" spc="-60" dirty="0" smtClean="0">
+                <a:ln>
+                  <a:solidFill>
+                    <a:prstClr val="white">
+                      <a:alpha val="0"/>
+                    </a:prstClr>
+                  </a:solidFill>
+                </a:ln>
+                <a:solidFill>
+                  <a:schemeClr val="tx2">
+                    <a:lumMod val="75000"/>
+                  </a:schemeClr>
+                </a:solidFill>
+                <a:latin typeface="+mj-ea"/>
+              </a:rPr>
+              <a:t>)</a:t>
+            </a:r>
+            <a:endParaRPr lang="en-US" altLang="ko-KR" sz="1100" spc="-60" dirty="0">
+              <a:ln>
+                <a:solidFill>
+                  <a:prstClr val="white">
+                    <a:alpha val="0"/>
+                  </a:prstClr>
+                </a:solidFill>
+              </a:ln>
+              <a:solidFill>
+                <a:schemeClr val="tx2">
+                  <a:lumMod val="75000"/>
+                </a:schemeClr>
+              </a:solidFill>
+              <a:latin typeface="+mj-ea"/>
             </a:endParaRPr>
           </a:p>
         </p:txBody>
@@ -9333,10 +9889,10 @@
                   <a:srgbClr val="FF0000"/>
                 </a:solidFill>
               </a:rPr>
-              <a:t>카테고리 기준</a:t>
-            </a:r>
-            <a:r>
-              <a:rPr lang="en-US" altLang="ko-KR" sz="3600" dirty="0">
+              <a:t>승자 일자 기준</a:t>
+            </a:r>
+            <a:r>
+              <a:rPr lang="en-US" altLang="ko-KR" sz="3600" dirty="0" smtClean="0">
                 <a:solidFill>
                   <a:srgbClr val="FF0000"/>
                 </a:solidFill>
@@ -9344,15 +9900,15 @@
               <a:t>_</a:t>
             </a:r>
             <a:r>
-              <a:rPr lang="ko-KR" altLang="en-US" sz="3600" dirty="0" err="1">
+              <a:rPr lang="ko-KR" altLang="en-US" sz="3600" dirty="0" smtClean="0">
                 <a:solidFill>
                   <a:srgbClr val="FF0000"/>
                 </a:solidFill>
               </a:rPr>
-              <a:t>안혜림</a:t>
-            </a:r>
-            <a:r>
-              <a:rPr lang="en-US" altLang="ko-KR" sz="3600" dirty="0">
+              <a:t>박다솜</a:t>
+            </a:r>
+            <a:r>
+              <a:rPr lang="en-US" altLang="ko-KR" sz="3600" dirty="0" smtClean="0">
                 <a:solidFill>
                   <a:srgbClr val="FF0000"/>
                 </a:solidFill>
@@ -9565,40 +10121,239 @@
               <a:buAutoNum type="circleNumDbPlain"/>
             </a:pPr>
             <a:r>
-              <a:rPr lang="ko-KR" altLang="en-US" spc="-60" dirty="0" err="1">
-                <a:ln>
-                  <a:solidFill>
-                    <a:prstClr val="white">
-                      <a:alpha val="0"/>
-                    </a:prstClr>
-                  </a:solidFill>
-                </a:ln>
-                <a:solidFill>
-                  <a:schemeClr val="tx2">
-                    <a:lumMod val="75000"/>
-                  </a:schemeClr>
-                </a:solidFill>
-                <a:latin typeface="+mj-ea"/>
-                <a:ea typeface="+mj-ea"/>
-              </a:rPr>
-              <a:t>ㅇ</a:t>
-            </a:r>
-            <a:endParaRPr lang="en-US" altLang="ko-KR" spc="-60" dirty="0">
-              <a:ln>
-                <a:solidFill>
-                  <a:prstClr val="white">
-                    <a:alpha val="0"/>
-                  </a:prstClr>
-                </a:solidFill>
-              </a:ln>
-              <a:solidFill>
-                <a:schemeClr val="tx2">
-                  <a:lumMod val="75000"/>
-                </a:schemeClr>
-              </a:solidFill>
-              <a:latin typeface="+mj-ea"/>
-              <a:ea typeface="+mj-ea"/>
-            </a:endParaRPr>
+              <a:rPr lang="en-US" altLang="ko-KR" spc="-60" dirty="0">
+                <a:ln>
+                  <a:solidFill>
+                    <a:prstClr val="white">
+                      <a:alpha val="0"/>
+                    </a:prstClr>
+                  </a:solidFill>
+                </a:ln>
+                <a:solidFill>
+                  <a:schemeClr val="tx2">
+                    <a:lumMod val="75000"/>
+                  </a:schemeClr>
+                </a:solidFill>
+                <a:latin typeface="+mj-ea"/>
+              </a:rPr>
+              <a:t>2</a:t>
+            </a:r>
+            <a:r>
+              <a:rPr lang="ko-KR" altLang="en-US" spc="-60" dirty="0">
+                <a:ln>
+                  <a:solidFill>
+                    <a:prstClr val="white">
+                      <a:alpha val="0"/>
+                    </a:prstClr>
+                  </a:solidFill>
+                </a:ln>
+                <a:solidFill>
+                  <a:schemeClr val="tx2">
+                    <a:lumMod val="75000"/>
+                  </a:schemeClr>
+                </a:solidFill>
+                <a:latin typeface="+mj-ea"/>
+              </a:rPr>
+              <a:t>월은 </a:t>
+            </a:r>
+            <a:r>
+              <a:rPr lang="en-US" altLang="ko-KR" spc="-60" dirty="0">
+                <a:ln>
+                  <a:solidFill>
+                    <a:prstClr val="white">
+                      <a:alpha val="0"/>
+                    </a:prstClr>
+                  </a:solidFill>
+                </a:ln>
+                <a:solidFill>
+                  <a:schemeClr val="tx2">
+                    <a:lumMod val="75000"/>
+                  </a:schemeClr>
+                </a:solidFill>
+                <a:latin typeface="+mj-ea"/>
+              </a:rPr>
+              <a:t>1</a:t>
+            </a:r>
+            <a:r>
+              <a:rPr lang="ko-KR" altLang="en-US" spc="-60" dirty="0">
+                <a:ln>
+                  <a:solidFill>
+                    <a:prstClr val="white">
+                      <a:alpha val="0"/>
+                    </a:prstClr>
+                  </a:solidFill>
+                </a:ln>
+                <a:solidFill>
+                  <a:schemeClr val="tx2">
+                    <a:lumMod val="75000"/>
+                  </a:schemeClr>
+                </a:solidFill>
+                <a:latin typeface="+mj-ea"/>
+              </a:rPr>
+              <a:t>월 거래금액 기준 약 </a:t>
+            </a:r>
+            <a:r>
+              <a:rPr lang="en-US" altLang="ko-KR" spc="-60" dirty="0">
+                <a:ln>
+                  <a:solidFill>
+                    <a:prstClr val="white">
+                      <a:alpha val="0"/>
+                    </a:prstClr>
+                  </a:solidFill>
+                </a:ln>
+                <a:solidFill>
+                  <a:schemeClr val="tx2">
+                    <a:lumMod val="75000"/>
+                  </a:schemeClr>
+                </a:solidFill>
+                <a:latin typeface="+mj-ea"/>
+              </a:rPr>
+              <a:t>6.4% </a:t>
+            </a:r>
+            <a:r>
+              <a:rPr lang="ko-KR" altLang="en-US" spc="-60" dirty="0">
+                <a:ln>
+                  <a:solidFill>
+                    <a:prstClr val="white">
+                      <a:alpha val="0"/>
+                    </a:prstClr>
+                  </a:solidFill>
+                </a:ln>
+                <a:solidFill>
+                  <a:schemeClr val="tx2">
+                    <a:lumMod val="75000"/>
+                  </a:schemeClr>
+                </a:solidFill>
+                <a:latin typeface="+mj-ea"/>
+              </a:rPr>
+              <a:t>거래금액 </a:t>
+            </a:r>
+            <a:r>
+              <a:rPr lang="en-US" altLang="ko-KR" spc="-60" dirty="0">
+                <a:ln>
+                  <a:solidFill>
+                    <a:prstClr val="white">
+                      <a:alpha val="0"/>
+                    </a:prstClr>
+                  </a:solidFill>
+                </a:ln>
+                <a:solidFill>
+                  <a:schemeClr val="tx2">
+                    <a:lumMod val="75000"/>
+                  </a:schemeClr>
+                </a:solidFill>
+                <a:latin typeface="+mj-ea"/>
+              </a:rPr>
+              <a:t>(</a:t>
+            </a:r>
+            <a:r>
+              <a:rPr lang="ko-KR" altLang="en-US" spc="-60" dirty="0">
+                <a:ln>
+                  <a:solidFill>
+                    <a:prstClr val="white">
+                      <a:alpha val="0"/>
+                    </a:prstClr>
+                  </a:solidFill>
+                </a:ln>
+                <a:solidFill>
+                  <a:schemeClr val="tx2">
+                    <a:lumMod val="75000"/>
+                  </a:schemeClr>
+                </a:solidFill>
+                <a:latin typeface="+mj-ea"/>
+              </a:rPr>
+              <a:t>약 </a:t>
+            </a:r>
+            <a:r>
+              <a:rPr lang="en-US" altLang="ko-KR" spc="-60" dirty="0">
+                <a:ln>
+                  <a:solidFill>
+                    <a:prstClr val="white">
+                      <a:alpha val="0"/>
+                    </a:prstClr>
+                  </a:solidFill>
+                </a:ln>
+                <a:solidFill>
+                  <a:schemeClr val="tx2">
+                    <a:lumMod val="75000"/>
+                  </a:schemeClr>
+                </a:solidFill>
+                <a:latin typeface="+mj-ea"/>
+              </a:rPr>
+              <a:t>1.7</a:t>
+            </a:r>
+            <a:r>
+              <a:rPr lang="ko-KR" altLang="en-US" spc="-60" dirty="0">
+                <a:ln>
+                  <a:solidFill>
+                    <a:prstClr val="white">
+                      <a:alpha val="0"/>
+                    </a:prstClr>
+                  </a:solidFill>
+                </a:ln>
+                <a:solidFill>
+                  <a:schemeClr val="tx2">
+                    <a:lumMod val="75000"/>
+                  </a:schemeClr>
+                </a:solidFill>
+                <a:latin typeface="+mj-ea"/>
+              </a:rPr>
+              <a:t>억원</a:t>
+            </a:r>
+            <a:r>
+              <a:rPr lang="en-US" altLang="ko-KR" spc="-60" dirty="0">
+                <a:ln>
+                  <a:solidFill>
+                    <a:prstClr val="white">
+                      <a:alpha val="0"/>
+                    </a:prstClr>
+                  </a:solidFill>
+                </a:ln>
+                <a:solidFill>
+                  <a:schemeClr val="tx2">
+                    <a:lumMod val="75000"/>
+                  </a:schemeClr>
+                </a:solidFill>
+                <a:latin typeface="+mj-ea"/>
+              </a:rPr>
+              <a:t>)</a:t>
+            </a:r>
+            <a:r>
+              <a:rPr lang="ko-KR" altLang="en-US" spc="-60" dirty="0">
+                <a:ln>
+                  <a:solidFill>
+                    <a:prstClr val="white">
+                      <a:alpha val="0"/>
+                    </a:prstClr>
+                  </a:solidFill>
+                </a:ln>
+                <a:solidFill>
+                  <a:schemeClr val="tx2">
+                    <a:lumMod val="75000"/>
+                  </a:schemeClr>
+                </a:solidFill>
+                <a:latin typeface="+mj-ea"/>
+              </a:rPr>
+              <a:t>이 낮아짐</a:t>
+            </a:r>
+            <a:r>
+              <a:rPr lang="en-US" altLang="ko-KR" spc="-60" dirty="0">
+                <a:ln>
+                  <a:solidFill>
+                    <a:prstClr val="white">
+                      <a:alpha val="0"/>
+                    </a:prstClr>
+                  </a:solidFill>
+                </a:ln>
+                <a:solidFill>
+                  <a:schemeClr val="tx2">
+                    <a:lumMod val="75000"/>
+                  </a:schemeClr>
+                </a:solidFill>
+                <a:latin typeface="+mj-ea"/>
+              </a:rPr>
+              <a:t>.</a:t>
+            </a:r>
           </a:p>
           <a:p>
             <a:pPr marL="800100" lvl="1" indent="-342900">
@@ -9609,40 +10364,271 @@
               <a:buAutoNum type="circleNumDbPlain"/>
             </a:pPr>
             <a:r>
-              <a:rPr lang="ko-KR" altLang="en-US" spc="-60" dirty="0" err="1">
-                <a:ln>
-                  <a:solidFill>
-                    <a:prstClr val="white">
-                      <a:alpha val="0"/>
-                    </a:prstClr>
-                  </a:solidFill>
-                </a:ln>
-                <a:solidFill>
-                  <a:schemeClr val="tx2">
-                    <a:lumMod val="75000"/>
-                  </a:schemeClr>
-                </a:solidFill>
-                <a:latin typeface="+mj-ea"/>
-                <a:ea typeface="+mj-ea"/>
-              </a:rPr>
-              <a:t>ㅇ</a:t>
-            </a:r>
-            <a:endParaRPr lang="en-US" altLang="ko-KR" spc="-60" dirty="0">
-              <a:ln>
-                <a:solidFill>
-                  <a:prstClr val="white">
-                    <a:alpha val="0"/>
-                  </a:prstClr>
-                </a:solidFill>
-              </a:ln>
-              <a:solidFill>
-                <a:schemeClr val="tx2">
-                  <a:lumMod val="75000"/>
-                </a:schemeClr>
-              </a:solidFill>
-              <a:latin typeface="+mj-ea"/>
-              <a:ea typeface="+mj-ea"/>
-            </a:endParaRPr>
+              <a:rPr lang="ko-KR" altLang="en-US" spc="-60" dirty="0" smtClean="0">
+                <a:ln>
+                  <a:solidFill>
+                    <a:prstClr val="white">
+                      <a:alpha val="0"/>
+                    </a:prstClr>
+                  </a:solidFill>
+                </a:ln>
+                <a:solidFill>
+                  <a:schemeClr val="tx2">
+                    <a:lumMod val="75000"/>
+                  </a:schemeClr>
+                </a:solidFill>
+                <a:latin typeface="+mj-ea"/>
+                <a:ea typeface="+mj-ea"/>
+              </a:rPr>
+              <a:t>거래금액이 </a:t>
+            </a:r>
+            <a:r>
+              <a:rPr lang="ko-KR" altLang="en-US" spc="-60" dirty="0" smtClean="0">
+                <a:ln>
+                  <a:solidFill>
+                    <a:prstClr val="white">
+                      <a:alpha val="0"/>
+                    </a:prstClr>
+                  </a:solidFill>
+                </a:ln>
+                <a:solidFill>
+                  <a:schemeClr val="tx2">
+                    <a:lumMod val="75000"/>
+                  </a:schemeClr>
+                </a:solidFill>
+                <a:latin typeface="+mj-ea"/>
+                <a:ea typeface="+mj-ea"/>
+              </a:rPr>
+              <a:t>가장 </a:t>
+            </a:r>
+            <a:r>
+              <a:rPr lang="ko-KR" altLang="en-US" spc="-60" dirty="0" smtClean="0">
+                <a:ln>
+                  <a:solidFill>
+                    <a:prstClr val="white">
+                      <a:alpha val="0"/>
+                    </a:prstClr>
+                  </a:solidFill>
+                </a:ln>
+                <a:solidFill>
+                  <a:schemeClr val="tx2">
+                    <a:lumMod val="75000"/>
+                  </a:schemeClr>
+                </a:solidFill>
+                <a:latin typeface="+mj-ea"/>
+                <a:ea typeface="+mj-ea"/>
+              </a:rPr>
+              <a:t>높은 주</a:t>
+            </a:r>
+            <a:r>
+              <a:rPr lang="ko-KR" altLang="en-US" spc="-60" dirty="0">
+                <a:ln>
+                  <a:solidFill>
+                    <a:prstClr val="white">
+                      <a:alpha val="0"/>
+                    </a:prstClr>
+                  </a:solidFill>
+                </a:ln>
+                <a:solidFill>
+                  <a:schemeClr val="tx2">
+                    <a:lumMod val="75000"/>
+                  </a:schemeClr>
+                </a:solidFill>
+                <a:latin typeface="+mj-ea"/>
+                <a:ea typeface="+mj-ea"/>
+              </a:rPr>
+              <a:t>는</a:t>
+            </a:r>
+            <a:r>
+              <a:rPr lang="ko-KR" altLang="en-US" spc="-60" dirty="0" smtClean="0">
+                <a:ln>
+                  <a:solidFill>
+                    <a:prstClr val="white">
+                      <a:alpha val="0"/>
+                    </a:prstClr>
+                  </a:solidFill>
+                </a:ln>
+                <a:solidFill>
+                  <a:schemeClr val="tx2">
+                    <a:lumMod val="75000"/>
+                  </a:schemeClr>
+                </a:solidFill>
+                <a:latin typeface="+mj-ea"/>
+                <a:ea typeface="+mj-ea"/>
+              </a:rPr>
+              <a:t> </a:t>
+            </a:r>
+            <a:r>
+              <a:rPr lang="en-US" altLang="ko-KR" spc="-60" dirty="0" smtClean="0">
+                <a:ln>
+                  <a:solidFill>
+                    <a:prstClr val="white">
+                      <a:alpha val="0"/>
+                    </a:prstClr>
+                  </a:solidFill>
+                </a:ln>
+                <a:solidFill>
+                  <a:schemeClr val="tx2">
+                    <a:lumMod val="75000"/>
+                  </a:schemeClr>
+                </a:solidFill>
+                <a:latin typeface="+mj-ea"/>
+                <a:ea typeface="+mj-ea"/>
+              </a:rPr>
+              <a:t>‘2</a:t>
+            </a:r>
+            <a:r>
+              <a:rPr lang="ko-KR" altLang="en-US" spc="-60" dirty="0" smtClean="0">
+                <a:ln>
+                  <a:solidFill>
+                    <a:prstClr val="white">
+                      <a:alpha val="0"/>
+                    </a:prstClr>
+                  </a:solidFill>
+                </a:ln>
+                <a:solidFill>
+                  <a:schemeClr val="tx2">
+                    <a:lumMod val="75000"/>
+                  </a:schemeClr>
+                </a:solidFill>
+                <a:latin typeface="+mj-ea"/>
+                <a:ea typeface="+mj-ea"/>
+              </a:rPr>
+              <a:t>주차</a:t>
+            </a:r>
+            <a:r>
+              <a:rPr lang="en-US" altLang="ko-KR" spc="-60" dirty="0" smtClean="0">
+                <a:ln>
+                  <a:solidFill>
+                    <a:prstClr val="white">
+                      <a:alpha val="0"/>
+                    </a:prstClr>
+                  </a:solidFill>
+                </a:ln>
+                <a:solidFill>
+                  <a:schemeClr val="tx2">
+                    <a:lumMod val="75000"/>
+                  </a:schemeClr>
+                </a:solidFill>
+                <a:latin typeface="+mj-ea"/>
+                <a:ea typeface="+mj-ea"/>
+              </a:rPr>
+              <a:t>’</a:t>
+            </a:r>
+            <a:r>
+              <a:rPr lang="ko-KR" altLang="en-US" spc="-60" dirty="0" smtClean="0">
+                <a:ln>
+                  <a:solidFill>
+                    <a:prstClr val="white">
+                      <a:alpha val="0"/>
+                    </a:prstClr>
+                  </a:solidFill>
+                </a:ln>
+                <a:solidFill>
+                  <a:schemeClr val="tx2">
+                    <a:lumMod val="75000"/>
+                  </a:schemeClr>
+                </a:solidFill>
+                <a:latin typeface="+mj-ea"/>
+                <a:ea typeface="+mj-ea"/>
+              </a:rPr>
+              <a:t>로 나타남</a:t>
+            </a:r>
+            <a:r>
+              <a:rPr lang="en-US" altLang="ko-KR" spc="-60" dirty="0" smtClean="0">
+                <a:ln>
+                  <a:solidFill>
+                    <a:prstClr val="white">
+                      <a:alpha val="0"/>
+                    </a:prstClr>
+                  </a:solidFill>
+                </a:ln>
+                <a:solidFill>
+                  <a:schemeClr val="tx2">
+                    <a:lumMod val="75000"/>
+                  </a:schemeClr>
+                </a:solidFill>
+                <a:latin typeface="+mj-ea"/>
+                <a:ea typeface="+mj-ea"/>
+              </a:rPr>
+              <a:t>. (</a:t>
+            </a:r>
+            <a:r>
+              <a:rPr lang="ko-KR" altLang="en-US" spc="-60" dirty="0" smtClean="0">
+                <a:ln>
+                  <a:solidFill>
+                    <a:prstClr val="white">
+                      <a:alpha val="0"/>
+                    </a:prstClr>
+                  </a:solidFill>
+                </a:ln>
+                <a:solidFill>
+                  <a:schemeClr val="tx2">
+                    <a:lumMod val="75000"/>
+                  </a:schemeClr>
+                </a:solidFill>
+                <a:latin typeface="+mj-ea"/>
+                <a:ea typeface="+mj-ea"/>
+              </a:rPr>
+              <a:t>평균 </a:t>
+            </a:r>
+            <a:r>
+              <a:rPr lang="en-US" altLang="ko-KR" spc="-60" dirty="0" smtClean="0">
+                <a:ln>
+                  <a:solidFill>
+                    <a:prstClr val="white">
+                      <a:alpha val="0"/>
+                    </a:prstClr>
+                  </a:solidFill>
+                </a:ln>
+                <a:solidFill>
+                  <a:schemeClr val="tx2">
+                    <a:lumMod val="75000"/>
+                  </a:schemeClr>
+                </a:solidFill>
+                <a:latin typeface="+mj-ea"/>
+                <a:ea typeface="+mj-ea"/>
+              </a:rPr>
+              <a:t>7.1</a:t>
+            </a:r>
+            <a:r>
+              <a:rPr lang="ko-KR" altLang="en-US" spc="-60" dirty="0" smtClean="0">
+                <a:ln>
+                  <a:solidFill>
+                    <a:prstClr val="white">
+                      <a:alpha val="0"/>
+                    </a:prstClr>
+                  </a:solidFill>
+                </a:ln>
+                <a:solidFill>
+                  <a:schemeClr val="tx2">
+                    <a:lumMod val="75000"/>
+                  </a:schemeClr>
+                </a:solidFill>
+                <a:latin typeface="+mj-ea"/>
+                <a:ea typeface="+mj-ea"/>
+              </a:rPr>
+              <a:t>억</a:t>
+            </a:r>
+            <a:r>
+              <a:rPr lang="en-US" altLang="ko-KR" spc="-60" dirty="0" smtClean="0">
+                <a:ln>
+                  <a:solidFill>
+                    <a:prstClr val="white">
+                      <a:alpha val="0"/>
+                    </a:prstClr>
+                  </a:solidFill>
+                </a:ln>
+                <a:solidFill>
+                  <a:schemeClr val="tx2">
+                    <a:lumMod val="75000"/>
+                  </a:schemeClr>
+                </a:solidFill>
+                <a:latin typeface="+mj-ea"/>
+                <a:ea typeface="+mj-ea"/>
+              </a:rPr>
+              <a:t>) </a:t>
+            </a:r>
           </a:p>
           <a:p>
             <a:pPr marL="800100" lvl="1" indent="-342900">
@@ -9652,113 +10638,6 @@
               <a:buFont typeface="+mj-ea"/>
               <a:buAutoNum type="circleNumDbPlain"/>
             </a:pPr>
-            <a:r>
-              <a:rPr lang="ko-KR" altLang="en-US" spc="-60" dirty="0" err="1">
-                <a:ln>
-                  <a:solidFill>
-                    <a:prstClr val="white">
-                      <a:alpha val="0"/>
-                    </a:prstClr>
-                  </a:solidFill>
-                </a:ln>
-                <a:solidFill>
-                  <a:schemeClr val="tx2">
-                    <a:lumMod val="75000"/>
-                  </a:schemeClr>
-                </a:solidFill>
-                <a:latin typeface="+mj-ea"/>
-                <a:ea typeface="+mj-ea"/>
-              </a:rPr>
-              <a:t>ㅇ</a:t>
-            </a:r>
-            <a:endParaRPr lang="en-US" altLang="ko-KR" spc="-60" dirty="0">
-              <a:ln>
-                <a:solidFill>
-                  <a:prstClr val="white">
-                    <a:alpha val="0"/>
-                  </a:prstClr>
-                </a:solidFill>
-              </a:ln>
-              <a:solidFill>
-                <a:schemeClr val="tx2">
-                  <a:lumMod val="75000"/>
-                </a:schemeClr>
-              </a:solidFill>
-              <a:latin typeface="+mj-ea"/>
-              <a:ea typeface="+mj-ea"/>
-            </a:endParaRPr>
-          </a:p>
-          <a:p>
-            <a:pPr marL="800100" lvl="1" indent="-342900">
-              <a:spcBef>
-                <a:spcPts val="1000"/>
-              </a:spcBef>
-              <a:buFont typeface="+mj-ea"/>
-              <a:buAutoNum type="circleNumDbPlain"/>
-            </a:pPr>
-            <a:r>
-              <a:rPr lang="ko-KR" altLang="en-US" spc="-60" dirty="0" err="1">
-                <a:ln>
-                  <a:solidFill>
-                    <a:prstClr val="white">
-                      <a:alpha val="0"/>
-                    </a:prstClr>
-                  </a:solidFill>
-                </a:ln>
-                <a:solidFill>
-                  <a:schemeClr val="tx2">
-                    <a:lumMod val="75000"/>
-                  </a:schemeClr>
-                </a:solidFill>
-                <a:latin typeface="+mj-ea"/>
-                <a:ea typeface="+mj-ea"/>
-              </a:rPr>
-              <a:t>ㅇ</a:t>
-            </a:r>
-            <a:endParaRPr lang="en-US" altLang="ko-KR" spc="-60" dirty="0">
-              <a:ln>
-                <a:solidFill>
-                  <a:prstClr val="white">
-                    <a:alpha val="0"/>
-                  </a:prstClr>
-                </a:solidFill>
-              </a:ln>
-              <a:solidFill>
-                <a:schemeClr val="tx2">
-                  <a:lumMod val="75000"/>
-                </a:schemeClr>
-              </a:solidFill>
-              <a:latin typeface="+mj-ea"/>
-              <a:ea typeface="+mj-ea"/>
-            </a:endParaRPr>
-          </a:p>
-          <a:p>
-            <a:pPr marL="800100" lvl="1" indent="-342900">
-              <a:spcBef>
-                <a:spcPts val="1000"/>
-              </a:spcBef>
-              <a:buFont typeface="+mj-ea"/>
-              <a:buAutoNum type="circleNumDbPlain"/>
-            </a:pPr>
-            <a:r>
-              <a:rPr lang="ko-KR" altLang="en-US" spc="-60" dirty="0" err="1">
-                <a:ln>
-                  <a:solidFill>
-                    <a:prstClr val="white">
-                      <a:alpha val="0"/>
-                    </a:prstClr>
-                  </a:solidFill>
-                </a:ln>
-                <a:solidFill>
-                  <a:schemeClr val="tx2">
-                    <a:lumMod val="75000"/>
-                  </a:schemeClr>
-                </a:solidFill>
-                <a:latin typeface="+mj-ea"/>
-                <a:ea typeface="+mj-ea"/>
-              </a:rPr>
-              <a:t>ㅇ</a:t>
-            </a:r>
             <a:endParaRPr lang="en-US" altLang="ko-KR" spc="-60" dirty="0">
               <a:ln>
                 <a:solidFill>
@@ -9837,6 +10716,63 @@
               <a:buChar char="•"/>
             </a:pPr>
             <a:r>
+              <a:rPr lang="ko-KR" altLang="en-US" spc="-60" dirty="0" smtClean="0">
+                <a:ln>
+                  <a:solidFill>
+                    <a:prstClr val="white">
+                      <a:alpha val="0"/>
+                    </a:prstClr>
+                  </a:solidFill>
+                </a:ln>
+                <a:solidFill>
+                  <a:schemeClr val="tx2">
+                    <a:lumMod val="75000"/>
+                  </a:schemeClr>
+                </a:solidFill>
+                <a:latin typeface="+mj-ea"/>
+                <a:ea typeface="+mj-ea"/>
+              </a:rPr>
+              <a:t>월 및 주 </a:t>
+            </a:r>
+            <a:r>
+              <a:rPr lang="ko-KR" altLang="en-US" sz="2000" spc="-60" dirty="0" smtClean="0">
+                <a:ln>
+                  <a:solidFill>
+                    <a:prstClr val="white">
+                      <a:alpha val="0"/>
+                    </a:prstClr>
+                  </a:solidFill>
+                </a:ln>
+                <a:solidFill>
+                  <a:schemeClr val="tx2">
+                    <a:lumMod val="75000"/>
+                  </a:schemeClr>
+                </a:solidFill>
+                <a:latin typeface="+mj-ea"/>
+                <a:ea typeface="+mj-ea"/>
+              </a:rPr>
+              <a:t>별 </a:t>
+            </a:r>
+            <a:r>
+              <a:rPr lang="ko-KR" altLang="en-US" spc="-60" dirty="0">
+                <a:ln>
+                  <a:solidFill>
+                    <a:prstClr val="white">
+                      <a:alpha val="0"/>
+                    </a:prstClr>
+                  </a:solidFill>
+                </a:ln>
+                <a:solidFill>
+                  <a:schemeClr val="tx2">
+                    <a:lumMod val="75000"/>
+                  </a:schemeClr>
+                </a:solidFill>
+                <a:latin typeface="+mj-ea"/>
+                <a:ea typeface="+mj-ea"/>
+              </a:rPr>
+              <a:t>거래</a:t>
+            </a:r>
+            <a:r>
               <a:rPr lang="ko-KR" altLang="en-US" sz="2000" spc="-60" dirty="0">
                 <a:ln>
                   <a:solidFill>
@@ -9853,9 +10789,9 @@
                 <a:latin typeface="+mj-ea"/>
                 <a:ea typeface="+mj-ea"/>
               </a:rPr>
-              <a:t>카테고리별 거래금액</a:t>
-            </a:r>
-            <a:endParaRPr lang="en-US" altLang="ko-KR" spc="-60" dirty="0">
+              <a:t>금액</a:t>
+            </a:r>
+            <a:endParaRPr lang="en-US" altLang="ko-KR" sz="2000" spc="-60" dirty="0">
               <a:ln>
                 <a:solidFill>
                   <a:prstClr val="white">
@@ -9872,12 +10808,60 @@
               <a:ea typeface="+mj-ea"/>
             </a:endParaRPr>
           </a:p>
+          <a:p>
+            <a:pPr marL="457200" lvl="1" indent="0">
+              <a:spcBef>
+                <a:spcPts val="1000"/>
+              </a:spcBef>
+              <a:buNone/>
+            </a:pPr>
+            <a:endParaRPr lang="en-US" altLang="ko-KR" spc="-60" dirty="0">
+              <a:ln>
+                <a:solidFill>
+                  <a:prstClr val="white">
+                    <a:alpha val="0"/>
+                  </a:prstClr>
+                </a:solidFill>
+              </a:ln>
+              <a:solidFill>
+                <a:schemeClr val="tx2">
+                  <a:lumMod val="75000"/>
+                </a:schemeClr>
+              </a:solidFill>
+              <a:latin typeface="+mj-ea"/>
+              <a:ea typeface="+mj-ea"/>
+            </a:endParaRPr>
+          </a:p>
         </p:txBody>
       </p:sp>
+      <p:pic>
+        <p:nvPicPr>
+          <p:cNvPr id="5" name="그림 4"/>
+          <p:cNvPicPr>
+            <a:picLocks noChangeAspect="1"/>
+          </p:cNvPicPr>
+          <p:nvPr/>
+        </p:nvPicPr>
+        <p:blipFill>
+          <a:blip r:embed="rId2"/>
+          <a:stretch>
+            <a:fillRect/>
+          </a:stretch>
+        </p:blipFill>
+        <p:spPr>
+          <a:xfrm>
+            <a:off x="2391287" y="4473816"/>
+            <a:ext cx="3362794" cy="1838582"/>
+          </a:xfrm>
+          <a:prstGeom prst="rect">
+            <a:avLst/>
+          </a:prstGeom>
+        </p:spPr>
+      </p:pic>
     </p:spTree>
     <p:extLst>
       <p:ext uri="{BB962C8B-B14F-4D97-AF65-F5344CB8AC3E}">
-        <p14:creationId xmlns:p14="http://schemas.microsoft.com/office/powerpoint/2010/main" val="1801155239"/>
+        <p14:creationId xmlns:p14="http://schemas.microsoft.com/office/powerpoint/2010/main" val="462833014"/>
       </p:ext>
     </p:extLst>
   </p:cSld>
@@ -9911,72 +10895,6 @@
           <a:chExt cx="0" cy="0"/>
         </a:xfrm>
       </p:grpSpPr>
-      <p:sp>
-        <p:nvSpPr>
-          <p:cNvPr id="13" name="직사각형 12">
-            <a:extLst>
-              <a:ext uri="{FF2B5EF4-FFF2-40B4-BE49-F238E27FC236}">
-                <a16:creationId xmlns:a16="http://schemas.microsoft.com/office/drawing/2014/main" id="{8A18650E-587D-4954-9C7A-C60C588F644B}"/>
-              </a:ext>
-            </a:extLst>
-          </p:cNvPr>
-          <p:cNvSpPr/>
-          <p:nvPr/>
-        </p:nvSpPr>
-        <p:spPr>
-          <a:xfrm>
-            <a:off x="832560" y="4210212"/>
-            <a:ext cx="6325222" cy="2136800"/>
-          </a:xfrm>
-          <a:prstGeom prst="rect">
-            <a:avLst/>
-          </a:prstGeom>
-          <a:solidFill>
-            <a:srgbClr val="FFFF00">
-              <a:alpha val="70000"/>
-            </a:srgbClr>
-          </a:solidFill>
-          <a:ln>
-            <a:noFill/>
-          </a:ln>
-        </p:spPr>
-        <p:style>
-          <a:lnRef idx="2">
-            <a:schemeClr val="accent1">
-              <a:shade val="50000"/>
-            </a:schemeClr>
-          </a:lnRef>
-          <a:fillRef idx="1">
-            <a:schemeClr val="accent1"/>
-          </a:fillRef>
-          <a:effectRef idx="0">
-            <a:schemeClr val="accent1"/>
-          </a:effectRef>
-          <a:fontRef idx="minor">
-            <a:schemeClr val="lt1"/>
-          </a:fontRef>
-        </p:style>
-        <p:txBody>
-          <a:bodyPr rtlCol="0" anchor="ctr"/>
-          <a:lstStyle/>
-          <a:p>
-            <a:pPr algn="ctr"/>
-            <a:r>
-              <a:rPr lang="ko-KR" altLang="en-US" sz="3600" dirty="0">
-                <a:solidFill>
-                  <a:srgbClr val="FF0000"/>
-                </a:solidFill>
-              </a:rPr>
-              <a:t>그래프 삽입</a:t>
-            </a:r>
-            <a:endParaRPr lang="ko-KR" altLang="en-US" sz="1200" strike="sngStrike" dirty="0">
-              <a:solidFill>
-                <a:srgbClr val="FF0000"/>
-              </a:solidFill>
-            </a:endParaRPr>
-          </a:p>
-        </p:txBody>
-      </p:sp>
       <p:sp>
         <p:nvSpPr>
           <p:cNvPr id="35" name="제목 1"/>
@@ -10127,7 +11045,7 @@
         <p:spPr>
           <a:xfrm>
             <a:off x="7524205" y="1638755"/>
-            <a:ext cx="1619795" cy="3790406"/>
+            <a:ext cx="1619795" cy="2613740"/>
           </a:xfrm>
           <a:prstGeom prst="roundRect">
             <a:avLst>
@@ -10167,6 +11085,42 @@
               <a:buFont typeface="Arial" panose="020B0604020202020204" pitchFamily="34" charset="0"/>
               <a:buChar char="•"/>
             </a:pPr>
+            <a:r>
+              <a:rPr lang="ko-KR" altLang="en-US" sz="1100" spc="-60" dirty="0" err="1">
+                <a:ln>
+                  <a:solidFill>
+                    <a:prstClr val="white">
+                      <a:alpha val="0"/>
+                    </a:prstClr>
+                  </a:solidFill>
+                </a:ln>
+                <a:solidFill>
+                  <a:schemeClr val="tx2">
+                    <a:lumMod val="75000"/>
+                  </a:schemeClr>
+                </a:solidFill>
+                <a:latin typeface="+mj-ea"/>
+              </a:rPr>
+              <a:t>승인일자별</a:t>
+            </a:r>
+            <a:r>
+              <a:rPr lang="ko-KR" altLang="en-US" sz="1100" spc="-60" dirty="0">
+                <a:ln>
+                  <a:solidFill>
+                    <a:prstClr val="white">
+                      <a:alpha val="0"/>
+                    </a:prstClr>
+                  </a:solidFill>
+                </a:ln>
+                <a:solidFill>
+                  <a:schemeClr val="tx2">
+                    <a:lumMod val="75000"/>
+                  </a:schemeClr>
+                </a:solidFill>
+                <a:latin typeface="+mj-ea"/>
+              </a:rPr>
+              <a:t> 거래금액 집계</a:t>
+            </a:r>
             <a:endParaRPr lang="en-US" altLang="ko-KR" sz="1100" spc="-60" dirty="0">
               <a:ln>
                 <a:solidFill>
@@ -10181,7 +11135,6 @@
                 </a:schemeClr>
               </a:solidFill>
               <a:latin typeface="+mj-ea"/>
-              <a:ea typeface="+mj-ea"/>
             </a:endParaRPr>
           </a:p>
           <a:p>
@@ -10189,25 +11142,6 @@
               <a:buFont typeface="Arial" panose="020B0604020202020204" pitchFamily="34" charset="0"/>
               <a:buChar char="•"/>
             </a:pPr>
-            <a:r>
-              <a:rPr lang="ko-KR" altLang="en-US" sz="1100" spc="-60" dirty="0" err="1">
-                <a:ln>
-                  <a:solidFill>
-                    <a:prstClr val="white">
-                      <a:alpha val="0"/>
-                    </a:prstClr>
-                  </a:solidFill>
-                </a:ln>
-                <a:solidFill>
-                  <a:schemeClr val="tx2">
-                    <a:lumMod val="75000"/>
-                  </a:schemeClr>
-                </a:solidFill>
-                <a:latin typeface="+mj-ea"/>
-                <a:ea typeface="+mj-ea"/>
-              </a:rPr>
-              <a:t>ㅇ</a:t>
-            </a:r>
             <a:endParaRPr lang="en-US" altLang="ko-KR" sz="1100" spc="-60" dirty="0">
               <a:ln>
                 <a:solidFill>
@@ -10222,7 +11156,621 @@
                 </a:schemeClr>
               </a:solidFill>
               <a:latin typeface="+mj-ea"/>
-              <a:ea typeface="+mj-ea"/>
+            </a:endParaRPr>
+          </a:p>
+          <a:p>
+            <a:pPr marL="171450" indent="-171450">
+              <a:buFont typeface="Arial" panose="020B0604020202020204" pitchFamily="34" charset="0"/>
+              <a:buChar char="•"/>
+            </a:pPr>
+            <a:r>
+              <a:rPr lang="en-US" altLang="ko-KR" sz="1100" spc="-60" dirty="0" err="1">
+                <a:ln>
+                  <a:solidFill>
+                    <a:prstClr val="white">
+                      <a:alpha val="0"/>
+                    </a:prstClr>
+                  </a:solidFill>
+                </a:ln>
+                <a:solidFill>
+                  <a:schemeClr val="tx2">
+                    <a:lumMod val="75000"/>
+                  </a:schemeClr>
+                </a:solidFill>
+                <a:latin typeface="+mj-ea"/>
+              </a:rPr>
+              <a:t>datetime</a:t>
+            </a:r>
+            <a:r>
+              <a:rPr lang="en-US" altLang="ko-KR" sz="1100" spc="-60" dirty="0">
+                <a:ln>
+                  <a:solidFill>
+                    <a:prstClr val="white">
+                      <a:alpha val="0"/>
+                    </a:prstClr>
+                  </a:solidFill>
+                </a:ln>
+                <a:solidFill>
+                  <a:schemeClr val="tx2">
+                    <a:lumMod val="75000"/>
+                  </a:schemeClr>
+                </a:solidFill>
+                <a:latin typeface="+mj-ea"/>
+              </a:rPr>
+              <a:t> </a:t>
+            </a:r>
+            <a:r>
+              <a:rPr lang="ko-KR" altLang="en-US" sz="1100" spc="-60" dirty="0">
+                <a:ln>
+                  <a:solidFill>
+                    <a:prstClr val="white">
+                      <a:alpha val="0"/>
+                    </a:prstClr>
+                  </a:solidFill>
+                </a:ln>
+                <a:solidFill>
+                  <a:schemeClr val="tx2">
+                    <a:lumMod val="75000"/>
+                  </a:schemeClr>
+                </a:solidFill>
+                <a:latin typeface="+mj-ea"/>
+              </a:rPr>
+              <a:t>함수 활용</a:t>
+            </a:r>
+            <a:r>
+              <a:rPr lang="en-US" altLang="ko-KR" sz="1100" spc="-60" dirty="0" smtClean="0">
+                <a:ln>
+                  <a:solidFill>
+                    <a:prstClr val="white">
+                      <a:alpha val="0"/>
+                    </a:prstClr>
+                  </a:solidFill>
+                </a:ln>
+                <a:solidFill>
+                  <a:schemeClr val="tx2">
+                    <a:lumMod val="75000"/>
+                  </a:schemeClr>
+                </a:solidFill>
+                <a:latin typeface="+mj-ea"/>
+              </a:rPr>
+              <a:t>date/month/day</a:t>
+            </a:r>
+            <a:r>
+              <a:rPr lang="ko-KR" altLang="en-US" sz="1100" spc="-60" dirty="0" smtClean="0">
+                <a:ln>
+                  <a:solidFill>
+                    <a:prstClr val="white">
+                      <a:alpha val="0"/>
+                    </a:prstClr>
+                  </a:solidFill>
+                </a:ln>
+                <a:solidFill>
+                  <a:schemeClr val="tx2">
+                    <a:lumMod val="75000"/>
+                  </a:schemeClr>
+                </a:solidFill>
+                <a:latin typeface="+mj-ea"/>
+              </a:rPr>
+              <a:t>로 </a:t>
+            </a:r>
+            <a:r>
+              <a:rPr lang="ko-KR" altLang="en-US" sz="1100" spc="-60" dirty="0" smtClean="0">
+                <a:ln>
+                  <a:solidFill>
+                    <a:prstClr val="white">
+                      <a:alpha val="0"/>
+                    </a:prstClr>
+                  </a:solidFill>
+                </a:ln>
+                <a:solidFill>
+                  <a:schemeClr val="tx2">
+                    <a:lumMod val="75000"/>
+                  </a:schemeClr>
+                </a:solidFill>
+                <a:latin typeface="+mj-ea"/>
+              </a:rPr>
+              <a:t>분류</a:t>
+            </a:r>
+            <a:endParaRPr lang="en-US" altLang="ko-KR" sz="1100" spc="-60" dirty="0">
+              <a:ln>
+                <a:solidFill>
+                  <a:prstClr val="white">
+                    <a:alpha val="0"/>
+                  </a:prstClr>
+                </a:solidFill>
+              </a:ln>
+              <a:solidFill>
+                <a:schemeClr val="tx2">
+                  <a:lumMod val="75000"/>
+                </a:schemeClr>
+              </a:solidFill>
+              <a:latin typeface="+mj-ea"/>
+            </a:endParaRPr>
+          </a:p>
+          <a:p>
+            <a:pPr marL="171450" indent="-171450">
+              <a:buFont typeface="Arial" panose="020B0604020202020204" pitchFamily="34" charset="0"/>
+              <a:buChar char="•"/>
+            </a:pPr>
+            <a:endParaRPr lang="en-US" altLang="ko-KR" sz="1100" spc="-60" dirty="0">
+              <a:ln>
+                <a:solidFill>
+                  <a:prstClr val="white">
+                    <a:alpha val="0"/>
+                  </a:prstClr>
+                </a:solidFill>
+              </a:ln>
+              <a:solidFill>
+                <a:schemeClr val="tx2">
+                  <a:lumMod val="75000"/>
+                </a:schemeClr>
+              </a:solidFill>
+              <a:latin typeface="+mj-ea"/>
+            </a:endParaRPr>
+          </a:p>
+          <a:p>
+            <a:pPr marL="171450" indent="-171450">
+              <a:buFont typeface="Arial" panose="020B0604020202020204" pitchFamily="34" charset="0"/>
+              <a:buChar char="•"/>
+            </a:pPr>
+            <a:r>
+              <a:rPr lang="ko-KR" altLang="en-US" sz="1100" spc="-60" dirty="0" smtClean="0">
+                <a:ln>
+                  <a:solidFill>
+                    <a:prstClr val="white">
+                      <a:alpha val="0"/>
+                    </a:prstClr>
+                  </a:solidFill>
+                </a:ln>
+                <a:solidFill>
+                  <a:schemeClr val="tx2">
+                    <a:lumMod val="75000"/>
+                  </a:schemeClr>
+                </a:solidFill>
+                <a:latin typeface="+mj-ea"/>
+              </a:rPr>
+              <a:t>월 </a:t>
+            </a:r>
+            <a:r>
+              <a:rPr lang="en-US" altLang="ko-KR" sz="1100" spc="-60" dirty="0" smtClean="0">
+                <a:ln>
+                  <a:solidFill>
+                    <a:prstClr val="white">
+                      <a:alpha val="0"/>
+                    </a:prstClr>
+                  </a:solidFill>
+                </a:ln>
+                <a:solidFill>
+                  <a:schemeClr val="tx2">
+                    <a:lumMod val="75000"/>
+                  </a:schemeClr>
+                </a:solidFill>
+                <a:latin typeface="+mj-ea"/>
+              </a:rPr>
+              <a:t>/ </a:t>
+            </a:r>
+            <a:r>
+              <a:rPr lang="ko-KR" altLang="en-US" sz="1100" spc="-60" dirty="0" smtClean="0">
+                <a:ln>
+                  <a:solidFill>
+                    <a:prstClr val="white">
+                      <a:alpha val="0"/>
+                    </a:prstClr>
+                  </a:solidFill>
+                </a:ln>
+                <a:solidFill>
+                  <a:schemeClr val="tx2">
+                    <a:lumMod val="75000"/>
+                  </a:schemeClr>
+                </a:solidFill>
+                <a:latin typeface="+mj-ea"/>
+              </a:rPr>
+              <a:t>주 를 기준으로 데이터 분류 및</a:t>
+            </a:r>
+            <a:r>
+              <a:rPr lang="ko-KR" altLang="en-US" sz="1100" spc="-60" dirty="0" smtClean="0">
+                <a:ln>
+                  <a:solidFill>
+                    <a:prstClr val="white">
+                      <a:alpha val="0"/>
+                    </a:prstClr>
+                  </a:solidFill>
+                </a:ln>
+                <a:solidFill>
+                  <a:schemeClr val="tx2">
+                    <a:lumMod val="75000"/>
+                  </a:schemeClr>
+                </a:solidFill>
+                <a:latin typeface="+mj-ea"/>
+              </a:rPr>
+              <a:t>  </a:t>
+            </a:r>
+            <a:r>
+              <a:rPr lang="en-US" altLang="ko-KR" sz="1100" spc="-60" dirty="0" err="1" smtClean="0">
+                <a:ln>
+                  <a:solidFill>
+                    <a:prstClr val="white">
+                      <a:alpha val="0"/>
+                    </a:prstClr>
+                  </a:solidFill>
+                </a:ln>
+                <a:solidFill>
+                  <a:schemeClr val="tx2">
+                    <a:lumMod val="75000"/>
+                  </a:schemeClr>
+                </a:solidFill>
+                <a:latin typeface="+mj-ea"/>
+              </a:rPr>
+              <a:t>plt.bar</a:t>
+            </a:r>
+            <a:r>
+              <a:rPr lang="en-US" altLang="ko-KR" sz="1100" spc="-60" dirty="0" smtClean="0">
+                <a:ln>
+                  <a:solidFill>
+                    <a:prstClr val="white">
+                      <a:alpha val="0"/>
+                    </a:prstClr>
+                  </a:solidFill>
+                </a:ln>
+                <a:solidFill>
+                  <a:schemeClr val="tx2">
+                    <a:lumMod val="75000"/>
+                  </a:schemeClr>
+                </a:solidFill>
+                <a:latin typeface="+mj-ea"/>
+              </a:rPr>
+              <a:t> </a:t>
+            </a:r>
+            <a:r>
+              <a:rPr lang="ko-KR" altLang="en-US" sz="1100" spc="-60" dirty="0" smtClean="0">
+                <a:ln>
+                  <a:solidFill>
+                    <a:prstClr val="white">
+                      <a:alpha val="0"/>
+                    </a:prstClr>
+                  </a:solidFill>
+                </a:ln>
+                <a:solidFill>
+                  <a:schemeClr val="tx2">
+                    <a:lumMod val="75000"/>
+                  </a:schemeClr>
+                </a:solidFill>
+                <a:latin typeface="+mj-ea"/>
+              </a:rPr>
+              <a:t>활용하여 </a:t>
+            </a:r>
+            <a:r>
+              <a:rPr lang="ko-KR" altLang="en-US" sz="1100" spc="-60" dirty="0">
+                <a:ln>
+                  <a:solidFill>
+                    <a:prstClr val="white">
+                      <a:alpha val="0"/>
+                    </a:prstClr>
+                  </a:solidFill>
+                </a:ln>
+                <a:solidFill>
+                  <a:schemeClr val="tx2">
+                    <a:lumMod val="75000"/>
+                  </a:schemeClr>
+                </a:solidFill>
+                <a:latin typeface="+mj-ea"/>
+              </a:rPr>
+              <a:t>막대 차트 작성</a:t>
+            </a:r>
+            <a:endParaRPr lang="en-US" altLang="ko-KR" sz="1100" spc="-60" dirty="0">
+              <a:ln>
+                <a:solidFill>
+                  <a:prstClr val="white">
+                    <a:alpha val="0"/>
+                  </a:prstClr>
+                </a:solidFill>
+              </a:ln>
+              <a:solidFill>
+                <a:schemeClr val="tx2">
+                  <a:lumMod val="75000"/>
+                </a:schemeClr>
+              </a:solidFill>
+              <a:latin typeface="+mj-ea"/>
+            </a:endParaRPr>
+          </a:p>
+          <a:p>
+            <a:pPr marL="171450" indent="-171450">
+              <a:buFont typeface="Arial" panose="020B0604020202020204" pitchFamily="34" charset="0"/>
+              <a:buChar char="•"/>
+            </a:pPr>
+            <a:endParaRPr lang="en-US" altLang="ko-KR" sz="1100" spc="-60" dirty="0">
+              <a:ln>
+                <a:solidFill>
+                  <a:prstClr val="white">
+                    <a:alpha val="0"/>
+                  </a:prstClr>
+                </a:solidFill>
+              </a:ln>
+              <a:solidFill>
+                <a:schemeClr val="tx2">
+                  <a:lumMod val="75000"/>
+                </a:schemeClr>
+              </a:solidFill>
+              <a:latin typeface="+mj-ea"/>
+            </a:endParaRPr>
+          </a:p>
+          <a:p>
+            <a:pPr marL="171450" indent="-171450">
+              <a:buFont typeface="Arial" panose="020B0604020202020204" pitchFamily="34" charset="0"/>
+              <a:buChar char="•"/>
+            </a:pPr>
+            <a:r>
+              <a:rPr lang="en-US" altLang="ko-KR" sz="1100" spc="-60" dirty="0">
+                <a:ln>
+                  <a:solidFill>
+                    <a:prstClr val="white">
+                      <a:alpha val="0"/>
+                    </a:prstClr>
+                  </a:solidFill>
+                </a:ln>
+                <a:solidFill>
+                  <a:schemeClr val="tx2">
+                    <a:lumMod val="75000"/>
+                  </a:schemeClr>
+                </a:solidFill>
+                <a:latin typeface="+mj-ea"/>
+              </a:rPr>
+              <a:t>x</a:t>
+            </a:r>
+            <a:r>
+              <a:rPr lang="ko-KR" altLang="en-US" sz="1100" spc="-60" dirty="0">
+                <a:ln>
+                  <a:solidFill>
+                    <a:prstClr val="white">
+                      <a:alpha val="0"/>
+                    </a:prstClr>
+                  </a:solidFill>
+                </a:ln>
+                <a:solidFill>
+                  <a:schemeClr val="tx2">
+                    <a:lumMod val="75000"/>
+                  </a:schemeClr>
+                </a:solidFill>
+                <a:latin typeface="+mj-ea"/>
+              </a:rPr>
+              <a:t>축 </a:t>
+            </a:r>
+            <a:r>
+              <a:rPr lang="en-US" altLang="ko-KR" sz="1100" spc="-60" dirty="0">
+                <a:ln>
+                  <a:solidFill>
+                    <a:prstClr val="white">
+                      <a:alpha val="0"/>
+                    </a:prstClr>
+                  </a:solidFill>
+                </a:ln>
+                <a:solidFill>
+                  <a:schemeClr val="tx2">
+                    <a:lumMod val="75000"/>
+                  </a:schemeClr>
+                </a:solidFill>
+                <a:latin typeface="+mj-ea"/>
+              </a:rPr>
+              <a:t>: </a:t>
+            </a:r>
+            <a:r>
+              <a:rPr lang="en-US" altLang="ko-KR" sz="1100" spc="-60" dirty="0" smtClean="0">
+                <a:ln>
+                  <a:solidFill>
+                    <a:prstClr val="white">
+                      <a:alpha val="0"/>
+                    </a:prstClr>
+                  </a:solidFill>
+                </a:ln>
+                <a:solidFill>
+                  <a:schemeClr val="tx2">
+                    <a:lumMod val="75000"/>
+                  </a:schemeClr>
+                </a:solidFill>
+                <a:latin typeface="+mj-ea"/>
+              </a:rPr>
+              <a:t>week (</a:t>
+            </a:r>
+            <a:r>
+              <a:rPr lang="ko-KR" altLang="en-US" sz="1100" spc="-60" dirty="0" smtClean="0">
+                <a:ln>
+                  <a:solidFill>
+                    <a:prstClr val="white">
+                      <a:alpha val="0"/>
+                    </a:prstClr>
+                  </a:solidFill>
+                </a:ln>
+                <a:solidFill>
+                  <a:schemeClr val="tx2">
+                    <a:lumMod val="75000"/>
+                  </a:schemeClr>
+                </a:solidFill>
+                <a:latin typeface="+mj-ea"/>
+              </a:rPr>
+              <a:t>주차</a:t>
+            </a:r>
+            <a:r>
+              <a:rPr lang="en-US" altLang="ko-KR" sz="1100" spc="-60" dirty="0" smtClean="0">
+                <a:ln>
+                  <a:solidFill>
+                    <a:prstClr val="white">
+                      <a:alpha val="0"/>
+                    </a:prstClr>
+                  </a:solidFill>
+                </a:ln>
+                <a:solidFill>
+                  <a:schemeClr val="tx2">
+                    <a:lumMod val="75000"/>
+                  </a:schemeClr>
+                </a:solidFill>
+                <a:latin typeface="+mj-ea"/>
+              </a:rPr>
+              <a:t>)</a:t>
+            </a:r>
+          </a:p>
+          <a:p>
+            <a:pPr marL="171450" indent="-171450">
+              <a:buFont typeface="Arial" panose="020B0604020202020204" pitchFamily="34" charset="0"/>
+              <a:buChar char="•"/>
+            </a:pPr>
+            <a:r>
+              <a:rPr lang="en-US" altLang="ko-KR" sz="1100" spc="-60" dirty="0" smtClean="0">
+                <a:ln>
+                  <a:solidFill>
+                    <a:prstClr val="white">
+                      <a:alpha val="0"/>
+                    </a:prstClr>
+                  </a:solidFill>
+                </a:ln>
+                <a:solidFill>
+                  <a:schemeClr val="tx2">
+                    <a:lumMod val="75000"/>
+                  </a:schemeClr>
+                </a:solidFill>
+                <a:latin typeface="+mj-ea"/>
+              </a:rPr>
+              <a:t>y</a:t>
+            </a:r>
+            <a:r>
+              <a:rPr lang="ko-KR" altLang="en-US" sz="1100" spc="-60" dirty="0">
+                <a:ln>
+                  <a:solidFill>
+                    <a:prstClr val="white">
+                      <a:alpha val="0"/>
+                    </a:prstClr>
+                  </a:solidFill>
+                </a:ln>
+                <a:solidFill>
+                  <a:schemeClr val="tx2">
+                    <a:lumMod val="75000"/>
+                  </a:schemeClr>
+                </a:solidFill>
+                <a:latin typeface="+mj-ea"/>
+              </a:rPr>
+              <a:t>축 </a:t>
+            </a:r>
+            <a:r>
+              <a:rPr lang="en-US" altLang="ko-KR" sz="1100" spc="-60" dirty="0">
+                <a:ln>
+                  <a:solidFill>
+                    <a:prstClr val="white">
+                      <a:alpha val="0"/>
+                    </a:prstClr>
+                  </a:solidFill>
+                </a:ln>
+                <a:solidFill>
+                  <a:schemeClr val="tx2">
+                    <a:lumMod val="75000"/>
+                  </a:schemeClr>
+                </a:solidFill>
+                <a:latin typeface="+mj-ea"/>
+              </a:rPr>
+              <a:t>: </a:t>
+            </a:r>
+            <a:r>
+              <a:rPr lang="ko-KR" altLang="en-US" sz="1100" spc="-60" dirty="0" smtClean="0">
+                <a:ln>
+                  <a:solidFill>
+                    <a:prstClr val="white">
+                      <a:alpha val="0"/>
+                    </a:prstClr>
+                  </a:solidFill>
+                </a:ln>
+                <a:solidFill>
+                  <a:schemeClr val="tx2">
+                    <a:lumMod val="75000"/>
+                  </a:schemeClr>
+                </a:solidFill>
+                <a:latin typeface="+mj-ea"/>
+              </a:rPr>
+              <a:t>누적 거래</a:t>
+            </a:r>
+            <a:r>
+              <a:rPr lang="ko-KR" altLang="en-US" sz="1100" spc="-60" dirty="0" smtClean="0">
+                <a:ln>
+                  <a:solidFill>
+                    <a:prstClr val="white">
+                      <a:alpha val="0"/>
+                    </a:prstClr>
+                  </a:solidFill>
+                </a:ln>
+                <a:solidFill>
+                  <a:schemeClr val="tx2">
+                    <a:lumMod val="75000"/>
+                  </a:schemeClr>
+                </a:solidFill>
+                <a:latin typeface="+mj-ea"/>
+              </a:rPr>
+              <a:t>금액 </a:t>
+            </a:r>
+            <a:r>
+              <a:rPr lang="en-US" altLang="ko-KR" sz="1100" spc="-60" dirty="0" smtClean="0">
+                <a:ln>
+                  <a:solidFill>
+                    <a:prstClr val="white">
+                      <a:alpha val="0"/>
+                    </a:prstClr>
+                  </a:solidFill>
+                </a:ln>
+                <a:solidFill>
+                  <a:schemeClr val="tx2">
+                    <a:lumMod val="75000"/>
+                  </a:schemeClr>
+                </a:solidFill>
+                <a:latin typeface="+mj-ea"/>
+              </a:rPr>
+              <a:t>(</a:t>
+            </a:r>
+            <a:r>
+              <a:rPr lang="ko-KR" altLang="en-US" sz="1100" spc="-60" dirty="0" smtClean="0">
+                <a:ln>
+                  <a:solidFill>
+                    <a:prstClr val="white">
+                      <a:alpha val="0"/>
+                    </a:prstClr>
+                  </a:solidFill>
+                </a:ln>
+                <a:solidFill>
+                  <a:schemeClr val="tx2">
+                    <a:lumMod val="75000"/>
+                  </a:schemeClr>
+                </a:solidFill>
+                <a:latin typeface="+mj-ea"/>
+              </a:rPr>
+              <a:t>억원</a:t>
+            </a:r>
+            <a:r>
+              <a:rPr lang="en-US" altLang="ko-KR" sz="1100" spc="-60" dirty="0" smtClean="0">
+                <a:ln>
+                  <a:solidFill>
+                    <a:prstClr val="white">
+                      <a:alpha val="0"/>
+                    </a:prstClr>
+                  </a:solidFill>
+                </a:ln>
+                <a:solidFill>
+                  <a:schemeClr val="tx2">
+                    <a:lumMod val="75000"/>
+                  </a:schemeClr>
+                </a:solidFill>
+                <a:latin typeface="+mj-ea"/>
+              </a:rPr>
+              <a:t>)</a:t>
+            </a:r>
+            <a:endParaRPr lang="en-US" altLang="ko-KR" sz="1100" spc="-60" dirty="0">
+              <a:ln>
+                <a:solidFill>
+                  <a:prstClr val="white">
+                    <a:alpha val="0"/>
+                  </a:prstClr>
+                </a:solidFill>
+              </a:ln>
+              <a:solidFill>
+                <a:schemeClr val="tx2">
+                  <a:lumMod val="75000"/>
+                </a:schemeClr>
+              </a:solidFill>
+              <a:latin typeface="+mj-ea"/>
             </a:endParaRPr>
           </a:p>
         </p:txBody>
@@ -10326,10 +11874,10 @@
                   <a:srgbClr val="FF0000"/>
                 </a:solidFill>
               </a:rPr>
-              <a:t>카테고리 기준</a:t>
-            </a:r>
-            <a:r>
-              <a:rPr lang="en-US" altLang="ko-KR" sz="3600" dirty="0">
+              <a:t>승자 일자 기준</a:t>
+            </a:r>
+            <a:r>
+              <a:rPr lang="en-US" altLang="ko-KR" sz="3600" dirty="0" smtClean="0">
                 <a:solidFill>
                   <a:srgbClr val="FF0000"/>
                 </a:solidFill>
@@ -10337,15 +11885,15 @@
               <a:t>_</a:t>
             </a:r>
             <a:r>
-              <a:rPr lang="ko-KR" altLang="en-US" sz="3600" dirty="0" err="1">
+              <a:rPr lang="ko-KR" altLang="en-US" sz="3600" dirty="0" smtClean="0">
                 <a:solidFill>
                   <a:srgbClr val="FF0000"/>
                 </a:solidFill>
               </a:rPr>
-              <a:t>안혜림</a:t>
-            </a:r>
-            <a:r>
-              <a:rPr lang="en-US" altLang="ko-KR" sz="3600" dirty="0">
+              <a:t>박다솜</a:t>
+            </a:r>
+            <a:r>
+              <a:rPr lang="en-US" altLang="ko-KR" sz="3600" dirty="0" smtClean="0">
                 <a:solidFill>
                   <a:srgbClr val="FF0000"/>
                 </a:solidFill>
@@ -10558,23 +12106,744 @@
               <a:buAutoNum type="circleNumDbPlain"/>
             </a:pPr>
             <a:r>
-              <a:rPr lang="ko-KR" altLang="en-US" spc="-60" dirty="0" err="1">
-                <a:ln>
-                  <a:solidFill>
-                    <a:prstClr val="white">
-                      <a:alpha val="0"/>
-                    </a:prstClr>
-                  </a:solidFill>
-                </a:ln>
-                <a:solidFill>
-                  <a:schemeClr val="tx2">
-                    <a:lumMod val="75000"/>
-                  </a:schemeClr>
-                </a:solidFill>
-                <a:latin typeface="+mj-ea"/>
-                <a:ea typeface="+mj-ea"/>
-              </a:rPr>
-              <a:t>ㅇ</a:t>
+              <a:rPr lang="ko-KR" altLang="en-US" spc="-60" dirty="0" err="1" smtClean="0">
+                <a:ln>
+                  <a:solidFill>
+                    <a:prstClr val="white">
+                      <a:alpha val="0"/>
+                    </a:prstClr>
+                  </a:solidFill>
+                </a:ln>
+                <a:solidFill>
+                  <a:schemeClr val="tx2">
+                    <a:lumMod val="75000"/>
+                  </a:schemeClr>
+                </a:solidFill>
+                <a:latin typeface="+mj-ea"/>
+                <a:ea typeface="+mj-ea"/>
+              </a:rPr>
+              <a:t>요일별</a:t>
+            </a:r>
+            <a:r>
+              <a:rPr lang="ko-KR" altLang="en-US" spc="-60" dirty="0" smtClean="0">
+                <a:ln>
+                  <a:solidFill>
+                    <a:prstClr val="white">
+                      <a:alpha val="0"/>
+                    </a:prstClr>
+                  </a:solidFill>
+                </a:ln>
+                <a:solidFill>
+                  <a:schemeClr val="tx2">
+                    <a:lumMod val="75000"/>
+                  </a:schemeClr>
+                </a:solidFill>
+                <a:latin typeface="+mj-ea"/>
+                <a:ea typeface="+mj-ea"/>
+              </a:rPr>
+              <a:t> 거래금액이 가장 높은 요일은 </a:t>
+            </a:r>
+            <a:r>
+              <a:rPr lang="en-US" altLang="ko-KR" spc="-60" dirty="0" smtClean="0">
+                <a:ln>
+                  <a:solidFill>
+                    <a:prstClr val="white">
+                      <a:alpha val="0"/>
+                    </a:prstClr>
+                  </a:solidFill>
+                </a:ln>
+                <a:solidFill>
+                  <a:schemeClr val="tx2">
+                    <a:lumMod val="75000"/>
+                  </a:schemeClr>
+                </a:solidFill>
+                <a:latin typeface="+mj-ea"/>
+                <a:ea typeface="+mj-ea"/>
+              </a:rPr>
+              <a:t>‘</a:t>
+            </a:r>
+            <a:r>
+              <a:rPr lang="ko-KR" altLang="en-US" spc="-60" dirty="0" smtClean="0">
+                <a:ln>
+                  <a:solidFill>
+                    <a:prstClr val="white">
+                      <a:alpha val="0"/>
+                    </a:prstClr>
+                  </a:solidFill>
+                </a:ln>
+                <a:solidFill>
+                  <a:schemeClr val="tx2">
+                    <a:lumMod val="75000"/>
+                  </a:schemeClr>
+                </a:solidFill>
+                <a:latin typeface="+mj-ea"/>
+                <a:ea typeface="+mj-ea"/>
+              </a:rPr>
+              <a:t>토요일</a:t>
+            </a:r>
+            <a:r>
+              <a:rPr lang="en-US" altLang="ko-KR" spc="-60" dirty="0" smtClean="0">
+                <a:ln>
+                  <a:solidFill>
+                    <a:prstClr val="white">
+                      <a:alpha val="0"/>
+                    </a:prstClr>
+                  </a:solidFill>
+                </a:ln>
+                <a:solidFill>
+                  <a:schemeClr val="tx2">
+                    <a:lumMod val="75000"/>
+                  </a:schemeClr>
+                </a:solidFill>
+                <a:latin typeface="+mj-ea"/>
+                <a:ea typeface="+mj-ea"/>
+              </a:rPr>
+              <a:t>’</a:t>
+            </a:r>
+            <a:r>
+              <a:rPr lang="ko-KR" altLang="en-US" spc="-60" dirty="0" smtClean="0">
+                <a:ln>
+                  <a:solidFill>
+                    <a:prstClr val="white">
+                      <a:alpha val="0"/>
+                    </a:prstClr>
+                  </a:solidFill>
+                </a:ln>
+                <a:solidFill>
+                  <a:schemeClr val="tx2">
+                    <a:lumMod val="75000"/>
+                  </a:schemeClr>
+                </a:solidFill>
+                <a:latin typeface="+mj-ea"/>
+                <a:ea typeface="+mj-ea"/>
+              </a:rPr>
+              <a:t>로 나타남</a:t>
+            </a:r>
+            <a:r>
+              <a:rPr lang="en-US" altLang="ko-KR" spc="-60" dirty="0" smtClean="0">
+                <a:ln>
+                  <a:solidFill>
+                    <a:prstClr val="white">
+                      <a:alpha val="0"/>
+                    </a:prstClr>
+                  </a:solidFill>
+                </a:ln>
+                <a:solidFill>
+                  <a:schemeClr val="tx2">
+                    <a:lumMod val="75000"/>
+                  </a:schemeClr>
+                </a:solidFill>
+                <a:latin typeface="+mj-ea"/>
+                <a:ea typeface="+mj-ea"/>
+              </a:rPr>
+              <a:t>.    (</a:t>
+            </a:r>
+            <a:r>
+              <a:rPr lang="ko-KR" altLang="en-US" spc="-60" dirty="0" smtClean="0">
+                <a:ln>
+                  <a:solidFill>
+                    <a:prstClr val="white">
+                      <a:alpha val="0"/>
+                    </a:prstClr>
+                  </a:solidFill>
+                </a:ln>
+                <a:solidFill>
+                  <a:schemeClr val="tx2">
+                    <a:lumMod val="75000"/>
+                  </a:schemeClr>
+                </a:solidFill>
+                <a:latin typeface="+mj-ea"/>
+                <a:ea typeface="+mj-ea"/>
+              </a:rPr>
+              <a:t>약 </a:t>
+            </a:r>
+            <a:r>
+              <a:rPr lang="en-US" altLang="ko-KR" spc="-60" dirty="0" smtClean="0">
+                <a:ln>
+                  <a:solidFill>
+                    <a:prstClr val="white">
+                      <a:alpha val="0"/>
+                    </a:prstClr>
+                  </a:solidFill>
+                </a:ln>
+                <a:solidFill>
+                  <a:schemeClr val="tx2">
+                    <a:lumMod val="75000"/>
+                  </a:schemeClr>
+                </a:solidFill>
+                <a:latin typeface="+mj-ea"/>
+                <a:ea typeface="+mj-ea"/>
+              </a:rPr>
+              <a:t>8</a:t>
+            </a:r>
+            <a:r>
+              <a:rPr lang="ko-KR" altLang="en-US" spc="-60" dirty="0" smtClean="0">
+                <a:ln>
+                  <a:solidFill>
+                    <a:prstClr val="white">
+                      <a:alpha val="0"/>
+                    </a:prstClr>
+                  </a:solidFill>
+                </a:ln>
+                <a:solidFill>
+                  <a:schemeClr val="tx2">
+                    <a:lumMod val="75000"/>
+                  </a:schemeClr>
+                </a:solidFill>
+                <a:latin typeface="+mj-ea"/>
+                <a:ea typeface="+mj-ea"/>
+              </a:rPr>
+              <a:t>억 </a:t>
+            </a:r>
+            <a:r>
+              <a:rPr lang="en-US" altLang="ko-KR" spc="-60" dirty="0" smtClean="0">
+                <a:ln>
+                  <a:solidFill>
+                    <a:prstClr val="white">
+                      <a:alpha val="0"/>
+                    </a:prstClr>
+                  </a:solidFill>
+                </a:ln>
+                <a:solidFill>
+                  <a:schemeClr val="tx2">
+                    <a:lumMod val="75000"/>
+                  </a:schemeClr>
+                </a:solidFill>
+                <a:latin typeface="+mj-ea"/>
+                <a:ea typeface="+mj-ea"/>
+              </a:rPr>
+              <a:t>9</a:t>
+            </a:r>
+            <a:r>
+              <a:rPr lang="ko-KR" altLang="en-US" spc="-60" dirty="0" smtClean="0">
+                <a:ln>
+                  <a:solidFill>
+                    <a:prstClr val="white">
+                      <a:alpha val="0"/>
+                    </a:prstClr>
+                  </a:solidFill>
+                </a:ln>
+                <a:solidFill>
+                  <a:schemeClr val="tx2">
+                    <a:lumMod val="75000"/>
+                  </a:schemeClr>
+                </a:solidFill>
+                <a:latin typeface="+mj-ea"/>
+                <a:ea typeface="+mj-ea"/>
+              </a:rPr>
+              <a:t>천만원</a:t>
+            </a:r>
+            <a:r>
+              <a:rPr lang="en-US" altLang="ko-KR" spc="-60" dirty="0" smtClean="0">
+                <a:ln>
+                  <a:solidFill>
+                    <a:prstClr val="white">
+                      <a:alpha val="0"/>
+                    </a:prstClr>
+                  </a:solidFill>
+                </a:ln>
+                <a:solidFill>
+                  <a:schemeClr val="tx2">
+                    <a:lumMod val="75000"/>
+                  </a:schemeClr>
+                </a:solidFill>
+                <a:latin typeface="+mj-ea"/>
+                <a:ea typeface="+mj-ea"/>
+              </a:rPr>
+              <a:t>)</a:t>
+            </a:r>
+          </a:p>
+          <a:p>
+            <a:pPr marL="800100" lvl="1" indent="-342900">
+              <a:spcBef>
+                <a:spcPts val="1000"/>
+              </a:spcBef>
+              <a:buFont typeface="+mj-ea"/>
+              <a:buAutoNum type="circleNumDbPlain"/>
+            </a:pPr>
+            <a:r>
+              <a:rPr lang="ko-KR" altLang="en-US" spc="-60" dirty="0" err="1" smtClean="0">
+                <a:ln>
+                  <a:solidFill>
+                    <a:prstClr val="white">
+                      <a:alpha val="0"/>
+                    </a:prstClr>
+                  </a:solidFill>
+                </a:ln>
+                <a:solidFill>
+                  <a:schemeClr val="tx2">
+                    <a:lumMod val="75000"/>
+                  </a:schemeClr>
+                </a:solidFill>
+                <a:latin typeface="+mj-ea"/>
+                <a:ea typeface="+mj-ea"/>
+              </a:rPr>
+              <a:t>요일별</a:t>
+            </a:r>
+            <a:r>
+              <a:rPr lang="ko-KR" altLang="en-US" spc="-60" dirty="0" smtClean="0">
+                <a:ln>
+                  <a:solidFill>
+                    <a:prstClr val="white">
+                      <a:alpha val="0"/>
+                    </a:prstClr>
+                  </a:solidFill>
+                </a:ln>
+                <a:solidFill>
+                  <a:schemeClr val="tx2">
+                    <a:lumMod val="75000"/>
+                  </a:schemeClr>
+                </a:solidFill>
+                <a:latin typeface="+mj-ea"/>
+                <a:ea typeface="+mj-ea"/>
+              </a:rPr>
+              <a:t> 거래금액이 가장 낮은 요일은 </a:t>
+            </a:r>
+            <a:r>
+              <a:rPr lang="en-US" altLang="ko-KR" spc="-60" dirty="0" smtClean="0">
+                <a:ln>
+                  <a:solidFill>
+                    <a:prstClr val="white">
+                      <a:alpha val="0"/>
+                    </a:prstClr>
+                  </a:solidFill>
+                </a:ln>
+                <a:solidFill>
+                  <a:schemeClr val="tx2">
+                    <a:lumMod val="75000"/>
+                  </a:schemeClr>
+                </a:solidFill>
+                <a:latin typeface="+mj-ea"/>
+                <a:ea typeface="+mj-ea"/>
+              </a:rPr>
+              <a:t>‘</a:t>
+            </a:r>
+            <a:r>
+              <a:rPr lang="ko-KR" altLang="en-US" spc="-60" dirty="0" smtClean="0">
+                <a:ln>
+                  <a:solidFill>
+                    <a:prstClr val="white">
+                      <a:alpha val="0"/>
+                    </a:prstClr>
+                  </a:solidFill>
+                </a:ln>
+                <a:solidFill>
+                  <a:schemeClr val="tx2">
+                    <a:lumMod val="75000"/>
+                  </a:schemeClr>
+                </a:solidFill>
+                <a:latin typeface="+mj-ea"/>
+                <a:ea typeface="+mj-ea"/>
+              </a:rPr>
+              <a:t>일요일</a:t>
+            </a:r>
+            <a:r>
+              <a:rPr lang="en-US" altLang="ko-KR" spc="-60" dirty="0" smtClean="0">
+                <a:ln>
+                  <a:solidFill>
+                    <a:prstClr val="white">
+                      <a:alpha val="0"/>
+                    </a:prstClr>
+                  </a:solidFill>
+                </a:ln>
+                <a:solidFill>
+                  <a:schemeClr val="tx2">
+                    <a:lumMod val="75000"/>
+                  </a:schemeClr>
+                </a:solidFill>
+                <a:latin typeface="+mj-ea"/>
+                <a:ea typeface="+mj-ea"/>
+              </a:rPr>
+              <a:t>’</a:t>
+            </a:r>
+            <a:r>
+              <a:rPr lang="ko-KR" altLang="en-US" spc="-60" dirty="0" smtClean="0">
+                <a:ln>
+                  <a:solidFill>
+                    <a:prstClr val="white">
+                      <a:alpha val="0"/>
+                    </a:prstClr>
+                  </a:solidFill>
+                </a:ln>
+                <a:solidFill>
+                  <a:schemeClr val="tx2">
+                    <a:lumMod val="75000"/>
+                  </a:schemeClr>
+                </a:solidFill>
+                <a:latin typeface="+mj-ea"/>
+                <a:ea typeface="+mj-ea"/>
+              </a:rPr>
+              <a:t>로 나타남</a:t>
+            </a:r>
+            <a:r>
+              <a:rPr lang="en-US" altLang="ko-KR" spc="-60" dirty="0" smtClean="0">
+                <a:ln>
+                  <a:solidFill>
+                    <a:prstClr val="white">
+                      <a:alpha val="0"/>
+                    </a:prstClr>
+                  </a:solidFill>
+                </a:ln>
+                <a:solidFill>
+                  <a:schemeClr val="tx2">
+                    <a:lumMod val="75000"/>
+                  </a:schemeClr>
+                </a:solidFill>
+                <a:latin typeface="+mj-ea"/>
+                <a:ea typeface="+mj-ea"/>
+              </a:rPr>
+              <a:t>.   (</a:t>
+            </a:r>
+            <a:r>
+              <a:rPr lang="ko-KR" altLang="en-US" spc="-60" dirty="0" smtClean="0">
+                <a:ln>
+                  <a:solidFill>
+                    <a:prstClr val="white">
+                      <a:alpha val="0"/>
+                    </a:prstClr>
+                  </a:solidFill>
+                </a:ln>
+                <a:solidFill>
+                  <a:schemeClr val="tx2">
+                    <a:lumMod val="75000"/>
+                  </a:schemeClr>
+                </a:solidFill>
+                <a:latin typeface="+mj-ea"/>
+                <a:ea typeface="+mj-ea"/>
+              </a:rPr>
+              <a:t>약 </a:t>
+            </a:r>
+            <a:r>
+              <a:rPr lang="en-US" altLang="ko-KR" spc="-60" dirty="0" smtClean="0">
+                <a:ln>
+                  <a:solidFill>
+                    <a:prstClr val="white">
+                      <a:alpha val="0"/>
+                    </a:prstClr>
+                  </a:solidFill>
+                </a:ln>
+                <a:solidFill>
+                  <a:schemeClr val="tx2">
+                    <a:lumMod val="75000"/>
+                  </a:schemeClr>
+                </a:solidFill>
+                <a:latin typeface="+mj-ea"/>
+                <a:ea typeface="+mj-ea"/>
+              </a:rPr>
+              <a:t>6</a:t>
+            </a:r>
+            <a:r>
+              <a:rPr lang="ko-KR" altLang="en-US" spc="-60" dirty="0" smtClean="0">
+                <a:ln>
+                  <a:solidFill>
+                    <a:prstClr val="white">
+                      <a:alpha val="0"/>
+                    </a:prstClr>
+                  </a:solidFill>
+                </a:ln>
+                <a:solidFill>
+                  <a:schemeClr val="tx2">
+                    <a:lumMod val="75000"/>
+                  </a:schemeClr>
+                </a:solidFill>
+                <a:latin typeface="+mj-ea"/>
+                <a:ea typeface="+mj-ea"/>
+              </a:rPr>
+              <a:t>억</a:t>
+            </a:r>
+            <a:r>
+              <a:rPr lang="en-US" altLang="ko-KR" spc="-60" dirty="0" smtClean="0">
+                <a:ln>
+                  <a:solidFill>
+                    <a:prstClr val="white">
+                      <a:alpha val="0"/>
+                    </a:prstClr>
+                  </a:solidFill>
+                </a:ln>
+                <a:solidFill>
+                  <a:schemeClr val="tx2">
+                    <a:lumMod val="75000"/>
+                  </a:schemeClr>
+                </a:solidFill>
+                <a:latin typeface="+mj-ea"/>
+                <a:ea typeface="+mj-ea"/>
+              </a:rPr>
+              <a:t>) </a:t>
+            </a:r>
+          </a:p>
+          <a:p>
+            <a:pPr marL="800100" lvl="1" indent="-342900">
+              <a:spcBef>
+                <a:spcPts val="1000"/>
+              </a:spcBef>
+              <a:buFont typeface="+mj-ea"/>
+              <a:buAutoNum type="circleNumDbPlain"/>
+            </a:pPr>
+            <a:r>
+              <a:rPr lang="ko-KR" altLang="en-US" spc="-60" dirty="0" err="1" smtClean="0">
+                <a:ln>
+                  <a:solidFill>
+                    <a:prstClr val="white">
+                      <a:alpha val="0"/>
+                    </a:prstClr>
+                  </a:solidFill>
+                </a:ln>
+                <a:solidFill>
+                  <a:schemeClr val="tx2">
+                    <a:lumMod val="75000"/>
+                  </a:schemeClr>
+                </a:solidFill>
+                <a:latin typeface="+mj-ea"/>
+                <a:ea typeface="+mj-ea"/>
+              </a:rPr>
+              <a:t>울산페이</a:t>
+            </a:r>
+            <a:r>
+              <a:rPr lang="ko-KR" altLang="en-US" spc="-60" dirty="0" smtClean="0">
+                <a:ln>
+                  <a:solidFill>
+                    <a:prstClr val="white">
+                      <a:alpha val="0"/>
+                    </a:prstClr>
+                  </a:solidFill>
+                </a:ln>
+                <a:solidFill>
+                  <a:schemeClr val="tx2">
+                    <a:lumMod val="75000"/>
+                  </a:schemeClr>
+                </a:solidFill>
+                <a:latin typeface="+mj-ea"/>
+                <a:ea typeface="+mj-ea"/>
+              </a:rPr>
+              <a:t> 거래금액은 목</a:t>
+            </a:r>
+            <a:r>
+              <a:rPr lang="en-US" altLang="ko-KR" spc="-60" dirty="0" smtClean="0">
+                <a:ln>
+                  <a:solidFill>
+                    <a:prstClr val="white">
+                      <a:alpha val="0"/>
+                    </a:prstClr>
+                  </a:solidFill>
+                </a:ln>
+                <a:solidFill>
+                  <a:schemeClr val="tx2">
+                    <a:lumMod val="75000"/>
+                  </a:schemeClr>
+                </a:solidFill>
+                <a:latin typeface="+mj-ea"/>
+                <a:ea typeface="+mj-ea"/>
+              </a:rPr>
+              <a:t>,</a:t>
+            </a:r>
+            <a:r>
+              <a:rPr lang="ko-KR" altLang="en-US" spc="-60" dirty="0" smtClean="0">
+                <a:ln>
+                  <a:solidFill>
+                    <a:prstClr val="white">
+                      <a:alpha val="0"/>
+                    </a:prstClr>
+                  </a:solidFill>
+                </a:ln>
+                <a:solidFill>
+                  <a:schemeClr val="tx2">
+                    <a:lumMod val="75000"/>
+                  </a:schemeClr>
+                </a:solidFill>
+                <a:latin typeface="+mj-ea"/>
+                <a:ea typeface="+mj-ea"/>
+              </a:rPr>
+              <a:t>금</a:t>
+            </a:r>
+            <a:r>
+              <a:rPr lang="en-US" altLang="ko-KR" spc="-60" dirty="0" smtClean="0">
+                <a:ln>
+                  <a:solidFill>
+                    <a:prstClr val="white">
+                      <a:alpha val="0"/>
+                    </a:prstClr>
+                  </a:solidFill>
+                </a:ln>
+                <a:solidFill>
+                  <a:schemeClr val="tx2">
+                    <a:lumMod val="75000"/>
+                  </a:schemeClr>
+                </a:solidFill>
+                <a:latin typeface="+mj-ea"/>
+                <a:ea typeface="+mj-ea"/>
+              </a:rPr>
+              <a:t>,</a:t>
+            </a:r>
+            <a:r>
+              <a:rPr lang="ko-KR" altLang="en-US" spc="-60" dirty="0" smtClean="0">
+                <a:ln>
+                  <a:solidFill>
+                    <a:prstClr val="white">
+                      <a:alpha val="0"/>
+                    </a:prstClr>
+                  </a:solidFill>
+                </a:ln>
+                <a:solidFill>
+                  <a:schemeClr val="tx2">
+                    <a:lumMod val="75000"/>
+                  </a:schemeClr>
+                </a:solidFill>
+                <a:latin typeface="+mj-ea"/>
+                <a:ea typeface="+mj-ea"/>
+              </a:rPr>
+              <a:t>토가 평균적으로 높게 나타남</a:t>
+            </a:r>
+            <a:r>
+              <a:rPr lang="en-US" altLang="ko-KR" spc="-60" dirty="0" smtClean="0">
+                <a:ln>
+                  <a:solidFill>
+                    <a:prstClr val="white">
+                      <a:alpha val="0"/>
+                    </a:prstClr>
+                  </a:solidFill>
+                </a:ln>
+                <a:solidFill>
+                  <a:schemeClr val="tx2">
+                    <a:lumMod val="75000"/>
+                  </a:schemeClr>
+                </a:solidFill>
+                <a:latin typeface="+mj-ea"/>
+                <a:ea typeface="+mj-ea"/>
+              </a:rPr>
+              <a:t>.(</a:t>
+            </a:r>
+            <a:r>
+              <a:rPr lang="ko-KR" altLang="en-US" spc="-60" dirty="0" smtClean="0">
+                <a:ln>
+                  <a:solidFill>
+                    <a:prstClr val="white">
+                      <a:alpha val="0"/>
+                    </a:prstClr>
+                  </a:solidFill>
+                </a:ln>
+                <a:solidFill>
+                  <a:schemeClr val="tx2">
+                    <a:lumMod val="75000"/>
+                  </a:schemeClr>
+                </a:solidFill>
+                <a:latin typeface="+mj-ea"/>
+                <a:ea typeface="+mj-ea"/>
+              </a:rPr>
+              <a:t>약</a:t>
+            </a:r>
+            <a:r>
+              <a:rPr lang="en-US" altLang="ko-KR" spc="-60" dirty="0">
+                <a:ln>
+                  <a:solidFill>
+                    <a:prstClr val="white">
+                      <a:alpha val="0"/>
+                    </a:prstClr>
+                  </a:solidFill>
+                </a:ln>
+                <a:solidFill>
+                  <a:schemeClr val="tx2">
+                    <a:lumMod val="75000"/>
+                  </a:schemeClr>
+                </a:solidFill>
+                <a:latin typeface="+mj-ea"/>
+                <a:ea typeface="+mj-ea"/>
+              </a:rPr>
+              <a:t> </a:t>
+            </a:r>
+            <a:r>
+              <a:rPr lang="en-US" altLang="ko-KR" spc="-60" dirty="0" smtClean="0">
+                <a:ln>
+                  <a:solidFill>
+                    <a:prstClr val="white">
+                      <a:alpha val="0"/>
+                    </a:prstClr>
+                  </a:solidFill>
+                </a:ln>
+                <a:solidFill>
+                  <a:schemeClr val="tx2">
+                    <a:lumMod val="75000"/>
+                  </a:schemeClr>
+                </a:solidFill>
+                <a:latin typeface="+mj-ea"/>
+                <a:ea typeface="+mj-ea"/>
+              </a:rPr>
+              <a:t>8 </a:t>
+            </a:r>
+            <a:r>
+              <a:rPr lang="ko-KR" altLang="en-US" spc="-60" dirty="0" smtClean="0">
+                <a:ln>
+                  <a:solidFill>
+                    <a:prstClr val="white">
+                      <a:alpha val="0"/>
+                    </a:prstClr>
+                  </a:solidFill>
+                </a:ln>
+                <a:solidFill>
+                  <a:schemeClr val="tx2">
+                    <a:lumMod val="75000"/>
+                  </a:schemeClr>
+                </a:solidFill>
+                <a:latin typeface="+mj-ea"/>
+                <a:ea typeface="+mj-ea"/>
+              </a:rPr>
+              <a:t>억 </a:t>
+            </a:r>
+            <a:r>
+              <a:rPr lang="en-US" altLang="ko-KR" spc="-60" dirty="0" smtClean="0">
+                <a:ln>
+                  <a:solidFill>
+                    <a:prstClr val="white">
+                      <a:alpha val="0"/>
+                    </a:prstClr>
+                  </a:solidFill>
+                </a:ln>
+                <a:solidFill>
+                  <a:schemeClr val="tx2">
+                    <a:lumMod val="75000"/>
+                  </a:schemeClr>
+                </a:solidFill>
+                <a:latin typeface="+mj-ea"/>
+                <a:ea typeface="+mj-ea"/>
+              </a:rPr>
+              <a:t>6</a:t>
+            </a:r>
+            <a:r>
+              <a:rPr lang="ko-KR" altLang="en-US" spc="-60" dirty="0" smtClean="0">
+                <a:ln>
+                  <a:solidFill>
+                    <a:prstClr val="white">
+                      <a:alpha val="0"/>
+                    </a:prstClr>
+                  </a:solidFill>
+                </a:ln>
+                <a:solidFill>
+                  <a:schemeClr val="tx2">
+                    <a:lumMod val="75000"/>
+                  </a:schemeClr>
+                </a:solidFill>
+                <a:latin typeface="+mj-ea"/>
+                <a:ea typeface="+mj-ea"/>
+              </a:rPr>
+              <a:t>천만원</a:t>
+            </a:r>
+            <a:r>
+              <a:rPr lang="en-US" altLang="ko-KR" spc="-60" dirty="0" smtClean="0">
+                <a:ln>
+                  <a:solidFill>
+                    <a:prstClr val="white">
+                      <a:alpha val="0"/>
+                    </a:prstClr>
+                  </a:solidFill>
+                </a:ln>
+                <a:solidFill>
+                  <a:schemeClr val="tx2">
+                    <a:lumMod val="75000"/>
+                  </a:schemeClr>
+                </a:solidFill>
+                <a:latin typeface="+mj-ea"/>
+                <a:ea typeface="+mj-ea"/>
+              </a:rPr>
+              <a:t>)</a:t>
             </a:r>
             <a:endParaRPr lang="en-US" altLang="ko-KR" spc="-60" dirty="0">
               <a:ln>
@@ -10601,157 +12870,6 @@
               <a:buFont typeface="+mj-ea"/>
               <a:buAutoNum type="circleNumDbPlain"/>
             </a:pPr>
-            <a:r>
-              <a:rPr lang="ko-KR" altLang="en-US" spc="-60" dirty="0" err="1">
-                <a:ln>
-                  <a:solidFill>
-                    <a:prstClr val="white">
-                      <a:alpha val="0"/>
-                    </a:prstClr>
-                  </a:solidFill>
-                </a:ln>
-                <a:solidFill>
-                  <a:schemeClr val="tx2">
-                    <a:lumMod val="75000"/>
-                  </a:schemeClr>
-                </a:solidFill>
-                <a:latin typeface="+mj-ea"/>
-                <a:ea typeface="+mj-ea"/>
-              </a:rPr>
-              <a:t>ㅇ</a:t>
-            </a:r>
-            <a:endParaRPr lang="en-US" altLang="ko-KR" spc="-60" dirty="0">
-              <a:ln>
-                <a:solidFill>
-                  <a:prstClr val="white">
-                    <a:alpha val="0"/>
-                  </a:prstClr>
-                </a:solidFill>
-              </a:ln>
-              <a:solidFill>
-                <a:schemeClr val="tx2">
-                  <a:lumMod val="75000"/>
-                </a:schemeClr>
-              </a:solidFill>
-              <a:latin typeface="+mj-ea"/>
-              <a:ea typeface="+mj-ea"/>
-            </a:endParaRPr>
-          </a:p>
-          <a:p>
-            <a:pPr marL="800100" lvl="1" indent="-342900">
-              <a:spcBef>
-                <a:spcPts val="1000"/>
-              </a:spcBef>
-              <a:buFont typeface="+mj-ea"/>
-              <a:buAutoNum type="circleNumDbPlain"/>
-            </a:pPr>
-            <a:r>
-              <a:rPr lang="ko-KR" altLang="en-US" spc="-60" dirty="0" err="1">
-                <a:ln>
-                  <a:solidFill>
-                    <a:prstClr val="white">
-                      <a:alpha val="0"/>
-                    </a:prstClr>
-                  </a:solidFill>
-                </a:ln>
-                <a:solidFill>
-                  <a:schemeClr val="tx2">
-                    <a:lumMod val="75000"/>
-                  </a:schemeClr>
-                </a:solidFill>
-                <a:latin typeface="+mj-ea"/>
-                <a:ea typeface="+mj-ea"/>
-              </a:rPr>
-              <a:t>ㅇ</a:t>
-            </a:r>
-            <a:endParaRPr lang="en-US" altLang="ko-KR" spc="-60" dirty="0">
-              <a:ln>
-                <a:solidFill>
-                  <a:prstClr val="white">
-                    <a:alpha val="0"/>
-                  </a:prstClr>
-                </a:solidFill>
-              </a:ln>
-              <a:solidFill>
-                <a:schemeClr val="tx2">
-                  <a:lumMod val="75000"/>
-                </a:schemeClr>
-              </a:solidFill>
-              <a:latin typeface="+mj-ea"/>
-              <a:ea typeface="+mj-ea"/>
-            </a:endParaRPr>
-          </a:p>
-          <a:p>
-            <a:pPr marL="800100" lvl="1" indent="-342900">
-              <a:spcBef>
-                <a:spcPts val="1000"/>
-              </a:spcBef>
-              <a:buFont typeface="+mj-ea"/>
-              <a:buAutoNum type="circleNumDbPlain"/>
-            </a:pPr>
-            <a:r>
-              <a:rPr lang="ko-KR" altLang="en-US" spc="-60" dirty="0" err="1">
-                <a:ln>
-                  <a:solidFill>
-                    <a:prstClr val="white">
-                      <a:alpha val="0"/>
-                    </a:prstClr>
-                  </a:solidFill>
-                </a:ln>
-                <a:solidFill>
-                  <a:schemeClr val="tx2">
-                    <a:lumMod val="75000"/>
-                  </a:schemeClr>
-                </a:solidFill>
-                <a:latin typeface="+mj-ea"/>
-                <a:ea typeface="+mj-ea"/>
-              </a:rPr>
-              <a:t>ㅇ</a:t>
-            </a:r>
-            <a:endParaRPr lang="en-US" altLang="ko-KR" spc="-60" dirty="0">
-              <a:ln>
-                <a:solidFill>
-                  <a:prstClr val="white">
-                    <a:alpha val="0"/>
-                  </a:prstClr>
-                </a:solidFill>
-              </a:ln>
-              <a:solidFill>
-                <a:schemeClr val="tx2">
-                  <a:lumMod val="75000"/>
-                </a:schemeClr>
-              </a:solidFill>
-              <a:latin typeface="+mj-ea"/>
-              <a:ea typeface="+mj-ea"/>
-            </a:endParaRPr>
-          </a:p>
-          <a:p>
-            <a:pPr marL="800100" lvl="1" indent="-342900">
-              <a:spcBef>
-                <a:spcPts val="1000"/>
-              </a:spcBef>
-              <a:buFont typeface="+mj-ea"/>
-              <a:buAutoNum type="circleNumDbPlain"/>
-            </a:pPr>
-            <a:r>
-              <a:rPr lang="ko-KR" altLang="en-US" spc="-60" dirty="0" err="1">
-                <a:ln>
-                  <a:solidFill>
-                    <a:prstClr val="white">
-                      <a:alpha val="0"/>
-                    </a:prstClr>
-                  </a:solidFill>
-                </a:ln>
-                <a:solidFill>
-                  <a:schemeClr val="tx2">
-                    <a:lumMod val="75000"/>
-                  </a:schemeClr>
-                </a:solidFill>
-                <a:latin typeface="+mj-ea"/>
-                <a:ea typeface="+mj-ea"/>
-              </a:rPr>
-              <a:t>ㅇ</a:t>
-            </a:r>
             <a:endParaRPr lang="en-US" altLang="ko-KR" spc="-60" dirty="0">
               <a:ln>
                 <a:solidFill>
@@ -10830,6 +12948,44 @@
               <a:buChar char="•"/>
             </a:pPr>
             <a:r>
+              <a:rPr lang="ko-KR" altLang="en-US" sz="2000" spc="-60" dirty="0" smtClean="0">
+                <a:ln>
+                  <a:solidFill>
+                    <a:prstClr val="white">
+                      <a:alpha val="0"/>
+                    </a:prstClr>
+                  </a:solidFill>
+                </a:ln>
+                <a:solidFill>
+                  <a:schemeClr val="tx2">
+                    <a:lumMod val="75000"/>
+                  </a:schemeClr>
+                </a:solidFill>
+                <a:latin typeface="+mj-ea"/>
+                <a:ea typeface="+mj-ea"/>
+              </a:rPr>
+              <a:t>별 </a:t>
+            </a:r>
+            <a:r>
+              <a:rPr lang="ko-KR" altLang="en-US" spc="-60" dirty="0">
+                <a:ln>
+                  <a:solidFill>
+                    <a:prstClr val="white">
+                      <a:alpha val="0"/>
+                    </a:prstClr>
+                  </a:solidFill>
+                </a:ln>
+                <a:solidFill>
+                  <a:schemeClr val="tx2">
+                    <a:lumMod val="75000"/>
+                  </a:schemeClr>
+                </a:solidFill>
+                <a:latin typeface="+mj-ea"/>
+                <a:ea typeface="+mj-ea"/>
+              </a:rPr>
+              <a:t>거래</a:t>
+            </a:r>
+            <a:r>
               <a:rPr lang="ko-KR" altLang="en-US" sz="2000" spc="-60" dirty="0">
                 <a:ln>
                   <a:solidFill>
@@ -10846,9 +13002,9 @@
                 <a:latin typeface="+mj-ea"/>
                 <a:ea typeface="+mj-ea"/>
               </a:rPr>
-              <a:t>카테고리별 남녀 사용 비율</a:t>
-            </a:r>
-            <a:endParaRPr lang="en-US" altLang="ko-KR" spc="-60" dirty="0">
+              <a:t>금액</a:t>
+            </a:r>
+            <a:endParaRPr lang="en-US" altLang="ko-KR" sz="2000" spc="-60" dirty="0">
               <a:ln>
                 <a:solidFill>
                   <a:prstClr val="white">
@@ -10865,18 +13021,97 @@
               <a:ea typeface="+mj-ea"/>
             </a:endParaRPr>
           </a:p>
+          <a:p>
+            <a:pPr marL="457200" lvl="1" indent="0">
+              <a:spcBef>
+                <a:spcPts val="1000"/>
+              </a:spcBef>
+              <a:buNone/>
+            </a:pPr>
+            <a:endParaRPr lang="en-US" altLang="ko-KR" spc="-60" dirty="0">
+              <a:ln>
+                <a:solidFill>
+                  <a:prstClr val="white">
+                    <a:alpha val="0"/>
+                  </a:prstClr>
+                </a:solidFill>
+              </a:ln>
+              <a:solidFill>
+                <a:schemeClr val="tx2">
+                  <a:lumMod val="75000"/>
+                </a:schemeClr>
+              </a:solidFill>
+              <a:latin typeface="+mj-ea"/>
+              <a:ea typeface="+mj-ea"/>
+            </a:endParaRPr>
+          </a:p>
         </p:txBody>
       </p:sp>
+      <p:pic>
+        <p:nvPicPr>
+          <p:cNvPr id="4" name="그림 3"/>
+          <p:cNvPicPr>
+            <a:picLocks noChangeAspect="1"/>
+          </p:cNvPicPr>
+          <p:nvPr/>
+        </p:nvPicPr>
+        <p:blipFill>
+          <a:blip r:embed="rId2"/>
+          <a:stretch>
+            <a:fillRect/>
+          </a:stretch>
+        </p:blipFill>
+        <p:spPr>
+          <a:xfrm>
+            <a:off x="4073547" y="4252495"/>
+            <a:ext cx="3286711" cy="2275415"/>
+          </a:xfrm>
+          <a:prstGeom prst="rect">
+            <a:avLst/>
+          </a:prstGeom>
+        </p:spPr>
+      </p:pic>
+      <p:pic>
+        <p:nvPicPr>
+          <p:cNvPr id="8" name="그림 7"/>
+          <p:cNvPicPr>
+            <a:picLocks noChangeAspect="1"/>
+          </p:cNvPicPr>
+          <p:nvPr/>
+        </p:nvPicPr>
+        <p:blipFill>
+          <a:blip r:embed="rId3"/>
+          <a:stretch>
+            <a:fillRect/>
+          </a:stretch>
+        </p:blipFill>
+        <p:spPr>
+          <a:xfrm>
+            <a:off x="771424" y="4281948"/>
+            <a:ext cx="3138175" cy="2286732"/>
+          </a:xfrm>
+          <a:prstGeom prst="rect">
+            <a:avLst/>
+          </a:prstGeom>
+        </p:spPr>
+      </p:pic>
     </p:spTree>
     <p:extLst>
       <p:ext uri="{BB962C8B-B14F-4D97-AF65-F5344CB8AC3E}">
-        <p14:creationId xmlns:p14="http://schemas.microsoft.com/office/powerpoint/2010/main" val="4032754044"/>
+        <p14:creationId xmlns:p14="http://schemas.microsoft.com/office/powerpoint/2010/main" val="763941493"/>
       </p:ext>
     </p:extLst>
   </p:cSld>
   <p:clrMapOvr>
     <a:masterClrMapping/>
   </p:clrMapOvr>
+  <p:timing>
+    <p:tnLst>
+      <p:par>
+        <p:cTn id="1" dur="indefinite" restart="never" nodeType="tmRoot"/>
+      </p:par>
+    </p:tnLst>
+  </p:timing>
 </p:sld>
 </file>
 
@@ -11832,7 +14067,7 @@
                 <a:latin typeface="+mj-ea"/>
                 <a:ea typeface="+mj-ea"/>
               </a:rPr>
-              <a:t>카테고리별 연령대 사용 빈도수 및 거래금액</a:t>
+              <a:t>카테고리별 거래금액</a:t>
             </a:r>
             <a:endParaRPr lang="en-US" altLang="ko-KR" spc="-60" dirty="0">
               <a:ln>
@@ -11856,13 +14091,20 @@
     </p:spTree>
     <p:extLst>
       <p:ext uri="{BB962C8B-B14F-4D97-AF65-F5344CB8AC3E}">
-        <p14:creationId xmlns:p14="http://schemas.microsoft.com/office/powerpoint/2010/main" val="2345297311"/>
+        <p14:creationId xmlns:p14="http://schemas.microsoft.com/office/powerpoint/2010/main" val="1801155239"/>
       </p:ext>
     </p:extLst>
   </p:cSld>
   <p:clrMapOvr>
     <a:masterClrMapping/>
   </p:clrMapOvr>
+  <p:timing>
+    <p:tnLst>
+      <p:par>
+        <p:cTn id="1" dur="indefinite" restart="never" nodeType="tmRoot"/>
+      </p:par>
+    </p:tnLst>
+  </p:timing>
 </p:sld>
 </file>
 
@@ -12298,7 +14540,7 @@
                   <a:srgbClr val="FF0000"/>
                 </a:solidFill>
               </a:rPr>
-              <a:t>거래금액 기준</a:t>
+              <a:t>카테고리 기준</a:t>
             </a:r>
             <a:r>
               <a:rPr lang="en-US" altLang="ko-KR" sz="3600" dirty="0">
@@ -12309,12 +14551,12 @@
               <a:t>_</a:t>
             </a:r>
             <a:r>
-              <a:rPr lang="ko-KR" altLang="en-US" sz="3600" dirty="0">
+              <a:rPr lang="ko-KR" altLang="en-US" sz="3600" dirty="0" err="1">
                 <a:solidFill>
                   <a:srgbClr val="FF0000"/>
                 </a:solidFill>
               </a:rPr>
-              <a:t>이동민</a:t>
+              <a:t>안혜림</a:t>
             </a:r>
             <a:r>
               <a:rPr lang="en-US" altLang="ko-KR" sz="3600" dirty="0">
@@ -12818,7 +15060,7 @@
                 <a:latin typeface="+mj-ea"/>
                 <a:ea typeface="+mj-ea"/>
               </a:rPr>
-              <a:t>남녀별 평균 거래금액</a:t>
+              <a:t>카테고리별 남녀 사용 비율</a:t>
             </a:r>
             <a:endParaRPr lang="en-US" altLang="ko-KR" spc="-60" dirty="0">
               <a:ln>
@@ -12842,7 +15084,7 @@
     </p:spTree>
     <p:extLst>
       <p:ext uri="{BB962C8B-B14F-4D97-AF65-F5344CB8AC3E}">
-        <p14:creationId xmlns:p14="http://schemas.microsoft.com/office/powerpoint/2010/main" val="1707237013"/>
+        <p14:creationId xmlns:p14="http://schemas.microsoft.com/office/powerpoint/2010/main" val="4032754044"/>
       </p:ext>
     </p:extLst>
   </p:cSld>
@@ -13284,7 +15526,7 @@
                   <a:srgbClr val="FF0000"/>
                 </a:solidFill>
               </a:rPr>
-              <a:t>거래금액 기준</a:t>
+              <a:t>카테고리 기준</a:t>
             </a:r>
             <a:r>
               <a:rPr lang="en-US" altLang="ko-KR" sz="3600" dirty="0">
@@ -13295,12 +15537,12 @@
               <a:t>_</a:t>
             </a:r>
             <a:r>
-              <a:rPr lang="ko-KR" altLang="en-US" sz="3600" dirty="0">
+              <a:rPr lang="ko-KR" altLang="en-US" sz="3600" dirty="0" err="1">
                 <a:solidFill>
                   <a:srgbClr val="FF0000"/>
                 </a:solidFill>
               </a:rPr>
-              <a:t>이동민</a:t>
+              <a:t>안혜림</a:t>
             </a:r>
             <a:r>
               <a:rPr lang="en-US" altLang="ko-KR" sz="3600" dirty="0">
@@ -13804,7 +16046,7 @@
                 <a:latin typeface="+mj-ea"/>
                 <a:ea typeface="+mj-ea"/>
               </a:rPr>
-              <a:t>카테고리별 평균 거래금액</a:t>
+              <a:t>카테고리별 연령대 사용 빈도수 및 거래금액</a:t>
             </a:r>
             <a:endParaRPr lang="en-US" altLang="ko-KR" spc="-60" dirty="0">
               <a:ln>
@@ -13828,7 +16070,7 @@
     </p:spTree>
     <p:extLst>
       <p:ext uri="{BB962C8B-B14F-4D97-AF65-F5344CB8AC3E}">
-        <p14:creationId xmlns:p14="http://schemas.microsoft.com/office/powerpoint/2010/main" val="1334876787"/>
+        <p14:creationId xmlns:p14="http://schemas.microsoft.com/office/powerpoint/2010/main" val="2345297311"/>
       </p:ext>
     </p:extLst>
   </p:cSld>
@@ -14628,7 +16870,7 @@
                   <a:srgbClr val="FF0000"/>
                 </a:solidFill>
               </a:rPr>
-              <a:t>승인시간 기준</a:t>
+              <a:t>거래금액 기준</a:t>
             </a:r>
             <a:r>
               <a:rPr lang="en-US" altLang="ko-KR" sz="3600" dirty="0">
@@ -14639,12 +16881,12 @@
               <a:t>_</a:t>
             </a:r>
             <a:r>
-              <a:rPr lang="ko-KR" altLang="en-US" sz="3600" dirty="0" err="1">
+              <a:rPr lang="ko-KR" altLang="en-US" sz="3600" dirty="0">
                 <a:solidFill>
                   <a:srgbClr val="FF0000"/>
                 </a:solidFill>
               </a:rPr>
-              <a:t>장정렬</a:t>
+              <a:t>이동민</a:t>
             </a:r>
             <a:r>
               <a:rPr lang="en-US" altLang="ko-KR" sz="3600" dirty="0">
@@ -15148,7 +17390,7 @@
                 <a:latin typeface="+mj-ea"/>
                 <a:ea typeface="+mj-ea"/>
               </a:rPr>
-              <a:t>각 시간대별 거래금액</a:t>
+              <a:t>남녀별 평균 거래금액</a:t>
             </a:r>
             <a:endParaRPr lang="en-US" altLang="ko-KR" spc="-60" dirty="0">
               <a:ln>
@@ -15172,7 +17414,7 @@
     </p:spTree>
     <p:extLst>
       <p:ext uri="{BB962C8B-B14F-4D97-AF65-F5344CB8AC3E}">
-        <p14:creationId xmlns:p14="http://schemas.microsoft.com/office/powerpoint/2010/main" val="640086099"/>
+        <p14:creationId xmlns:p14="http://schemas.microsoft.com/office/powerpoint/2010/main" val="1707237013"/>
       </p:ext>
     </p:extLst>
   </p:cSld>
@@ -15614,7 +17856,7 @@
                   <a:srgbClr val="FF0000"/>
                 </a:solidFill>
               </a:rPr>
-              <a:t>승인시간 기준</a:t>
+              <a:t>거래금액 기준</a:t>
             </a:r>
             <a:r>
               <a:rPr lang="en-US" altLang="ko-KR" sz="3600" dirty="0">
@@ -15625,12 +17867,12 @@
               <a:t>_</a:t>
             </a:r>
             <a:r>
-              <a:rPr lang="ko-KR" altLang="en-US" sz="3600" dirty="0" err="1">
+              <a:rPr lang="ko-KR" altLang="en-US" sz="3600" dirty="0">
                 <a:solidFill>
                   <a:srgbClr val="FF0000"/>
                 </a:solidFill>
               </a:rPr>
-              <a:t>장정렬</a:t>
+              <a:t>이동민</a:t>
             </a:r>
             <a:r>
               <a:rPr lang="en-US" altLang="ko-KR" sz="3600" dirty="0">
@@ -16134,6 +18376,1978 @@
                 <a:latin typeface="+mj-ea"/>
                 <a:ea typeface="+mj-ea"/>
               </a:rPr>
+              <a:t>카테고리별 평균 거래금액</a:t>
+            </a:r>
+            <a:endParaRPr lang="en-US" altLang="ko-KR" spc="-60" dirty="0">
+              <a:ln>
+                <a:solidFill>
+                  <a:prstClr val="white">
+                    <a:alpha val="0"/>
+                  </a:prstClr>
+                </a:solidFill>
+              </a:ln>
+              <a:solidFill>
+                <a:schemeClr val="tx2">
+                  <a:lumMod val="75000"/>
+                </a:schemeClr>
+              </a:solidFill>
+              <a:latin typeface="+mj-ea"/>
+              <a:ea typeface="+mj-ea"/>
+            </a:endParaRPr>
+          </a:p>
+        </p:txBody>
+      </p:sp>
+    </p:spTree>
+    <p:extLst>
+      <p:ext uri="{BB962C8B-B14F-4D97-AF65-F5344CB8AC3E}">
+        <p14:creationId xmlns:p14="http://schemas.microsoft.com/office/powerpoint/2010/main" val="1334876787"/>
+      </p:ext>
+    </p:extLst>
+  </p:cSld>
+  <p:clrMapOvr>
+    <a:masterClrMapping/>
+  </p:clrMapOvr>
+</p:sld>
+</file>
+
+<file path=ppt/slides/slide22.xml><?xml version="1.0" encoding="utf-8"?>
+<p:sld xmlns:a="http://schemas.openxmlformats.org/drawingml/2006/main" xmlns:r="http://schemas.openxmlformats.org/officeDocument/2006/relationships" xmlns:p="http://schemas.openxmlformats.org/presentationml/2006/main">
+  <p:cSld>
+    <p:spTree>
+      <p:nvGrpSpPr>
+        <p:cNvPr id="1" name=""/>
+        <p:cNvGrpSpPr/>
+        <p:nvPr/>
+      </p:nvGrpSpPr>
+      <p:grpSpPr>
+        <a:xfrm>
+          <a:off x="0" y="0"/>
+          <a:ext cx="0" cy="0"/>
+          <a:chOff x="0" y="0"/>
+          <a:chExt cx="0" cy="0"/>
+        </a:xfrm>
+      </p:grpSpPr>
+      <p:sp>
+        <p:nvSpPr>
+          <p:cNvPr id="13" name="직사각형 12">
+            <a:extLst>
+              <a:ext uri="{FF2B5EF4-FFF2-40B4-BE49-F238E27FC236}">
+                <a16:creationId xmlns:a16="http://schemas.microsoft.com/office/drawing/2014/main" id="{8A18650E-587D-4954-9C7A-C60C588F644B}"/>
+              </a:ext>
+            </a:extLst>
+          </p:cNvPr>
+          <p:cNvSpPr/>
+          <p:nvPr/>
+        </p:nvSpPr>
+        <p:spPr>
+          <a:xfrm>
+            <a:off x="832560" y="4210212"/>
+            <a:ext cx="6325222" cy="2136800"/>
+          </a:xfrm>
+          <a:prstGeom prst="rect">
+            <a:avLst/>
+          </a:prstGeom>
+          <a:solidFill>
+            <a:srgbClr val="FFFF00">
+              <a:alpha val="70000"/>
+            </a:srgbClr>
+          </a:solidFill>
+          <a:ln>
+            <a:noFill/>
+          </a:ln>
+        </p:spPr>
+        <p:style>
+          <a:lnRef idx="2">
+            <a:schemeClr val="accent1">
+              <a:shade val="50000"/>
+            </a:schemeClr>
+          </a:lnRef>
+          <a:fillRef idx="1">
+            <a:schemeClr val="accent1"/>
+          </a:fillRef>
+          <a:effectRef idx="0">
+            <a:schemeClr val="accent1"/>
+          </a:effectRef>
+          <a:fontRef idx="minor">
+            <a:schemeClr val="lt1"/>
+          </a:fontRef>
+        </p:style>
+        <p:txBody>
+          <a:bodyPr rtlCol="0" anchor="ctr"/>
+          <a:lstStyle/>
+          <a:p>
+            <a:pPr algn="ctr"/>
+            <a:r>
+              <a:rPr lang="ko-KR" altLang="en-US" sz="3600" dirty="0">
+                <a:solidFill>
+                  <a:srgbClr val="FF0000"/>
+                </a:solidFill>
+              </a:rPr>
+              <a:t>그래프 삽입</a:t>
+            </a:r>
+            <a:endParaRPr lang="ko-KR" altLang="en-US" sz="1200" strike="sngStrike" dirty="0">
+              <a:solidFill>
+                <a:srgbClr val="FF0000"/>
+              </a:solidFill>
+            </a:endParaRPr>
+          </a:p>
+        </p:txBody>
+      </p:sp>
+      <p:sp>
+        <p:nvSpPr>
+          <p:cNvPr id="35" name="제목 1"/>
+          <p:cNvSpPr txBox="1">
+            <a:spLocks/>
+          </p:cNvSpPr>
+          <p:nvPr/>
+        </p:nvSpPr>
+        <p:spPr>
+          <a:xfrm>
+            <a:off x="251520" y="243601"/>
+            <a:ext cx="8640960" cy="480131"/>
+          </a:xfrm>
+          <a:prstGeom prst="rect">
+            <a:avLst/>
+          </a:prstGeom>
+        </p:spPr>
+        <p:txBody>
+          <a:bodyPr vert="horz" wrap="square" lIns="91440" tIns="45720" rIns="91440" bIns="45720" rtlCol="0" anchor="ctr">
+            <a:spAutoFit/>
+          </a:bodyPr>
+          <a:lstStyle>
+            <a:lvl1pPr algn="l" defTabSz="914400" rtl="0" eaLnBrk="1" latinLnBrk="1" hangingPunct="1">
+              <a:lnSpc>
+                <a:spcPct val="90000"/>
+              </a:lnSpc>
+              <a:spcBef>
+                <a:spcPct val="0"/>
+              </a:spcBef>
+              <a:buNone/>
+              <a:defRPr sz="2800" b="0" kern="1200">
+                <a:solidFill>
+                  <a:schemeClr val="tx1"/>
+                </a:solidFill>
+                <a:effectLst/>
+                <a:latin typeface="-윤고딕320" panose="020B0600000101010101" charset="-127"/>
+                <a:ea typeface="-윤고딕320" panose="020B0600000101010101" charset="-127"/>
+                <a:cs typeface="+mj-cs"/>
+              </a:defRPr>
+            </a:lvl1pPr>
+          </a:lstStyle>
+          <a:p>
+            <a:r>
+              <a:rPr lang="en-US" altLang="ko-KR" dirty="0">
+                <a:latin typeface="+mn-ea"/>
+                <a:ea typeface="+mn-ea"/>
+              </a:rPr>
+              <a:t>3. </a:t>
+            </a:r>
+            <a:r>
+              <a:rPr lang="ko-KR" altLang="en-US" dirty="0">
+                <a:latin typeface="+mn-ea"/>
+                <a:ea typeface="+mn-ea"/>
+              </a:rPr>
+              <a:t>울산페이 데이터 분석 단계별 설명</a:t>
+            </a:r>
+          </a:p>
+        </p:txBody>
+      </p:sp>
+      <p:sp>
+        <p:nvSpPr>
+          <p:cNvPr id="3" name="사각형: 둥근 모서리 2">
+            <a:extLst>
+              <a:ext uri="{FF2B5EF4-FFF2-40B4-BE49-F238E27FC236}">
+                <a16:creationId xmlns:a16="http://schemas.microsoft.com/office/drawing/2014/main" id="{44B1FF70-C47F-4352-8698-63BF5E1453B2}"/>
+              </a:ext>
+            </a:extLst>
+          </p:cNvPr>
+          <p:cNvSpPr/>
+          <p:nvPr/>
+        </p:nvSpPr>
+        <p:spPr>
+          <a:xfrm>
+            <a:off x="544513" y="1144746"/>
+            <a:ext cx="5438276" cy="416160"/>
+          </a:xfrm>
+          <a:prstGeom prst="roundRect">
+            <a:avLst>
+              <a:gd name="adj" fmla="val 36422"/>
+            </a:avLst>
+          </a:prstGeom>
+        </p:spPr>
+        <p:style>
+          <a:lnRef idx="2">
+            <a:schemeClr val="accent1">
+              <a:shade val="50000"/>
+            </a:schemeClr>
+          </a:lnRef>
+          <a:fillRef idx="1">
+            <a:schemeClr val="accent1"/>
+          </a:fillRef>
+          <a:effectRef idx="0">
+            <a:schemeClr val="accent1"/>
+          </a:effectRef>
+          <a:fontRef idx="minor">
+            <a:schemeClr val="lt1"/>
+          </a:fontRef>
+        </p:style>
+        <p:txBody>
+          <a:bodyPr rtlCol="0" anchor="ctr"/>
+          <a:lstStyle/>
+          <a:p>
+            <a:pPr algn="ctr"/>
+            <a:r>
+              <a:rPr lang="en-US" altLang="ko-KR" sz="2000" b="1" dirty="0"/>
+              <a:t>(4</a:t>
+            </a:r>
+            <a:r>
+              <a:rPr lang="ko-KR" altLang="en-US" sz="2000" b="1" dirty="0"/>
+              <a:t>단계</a:t>
+            </a:r>
+            <a:r>
+              <a:rPr lang="en-US" altLang="ko-KR" sz="2000" b="1" dirty="0"/>
+              <a:t>) </a:t>
+            </a:r>
+            <a:r>
+              <a:rPr lang="ko-KR" altLang="en-US" sz="2000" b="1" dirty="0"/>
+              <a:t>데이터 분석 및 시각화</a:t>
+            </a:r>
+            <a:r>
+              <a:rPr lang="en-US" altLang="ko-KR" sz="2000" b="1" dirty="0"/>
+              <a:t>, </a:t>
+            </a:r>
+            <a:r>
+              <a:rPr lang="ko-KR" altLang="en-US" sz="2000" b="1" dirty="0"/>
+              <a:t>시사점</a:t>
+            </a:r>
+            <a:r>
+              <a:rPr lang="en-US" altLang="ko-KR" sz="2000" b="1" dirty="0"/>
+              <a:t>(1/6)</a:t>
+            </a:r>
+            <a:endParaRPr lang="ko-KR" altLang="en-US" sz="2000" b="1" dirty="0"/>
+          </a:p>
+        </p:txBody>
+      </p:sp>
+      <p:sp>
+        <p:nvSpPr>
+          <p:cNvPr id="2" name="사각형: 둥근 모서리 1">
+            <a:extLst>
+              <a:ext uri="{FF2B5EF4-FFF2-40B4-BE49-F238E27FC236}">
+                <a16:creationId xmlns:a16="http://schemas.microsoft.com/office/drawing/2014/main" id="{00D8EB94-8409-4E95-AB44-FABAFF0FE391}"/>
+              </a:ext>
+            </a:extLst>
+          </p:cNvPr>
+          <p:cNvSpPr/>
+          <p:nvPr/>
+        </p:nvSpPr>
+        <p:spPr>
+          <a:xfrm>
+            <a:off x="7524205" y="1638755"/>
+            <a:ext cx="1619795" cy="3790406"/>
+          </a:xfrm>
+          <a:prstGeom prst="roundRect">
+            <a:avLst>
+              <a:gd name="adj" fmla="val 5441"/>
+            </a:avLst>
+          </a:prstGeom>
+          <a:solidFill>
+            <a:schemeClr val="bg1">
+              <a:lumMod val="95000"/>
+            </a:schemeClr>
+          </a:solidFill>
+          <a:ln w="28575">
+            <a:noFill/>
+          </a:ln>
+        </p:spPr>
+        <p:style>
+          <a:lnRef idx="2">
+            <a:schemeClr val="accent1">
+              <a:shade val="50000"/>
+            </a:schemeClr>
+          </a:lnRef>
+          <a:fillRef idx="1">
+            <a:schemeClr val="accent1"/>
+          </a:fillRef>
+          <a:effectRef idx="0">
+            <a:schemeClr val="accent1"/>
+          </a:effectRef>
+          <a:fontRef idx="minor">
+            <a:schemeClr val="lt1"/>
+          </a:fontRef>
+        </p:style>
+        <p:txBody>
+          <a:bodyPr rtlCol="0" anchor="t"/>
+          <a:lstStyle/>
+          <a:p>
+            <a:pPr marL="171450" indent="-171450">
+              <a:buFont typeface="Arial" panose="020B0604020202020204" pitchFamily="34" charset="0"/>
+              <a:buChar char="•"/>
+            </a:pPr>
+            <a:endParaRPr lang="en-US" altLang="ko-KR" sz="1100" spc="-60" dirty="0">
+              <a:ln>
+                <a:solidFill>
+                  <a:prstClr val="white">
+                    <a:alpha val="0"/>
+                  </a:prstClr>
+                </a:solidFill>
+              </a:ln>
+              <a:solidFill>
+                <a:schemeClr val="tx2">
+                  <a:lumMod val="75000"/>
+                </a:schemeClr>
+              </a:solidFill>
+              <a:latin typeface="+mj-ea"/>
+              <a:ea typeface="+mj-ea"/>
+            </a:endParaRPr>
+          </a:p>
+          <a:p>
+            <a:pPr marL="171450" indent="-171450">
+              <a:buFont typeface="Arial" panose="020B0604020202020204" pitchFamily="34" charset="0"/>
+              <a:buChar char="•"/>
+            </a:pPr>
+            <a:r>
+              <a:rPr lang="ko-KR" altLang="en-US" sz="1100" spc="-60" dirty="0" err="1">
+                <a:ln>
+                  <a:solidFill>
+                    <a:prstClr val="white">
+                      <a:alpha val="0"/>
+                    </a:prstClr>
+                  </a:solidFill>
+                </a:ln>
+                <a:solidFill>
+                  <a:schemeClr val="tx2">
+                    <a:lumMod val="75000"/>
+                  </a:schemeClr>
+                </a:solidFill>
+                <a:latin typeface="+mj-ea"/>
+                <a:ea typeface="+mj-ea"/>
+              </a:rPr>
+              <a:t>ㅇ</a:t>
+            </a:r>
+            <a:endParaRPr lang="en-US" altLang="ko-KR" sz="1100" spc="-60" dirty="0">
+              <a:ln>
+                <a:solidFill>
+                  <a:prstClr val="white">
+                    <a:alpha val="0"/>
+                  </a:prstClr>
+                </a:solidFill>
+              </a:ln>
+              <a:solidFill>
+                <a:schemeClr val="tx2">
+                  <a:lumMod val="75000"/>
+                </a:schemeClr>
+              </a:solidFill>
+              <a:latin typeface="+mj-ea"/>
+              <a:ea typeface="+mj-ea"/>
+            </a:endParaRPr>
+          </a:p>
+        </p:txBody>
+      </p:sp>
+      <p:sp>
+        <p:nvSpPr>
+          <p:cNvPr id="31" name="TextBox 30">
+            <a:extLst>
+              <a:ext uri="{FF2B5EF4-FFF2-40B4-BE49-F238E27FC236}">
+                <a16:creationId xmlns:a16="http://schemas.microsoft.com/office/drawing/2014/main" id="{AA4E3547-C3C5-49D0-B6EF-7AFF7B718EFA}"/>
+              </a:ext>
+            </a:extLst>
+          </p:cNvPr>
+          <p:cNvSpPr txBox="1"/>
+          <p:nvPr/>
+        </p:nvSpPr>
+        <p:spPr>
+          <a:xfrm>
+            <a:off x="7445829" y="1269423"/>
+            <a:ext cx="1160895" cy="369332"/>
+          </a:xfrm>
+          <a:prstGeom prst="rect">
+            <a:avLst/>
+          </a:prstGeom>
+          <a:noFill/>
+        </p:spPr>
+        <p:txBody>
+          <a:bodyPr wrap="none" rtlCol="0">
+            <a:spAutoFit/>
+          </a:bodyPr>
+          <a:lstStyle/>
+          <a:p>
+            <a:r>
+              <a:rPr lang="ko-KR" altLang="en-US" b="1" dirty="0"/>
+              <a:t>분석 과정</a:t>
+            </a:r>
+          </a:p>
+        </p:txBody>
+      </p:sp>
+      <p:sp>
+        <p:nvSpPr>
+          <p:cNvPr id="9" name="직사각형 8">
+            <a:extLst>
+              <a:ext uri="{FF2B5EF4-FFF2-40B4-BE49-F238E27FC236}">
+                <a16:creationId xmlns:a16="http://schemas.microsoft.com/office/drawing/2014/main" id="{5B25AD86-019F-4C45-B8F8-5A59E9B071FC}"/>
+              </a:ext>
+            </a:extLst>
+          </p:cNvPr>
+          <p:cNvSpPr/>
+          <p:nvPr/>
+        </p:nvSpPr>
+        <p:spPr>
+          <a:xfrm>
+            <a:off x="0" y="0"/>
+            <a:ext cx="9144000" cy="913118"/>
+          </a:xfrm>
+          <a:prstGeom prst="rect">
+            <a:avLst/>
+          </a:prstGeom>
+          <a:solidFill>
+            <a:srgbClr val="FFFF00">
+              <a:alpha val="70000"/>
+            </a:srgbClr>
+          </a:solidFill>
+          <a:ln>
+            <a:noFill/>
+          </a:ln>
+        </p:spPr>
+        <p:style>
+          <a:lnRef idx="2">
+            <a:schemeClr val="accent1">
+              <a:shade val="50000"/>
+            </a:schemeClr>
+          </a:lnRef>
+          <a:fillRef idx="1">
+            <a:schemeClr val="accent1"/>
+          </a:fillRef>
+          <a:effectRef idx="0">
+            <a:schemeClr val="accent1"/>
+          </a:effectRef>
+          <a:fontRef idx="minor">
+            <a:schemeClr val="lt1"/>
+          </a:fontRef>
+        </p:style>
+        <p:txBody>
+          <a:bodyPr rtlCol="0" anchor="ctr"/>
+          <a:lstStyle/>
+          <a:p>
+            <a:pPr algn="ctr"/>
+            <a:r>
+              <a:rPr lang="en-US" altLang="ko-KR" sz="3600" dirty="0">
+                <a:solidFill>
+                  <a:srgbClr val="FF0000"/>
+                </a:solidFill>
+              </a:rPr>
+              <a:t>&lt;</a:t>
+            </a:r>
+            <a:r>
+              <a:rPr lang="ko-KR" altLang="en-US" sz="3600" dirty="0">
+                <a:solidFill>
+                  <a:srgbClr val="FF0000"/>
+                </a:solidFill>
+              </a:rPr>
+              <a:t>승인시간 기준</a:t>
+            </a:r>
+            <a:r>
+              <a:rPr lang="en-US" altLang="ko-KR" sz="3600" dirty="0">
+                <a:solidFill>
+                  <a:srgbClr val="FF0000"/>
+                </a:solidFill>
+              </a:rPr>
+              <a:t>_</a:t>
+            </a:r>
+            <a:r>
+              <a:rPr lang="ko-KR" altLang="en-US" sz="3600" dirty="0" err="1">
+                <a:solidFill>
+                  <a:srgbClr val="FF0000"/>
+                </a:solidFill>
+              </a:rPr>
+              <a:t>장정렬</a:t>
+            </a:r>
+            <a:r>
+              <a:rPr lang="en-US" altLang="ko-KR" sz="3600" dirty="0">
+                <a:solidFill>
+                  <a:srgbClr val="FF0000"/>
+                </a:solidFill>
+              </a:rPr>
+              <a:t>&gt;</a:t>
+            </a:r>
+            <a:endParaRPr lang="ko-KR" altLang="en-US" sz="1200" strike="sngStrike" dirty="0">
+              <a:solidFill>
+                <a:srgbClr val="FF0000"/>
+              </a:solidFill>
+            </a:endParaRPr>
+          </a:p>
+        </p:txBody>
+      </p:sp>
+      <p:sp>
+        <p:nvSpPr>
+          <p:cNvPr id="12" name="텍스트 개체 틀 6">
+            <a:extLst>
+              <a:ext uri="{FF2B5EF4-FFF2-40B4-BE49-F238E27FC236}">
+                <a16:creationId xmlns:a16="http://schemas.microsoft.com/office/drawing/2014/main" id="{D0EDCBAB-5962-4C0F-BC25-2F0336FB4678}"/>
+              </a:ext>
+            </a:extLst>
+          </p:cNvPr>
+          <p:cNvSpPr txBox="1">
+            <a:spLocks/>
+          </p:cNvSpPr>
+          <p:nvPr/>
+        </p:nvSpPr>
+        <p:spPr>
+          <a:xfrm>
+            <a:off x="544513" y="2068942"/>
+            <a:ext cx="6901316" cy="2059141"/>
+          </a:xfrm>
+          <a:prstGeom prst="rect">
+            <a:avLst/>
+          </a:prstGeom>
+        </p:spPr>
+        <p:txBody>
+          <a:bodyPr/>
+          <a:lstStyle>
+            <a:lvl1pPr marL="228600" indent="-228600" algn="l" defTabSz="914400" rtl="0" eaLnBrk="1" latinLnBrk="1" hangingPunct="1">
+              <a:lnSpc>
+                <a:spcPct val="90000"/>
+              </a:lnSpc>
+              <a:spcBef>
+                <a:spcPts val="1000"/>
+              </a:spcBef>
+              <a:buFont typeface="Arial" panose="020B0604020202020204" pitchFamily="34" charset="0"/>
+              <a:buChar char="•"/>
+              <a:defRPr sz="2000" kern="1200">
+                <a:solidFill>
+                  <a:schemeClr val="tx1"/>
+                </a:solidFill>
+                <a:latin typeface="+mn-lt"/>
+                <a:ea typeface="+mn-ea"/>
+                <a:cs typeface="+mn-cs"/>
+              </a:defRPr>
+            </a:lvl1pPr>
+            <a:lvl2pPr marL="685800" indent="-228600" algn="l" defTabSz="914400" rtl="0" eaLnBrk="1" latinLnBrk="1" hangingPunct="1">
+              <a:lnSpc>
+                <a:spcPct val="90000"/>
+              </a:lnSpc>
+              <a:spcBef>
+                <a:spcPts val="500"/>
+              </a:spcBef>
+              <a:buFont typeface="Arial" panose="020B0604020202020204" pitchFamily="34" charset="0"/>
+              <a:buChar char="•"/>
+              <a:defRPr sz="1800" kern="1200">
+                <a:solidFill>
+                  <a:schemeClr val="tx1"/>
+                </a:solidFill>
+                <a:latin typeface="+mn-lt"/>
+                <a:ea typeface="+mn-ea"/>
+                <a:cs typeface="+mn-cs"/>
+              </a:defRPr>
+            </a:lvl2pPr>
+            <a:lvl3pPr marL="1143000" indent="-228600" algn="l" defTabSz="914400" rtl="0" eaLnBrk="1" latinLnBrk="1" hangingPunct="1">
+              <a:lnSpc>
+                <a:spcPct val="90000"/>
+              </a:lnSpc>
+              <a:spcBef>
+                <a:spcPts val="500"/>
+              </a:spcBef>
+              <a:buFont typeface="Arial" panose="020B0604020202020204" pitchFamily="34" charset="0"/>
+              <a:buChar char="•"/>
+              <a:defRPr sz="1600" kern="1200">
+                <a:solidFill>
+                  <a:schemeClr val="tx1"/>
+                </a:solidFill>
+                <a:latin typeface="+mn-lt"/>
+                <a:ea typeface="+mn-ea"/>
+                <a:cs typeface="+mn-cs"/>
+              </a:defRPr>
+            </a:lvl3pPr>
+            <a:lvl4pPr marL="1600200" indent="-228600" algn="l" defTabSz="914400" rtl="0" eaLnBrk="1" latinLnBrk="1" hangingPunct="1">
+              <a:lnSpc>
+                <a:spcPct val="90000"/>
+              </a:lnSpc>
+              <a:spcBef>
+                <a:spcPts val="500"/>
+              </a:spcBef>
+              <a:buFont typeface="Arial" panose="020B0604020202020204" pitchFamily="34" charset="0"/>
+              <a:buChar char="•"/>
+              <a:defRPr sz="1400" kern="1200">
+                <a:solidFill>
+                  <a:schemeClr val="tx1"/>
+                </a:solidFill>
+                <a:latin typeface="+mn-lt"/>
+                <a:ea typeface="+mn-ea"/>
+                <a:cs typeface="+mn-cs"/>
+              </a:defRPr>
+            </a:lvl4pPr>
+            <a:lvl5pPr marL="2057400" indent="-228600" algn="l" defTabSz="914400" rtl="0" eaLnBrk="1" latinLnBrk="1" hangingPunct="1">
+              <a:lnSpc>
+                <a:spcPct val="90000"/>
+              </a:lnSpc>
+              <a:spcBef>
+                <a:spcPts val="500"/>
+              </a:spcBef>
+              <a:buFont typeface="Arial" panose="020B0604020202020204" pitchFamily="34" charset="0"/>
+              <a:buChar char="•"/>
+              <a:defRPr sz="1200" kern="1200">
+                <a:solidFill>
+                  <a:schemeClr val="tx1"/>
+                </a:solidFill>
+                <a:latin typeface="+mn-lt"/>
+                <a:ea typeface="+mn-ea"/>
+                <a:cs typeface="+mn-cs"/>
+              </a:defRPr>
+            </a:lvl5pPr>
+            <a:lvl6pPr marL="2514600" indent="-228600" algn="l" defTabSz="914400" rtl="0" eaLnBrk="1" latinLnBrk="1" hangingPunct="1">
+              <a:lnSpc>
+                <a:spcPct val="90000"/>
+              </a:lnSpc>
+              <a:spcBef>
+                <a:spcPts val="500"/>
+              </a:spcBef>
+              <a:buFont typeface="Arial" panose="020B0604020202020204" pitchFamily="34" charset="0"/>
+              <a:buChar char="•"/>
+              <a:defRPr sz="1800" kern="1200">
+                <a:solidFill>
+                  <a:schemeClr val="tx1"/>
+                </a:solidFill>
+                <a:latin typeface="+mn-lt"/>
+                <a:ea typeface="+mn-ea"/>
+                <a:cs typeface="+mn-cs"/>
+              </a:defRPr>
+            </a:lvl6pPr>
+            <a:lvl7pPr marL="2971800" indent="-228600" algn="l" defTabSz="914400" rtl="0" eaLnBrk="1" latinLnBrk="1" hangingPunct="1">
+              <a:lnSpc>
+                <a:spcPct val="90000"/>
+              </a:lnSpc>
+              <a:spcBef>
+                <a:spcPts val="500"/>
+              </a:spcBef>
+              <a:buFont typeface="Arial" panose="020B0604020202020204" pitchFamily="34" charset="0"/>
+              <a:buChar char="•"/>
+              <a:defRPr sz="1800" kern="1200">
+                <a:solidFill>
+                  <a:schemeClr val="tx1"/>
+                </a:solidFill>
+                <a:latin typeface="+mn-lt"/>
+                <a:ea typeface="+mn-ea"/>
+                <a:cs typeface="+mn-cs"/>
+              </a:defRPr>
+            </a:lvl7pPr>
+            <a:lvl8pPr marL="3429000" indent="-228600" algn="l" defTabSz="914400" rtl="0" eaLnBrk="1" latinLnBrk="1" hangingPunct="1">
+              <a:lnSpc>
+                <a:spcPct val="90000"/>
+              </a:lnSpc>
+              <a:spcBef>
+                <a:spcPts val="500"/>
+              </a:spcBef>
+              <a:buFont typeface="Arial" panose="020B0604020202020204" pitchFamily="34" charset="0"/>
+              <a:buChar char="•"/>
+              <a:defRPr sz="1800" kern="1200">
+                <a:solidFill>
+                  <a:schemeClr val="tx1"/>
+                </a:solidFill>
+                <a:latin typeface="+mn-lt"/>
+                <a:ea typeface="+mn-ea"/>
+                <a:cs typeface="+mn-cs"/>
+              </a:defRPr>
+            </a:lvl8pPr>
+            <a:lvl9pPr marL="3886200" indent="-228600" algn="l" defTabSz="914400" rtl="0" eaLnBrk="1" latinLnBrk="1" hangingPunct="1">
+              <a:lnSpc>
+                <a:spcPct val="90000"/>
+              </a:lnSpc>
+              <a:spcBef>
+                <a:spcPts val="500"/>
+              </a:spcBef>
+              <a:buFont typeface="Arial" panose="020B0604020202020204" pitchFamily="34" charset="0"/>
+              <a:buChar char="•"/>
+              <a:defRPr sz="1800" kern="1200">
+                <a:solidFill>
+                  <a:schemeClr val="tx1"/>
+                </a:solidFill>
+                <a:latin typeface="+mn-lt"/>
+                <a:ea typeface="+mn-ea"/>
+                <a:cs typeface="+mn-cs"/>
+              </a:defRPr>
+            </a:lvl9pPr>
+          </a:lstStyle>
+          <a:p>
+            <a:pPr marL="800100" lvl="1" indent="-342900">
+              <a:spcBef>
+                <a:spcPts val="1000"/>
+              </a:spcBef>
+              <a:buFont typeface="+mj-ea"/>
+              <a:buAutoNum type="circleNumDbPlain"/>
+            </a:pPr>
+            <a:r>
+              <a:rPr lang="ko-KR" altLang="en-US" spc="-60" dirty="0" err="1">
+                <a:ln>
+                  <a:solidFill>
+                    <a:prstClr val="white">
+                      <a:alpha val="0"/>
+                    </a:prstClr>
+                  </a:solidFill>
+                </a:ln>
+                <a:solidFill>
+                  <a:schemeClr val="tx2">
+                    <a:lumMod val="75000"/>
+                  </a:schemeClr>
+                </a:solidFill>
+                <a:latin typeface="+mj-ea"/>
+                <a:ea typeface="+mj-ea"/>
+              </a:rPr>
+              <a:t>ㅇ</a:t>
+            </a:r>
+            <a:endParaRPr lang="en-US" altLang="ko-KR" spc="-60" dirty="0">
+              <a:ln>
+                <a:solidFill>
+                  <a:prstClr val="white">
+                    <a:alpha val="0"/>
+                  </a:prstClr>
+                </a:solidFill>
+              </a:ln>
+              <a:solidFill>
+                <a:schemeClr val="tx2">
+                  <a:lumMod val="75000"/>
+                </a:schemeClr>
+              </a:solidFill>
+              <a:latin typeface="+mj-ea"/>
+              <a:ea typeface="+mj-ea"/>
+            </a:endParaRPr>
+          </a:p>
+          <a:p>
+            <a:pPr marL="800100" lvl="1" indent="-342900">
+              <a:spcBef>
+                <a:spcPts val="1000"/>
+              </a:spcBef>
+              <a:buFont typeface="+mj-ea"/>
+              <a:buAutoNum type="circleNumDbPlain"/>
+            </a:pPr>
+            <a:r>
+              <a:rPr lang="ko-KR" altLang="en-US" spc="-60" dirty="0" err="1">
+                <a:ln>
+                  <a:solidFill>
+                    <a:prstClr val="white">
+                      <a:alpha val="0"/>
+                    </a:prstClr>
+                  </a:solidFill>
+                </a:ln>
+                <a:solidFill>
+                  <a:schemeClr val="tx2">
+                    <a:lumMod val="75000"/>
+                  </a:schemeClr>
+                </a:solidFill>
+                <a:latin typeface="+mj-ea"/>
+                <a:ea typeface="+mj-ea"/>
+              </a:rPr>
+              <a:t>ㅇ</a:t>
+            </a:r>
+            <a:endParaRPr lang="en-US" altLang="ko-KR" spc="-60" dirty="0">
+              <a:ln>
+                <a:solidFill>
+                  <a:prstClr val="white">
+                    <a:alpha val="0"/>
+                  </a:prstClr>
+                </a:solidFill>
+              </a:ln>
+              <a:solidFill>
+                <a:schemeClr val="tx2">
+                  <a:lumMod val="75000"/>
+                </a:schemeClr>
+              </a:solidFill>
+              <a:latin typeface="+mj-ea"/>
+              <a:ea typeface="+mj-ea"/>
+            </a:endParaRPr>
+          </a:p>
+          <a:p>
+            <a:pPr marL="800100" lvl="1" indent="-342900">
+              <a:spcBef>
+                <a:spcPts val="1000"/>
+              </a:spcBef>
+              <a:buFont typeface="+mj-ea"/>
+              <a:buAutoNum type="circleNumDbPlain"/>
+            </a:pPr>
+            <a:r>
+              <a:rPr lang="ko-KR" altLang="en-US" spc="-60" dirty="0" err="1">
+                <a:ln>
+                  <a:solidFill>
+                    <a:prstClr val="white">
+                      <a:alpha val="0"/>
+                    </a:prstClr>
+                  </a:solidFill>
+                </a:ln>
+                <a:solidFill>
+                  <a:schemeClr val="tx2">
+                    <a:lumMod val="75000"/>
+                  </a:schemeClr>
+                </a:solidFill>
+                <a:latin typeface="+mj-ea"/>
+                <a:ea typeface="+mj-ea"/>
+              </a:rPr>
+              <a:t>ㅇ</a:t>
+            </a:r>
+            <a:endParaRPr lang="en-US" altLang="ko-KR" spc="-60" dirty="0">
+              <a:ln>
+                <a:solidFill>
+                  <a:prstClr val="white">
+                    <a:alpha val="0"/>
+                  </a:prstClr>
+                </a:solidFill>
+              </a:ln>
+              <a:solidFill>
+                <a:schemeClr val="tx2">
+                  <a:lumMod val="75000"/>
+                </a:schemeClr>
+              </a:solidFill>
+              <a:latin typeface="+mj-ea"/>
+              <a:ea typeface="+mj-ea"/>
+            </a:endParaRPr>
+          </a:p>
+          <a:p>
+            <a:pPr marL="800100" lvl="1" indent="-342900">
+              <a:spcBef>
+                <a:spcPts val="1000"/>
+              </a:spcBef>
+              <a:buFont typeface="+mj-ea"/>
+              <a:buAutoNum type="circleNumDbPlain"/>
+            </a:pPr>
+            <a:r>
+              <a:rPr lang="ko-KR" altLang="en-US" spc="-60" dirty="0" err="1">
+                <a:ln>
+                  <a:solidFill>
+                    <a:prstClr val="white">
+                      <a:alpha val="0"/>
+                    </a:prstClr>
+                  </a:solidFill>
+                </a:ln>
+                <a:solidFill>
+                  <a:schemeClr val="tx2">
+                    <a:lumMod val="75000"/>
+                  </a:schemeClr>
+                </a:solidFill>
+                <a:latin typeface="+mj-ea"/>
+                <a:ea typeface="+mj-ea"/>
+              </a:rPr>
+              <a:t>ㅇ</a:t>
+            </a:r>
+            <a:endParaRPr lang="en-US" altLang="ko-KR" spc="-60" dirty="0">
+              <a:ln>
+                <a:solidFill>
+                  <a:prstClr val="white">
+                    <a:alpha val="0"/>
+                  </a:prstClr>
+                </a:solidFill>
+              </a:ln>
+              <a:solidFill>
+                <a:schemeClr val="tx2">
+                  <a:lumMod val="75000"/>
+                </a:schemeClr>
+              </a:solidFill>
+              <a:latin typeface="+mj-ea"/>
+              <a:ea typeface="+mj-ea"/>
+            </a:endParaRPr>
+          </a:p>
+          <a:p>
+            <a:pPr marL="800100" lvl="1" indent="-342900">
+              <a:spcBef>
+                <a:spcPts val="1000"/>
+              </a:spcBef>
+              <a:buFont typeface="+mj-ea"/>
+              <a:buAutoNum type="circleNumDbPlain"/>
+            </a:pPr>
+            <a:r>
+              <a:rPr lang="ko-KR" altLang="en-US" spc="-60" dirty="0" err="1">
+                <a:ln>
+                  <a:solidFill>
+                    <a:prstClr val="white">
+                      <a:alpha val="0"/>
+                    </a:prstClr>
+                  </a:solidFill>
+                </a:ln>
+                <a:solidFill>
+                  <a:schemeClr val="tx2">
+                    <a:lumMod val="75000"/>
+                  </a:schemeClr>
+                </a:solidFill>
+                <a:latin typeface="+mj-ea"/>
+                <a:ea typeface="+mj-ea"/>
+              </a:rPr>
+              <a:t>ㅇ</a:t>
+            </a:r>
+            <a:endParaRPr lang="en-US" altLang="ko-KR" spc="-60" dirty="0">
+              <a:ln>
+                <a:solidFill>
+                  <a:prstClr val="white">
+                    <a:alpha val="0"/>
+                  </a:prstClr>
+                </a:solidFill>
+              </a:ln>
+              <a:solidFill>
+                <a:schemeClr val="tx2">
+                  <a:lumMod val="75000"/>
+                </a:schemeClr>
+              </a:solidFill>
+              <a:latin typeface="+mj-ea"/>
+              <a:ea typeface="+mj-ea"/>
+            </a:endParaRPr>
+          </a:p>
+          <a:p>
+            <a:pPr marL="457200" lvl="1" indent="0">
+              <a:spcBef>
+                <a:spcPts val="1000"/>
+              </a:spcBef>
+              <a:buFont typeface="Arial" panose="020B0604020202020204" pitchFamily="34" charset="0"/>
+              <a:buNone/>
+            </a:pPr>
+            <a:endParaRPr lang="en-US" altLang="ko-KR" spc="-60" dirty="0">
+              <a:ln>
+                <a:solidFill>
+                  <a:prstClr val="white">
+                    <a:alpha val="0"/>
+                  </a:prstClr>
+                </a:solidFill>
+              </a:ln>
+              <a:solidFill>
+                <a:schemeClr val="tx2">
+                  <a:lumMod val="75000"/>
+                </a:schemeClr>
+              </a:solidFill>
+              <a:latin typeface="+mj-ea"/>
+              <a:ea typeface="+mj-ea"/>
+            </a:endParaRPr>
+          </a:p>
+        </p:txBody>
+      </p:sp>
+      <p:sp>
+        <p:nvSpPr>
+          <p:cNvPr id="7" name="텍스트 개체 틀 6">
+            <a:extLst>
+              <a:ext uri="{FF2B5EF4-FFF2-40B4-BE49-F238E27FC236}">
+                <a16:creationId xmlns:a16="http://schemas.microsoft.com/office/drawing/2014/main" id="{DEDED96D-CEB5-4616-BE9C-4046A751D563}"/>
+              </a:ext>
+            </a:extLst>
+          </p:cNvPr>
+          <p:cNvSpPr>
+            <a:spLocks noGrp="1"/>
+          </p:cNvSpPr>
+          <p:nvPr>
+            <p:ph type="body" sz="quarter" idx="13"/>
+          </p:nvPr>
+        </p:nvSpPr>
+        <p:spPr>
+          <a:xfrm>
+            <a:off x="544513" y="1668463"/>
+            <a:ext cx="6901316" cy="416161"/>
+          </a:xfrm>
+        </p:spPr>
+        <p:txBody>
+          <a:bodyPr/>
+          <a:lstStyle/>
+          <a:p>
+            <a:pPr marL="171450" indent="-171450">
+              <a:spcBef>
+                <a:spcPts val="1000"/>
+              </a:spcBef>
+              <a:buFont typeface="Arial" panose="020B0604020202020204" pitchFamily="34" charset="0"/>
+              <a:buChar char="•"/>
+            </a:pPr>
+            <a:r>
+              <a:rPr lang="ko-KR" altLang="en-US" sz="2000" spc="-60" dirty="0">
+                <a:ln>
+                  <a:solidFill>
+                    <a:prstClr val="white">
+                      <a:alpha val="0"/>
+                    </a:prstClr>
+                  </a:solidFill>
+                </a:ln>
+                <a:solidFill>
+                  <a:schemeClr val="tx2">
+                    <a:lumMod val="75000"/>
+                  </a:schemeClr>
+                </a:solidFill>
+                <a:latin typeface="+mj-ea"/>
+                <a:ea typeface="+mj-ea"/>
+              </a:rPr>
+              <a:t>각 시간대별 거래금액</a:t>
+            </a:r>
+            <a:endParaRPr lang="en-US" altLang="ko-KR" spc="-60" dirty="0">
+              <a:ln>
+                <a:solidFill>
+                  <a:prstClr val="white">
+                    <a:alpha val="0"/>
+                  </a:prstClr>
+                </a:solidFill>
+              </a:ln>
+              <a:solidFill>
+                <a:schemeClr val="tx2">
+                  <a:lumMod val="75000"/>
+                </a:schemeClr>
+              </a:solidFill>
+              <a:latin typeface="+mj-ea"/>
+              <a:ea typeface="+mj-ea"/>
+            </a:endParaRPr>
+          </a:p>
+        </p:txBody>
+      </p:sp>
+    </p:spTree>
+    <p:extLst>
+      <p:ext uri="{BB962C8B-B14F-4D97-AF65-F5344CB8AC3E}">
+        <p14:creationId xmlns:p14="http://schemas.microsoft.com/office/powerpoint/2010/main" val="640086099"/>
+      </p:ext>
+    </p:extLst>
+  </p:cSld>
+  <p:clrMapOvr>
+    <a:masterClrMapping/>
+  </p:clrMapOvr>
+</p:sld>
+</file>
+
+<file path=ppt/slides/slide23.xml><?xml version="1.0" encoding="utf-8"?>
+<p:sld xmlns:a="http://schemas.openxmlformats.org/drawingml/2006/main" xmlns:r="http://schemas.openxmlformats.org/officeDocument/2006/relationships" xmlns:p="http://schemas.openxmlformats.org/presentationml/2006/main">
+  <p:cSld>
+    <p:spTree>
+      <p:nvGrpSpPr>
+        <p:cNvPr id="1" name=""/>
+        <p:cNvGrpSpPr/>
+        <p:nvPr/>
+      </p:nvGrpSpPr>
+      <p:grpSpPr>
+        <a:xfrm>
+          <a:off x="0" y="0"/>
+          <a:ext cx="0" cy="0"/>
+          <a:chOff x="0" y="0"/>
+          <a:chExt cx="0" cy="0"/>
+        </a:xfrm>
+      </p:grpSpPr>
+      <p:sp>
+        <p:nvSpPr>
+          <p:cNvPr id="13" name="직사각형 12">
+            <a:extLst>
+              <a:ext uri="{FF2B5EF4-FFF2-40B4-BE49-F238E27FC236}">
+                <a16:creationId xmlns:a16="http://schemas.microsoft.com/office/drawing/2014/main" id="{8A18650E-587D-4954-9C7A-C60C588F644B}"/>
+              </a:ext>
+            </a:extLst>
+          </p:cNvPr>
+          <p:cNvSpPr/>
+          <p:nvPr/>
+        </p:nvSpPr>
+        <p:spPr>
+          <a:xfrm>
+            <a:off x="832560" y="4210212"/>
+            <a:ext cx="6325222" cy="2136800"/>
+          </a:xfrm>
+          <a:prstGeom prst="rect">
+            <a:avLst/>
+          </a:prstGeom>
+          <a:solidFill>
+            <a:srgbClr val="FFFF00">
+              <a:alpha val="70000"/>
+            </a:srgbClr>
+          </a:solidFill>
+          <a:ln>
+            <a:noFill/>
+          </a:ln>
+        </p:spPr>
+        <p:style>
+          <a:lnRef idx="2">
+            <a:schemeClr val="accent1">
+              <a:shade val="50000"/>
+            </a:schemeClr>
+          </a:lnRef>
+          <a:fillRef idx="1">
+            <a:schemeClr val="accent1"/>
+          </a:fillRef>
+          <a:effectRef idx="0">
+            <a:schemeClr val="accent1"/>
+          </a:effectRef>
+          <a:fontRef idx="minor">
+            <a:schemeClr val="lt1"/>
+          </a:fontRef>
+        </p:style>
+        <p:txBody>
+          <a:bodyPr rtlCol="0" anchor="ctr"/>
+          <a:lstStyle/>
+          <a:p>
+            <a:pPr algn="ctr"/>
+            <a:r>
+              <a:rPr lang="ko-KR" altLang="en-US" sz="3600" dirty="0">
+                <a:solidFill>
+                  <a:srgbClr val="FF0000"/>
+                </a:solidFill>
+              </a:rPr>
+              <a:t>그래프 삽입</a:t>
+            </a:r>
+            <a:endParaRPr lang="ko-KR" altLang="en-US" sz="1200" strike="sngStrike" dirty="0">
+              <a:solidFill>
+                <a:srgbClr val="FF0000"/>
+              </a:solidFill>
+            </a:endParaRPr>
+          </a:p>
+        </p:txBody>
+      </p:sp>
+      <p:sp>
+        <p:nvSpPr>
+          <p:cNvPr id="35" name="제목 1"/>
+          <p:cNvSpPr txBox="1">
+            <a:spLocks/>
+          </p:cNvSpPr>
+          <p:nvPr/>
+        </p:nvSpPr>
+        <p:spPr>
+          <a:xfrm>
+            <a:off x="251520" y="243601"/>
+            <a:ext cx="8640960" cy="480131"/>
+          </a:xfrm>
+          <a:prstGeom prst="rect">
+            <a:avLst/>
+          </a:prstGeom>
+        </p:spPr>
+        <p:txBody>
+          <a:bodyPr vert="horz" wrap="square" lIns="91440" tIns="45720" rIns="91440" bIns="45720" rtlCol="0" anchor="ctr">
+            <a:spAutoFit/>
+          </a:bodyPr>
+          <a:lstStyle>
+            <a:lvl1pPr algn="l" defTabSz="914400" rtl="0" eaLnBrk="1" latinLnBrk="1" hangingPunct="1">
+              <a:lnSpc>
+                <a:spcPct val="90000"/>
+              </a:lnSpc>
+              <a:spcBef>
+                <a:spcPct val="0"/>
+              </a:spcBef>
+              <a:buNone/>
+              <a:defRPr sz="2800" b="0" kern="1200">
+                <a:solidFill>
+                  <a:schemeClr val="tx1"/>
+                </a:solidFill>
+                <a:effectLst/>
+                <a:latin typeface="-윤고딕320" panose="020B0600000101010101" charset="-127"/>
+                <a:ea typeface="-윤고딕320" panose="020B0600000101010101" charset="-127"/>
+                <a:cs typeface="+mj-cs"/>
+              </a:defRPr>
+            </a:lvl1pPr>
+          </a:lstStyle>
+          <a:p>
+            <a:r>
+              <a:rPr lang="en-US" altLang="ko-KR" dirty="0">
+                <a:latin typeface="+mn-ea"/>
+                <a:ea typeface="+mn-ea"/>
+              </a:rPr>
+              <a:t>3. </a:t>
+            </a:r>
+            <a:r>
+              <a:rPr lang="ko-KR" altLang="en-US" dirty="0">
+                <a:latin typeface="+mn-ea"/>
+                <a:ea typeface="+mn-ea"/>
+              </a:rPr>
+              <a:t>울산페이 데이터 분석 단계별 설명</a:t>
+            </a:r>
+          </a:p>
+        </p:txBody>
+      </p:sp>
+      <p:sp>
+        <p:nvSpPr>
+          <p:cNvPr id="3" name="사각형: 둥근 모서리 2">
+            <a:extLst>
+              <a:ext uri="{FF2B5EF4-FFF2-40B4-BE49-F238E27FC236}">
+                <a16:creationId xmlns:a16="http://schemas.microsoft.com/office/drawing/2014/main" id="{44B1FF70-C47F-4352-8698-63BF5E1453B2}"/>
+              </a:ext>
+            </a:extLst>
+          </p:cNvPr>
+          <p:cNvSpPr/>
+          <p:nvPr/>
+        </p:nvSpPr>
+        <p:spPr>
+          <a:xfrm>
+            <a:off x="544513" y="1144746"/>
+            <a:ext cx="5438276" cy="416160"/>
+          </a:xfrm>
+          <a:prstGeom prst="roundRect">
+            <a:avLst>
+              <a:gd name="adj" fmla="val 36422"/>
+            </a:avLst>
+          </a:prstGeom>
+        </p:spPr>
+        <p:style>
+          <a:lnRef idx="2">
+            <a:schemeClr val="accent1">
+              <a:shade val="50000"/>
+            </a:schemeClr>
+          </a:lnRef>
+          <a:fillRef idx="1">
+            <a:schemeClr val="accent1"/>
+          </a:fillRef>
+          <a:effectRef idx="0">
+            <a:schemeClr val="accent1"/>
+          </a:effectRef>
+          <a:fontRef idx="minor">
+            <a:schemeClr val="lt1"/>
+          </a:fontRef>
+        </p:style>
+        <p:txBody>
+          <a:bodyPr rtlCol="0" anchor="ctr"/>
+          <a:lstStyle/>
+          <a:p>
+            <a:pPr algn="ctr"/>
+            <a:r>
+              <a:rPr lang="en-US" altLang="ko-KR" sz="2000" b="1" dirty="0"/>
+              <a:t>(4</a:t>
+            </a:r>
+            <a:r>
+              <a:rPr lang="ko-KR" altLang="en-US" sz="2000" b="1" dirty="0"/>
+              <a:t>단계</a:t>
+            </a:r>
+            <a:r>
+              <a:rPr lang="en-US" altLang="ko-KR" sz="2000" b="1" dirty="0"/>
+              <a:t>) </a:t>
+            </a:r>
+            <a:r>
+              <a:rPr lang="ko-KR" altLang="en-US" sz="2000" b="1" dirty="0"/>
+              <a:t>데이터 분석 및 시각화</a:t>
+            </a:r>
+            <a:r>
+              <a:rPr lang="en-US" altLang="ko-KR" sz="2000" b="1" dirty="0"/>
+              <a:t>, </a:t>
+            </a:r>
+            <a:r>
+              <a:rPr lang="ko-KR" altLang="en-US" sz="2000" b="1" dirty="0"/>
+              <a:t>시사점</a:t>
+            </a:r>
+            <a:r>
+              <a:rPr lang="en-US" altLang="ko-KR" sz="2000" b="1" dirty="0"/>
+              <a:t>(1/6)</a:t>
+            </a:r>
+            <a:endParaRPr lang="ko-KR" altLang="en-US" sz="2000" b="1" dirty="0"/>
+          </a:p>
+        </p:txBody>
+      </p:sp>
+      <p:sp>
+        <p:nvSpPr>
+          <p:cNvPr id="2" name="사각형: 둥근 모서리 1">
+            <a:extLst>
+              <a:ext uri="{FF2B5EF4-FFF2-40B4-BE49-F238E27FC236}">
+                <a16:creationId xmlns:a16="http://schemas.microsoft.com/office/drawing/2014/main" id="{00D8EB94-8409-4E95-AB44-FABAFF0FE391}"/>
+              </a:ext>
+            </a:extLst>
+          </p:cNvPr>
+          <p:cNvSpPr/>
+          <p:nvPr/>
+        </p:nvSpPr>
+        <p:spPr>
+          <a:xfrm>
+            <a:off x="7524205" y="1638755"/>
+            <a:ext cx="1619795" cy="3790406"/>
+          </a:xfrm>
+          <a:prstGeom prst="roundRect">
+            <a:avLst>
+              <a:gd name="adj" fmla="val 5441"/>
+            </a:avLst>
+          </a:prstGeom>
+          <a:solidFill>
+            <a:schemeClr val="bg1">
+              <a:lumMod val="95000"/>
+            </a:schemeClr>
+          </a:solidFill>
+          <a:ln w="28575">
+            <a:noFill/>
+          </a:ln>
+        </p:spPr>
+        <p:style>
+          <a:lnRef idx="2">
+            <a:schemeClr val="accent1">
+              <a:shade val="50000"/>
+            </a:schemeClr>
+          </a:lnRef>
+          <a:fillRef idx="1">
+            <a:schemeClr val="accent1"/>
+          </a:fillRef>
+          <a:effectRef idx="0">
+            <a:schemeClr val="accent1"/>
+          </a:effectRef>
+          <a:fontRef idx="minor">
+            <a:schemeClr val="lt1"/>
+          </a:fontRef>
+        </p:style>
+        <p:txBody>
+          <a:bodyPr rtlCol="0" anchor="t"/>
+          <a:lstStyle/>
+          <a:p>
+            <a:pPr marL="171450" indent="-171450">
+              <a:buFont typeface="Arial" panose="020B0604020202020204" pitchFamily="34" charset="0"/>
+              <a:buChar char="•"/>
+            </a:pPr>
+            <a:endParaRPr lang="en-US" altLang="ko-KR" sz="1100" spc="-60" dirty="0">
+              <a:ln>
+                <a:solidFill>
+                  <a:prstClr val="white">
+                    <a:alpha val="0"/>
+                  </a:prstClr>
+                </a:solidFill>
+              </a:ln>
+              <a:solidFill>
+                <a:schemeClr val="tx2">
+                  <a:lumMod val="75000"/>
+                </a:schemeClr>
+              </a:solidFill>
+              <a:latin typeface="+mj-ea"/>
+              <a:ea typeface="+mj-ea"/>
+            </a:endParaRPr>
+          </a:p>
+          <a:p>
+            <a:pPr marL="171450" indent="-171450">
+              <a:buFont typeface="Arial" panose="020B0604020202020204" pitchFamily="34" charset="0"/>
+              <a:buChar char="•"/>
+            </a:pPr>
+            <a:r>
+              <a:rPr lang="ko-KR" altLang="en-US" sz="1100" spc="-60" dirty="0" err="1">
+                <a:ln>
+                  <a:solidFill>
+                    <a:prstClr val="white">
+                      <a:alpha val="0"/>
+                    </a:prstClr>
+                  </a:solidFill>
+                </a:ln>
+                <a:solidFill>
+                  <a:schemeClr val="tx2">
+                    <a:lumMod val="75000"/>
+                  </a:schemeClr>
+                </a:solidFill>
+                <a:latin typeface="+mj-ea"/>
+                <a:ea typeface="+mj-ea"/>
+              </a:rPr>
+              <a:t>ㅇ</a:t>
+            </a:r>
+            <a:endParaRPr lang="en-US" altLang="ko-KR" sz="1100" spc="-60" dirty="0">
+              <a:ln>
+                <a:solidFill>
+                  <a:prstClr val="white">
+                    <a:alpha val="0"/>
+                  </a:prstClr>
+                </a:solidFill>
+              </a:ln>
+              <a:solidFill>
+                <a:schemeClr val="tx2">
+                  <a:lumMod val="75000"/>
+                </a:schemeClr>
+              </a:solidFill>
+              <a:latin typeface="+mj-ea"/>
+              <a:ea typeface="+mj-ea"/>
+            </a:endParaRPr>
+          </a:p>
+        </p:txBody>
+      </p:sp>
+      <p:sp>
+        <p:nvSpPr>
+          <p:cNvPr id="31" name="TextBox 30">
+            <a:extLst>
+              <a:ext uri="{FF2B5EF4-FFF2-40B4-BE49-F238E27FC236}">
+                <a16:creationId xmlns:a16="http://schemas.microsoft.com/office/drawing/2014/main" id="{AA4E3547-C3C5-49D0-B6EF-7AFF7B718EFA}"/>
+              </a:ext>
+            </a:extLst>
+          </p:cNvPr>
+          <p:cNvSpPr txBox="1"/>
+          <p:nvPr/>
+        </p:nvSpPr>
+        <p:spPr>
+          <a:xfrm>
+            <a:off x="7445829" y="1269423"/>
+            <a:ext cx="1160895" cy="369332"/>
+          </a:xfrm>
+          <a:prstGeom prst="rect">
+            <a:avLst/>
+          </a:prstGeom>
+          <a:noFill/>
+        </p:spPr>
+        <p:txBody>
+          <a:bodyPr wrap="none" rtlCol="0">
+            <a:spAutoFit/>
+          </a:bodyPr>
+          <a:lstStyle/>
+          <a:p>
+            <a:r>
+              <a:rPr lang="ko-KR" altLang="en-US" b="1" dirty="0"/>
+              <a:t>분석 과정</a:t>
+            </a:r>
+          </a:p>
+        </p:txBody>
+      </p:sp>
+      <p:sp>
+        <p:nvSpPr>
+          <p:cNvPr id="9" name="직사각형 8">
+            <a:extLst>
+              <a:ext uri="{FF2B5EF4-FFF2-40B4-BE49-F238E27FC236}">
+                <a16:creationId xmlns:a16="http://schemas.microsoft.com/office/drawing/2014/main" id="{5B25AD86-019F-4C45-B8F8-5A59E9B071FC}"/>
+              </a:ext>
+            </a:extLst>
+          </p:cNvPr>
+          <p:cNvSpPr/>
+          <p:nvPr/>
+        </p:nvSpPr>
+        <p:spPr>
+          <a:xfrm>
+            <a:off x="0" y="0"/>
+            <a:ext cx="9144000" cy="913118"/>
+          </a:xfrm>
+          <a:prstGeom prst="rect">
+            <a:avLst/>
+          </a:prstGeom>
+          <a:solidFill>
+            <a:srgbClr val="FFFF00">
+              <a:alpha val="70000"/>
+            </a:srgbClr>
+          </a:solidFill>
+          <a:ln>
+            <a:noFill/>
+          </a:ln>
+        </p:spPr>
+        <p:style>
+          <a:lnRef idx="2">
+            <a:schemeClr val="accent1">
+              <a:shade val="50000"/>
+            </a:schemeClr>
+          </a:lnRef>
+          <a:fillRef idx="1">
+            <a:schemeClr val="accent1"/>
+          </a:fillRef>
+          <a:effectRef idx="0">
+            <a:schemeClr val="accent1"/>
+          </a:effectRef>
+          <a:fontRef idx="minor">
+            <a:schemeClr val="lt1"/>
+          </a:fontRef>
+        </p:style>
+        <p:txBody>
+          <a:bodyPr rtlCol="0" anchor="ctr"/>
+          <a:lstStyle/>
+          <a:p>
+            <a:pPr algn="ctr"/>
+            <a:r>
+              <a:rPr lang="en-US" altLang="ko-KR" sz="3600" dirty="0">
+                <a:solidFill>
+                  <a:srgbClr val="FF0000"/>
+                </a:solidFill>
+              </a:rPr>
+              <a:t>&lt;</a:t>
+            </a:r>
+            <a:r>
+              <a:rPr lang="ko-KR" altLang="en-US" sz="3600" dirty="0">
+                <a:solidFill>
+                  <a:srgbClr val="FF0000"/>
+                </a:solidFill>
+              </a:rPr>
+              <a:t>승인시간 기준</a:t>
+            </a:r>
+            <a:r>
+              <a:rPr lang="en-US" altLang="ko-KR" sz="3600" dirty="0">
+                <a:solidFill>
+                  <a:srgbClr val="FF0000"/>
+                </a:solidFill>
+              </a:rPr>
+              <a:t>_</a:t>
+            </a:r>
+            <a:r>
+              <a:rPr lang="ko-KR" altLang="en-US" sz="3600" dirty="0" err="1">
+                <a:solidFill>
+                  <a:srgbClr val="FF0000"/>
+                </a:solidFill>
+              </a:rPr>
+              <a:t>장정렬</a:t>
+            </a:r>
+            <a:r>
+              <a:rPr lang="en-US" altLang="ko-KR" sz="3600" dirty="0">
+                <a:solidFill>
+                  <a:srgbClr val="FF0000"/>
+                </a:solidFill>
+              </a:rPr>
+              <a:t>&gt;</a:t>
+            </a:r>
+            <a:endParaRPr lang="ko-KR" altLang="en-US" sz="1200" strike="sngStrike" dirty="0">
+              <a:solidFill>
+                <a:srgbClr val="FF0000"/>
+              </a:solidFill>
+            </a:endParaRPr>
+          </a:p>
+        </p:txBody>
+      </p:sp>
+      <p:sp>
+        <p:nvSpPr>
+          <p:cNvPr id="12" name="텍스트 개체 틀 6">
+            <a:extLst>
+              <a:ext uri="{FF2B5EF4-FFF2-40B4-BE49-F238E27FC236}">
+                <a16:creationId xmlns:a16="http://schemas.microsoft.com/office/drawing/2014/main" id="{D0EDCBAB-5962-4C0F-BC25-2F0336FB4678}"/>
+              </a:ext>
+            </a:extLst>
+          </p:cNvPr>
+          <p:cNvSpPr txBox="1">
+            <a:spLocks/>
+          </p:cNvSpPr>
+          <p:nvPr/>
+        </p:nvSpPr>
+        <p:spPr>
+          <a:xfrm>
+            <a:off x="544513" y="2068942"/>
+            <a:ext cx="6901316" cy="2059141"/>
+          </a:xfrm>
+          <a:prstGeom prst="rect">
+            <a:avLst/>
+          </a:prstGeom>
+        </p:spPr>
+        <p:txBody>
+          <a:bodyPr/>
+          <a:lstStyle>
+            <a:lvl1pPr marL="228600" indent="-228600" algn="l" defTabSz="914400" rtl="0" eaLnBrk="1" latinLnBrk="1" hangingPunct="1">
+              <a:lnSpc>
+                <a:spcPct val="90000"/>
+              </a:lnSpc>
+              <a:spcBef>
+                <a:spcPts val="1000"/>
+              </a:spcBef>
+              <a:buFont typeface="Arial" panose="020B0604020202020204" pitchFamily="34" charset="0"/>
+              <a:buChar char="•"/>
+              <a:defRPr sz="2000" kern="1200">
+                <a:solidFill>
+                  <a:schemeClr val="tx1"/>
+                </a:solidFill>
+                <a:latin typeface="+mn-lt"/>
+                <a:ea typeface="+mn-ea"/>
+                <a:cs typeface="+mn-cs"/>
+              </a:defRPr>
+            </a:lvl1pPr>
+            <a:lvl2pPr marL="685800" indent="-228600" algn="l" defTabSz="914400" rtl="0" eaLnBrk="1" latinLnBrk="1" hangingPunct="1">
+              <a:lnSpc>
+                <a:spcPct val="90000"/>
+              </a:lnSpc>
+              <a:spcBef>
+                <a:spcPts val="500"/>
+              </a:spcBef>
+              <a:buFont typeface="Arial" panose="020B0604020202020204" pitchFamily="34" charset="0"/>
+              <a:buChar char="•"/>
+              <a:defRPr sz="1800" kern="1200">
+                <a:solidFill>
+                  <a:schemeClr val="tx1"/>
+                </a:solidFill>
+                <a:latin typeface="+mn-lt"/>
+                <a:ea typeface="+mn-ea"/>
+                <a:cs typeface="+mn-cs"/>
+              </a:defRPr>
+            </a:lvl2pPr>
+            <a:lvl3pPr marL="1143000" indent="-228600" algn="l" defTabSz="914400" rtl="0" eaLnBrk="1" latinLnBrk="1" hangingPunct="1">
+              <a:lnSpc>
+                <a:spcPct val="90000"/>
+              </a:lnSpc>
+              <a:spcBef>
+                <a:spcPts val="500"/>
+              </a:spcBef>
+              <a:buFont typeface="Arial" panose="020B0604020202020204" pitchFamily="34" charset="0"/>
+              <a:buChar char="•"/>
+              <a:defRPr sz="1600" kern="1200">
+                <a:solidFill>
+                  <a:schemeClr val="tx1"/>
+                </a:solidFill>
+                <a:latin typeface="+mn-lt"/>
+                <a:ea typeface="+mn-ea"/>
+                <a:cs typeface="+mn-cs"/>
+              </a:defRPr>
+            </a:lvl3pPr>
+            <a:lvl4pPr marL="1600200" indent="-228600" algn="l" defTabSz="914400" rtl="0" eaLnBrk="1" latinLnBrk="1" hangingPunct="1">
+              <a:lnSpc>
+                <a:spcPct val="90000"/>
+              </a:lnSpc>
+              <a:spcBef>
+                <a:spcPts val="500"/>
+              </a:spcBef>
+              <a:buFont typeface="Arial" panose="020B0604020202020204" pitchFamily="34" charset="0"/>
+              <a:buChar char="•"/>
+              <a:defRPr sz="1400" kern="1200">
+                <a:solidFill>
+                  <a:schemeClr val="tx1"/>
+                </a:solidFill>
+                <a:latin typeface="+mn-lt"/>
+                <a:ea typeface="+mn-ea"/>
+                <a:cs typeface="+mn-cs"/>
+              </a:defRPr>
+            </a:lvl4pPr>
+            <a:lvl5pPr marL="2057400" indent="-228600" algn="l" defTabSz="914400" rtl="0" eaLnBrk="1" latinLnBrk="1" hangingPunct="1">
+              <a:lnSpc>
+                <a:spcPct val="90000"/>
+              </a:lnSpc>
+              <a:spcBef>
+                <a:spcPts val="500"/>
+              </a:spcBef>
+              <a:buFont typeface="Arial" panose="020B0604020202020204" pitchFamily="34" charset="0"/>
+              <a:buChar char="•"/>
+              <a:defRPr sz="1200" kern="1200">
+                <a:solidFill>
+                  <a:schemeClr val="tx1"/>
+                </a:solidFill>
+                <a:latin typeface="+mn-lt"/>
+                <a:ea typeface="+mn-ea"/>
+                <a:cs typeface="+mn-cs"/>
+              </a:defRPr>
+            </a:lvl5pPr>
+            <a:lvl6pPr marL="2514600" indent="-228600" algn="l" defTabSz="914400" rtl="0" eaLnBrk="1" latinLnBrk="1" hangingPunct="1">
+              <a:lnSpc>
+                <a:spcPct val="90000"/>
+              </a:lnSpc>
+              <a:spcBef>
+                <a:spcPts val="500"/>
+              </a:spcBef>
+              <a:buFont typeface="Arial" panose="020B0604020202020204" pitchFamily="34" charset="0"/>
+              <a:buChar char="•"/>
+              <a:defRPr sz="1800" kern="1200">
+                <a:solidFill>
+                  <a:schemeClr val="tx1"/>
+                </a:solidFill>
+                <a:latin typeface="+mn-lt"/>
+                <a:ea typeface="+mn-ea"/>
+                <a:cs typeface="+mn-cs"/>
+              </a:defRPr>
+            </a:lvl6pPr>
+            <a:lvl7pPr marL="2971800" indent="-228600" algn="l" defTabSz="914400" rtl="0" eaLnBrk="1" latinLnBrk="1" hangingPunct="1">
+              <a:lnSpc>
+                <a:spcPct val="90000"/>
+              </a:lnSpc>
+              <a:spcBef>
+                <a:spcPts val="500"/>
+              </a:spcBef>
+              <a:buFont typeface="Arial" panose="020B0604020202020204" pitchFamily="34" charset="0"/>
+              <a:buChar char="•"/>
+              <a:defRPr sz="1800" kern="1200">
+                <a:solidFill>
+                  <a:schemeClr val="tx1"/>
+                </a:solidFill>
+                <a:latin typeface="+mn-lt"/>
+                <a:ea typeface="+mn-ea"/>
+                <a:cs typeface="+mn-cs"/>
+              </a:defRPr>
+            </a:lvl7pPr>
+            <a:lvl8pPr marL="3429000" indent="-228600" algn="l" defTabSz="914400" rtl="0" eaLnBrk="1" latinLnBrk="1" hangingPunct="1">
+              <a:lnSpc>
+                <a:spcPct val="90000"/>
+              </a:lnSpc>
+              <a:spcBef>
+                <a:spcPts val="500"/>
+              </a:spcBef>
+              <a:buFont typeface="Arial" panose="020B0604020202020204" pitchFamily="34" charset="0"/>
+              <a:buChar char="•"/>
+              <a:defRPr sz="1800" kern="1200">
+                <a:solidFill>
+                  <a:schemeClr val="tx1"/>
+                </a:solidFill>
+                <a:latin typeface="+mn-lt"/>
+                <a:ea typeface="+mn-ea"/>
+                <a:cs typeface="+mn-cs"/>
+              </a:defRPr>
+            </a:lvl8pPr>
+            <a:lvl9pPr marL="3886200" indent="-228600" algn="l" defTabSz="914400" rtl="0" eaLnBrk="1" latinLnBrk="1" hangingPunct="1">
+              <a:lnSpc>
+                <a:spcPct val="90000"/>
+              </a:lnSpc>
+              <a:spcBef>
+                <a:spcPts val="500"/>
+              </a:spcBef>
+              <a:buFont typeface="Arial" panose="020B0604020202020204" pitchFamily="34" charset="0"/>
+              <a:buChar char="•"/>
+              <a:defRPr sz="1800" kern="1200">
+                <a:solidFill>
+                  <a:schemeClr val="tx1"/>
+                </a:solidFill>
+                <a:latin typeface="+mn-lt"/>
+                <a:ea typeface="+mn-ea"/>
+                <a:cs typeface="+mn-cs"/>
+              </a:defRPr>
+            </a:lvl9pPr>
+          </a:lstStyle>
+          <a:p>
+            <a:pPr marL="800100" lvl="1" indent="-342900">
+              <a:spcBef>
+                <a:spcPts val="1000"/>
+              </a:spcBef>
+              <a:buFont typeface="+mj-ea"/>
+              <a:buAutoNum type="circleNumDbPlain"/>
+            </a:pPr>
+            <a:r>
+              <a:rPr lang="ko-KR" altLang="en-US" spc="-60" dirty="0" err="1">
+                <a:ln>
+                  <a:solidFill>
+                    <a:prstClr val="white">
+                      <a:alpha val="0"/>
+                    </a:prstClr>
+                  </a:solidFill>
+                </a:ln>
+                <a:solidFill>
+                  <a:schemeClr val="tx2">
+                    <a:lumMod val="75000"/>
+                  </a:schemeClr>
+                </a:solidFill>
+                <a:latin typeface="+mj-ea"/>
+                <a:ea typeface="+mj-ea"/>
+              </a:rPr>
+              <a:t>ㅇ</a:t>
+            </a:r>
+            <a:endParaRPr lang="en-US" altLang="ko-KR" spc="-60" dirty="0">
+              <a:ln>
+                <a:solidFill>
+                  <a:prstClr val="white">
+                    <a:alpha val="0"/>
+                  </a:prstClr>
+                </a:solidFill>
+              </a:ln>
+              <a:solidFill>
+                <a:schemeClr val="tx2">
+                  <a:lumMod val="75000"/>
+                </a:schemeClr>
+              </a:solidFill>
+              <a:latin typeface="+mj-ea"/>
+              <a:ea typeface="+mj-ea"/>
+            </a:endParaRPr>
+          </a:p>
+          <a:p>
+            <a:pPr marL="800100" lvl="1" indent="-342900">
+              <a:spcBef>
+                <a:spcPts val="1000"/>
+              </a:spcBef>
+              <a:buFont typeface="+mj-ea"/>
+              <a:buAutoNum type="circleNumDbPlain"/>
+            </a:pPr>
+            <a:r>
+              <a:rPr lang="ko-KR" altLang="en-US" spc="-60" dirty="0" err="1">
+                <a:ln>
+                  <a:solidFill>
+                    <a:prstClr val="white">
+                      <a:alpha val="0"/>
+                    </a:prstClr>
+                  </a:solidFill>
+                </a:ln>
+                <a:solidFill>
+                  <a:schemeClr val="tx2">
+                    <a:lumMod val="75000"/>
+                  </a:schemeClr>
+                </a:solidFill>
+                <a:latin typeface="+mj-ea"/>
+                <a:ea typeface="+mj-ea"/>
+              </a:rPr>
+              <a:t>ㅇ</a:t>
+            </a:r>
+            <a:endParaRPr lang="en-US" altLang="ko-KR" spc="-60" dirty="0">
+              <a:ln>
+                <a:solidFill>
+                  <a:prstClr val="white">
+                    <a:alpha val="0"/>
+                  </a:prstClr>
+                </a:solidFill>
+              </a:ln>
+              <a:solidFill>
+                <a:schemeClr val="tx2">
+                  <a:lumMod val="75000"/>
+                </a:schemeClr>
+              </a:solidFill>
+              <a:latin typeface="+mj-ea"/>
+              <a:ea typeface="+mj-ea"/>
+            </a:endParaRPr>
+          </a:p>
+          <a:p>
+            <a:pPr marL="800100" lvl="1" indent="-342900">
+              <a:spcBef>
+                <a:spcPts val="1000"/>
+              </a:spcBef>
+              <a:buFont typeface="+mj-ea"/>
+              <a:buAutoNum type="circleNumDbPlain"/>
+            </a:pPr>
+            <a:r>
+              <a:rPr lang="ko-KR" altLang="en-US" spc="-60" dirty="0" err="1">
+                <a:ln>
+                  <a:solidFill>
+                    <a:prstClr val="white">
+                      <a:alpha val="0"/>
+                    </a:prstClr>
+                  </a:solidFill>
+                </a:ln>
+                <a:solidFill>
+                  <a:schemeClr val="tx2">
+                    <a:lumMod val="75000"/>
+                  </a:schemeClr>
+                </a:solidFill>
+                <a:latin typeface="+mj-ea"/>
+                <a:ea typeface="+mj-ea"/>
+              </a:rPr>
+              <a:t>ㅇ</a:t>
+            </a:r>
+            <a:endParaRPr lang="en-US" altLang="ko-KR" spc="-60" dirty="0">
+              <a:ln>
+                <a:solidFill>
+                  <a:prstClr val="white">
+                    <a:alpha val="0"/>
+                  </a:prstClr>
+                </a:solidFill>
+              </a:ln>
+              <a:solidFill>
+                <a:schemeClr val="tx2">
+                  <a:lumMod val="75000"/>
+                </a:schemeClr>
+              </a:solidFill>
+              <a:latin typeface="+mj-ea"/>
+              <a:ea typeface="+mj-ea"/>
+            </a:endParaRPr>
+          </a:p>
+          <a:p>
+            <a:pPr marL="800100" lvl="1" indent="-342900">
+              <a:spcBef>
+                <a:spcPts val="1000"/>
+              </a:spcBef>
+              <a:buFont typeface="+mj-ea"/>
+              <a:buAutoNum type="circleNumDbPlain"/>
+            </a:pPr>
+            <a:r>
+              <a:rPr lang="ko-KR" altLang="en-US" spc="-60" dirty="0" err="1">
+                <a:ln>
+                  <a:solidFill>
+                    <a:prstClr val="white">
+                      <a:alpha val="0"/>
+                    </a:prstClr>
+                  </a:solidFill>
+                </a:ln>
+                <a:solidFill>
+                  <a:schemeClr val="tx2">
+                    <a:lumMod val="75000"/>
+                  </a:schemeClr>
+                </a:solidFill>
+                <a:latin typeface="+mj-ea"/>
+                <a:ea typeface="+mj-ea"/>
+              </a:rPr>
+              <a:t>ㅇ</a:t>
+            </a:r>
+            <a:endParaRPr lang="en-US" altLang="ko-KR" spc="-60" dirty="0">
+              <a:ln>
+                <a:solidFill>
+                  <a:prstClr val="white">
+                    <a:alpha val="0"/>
+                  </a:prstClr>
+                </a:solidFill>
+              </a:ln>
+              <a:solidFill>
+                <a:schemeClr val="tx2">
+                  <a:lumMod val="75000"/>
+                </a:schemeClr>
+              </a:solidFill>
+              <a:latin typeface="+mj-ea"/>
+              <a:ea typeface="+mj-ea"/>
+            </a:endParaRPr>
+          </a:p>
+          <a:p>
+            <a:pPr marL="800100" lvl="1" indent="-342900">
+              <a:spcBef>
+                <a:spcPts val="1000"/>
+              </a:spcBef>
+              <a:buFont typeface="+mj-ea"/>
+              <a:buAutoNum type="circleNumDbPlain"/>
+            </a:pPr>
+            <a:r>
+              <a:rPr lang="ko-KR" altLang="en-US" spc="-60" dirty="0" err="1">
+                <a:ln>
+                  <a:solidFill>
+                    <a:prstClr val="white">
+                      <a:alpha val="0"/>
+                    </a:prstClr>
+                  </a:solidFill>
+                </a:ln>
+                <a:solidFill>
+                  <a:schemeClr val="tx2">
+                    <a:lumMod val="75000"/>
+                  </a:schemeClr>
+                </a:solidFill>
+                <a:latin typeface="+mj-ea"/>
+                <a:ea typeface="+mj-ea"/>
+              </a:rPr>
+              <a:t>ㅇ</a:t>
+            </a:r>
+            <a:endParaRPr lang="en-US" altLang="ko-KR" spc="-60" dirty="0">
+              <a:ln>
+                <a:solidFill>
+                  <a:prstClr val="white">
+                    <a:alpha val="0"/>
+                  </a:prstClr>
+                </a:solidFill>
+              </a:ln>
+              <a:solidFill>
+                <a:schemeClr val="tx2">
+                  <a:lumMod val="75000"/>
+                </a:schemeClr>
+              </a:solidFill>
+              <a:latin typeface="+mj-ea"/>
+              <a:ea typeface="+mj-ea"/>
+            </a:endParaRPr>
+          </a:p>
+          <a:p>
+            <a:pPr marL="457200" lvl="1" indent="0">
+              <a:spcBef>
+                <a:spcPts val="1000"/>
+              </a:spcBef>
+              <a:buFont typeface="Arial" panose="020B0604020202020204" pitchFamily="34" charset="0"/>
+              <a:buNone/>
+            </a:pPr>
+            <a:endParaRPr lang="en-US" altLang="ko-KR" spc="-60" dirty="0">
+              <a:ln>
+                <a:solidFill>
+                  <a:prstClr val="white">
+                    <a:alpha val="0"/>
+                  </a:prstClr>
+                </a:solidFill>
+              </a:ln>
+              <a:solidFill>
+                <a:schemeClr val="tx2">
+                  <a:lumMod val="75000"/>
+                </a:schemeClr>
+              </a:solidFill>
+              <a:latin typeface="+mj-ea"/>
+              <a:ea typeface="+mj-ea"/>
+            </a:endParaRPr>
+          </a:p>
+        </p:txBody>
+      </p:sp>
+      <p:sp>
+        <p:nvSpPr>
+          <p:cNvPr id="7" name="텍스트 개체 틀 6">
+            <a:extLst>
+              <a:ext uri="{FF2B5EF4-FFF2-40B4-BE49-F238E27FC236}">
+                <a16:creationId xmlns:a16="http://schemas.microsoft.com/office/drawing/2014/main" id="{DEDED96D-CEB5-4616-BE9C-4046A751D563}"/>
+              </a:ext>
+            </a:extLst>
+          </p:cNvPr>
+          <p:cNvSpPr>
+            <a:spLocks noGrp="1"/>
+          </p:cNvSpPr>
+          <p:nvPr>
+            <p:ph type="body" sz="quarter" idx="13"/>
+          </p:nvPr>
+        </p:nvSpPr>
+        <p:spPr>
+          <a:xfrm>
+            <a:off x="544513" y="1668463"/>
+            <a:ext cx="6901316" cy="416161"/>
+          </a:xfrm>
+        </p:spPr>
+        <p:txBody>
+          <a:bodyPr/>
+          <a:lstStyle/>
+          <a:p>
+            <a:pPr marL="171450" indent="-171450">
+              <a:spcBef>
+                <a:spcPts val="1000"/>
+              </a:spcBef>
+              <a:buFont typeface="Arial" panose="020B0604020202020204" pitchFamily="34" charset="0"/>
+              <a:buChar char="•"/>
+            </a:pPr>
+            <a:r>
+              <a:rPr lang="ko-KR" altLang="en-US" sz="2000" spc="-60" dirty="0">
+                <a:ln>
+                  <a:solidFill>
+                    <a:prstClr val="white">
+                      <a:alpha val="0"/>
+                    </a:prstClr>
+                  </a:solidFill>
+                </a:ln>
+                <a:solidFill>
+                  <a:schemeClr val="tx2">
+                    <a:lumMod val="75000"/>
+                  </a:schemeClr>
+                </a:solidFill>
+                <a:latin typeface="+mj-ea"/>
+                <a:ea typeface="+mj-ea"/>
+              </a:rPr>
               <a:t>각 시간대별 카테고리 이용 빈도수</a:t>
             </a:r>
             <a:endParaRPr lang="en-US" altLang="ko-KR" spc="-60" dirty="0">
@@ -16168,7 +20382,7 @@
 </p:sld>
 </file>
 
-<file path=ppt/slides/slide22.xml><?xml version="1.0" encoding="utf-8"?>
+<file path=ppt/slides/slide24.xml><?xml version="1.0" encoding="utf-8"?>
 <p:sld xmlns:a="http://schemas.openxmlformats.org/drawingml/2006/main" xmlns:r="http://schemas.openxmlformats.org/officeDocument/2006/relationships" xmlns:p="http://schemas.openxmlformats.org/presentationml/2006/main">
   <p:cSld>
     <p:spTree>
